--- a/Dokumentation/Lernfeld 12 Projekt.pptx
+++ b/Dokumentation/Lernfeld 12 Projekt.pptx
@@ -4,6 +4,9 @@
   <p:sldMasterIdLst>
     <p:sldMasterId id="2147483648" r:id="rId1"/>
   </p:sldMasterIdLst>
+  <p:notesMasterIdLst>
+    <p:notesMasterId r:id="rId17"/>
+  </p:notesMasterIdLst>
   <p:sldIdLst>
     <p:sldId id="256" r:id="rId2"/>
     <p:sldId id="257" r:id="rId3"/>
@@ -118,7 +121,1786 @@
       </a:defRPr>
     </a:lvl9pPr>
   </p:defaultTextStyle>
+  <p:extLst>
+    <p:ext uri="{EFAFB233-063F-42B5-8137-9DF3F51BA10A}">
+      <p15:sldGuideLst xmlns:p15="http://schemas.microsoft.com/office/powerpoint/2012/main"/>
+    </p:ext>
+  </p:extLst>
 </p:presentation>
+</file>
+
+<file path=ppt/changesInfos/changesInfo1.xml><?xml version="1.0" encoding="utf-8"?>
+<pc:chgInfo xmlns:a="http://schemas.openxmlformats.org/drawingml/2006/main" xmlns:r="http://schemas.openxmlformats.org/officeDocument/2006/relationships" xmlns:ac="http://schemas.microsoft.com/office/drawing/2013/main/command" xmlns:pc="http://schemas.microsoft.com/office/powerpoint/2013/main/command">
+  <pc:docChgLst>
+    <pc:chgData name="Beewen, Florian (SE-7/3AFS2K)" userId="80e2ae23-4813-4676-8001-d44bbafc202e" providerId="ADAL" clId="{AE6E9225-FAC5-4A14-9400-6C63783A8BE9}"/>
+    <pc:docChg chg="modSld">
+      <pc:chgData name="Beewen, Florian (SE-7/3AFS2K)" userId="80e2ae23-4813-4676-8001-d44bbafc202e" providerId="ADAL" clId="{AE6E9225-FAC5-4A14-9400-6C63783A8BE9}" dt="2025-02-04T08:54:00.315" v="76" actId="20577"/>
+      <pc:docMkLst>
+        <pc:docMk/>
+      </pc:docMkLst>
+      <pc:sldChg chg="modNotesTx">
+        <pc:chgData name="Beewen, Florian (SE-7/3AFS2K)" userId="80e2ae23-4813-4676-8001-d44bbafc202e" providerId="ADAL" clId="{AE6E9225-FAC5-4A14-9400-6C63783A8BE9}" dt="2025-02-04T08:53:56.455" v="71" actId="20577"/>
+        <pc:sldMkLst>
+          <pc:docMk/>
+          <pc:sldMk cId="4145744943" sldId="256"/>
+        </pc:sldMkLst>
+      </pc:sldChg>
+      <pc:sldChg chg="modNotesTx">
+        <pc:chgData name="Beewen, Florian (SE-7/3AFS2K)" userId="80e2ae23-4813-4676-8001-d44bbafc202e" providerId="ADAL" clId="{AE6E9225-FAC5-4A14-9400-6C63783A8BE9}" dt="2025-02-04T08:54:00.315" v="76" actId="20577"/>
+        <pc:sldMkLst>
+          <pc:docMk/>
+          <pc:sldMk cId="795310583" sldId="257"/>
+        </pc:sldMkLst>
+      </pc:sldChg>
+      <pc:sldChg chg="modNotesTx">
+        <pc:chgData name="Beewen, Florian (SE-7/3AFS2K)" userId="80e2ae23-4813-4676-8001-d44bbafc202e" providerId="ADAL" clId="{AE6E9225-FAC5-4A14-9400-6C63783A8BE9}" dt="2025-02-04T08:52:30.100" v="4" actId="20577"/>
+        <pc:sldMkLst>
+          <pc:docMk/>
+          <pc:sldMk cId="2903512010" sldId="258"/>
+        </pc:sldMkLst>
+      </pc:sldChg>
+      <pc:sldChg chg="modNotesTx">
+        <pc:chgData name="Beewen, Florian (SE-7/3AFS2K)" userId="80e2ae23-4813-4676-8001-d44bbafc202e" providerId="ADAL" clId="{AE6E9225-FAC5-4A14-9400-6C63783A8BE9}" dt="2025-02-04T08:52:43.010" v="11" actId="20577"/>
+        <pc:sldMkLst>
+          <pc:docMk/>
+          <pc:sldMk cId="1368631229" sldId="260"/>
+        </pc:sldMkLst>
+      </pc:sldChg>
+      <pc:sldChg chg="modNotesTx">
+        <pc:chgData name="Beewen, Florian (SE-7/3AFS2K)" userId="80e2ae23-4813-4676-8001-d44bbafc202e" providerId="ADAL" clId="{AE6E9225-FAC5-4A14-9400-6C63783A8BE9}" dt="2025-02-04T08:52:54.081" v="16" actId="20577"/>
+        <pc:sldMkLst>
+          <pc:docMk/>
+          <pc:sldMk cId="241887860" sldId="261"/>
+        </pc:sldMkLst>
+      </pc:sldChg>
+      <pc:sldChg chg="modNotesTx">
+        <pc:chgData name="Beewen, Florian (SE-7/3AFS2K)" userId="80e2ae23-4813-4676-8001-d44bbafc202e" providerId="ADAL" clId="{AE6E9225-FAC5-4A14-9400-6C63783A8BE9}" dt="2025-02-04T08:53:03.286" v="21" actId="20577"/>
+        <pc:sldMkLst>
+          <pc:docMk/>
+          <pc:sldMk cId="2490254022" sldId="262"/>
+        </pc:sldMkLst>
+      </pc:sldChg>
+      <pc:sldChg chg="modNotesTx">
+        <pc:chgData name="Beewen, Florian (SE-7/3AFS2K)" userId="80e2ae23-4813-4676-8001-d44bbafc202e" providerId="ADAL" clId="{AE6E9225-FAC5-4A14-9400-6C63783A8BE9}" dt="2025-02-04T08:53:11.232" v="26" actId="20577"/>
+        <pc:sldMkLst>
+          <pc:docMk/>
+          <pc:sldMk cId="3776739428" sldId="263"/>
+        </pc:sldMkLst>
+      </pc:sldChg>
+      <pc:sldChg chg="modNotesTx">
+        <pc:chgData name="Beewen, Florian (SE-7/3AFS2K)" userId="80e2ae23-4813-4676-8001-d44bbafc202e" providerId="ADAL" clId="{AE6E9225-FAC5-4A14-9400-6C63783A8BE9}" dt="2025-02-04T08:53:16.394" v="29" actId="20577"/>
+        <pc:sldMkLst>
+          <pc:docMk/>
+          <pc:sldMk cId="3883195815" sldId="264"/>
+        </pc:sldMkLst>
+      </pc:sldChg>
+      <pc:sldChg chg="modNotesTx">
+        <pc:chgData name="Beewen, Florian (SE-7/3AFS2K)" userId="80e2ae23-4813-4676-8001-d44bbafc202e" providerId="ADAL" clId="{AE6E9225-FAC5-4A14-9400-6C63783A8BE9}" dt="2025-02-04T08:53:20.055" v="32" actId="20577"/>
+        <pc:sldMkLst>
+          <pc:docMk/>
+          <pc:sldMk cId="31823734" sldId="265"/>
+        </pc:sldMkLst>
+      </pc:sldChg>
+      <pc:sldChg chg="modNotesTx">
+        <pc:chgData name="Beewen, Florian (SE-7/3AFS2K)" userId="80e2ae23-4813-4676-8001-d44bbafc202e" providerId="ADAL" clId="{AE6E9225-FAC5-4A14-9400-6C63783A8BE9}" dt="2025-02-04T08:53:29.423" v="39" actId="20577"/>
+        <pc:sldMkLst>
+          <pc:docMk/>
+          <pc:sldMk cId="131494481" sldId="266"/>
+        </pc:sldMkLst>
+      </pc:sldChg>
+      <pc:sldChg chg="modNotesTx">
+        <pc:chgData name="Beewen, Florian (SE-7/3AFS2K)" userId="80e2ae23-4813-4676-8001-d44bbafc202e" providerId="ADAL" clId="{AE6E9225-FAC5-4A14-9400-6C63783A8BE9}" dt="2025-02-04T08:53:33.856" v="46" actId="20577"/>
+        <pc:sldMkLst>
+          <pc:docMk/>
+          <pc:sldMk cId="3275196562" sldId="267"/>
+        </pc:sldMkLst>
+      </pc:sldChg>
+      <pc:sldChg chg="modNotesTx">
+        <pc:chgData name="Beewen, Florian (SE-7/3AFS2K)" userId="80e2ae23-4813-4676-8001-d44bbafc202e" providerId="ADAL" clId="{AE6E9225-FAC5-4A14-9400-6C63783A8BE9}" dt="2025-02-04T08:53:37.691" v="51" actId="20577"/>
+        <pc:sldMkLst>
+          <pc:docMk/>
+          <pc:sldMk cId="1343056098" sldId="268"/>
+        </pc:sldMkLst>
+      </pc:sldChg>
+      <pc:sldChg chg="modNotesTx">
+        <pc:chgData name="Beewen, Florian (SE-7/3AFS2K)" userId="80e2ae23-4813-4676-8001-d44bbafc202e" providerId="ADAL" clId="{AE6E9225-FAC5-4A14-9400-6C63783A8BE9}" dt="2025-02-04T08:53:41.947" v="56" actId="20577"/>
+        <pc:sldMkLst>
+          <pc:docMk/>
+          <pc:sldMk cId="2689339208" sldId="269"/>
+        </pc:sldMkLst>
+      </pc:sldChg>
+      <pc:sldChg chg="modNotesTx">
+        <pc:chgData name="Beewen, Florian (SE-7/3AFS2K)" userId="80e2ae23-4813-4676-8001-d44bbafc202e" providerId="ADAL" clId="{AE6E9225-FAC5-4A14-9400-6C63783A8BE9}" dt="2025-02-04T08:53:46.104" v="61" actId="20577"/>
+        <pc:sldMkLst>
+          <pc:docMk/>
+          <pc:sldMk cId="840203299" sldId="270"/>
+        </pc:sldMkLst>
+      </pc:sldChg>
+      <pc:sldChg chg="modNotesTx">
+        <pc:chgData name="Beewen, Florian (SE-7/3AFS2K)" userId="80e2ae23-4813-4676-8001-d44bbafc202e" providerId="ADAL" clId="{AE6E9225-FAC5-4A14-9400-6C63783A8BE9}" dt="2025-02-04T08:53:50.354" v="66" actId="20577"/>
+        <pc:sldMkLst>
+          <pc:docMk/>
+          <pc:sldMk cId="3984829396" sldId="272"/>
+        </pc:sldMkLst>
+      </pc:sldChg>
+    </pc:docChg>
+  </pc:docChgLst>
+</pc:chgInfo>
+</file>
+
+<file path=ppt/notesMasters/notesMaster1.xml><?xml version="1.0" encoding="utf-8"?>
+<p:notesMaster xmlns:a="http://schemas.openxmlformats.org/drawingml/2006/main" xmlns:r="http://schemas.openxmlformats.org/officeDocument/2006/relationships" xmlns:p="http://schemas.openxmlformats.org/presentationml/2006/main">
+  <p:cSld>
+    <p:bg>
+      <p:bgRef idx="1001">
+        <a:schemeClr val="bg1"/>
+      </p:bgRef>
+    </p:bg>
+    <p:spTree>
+      <p:nvGrpSpPr>
+        <p:cNvPr id="1" name=""/>
+        <p:cNvGrpSpPr/>
+        <p:nvPr/>
+      </p:nvGrpSpPr>
+      <p:grpSpPr>
+        <a:xfrm>
+          <a:off x="0" y="0"/>
+          <a:ext cx="0" cy="0"/>
+          <a:chOff x="0" y="0"/>
+          <a:chExt cx="0" cy="0"/>
+        </a:xfrm>
+      </p:grpSpPr>
+      <p:sp>
+        <p:nvSpPr>
+          <p:cNvPr id="2" name="Kopfzeilenplatzhalter 1"/>
+          <p:cNvSpPr>
+            <a:spLocks noGrp="1"/>
+          </p:cNvSpPr>
+          <p:nvPr>
+            <p:ph type="hdr" sz="quarter"/>
+          </p:nvPr>
+        </p:nvSpPr>
+        <p:spPr>
+          <a:xfrm>
+            <a:off x="0" y="0"/>
+            <a:ext cx="2971800" cy="458788"/>
+          </a:xfrm>
+          <a:prstGeom prst="rect">
+            <a:avLst/>
+          </a:prstGeom>
+        </p:spPr>
+        <p:txBody>
+          <a:bodyPr vert="horz" lIns="91440" tIns="45720" rIns="91440" bIns="45720" rtlCol="0"/>
+          <a:lstStyle>
+            <a:lvl1pPr algn="l">
+              <a:defRPr sz="1200"/>
+            </a:lvl1pPr>
+          </a:lstStyle>
+          <a:p>
+            <a:endParaRPr lang="de-DE"/>
+          </a:p>
+        </p:txBody>
+      </p:sp>
+      <p:sp>
+        <p:nvSpPr>
+          <p:cNvPr id="3" name="Datumsplatzhalter 2"/>
+          <p:cNvSpPr>
+            <a:spLocks noGrp="1"/>
+          </p:cNvSpPr>
+          <p:nvPr>
+            <p:ph type="dt" idx="1"/>
+          </p:nvPr>
+        </p:nvSpPr>
+        <p:spPr>
+          <a:xfrm>
+            <a:off x="3884613" y="0"/>
+            <a:ext cx="2971800" cy="458788"/>
+          </a:xfrm>
+          <a:prstGeom prst="rect">
+            <a:avLst/>
+          </a:prstGeom>
+        </p:spPr>
+        <p:txBody>
+          <a:bodyPr vert="horz" lIns="91440" tIns="45720" rIns="91440" bIns="45720" rtlCol="0"/>
+          <a:lstStyle>
+            <a:lvl1pPr algn="r">
+              <a:defRPr sz="1200"/>
+            </a:lvl1pPr>
+          </a:lstStyle>
+          <a:p>
+            <a:fld id="{6729F17F-90C7-4D41-861E-720123DEE1F5}" type="datetimeFigureOut">
+              <a:rPr lang="de-DE" smtClean="0"/>
+              <a:t>04.02.2025</a:t>
+            </a:fld>
+            <a:endParaRPr lang="de-DE"/>
+          </a:p>
+        </p:txBody>
+      </p:sp>
+      <p:sp>
+        <p:nvSpPr>
+          <p:cNvPr id="4" name="Folienbildplatzhalter 3"/>
+          <p:cNvSpPr>
+            <a:spLocks noGrp="1" noRot="1" noChangeAspect="1"/>
+          </p:cNvSpPr>
+          <p:nvPr>
+            <p:ph type="sldImg" idx="2"/>
+          </p:nvPr>
+        </p:nvSpPr>
+        <p:spPr>
+          <a:xfrm>
+            <a:off x="685800" y="1143000"/>
+            <a:ext cx="5486400" cy="3086100"/>
+          </a:xfrm>
+          <a:prstGeom prst="rect">
+            <a:avLst/>
+          </a:prstGeom>
+          <a:noFill/>
+          <a:ln w="12700">
+            <a:solidFill>
+              <a:prstClr val="black"/>
+            </a:solidFill>
+          </a:ln>
+        </p:spPr>
+        <p:txBody>
+          <a:bodyPr vert="horz" lIns="91440" tIns="45720" rIns="91440" bIns="45720" rtlCol="0" anchor="ctr"/>
+          <a:lstStyle/>
+          <a:p>
+            <a:endParaRPr lang="de-DE"/>
+          </a:p>
+        </p:txBody>
+      </p:sp>
+      <p:sp>
+        <p:nvSpPr>
+          <p:cNvPr id="5" name="Notizenplatzhalter 4"/>
+          <p:cNvSpPr>
+            <a:spLocks noGrp="1"/>
+          </p:cNvSpPr>
+          <p:nvPr>
+            <p:ph type="body" sz="quarter" idx="3"/>
+          </p:nvPr>
+        </p:nvSpPr>
+        <p:spPr>
+          <a:xfrm>
+            <a:off x="685800" y="4400550"/>
+            <a:ext cx="5486400" cy="3600450"/>
+          </a:xfrm>
+          <a:prstGeom prst="rect">
+            <a:avLst/>
+          </a:prstGeom>
+        </p:spPr>
+        <p:txBody>
+          <a:bodyPr vert="horz" lIns="91440" tIns="45720" rIns="91440" bIns="45720" rtlCol="0"/>
+          <a:lstStyle/>
+          <a:p>
+            <a:pPr lvl="0"/>
+            <a:r>
+              <a:rPr lang="de-DE"/>
+              <a:t>Mastertextformat bearbeiten</a:t>
+            </a:r>
+          </a:p>
+          <a:p>
+            <a:pPr lvl="1"/>
+            <a:r>
+              <a:rPr lang="de-DE"/>
+              <a:t>Zweite Ebene</a:t>
+            </a:r>
+          </a:p>
+          <a:p>
+            <a:pPr lvl="2"/>
+            <a:r>
+              <a:rPr lang="de-DE"/>
+              <a:t>Dritte Ebene</a:t>
+            </a:r>
+          </a:p>
+          <a:p>
+            <a:pPr lvl="3"/>
+            <a:r>
+              <a:rPr lang="de-DE"/>
+              <a:t>Vierte Ebene</a:t>
+            </a:r>
+          </a:p>
+          <a:p>
+            <a:pPr lvl="4"/>
+            <a:r>
+              <a:rPr lang="de-DE"/>
+              <a:t>Fünfte Ebene</a:t>
+            </a:r>
+          </a:p>
+        </p:txBody>
+      </p:sp>
+      <p:sp>
+        <p:nvSpPr>
+          <p:cNvPr id="6" name="Fußzeilenplatzhalter 5"/>
+          <p:cNvSpPr>
+            <a:spLocks noGrp="1"/>
+          </p:cNvSpPr>
+          <p:nvPr>
+            <p:ph type="ftr" sz="quarter" idx="4"/>
+          </p:nvPr>
+        </p:nvSpPr>
+        <p:spPr>
+          <a:xfrm>
+            <a:off x="0" y="8685213"/>
+            <a:ext cx="2971800" cy="458787"/>
+          </a:xfrm>
+          <a:prstGeom prst="rect">
+            <a:avLst/>
+          </a:prstGeom>
+        </p:spPr>
+        <p:txBody>
+          <a:bodyPr vert="horz" lIns="91440" tIns="45720" rIns="91440" bIns="45720" rtlCol="0" anchor="b"/>
+          <a:lstStyle>
+            <a:lvl1pPr algn="l">
+              <a:defRPr sz="1200"/>
+            </a:lvl1pPr>
+          </a:lstStyle>
+          <a:p>
+            <a:endParaRPr lang="de-DE"/>
+          </a:p>
+        </p:txBody>
+      </p:sp>
+      <p:sp>
+        <p:nvSpPr>
+          <p:cNvPr id="7" name="Foliennummernplatzhalter 6"/>
+          <p:cNvSpPr>
+            <a:spLocks noGrp="1"/>
+          </p:cNvSpPr>
+          <p:nvPr>
+            <p:ph type="sldNum" sz="quarter" idx="5"/>
+          </p:nvPr>
+        </p:nvSpPr>
+        <p:spPr>
+          <a:xfrm>
+            <a:off x="3884613" y="8685213"/>
+            <a:ext cx="2971800" cy="458787"/>
+          </a:xfrm>
+          <a:prstGeom prst="rect">
+            <a:avLst/>
+          </a:prstGeom>
+        </p:spPr>
+        <p:txBody>
+          <a:bodyPr vert="horz" lIns="91440" tIns="45720" rIns="91440" bIns="45720" rtlCol="0" anchor="b"/>
+          <a:lstStyle>
+            <a:lvl1pPr algn="r">
+              <a:defRPr sz="1200"/>
+            </a:lvl1pPr>
+          </a:lstStyle>
+          <a:p>
+            <a:fld id="{969C105D-800C-4EAF-8D7F-A2C70299A8D0}" type="slidenum">
+              <a:rPr lang="de-DE" smtClean="0"/>
+              <a:t>‹Nr.›</a:t>
+            </a:fld>
+            <a:endParaRPr lang="de-DE"/>
+          </a:p>
+        </p:txBody>
+      </p:sp>
+    </p:spTree>
+    <p:extLst>
+      <p:ext uri="{BB962C8B-B14F-4D97-AF65-F5344CB8AC3E}">
+        <p14:creationId xmlns:p14="http://schemas.microsoft.com/office/powerpoint/2010/main" val="861063610"/>
+      </p:ext>
+    </p:extLst>
+  </p:cSld>
+  <p:clrMap bg1="lt1" tx1="dk1" bg2="lt2" tx2="dk2" accent1="accent1" accent2="accent2" accent3="accent3" accent4="accent4" accent5="accent5" accent6="accent6" hlink="hlink" folHlink="folHlink"/>
+  <p:notesStyle>
+    <a:lvl1pPr marL="0" algn="l" defTabSz="914400" rtl="0" eaLnBrk="1" latinLnBrk="0" hangingPunct="1">
+      <a:defRPr sz="1200" kern="1200">
+        <a:solidFill>
+          <a:schemeClr val="tx1"/>
+        </a:solidFill>
+        <a:latin typeface="+mn-lt"/>
+        <a:ea typeface="+mn-ea"/>
+        <a:cs typeface="+mn-cs"/>
+      </a:defRPr>
+    </a:lvl1pPr>
+    <a:lvl2pPr marL="457200" algn="l" defTabSz="914400" rtl="0" eaLnBrk="1" latinLnBrk="0" hangingPunct="1">
+      <a:defRPr sz="1200" kern="1200">
+        <a:solidFill>
+          <a:schemeClr val="tx1"/>
+        </a:solidFill>
+        <a:latin typeface="+mn-lt"/>
+        <a:ea typeface="+mn-ea"/>
+        <a:cs typeface="+mn-cs"/>
+      </a:defRPr>
+    </a:lvl2pPr>
+    <a:lvl3pPr marL="914400" algn="l" defTabSz="914400" rtl="0" eaLnBrk="1" latinLnBrk="0" hangingPunct="1">
+      <a:defRPr sz="1200" kern="1200">
+        <a:solidFill>
+          <a:schemeClr val="tx1"/>
+        </a:solidFill>
+        <a:latin typeface="+mn-lt"/>
+        <a:ea typeface="+mn-ea"/>
+        <a:cs typeface="+mn-cs"/>
+      </a:defRPr>
+    </a:lvl3pPr>
+    <a:lvl4pPr marL="1371600" algn="l" defTabSz="914400" rtl="0" eaLnBrk="1" latinLnBrk="0" hangingPunct="1">
+      <a:defRPr sz="1200" kern="1200">
+        <a:solidFill>
+          <a:schemeClr val="tx1"/>
+        </a:solidFill>
+        <a:latin typeface="+mn-lt"/>
+        <a:ea typeface="+mn-ea"/>
+        <a:cs typeface="+mn-cs"/>
+      </a:defRPr>
+    </a:lvl4pPr>
+    <a:lvl5pPr marL="1828800" algn="l" defTabSz="914400" rtl="0" eaLnBrk="1" latinLnBrk="0" hangingPunct="1">
+      <a:defRPr sz="1200" kern="1200">
+        <a:solidFill>
+          <a:schemeClr val="tx1"/>
+        </a:solidFill>
+        <a:latin typeface="+mn-lt"/>
+        <a:ea typeface="+mn-ea"/>
+        <a:cs typeface="+mn-cs"/>
+      </a:defRPr>
+    </a:lvl5pPr>
+    <a:lvl6pPr marL="2286000" algn="l" defTabSz="914400" rtl="0" eaLnBrk="1" latinLnBrk="0" hangingPunct="1">
+      <a:defRPr sz="1200" kern="1200">
+        <a:solidFill>
+          <a:schemeClr val="tx1"/>
+        </a:solidFill>
+        <a:latin typeface="+mn-lt"/>
+        <a:ea typeface="+mn-ea"/>
+        <a:cs typeface="+mn-cs"/>
+      </a:defRPr>
+    </a:lvl6pPr>
+    <a:lvl7pPr marL="2743200" algn="l" defTabSz="914400" rtl="0" eaLnBrk="1" latinLnBrk="0" hangingPunct="1">
+      <a:defRPr sz="1200" kern="1200">
+        <a:solidFill>
+          <a:schemeClr val="tx1"/>
+        </a:solidFill>
+        <a:latin typeface="+mn-lt"/>
+        <a:ea typeface="+mn-ea"/>
+        <a:cs typeface="+mn-cs"/>
+      </a:defRPr>
+    </a:lvl7pPr>
+    <a:lvl8pPr marL="3200400" algn="l" defTabSz="914400" rtl="0" eaLnBrk="1" latinLnBrk="0" hangingPunct="1">
+      <a:defRPr sz="1200" kern="1200">
+        <a:solidFill>
+          <a:schemeClr val="tx1"/>
+        </a:solidFill>
+        <a:latin typeface="+mn-lt"/>
+        <a:ea typeface="+mn-ea"/>
+        <a:cs typeface="+mn-cs"/>
+      </a:defRPr>
+    </a:lvl8pPr>
+    <a:lvl9pPr marL="3657600" algn="l" defTabSz="914400" rtl="0" eaLnBrk="1" latinLnBrk="0" hangingPunct="1">
+      <a:defRPr sz="1200" kern="1200">
+        <a:solidFill>
+          <a:schemeClr val="tx1"/>
+        </a:solidFill>
+        <a:latin typeface="+mn-lt"/>
+        <a:ea typeface="+mn-ea"/>
+        <a:cs typeface="+mn-cs"/>
+      </a:defRPr>
+    </a:lvl9pPr>
+  </p:notesStyle>
+</p:notesMaster>
+</file>
+
+<file path=ppt/notesSlides/notesSlide1.xml><?xml version="1.0" encoding="utf-8"?>
+<p:notes xmlns:a="http://schemas.openxmlformats.org/drawingml/2006/main" xmlns:r="http://schemas.openxmlformats.org/officeDocument/2006/relationships" xmlns:p="http://schemas.openxmlformats.org/presentationml/2006/main">
+  <p:cSld>
+    <p:spTree>
+      <p:nvGrpSpPr>
+        <p:cNvPr id="1" name=""/>
+        <p:cNvGrpSpPr/>
+        <p:nvPr/>
+      </p:nvGrpSpPr>
+      <p:grpSpPr>
+        <a:xfrm>
+          <a:off x="0" y="0"/>
+          <a:ext cx="0" cy="0"/>
+          <a:chOff x="0" y="0"/>
+          <a:chExt cx="0" cy="0"/>
+        </a:xfrm>
+      </p:grpSpPr>
+      <p:sp>
+        <p:nvSpPr>
+          <p:cNvPr id="2" name="Folienbildplatzhalter 1"/>
+          <p:cNvSpPr>
+            <a:spLocks noGrp="1" noRot="1" noChangeAspect="1"/>
+          </p:cNvSpPr>
+          <p:nvPr>
+            <p:ph type="sldImg"/>
+          </p:nvPr>
+        </p:nvSpPr>
+        <p:spPr/>
+      </p:sp>
+      <p:sp>
+        <p:nvSpPr>
+          <p:cNvPr id="3" name="Notizenplatzhalter 2"/>
+          <p:cNvSpPr>
+            <a:spLocks noGrp="1"/>
+          </p:cNvSpPr>
+          <p:nvPr>
+            <p:ph type="body" idx="1"/>
+          </p:nvPr>
+        </p:nvSpPr>
+        <p:spPr/>
+        <p:txBody>
+          <a:bodyPr/>
+          <a:lstStyle/>
+          <a:p>
+            <a:r>
+              <a:rPr lang="de-DE" dirty="0"/>
+              <a:t>Louis</a:t>
+            </a:r>
+          </a:p>
+        </p:txBody>
+      </p:sp>
+      <p:sp>
+        <p:nvSpPr>
+          <p:cNvPr id="4" name="Foliennummernplatzhalter 3"/>
+          <p:cNvSpPr>
+            <a:spLocks noGrp="1"/>
+          </p:cNvSpPr>
+          <p:nvPr>
+            <p:ph type="sldNum" sz="quarter" idx="5"/>
+          </p:nvPr>
+        </p:nvSpPr>
+        <p:spPr/>
+        <p:txBody>
+          <a:bodyPr/>
+          <a:lstStyle/>
+          <a:p>
+            <a:fld id="{969C105D-800C-4EAF-8D7F-A2C70299A8D0}" type="slidenum">
+              <a:rPr lang="de-DE" smtClean="0"/>
+              <a:t>1</a:t>
+            </a:fld>
+            <a:endParaRPr lang="de-DE"/>
+          </a:p>
+        </p:txBody>
+      </p:sp>
+    </p:spTree>
+    <p:extLst>
+      <p:ext uri="{BB962C8B-B14F-4D97-AF65-F5344CB8AC3E}">
+        <p14:creationId xmlns:p14="http://schemas.microsoft.com/office/powerpoint/2010/main" val="462733928"/>
+      </p:ext>
+    </p:extLst>
+  </p:cSld>
+  <p:clrMapOvr>
+    <a:masterClrMapping/>
+  </p:clrMapOvr>
+</p:notes>
+</file>
+
+<file path=ppt/notesSlides/notesSlide10.xml><?xml version="1.0" encoding="utf-8"?>
+<p:notes xmlns:a="http://schemas.openxmlformats.org/drawingml/2006/main" xmlns:r="http://schemas.openxmlformats.org/officeDocument/2006/relationships" xmlns:p="http://schemas.openxmlformats.org/presentationml/2006/main">
+  <p:cSld>
+    <p:spTree>
+      <p:nvGrpSpPr>
+        <p:cNvPr id="1" name=""/>
+        <p:cNvGrpSpPr/>
+        <p:nvPr/>
+      </p:nvGrpSpPr>
+      <p:grpSpPr>
+        <a:xfrm>
+          <a:off x="0" y="0"/>
+          <a:ext cx="0" cy="0"/>
+          <a:chOff x="0" y="0"/>
+          <a:chExt cx="0" cy="0"/>
+        </a:xfrm>
+      </p:grpSpPr>
+      <p:sp>
+        <p:nvSpPr>
+          <p:cNvPr id="2" name="Folienbildplatzhalter 1"/>
+          <p:cNvSpPr>
+            <a:spLocks noGrp="1" noRot="1" noChangeAspect="1"/>
+          </p:cNvSpPr>
+          <p:nvPr>
+            <p:ph type="sldImg"/>
+          </p:nvPr>
+        </p:nvSpPr>
+        <p:spPr/>
+      </p:sp>
+      <p:sp>
+        <p:nvSpPr>
+          <p:cNvPr id="3" name="Notizenplatzhalter 2"/>
+          <p:cNvSpPr>
+            <a:spLocks noGrp="1"/>
+          </p:cNvSpPr>
+          <p:nvPr>
+            <p:ph type="body" idx="1"/>
+          </p:nvPr>
+        </p:nvSpPr>
+        <p:spPr/>
+        <p:txBody>
+          <a:bodyPr/>
+          <a:lstStyle/>
+          <a:p>
+            <a:r>
+              <a:rPr lang="de-DE" dirty="0"/>
+              <a:t>Lennart</a:t>
+            </a:r>
+          </a:p>
+        </p:txBody>
+      </p:sp>
+      <p:sp>
+        <p:nvSpPr>
+          <p:cNvPr id="4" name="Foliennummernplatzhalter 3"/>
+          <p:cNvSpPr>
+            <a:spLocks noGrp="1"/>
+          </p:cNvSpPr>
+          <p:nvPr>
+            <p:ph type="sldNum" sz="quarter" idx="5"/>
+          </p:nvPr>
+        </p:nvSpPr>
+        <p:spPr/>
+        <p:txBody>
+          <a:bodyPr/>
+          <a:lstStyle/>
+          <a:p>
+            <a:fld id="{969C105D-800C-4EAF-8D7F-A2C70299A8D0}" type="slidenum">
+              <a:rPr lang="de-DE" smtClean="0"/>
+              <a:t>10</a:t>
+            </a:fld>
+            <a:endParaRPr lang="de-DE"/>
+          </a:p>
+        </p:txBody>
+      </p:sp>
+    </p:spTree>
+    <p:extLst>
+      <p:ext uri="{BB962C8B-B14F-4D97-AF65-F5344CB8AC3E}">
+        <p14:creationId xmlns:p14="http://schemas.microsoft.com/office/powerpoint/2010/main" val="3198491952"/>
+      </p:ext>
+    </p:extLst>
+  </p:cSld>
+  <p:clrMapOvr>
+    <a:masterClrMapping/>
+  </p:clrMapOvr>
+</p:notes>
+</file>
+
+<file path=ppt/notesSlides/notesSlide11.xml><?xml version="1.0" encoding="utf-8"?>
+<p:notes xmlns:a="http://schemas.openxmlformats.org/drawingml/2006/main" xmlns:r="http://schemas.openxmlformats.org/officeDocument/2006/relationships" xmlns:p="http://schemas.openxmlformats.org/presentationml/2006/main">
+  <p:cSld>
+    <p:spTree>
+      <p:nvGrpSpPr>
+        <p:cNvPr id="1" name=""/>
+        <p:cNvGrpSpPr/>
+        <p:nvPr/>
+      </p:nvGrpSpPr>
+      <p:grpSpPr>
+        <a:xfrm>
+          <a:off x="0" y="0"/>
+          <a:ext cx="0" cy="0"/>
+          <a:chOff x="0" y="0"/>
+          <a:chExt cx="0" cy="0"/>
+        </a:xfrm>
+      </p:grpSpPr>
+      <p:sp>
+        <p:nvSpPr>
+          <p:cNvPr id="2" name="Folienbildplatzhalter 1"/>
+          <p:cNvSpPr>
+            <a:spLocks noGrp="1" noRot="1" noChangeAspect="1"/>
+          </p:cNvSpPr>
+          <p:nvPr>
+            <p:ph type="sldImg"/>
+          </p:nvPr>
+        </p:nvSpPr>
+        <p:spPr/>
+      </p:sp>
+      <p:sp>
+        <p:nvSpPr>
+          <p:cNvPr id="3" name="Notizenplatzhalter 2"/>
+          <p:cNvSpPr>
+            <a:spLocks noGrp="1"/>
+          </p:cNvSpPr>
+          <p:nvPr>
+            <p:ph type="body" idx="1"/>
+          </p:nvPr>
+        </p:nvSpPr>
+        <p:spPr/>
+        <p:txBody>
+          <a:bodyPr/>
+          <a:lstStyle/>
+          <a:p>
+            <a:r>
+              <a:rPr lang="de-DE" dirty="0"/>
+              <a:t>Lennart</a:t>
+            </a:r>
+          </a:p>
+        </p:txBody>
+      </p:sp>
+      <p:sp>
+        <p:nvSpPr>
+          <p:cNvPr id="4" name="Foliennummernplatzhalter 3"/>
+          <p:cNvSpPr>
+            <a:spLocks noGrp="1"/>
+          </p:cNvSpPr>
+          <p:nvPr>
+            <p:ph type="sldNum" sz="quarter" idx="5"/>
+          </p:nvPr>
+        </p:nvSpPr>
+        <p:spPr/>
+        <p:txBody>
+          <a:bodyPr/>
+          <a:lstStyle/>
+          <a:p>
+            <a:fld id="{969C105D-800C-4EAF-8D7F-A2C70299A8D0}" type="slidenum">
+              <a:rPr lang="de-DE" smtClean="0"/>
+              <a:t>11</a:t>
+            </a:fld>
+            <a:endParaRPr lang="de-DE"/>
+          </a:p>
+        </p:txBody>
+      </p:sp>
+    </p:spTree>
+    <p:extLst>
+      <p:ext uri="{BB962C8B-B14F-4D97-AF65-F5344CB8AC3E}">
+        <p14:creationId xmlns:p14="http://schemas.microsoft.com/office/powerpoint/2010/main" val="2613892503"/>
+      </p:ext>
+    </p:extLst>
+  </p:cSld>
+  <p:clrMapOvr>
+    <a:masterClrMapping/>
+  </p:clrMapOvr>
+</p:notes>
+</file>
+
+<file path=ppt/notesSlides/notesSlide12.xml><?xml version="1.0" encoding="utf-8"?>
+<p:notes xmlns:a="http://schemas.openxmlformats.org/drawingml/2006/main" xmlns:r="http://schemas.openxmlformats.org/officeDocument/2006/relationships" xmlns:p="http://schemas.openxmlformats.org/presentationml/2006/main">
+  <p:cSld>
+    <p:spTree>
+      <p:nvGrpSpPr>
+        <p:cNvPr id="1" name=""/>
+        <p:cNvGrpSpPr/>
+        <p:nvPr/>
+      </p:nvGrpSpPr>
+      <p:grpSpPr>
+        <a:xfrm>
+          <a:off x="0" y="0"/>
+          <a:ext cx="0" cy="0"/>
+          <a:chOff x="0" y="0"/>
+          <a:chExt cx="0" cy="0"/>
+        </a:xfrm>
+      </p:grpSpPr>
+      <p:sp>
+        <p:nvSpPr>
+          <p:cNvPr id="2" name="Folienbildplatzhalter 1"/>
+          <p:cNvSpPr>
+            <a:spLocks noGrp="1" noRot="1" noChangeAspect="1"/>
+          </p:cNvSpPr>
+          <p:nvPr>
+            <p:ph type="sldImg"/>
+          </p:nvPr>
+        </p:nvSpPr>
+        <p:spPr/>
+      </p:sp>
+      <p:sp>
+        <p:nvSpPr>
+          <p:cNvPr id="3" name="Notizenplatzhalter 2"/>
+          <p:cNvSpPr>
+            <a:spLocks noGrp="1"/>
+          </p:cNvSpPr>
+          <p:nvPr>
+            <p:ph type="body" idx="1"/>
+          </p:nvPr>
+        </p:nvSpPr>
+        <p:spPr/>
+        <p:txBody>
+          <a:bodyPr/>
+          <a:lstStyle/>
+          <a:p>
+            <a:r>
+              <a:rPr lang="de-DE" dirty="0"/>
+              <a:t>Louis</a:t>
+            </a:r>
+          </a:p>
+        </p:txBody>
+      </p:sp>
+      <p:sp>
+        <p:nvSpPr>
+          <p:cNvPr id="4" name="Foliennummernplatzhalter 3"/>
+          <p:cNvSpPr>
+            <a:spLocks noGrp="1"/>
+          </p:cNvSpPr>
+          <p:nvPr>
+            <p:ph type="sldNum" sz="quarter" idx="5"/>
+          </p:nvPr>
+        </p:nvSpPr>
+        <p:spPr/>
+        <p:txBody>
+          <a:bodyPr/>
+          <a:lstStyle/>
+          <a:p>
+            <a:fld id="{969C105D-800C-4EAF-8D7F-A2C70299A8D0}" type="slidenum">
+              <a:rPr lang="de-DE" smtClean="0"/>
+              <a:t>12</a:t>
+            </a:fld>
+            <a:endParaRPr lang="de-DE"/>
+          </a:p>
+        </p:txBody>
+      </p:sp>
+    </p:spTree>
+    <p:extLst>
+      <p:ext uri="{BB962C8B-B14F-4D97-AF65-F5344CB8AC3E}">
+        <p14:creationId xmlns:p14="http://schemas.microsoft.com/office/powerpoint/2010/main" val="1639951873"/>
+      </p:ext>
+    </p:extLst>
+  </p:cSld>
+  <p:clrMapOvr>
+    <a:masterClrMapping/>
+  </p:clrMapOvr>
+</p:notes>
+</file>
+
+<file path=ppt/notesSlides/notesSlide13.xml><?xml version="1.0" encoding="utf-8"?>
+<p:notes xmlns:a="http://schemas.openxmlformats.org/drawingml/2006/main" xmlns:r="http://schemas.openxmlformats.org/officeDocument/2006/relationships" xmlns:p="http://schemas.openxmlformats.org/presentationml/2006/main">
+  <p:cSld>
+    <p:spTree>
+      <p:nvGrpSpPr>
+        <p:cNvPr id="1" name=""/>
+        <p:cNvGrpSpPr/>
+        <p:nvPr/>
+      </p:nvGrpSpPr>
+      <p:grpSpPr>
+        <a:xfrm>
+          <a:off x="0" y="0"/>
+          <a:ext cx="0" cy="0"/>
+          <a:chOff x="0" y="0"/>
+          <a:chExt cx="0" cy="0"/>
+        </a:xfrm>
+      </p:grpSpPr>
+      <p:sp>
+        <p:nvSpPr>
+          <p:cNvPr id="2" name="Folienbildplatzhalter 1"/>
+          <p:cNvSpPr>
+            <a:spLocks noGrp="1" noRot="1" noChangeAspect="1"/>
+          </p:cNvSpPr>
+          <p:nvPr>
+            <p:ph type="sldImg"/>
+          </p:nvPr>
+        </p:nvSpPr>
+        <p:spPr/>
+      </p:sp>
+      <p:sp>
+        <p:nvSpPr>
+          <p:cNvPr id="3" name="Notizenplatzhalter 2"/>
+          <p:cNvSpPr>
+            <a:spLocks noGrp="1"/>
+          </p:cNvSpPr>
+          <p:nvPr>
+            <p:ph type="body" idx="1"/>
+          </p:nvPr>
+        </p:nvSpPr>
+        <p:spPr/>
+        <p:txBody>
+          <a:bodyPr/>
+          <a:lstStyle/>
+          <a:p>
+            <a:r>
+              <a:rPr lang="de-DE" dirty="0"/>
+              <a:t>Louis</a:t>
+            </a:r>
+          </a:p>
+        </p:txBody>
+      </p:sp>
+      <p:sp>
+        <p:nvSpPr>
+          <p:cNvPr id="4" name="Foliennummernplatzhalter 3"/>
+          <p:cNvSpPr>
+            <a:spLocks noGrp="1"/>
+          </p:cNvSpPr>
+          <p:nvPr>
+            <p:ph type="sldNum" sz="quarter" idx="5"/>
+          </p:nvPr>
+        </p:nvSpPr>
+        <p:spPr/>
+        <p:txBody>
+          <a:bodyPr/>
+          <a:lstStyle/>
+          <a:p>
+            <a:fld id="{969C105D-800C-4EAF-8D7F-A2C70299A8D0}" type="slidenum">
+              <a:rPr lang="de-DE" smtClean="0"/>
+              <a:t>13</a:t>
+            </a:fld>
+            <a:endParaRPr lang="de-DE"/>
+          </a:p>
+        </p:txBody>
+      </p:sp>
+    </p:spTree>
+    <p:extLst>
+      <p:ext uri="{BB962C8B-B14F-4D97-AF65-F5344CB8AC3E}">
+        <p14:creationId xmlns:p14="http://schemas.microsoft.com/office/powerpoint/2010/main" val="3741282006"/>
+      </p:ext>
+    </p:extLst>
+  </p:cSld>
+  <p:clrMapOvr>
+    <a:masterClrMapping/>
+  </p:clrMapOvr>
+</p:notes>
+</file>
+
+<file path=ppt/notesSlides/notesSlide14.xml><?xml version="1.0" encoding="utf-8"?>
+<p:notes xmlns:a="http://schemas.openxmlformats.org/drawingml/2006/main" xmlns:r="http://schemas.openxmlformats.org/officeDocument/2006/relationships" xmlns:p="http://schemas.openxmlformats.org/presentationml/2006/main">
+  <p:cSld>
+    <p:spTree>
+      <p:nvGrpSpPr>
+        <p:cNvPr id="1" name=""/>
+        <p:cNvGrpSpPr/>
+        <p:nvPr/>
+      </p:nvGrpSpPr>
+      <p:grpSpPr>
+        <a:xfrm>
+          <a:off x="0" y="0"/>
+          <a:ext cx="0" cy="0"/>
+          <a:chOff x="0" y="0"/>
+          <a:chExt cx="0" cy="0"/>
+        </a:xfrm>
+      </p:grpSpPr>
+      <p:sp>
+        <p:nvSpPr>
+          <p:cNvPr id="2" name="Folienbildplatzhalter 1"/>
+          <p:cNvSpPr>
+            <a:spLocks noGrp="1" noRot="1" noChangeAspect="1"/>
+          </p:cNvSpPr>
+          <p:nvPr>
+            <p:ph type="sldImg"/>
+          </p:nvPr>
+        </p:nvSpPr>
+        <p:spPr/>
+      </p:sp>
+      <p:sp>
+        <p:nvSpPr>
+          <p:cNvPr id="3" name="Notizenplatzhalter 2"/>
+          <p:cNvSpPr>
+            <a:spLocks noGrp="1"/>
+          </p:cNvSpPr>
+          <p:nvPr>
+            <p:ph type="body" idx="1"/>
+          </p:nvPr>
+        </p:nvSpPr>
+        <p:spPr/>
+        <p:txBody>
+          <a:bodyPr/>
+          <a:lstStyle/>
+          <a:p>
+            <a:r>
+              <a:rPr lang="de-DE" dirty="0"/>
+              <a:t>Louis</a:t>
+            </a:r>
+          </a:p>
+        </p:txBody>
+      </p:sp>
+      <p:sp>
+        <p:nvSpPr>
+          <p:cNvPr id="4" name="Foliennummernplatzhalter 3"/>
+          <p:cNvSpPr>
+            <a:spLocks noGrp="1"/>
+          </p:cNvSpPr>
+          <p:nvPr>
+            <p:ph type="sldNum" sz="quarter" idx="5"/>
+          </p:nvPr>
+        </p:nvSpPr>
+        <p:spPr/>
+        <p:txBody>
+          <a:bodyPr/>
+          <a:lstStyle/>
+          <a:p>
+            <a:fld id="{969C105D-800C-4EAF-8D7F-A2C70299A8D0}" type="slidenum">
+              <a:rPr lang="de-DE" smtClean="0"/>
+              <a:t>14</a:t>
+            </a:fld>
+            <a:endParaRPr lang="de-DE"/>
+          </a:p>
+        </p:txBody>
+      </p:sp>
+    </p:spTree>
+    <p:extLst>
+      <p:ext uri="{BB962C8B-B14F-4D97-AF65-F5344CB8AC3E}">
+        <p14:creationId xmlns:p14="http://schemas.microsoft.com/office/powerpoint/2010/main" val="4100833244"/>
+      </p:ext>
+    </p:extLst>
+  </p:cSld>
+  <p:clrMapOvr>
+    <a:masterClrMapping/>
+  </p:clrMapOvr>
+</p:notes>
+</file>
+
+<file path=ppt/notesSlides/notesSlide15.xml><?xml version="1.0" encoding="utf-8"?>
+<p:notes xmlns:a="http://schemas.openxmlformats.org/drawingml/2006/main" xmlns:r="http://schemas.openxmlformats.org/officeDocument/2006/relationships" xmlns:p="http://schemas.openxmlformats.org/presentationml/2006/main">
+  <p:cSld>
+    <p:spTree>
+      <p:nvGrpSpPr>
+        <p:cNvPr id="1" name=""/>
+        <p:cNvGrpSpPr/>
+        <p:nvPr/>
+      </p:nvGrpSpPr>
+      <p:grpSpPr>
+        <a:xfrm>
+          <a:off x="0" y="0"/>
+          <a:ext cx="0" cy="0"/>
+          <a:chOff x="0" y="0"/>
+          <a:chExt cx="0" cy="0"/>
+        </a:xfrm>
+      </p:grpSpPr>
+      <p:sp>
+        <p:nvSpPr>
+          <p:cNvPr id="2" name="Folienbildplatzhalter 1"/>
+          <p:cNvSpPr>
+            <a:spLocks noGrp="1" noRot="1" noChangeAspect="1"/>
+          </p:cNvSpPr>
+          <p:nvPr>
+            <p:ph type="sldImg"/>
+          </p:nvPr>
+        </p:nvSpPr>
+        <p:spPr/>
+      </p:sp>
+      <p:sp>
+        <p:nvSpPr>
+          <p:cNvPr id="3" name="Notizenplatzhalter 2"/>
+          <p:cNvSpPr>
+            <a:spLocks noGrp="1"/>
+          </p:cNvSpPr>
+          <p:nvPr>
+            <p:ph type="body" idx="1"/>
+          </p:nvPr>
+        </p:nvSpPr>
+        <p:spPr/>
+        <p:txBody>
+          <a:bodyPr/>
+          <a:lstStyle/>
+          <a:p>
+            <a:r>
+              <a:rPr lang="de-DE" dirty="0"/>
+              <a:t>Louis</a:t>
+            </a:r>
+          </a:p>
+        </p:txBody>
+      </p:sp>
+      <p:sp>
+        <p:nvSpPr>
+          <p:cNvPr id="4" name="Foliennummernplatzhalter 3"/>
+          <p:cNvSpPr>
+            <a:spLocks noGrp="1"/>
+          </p:cNvSpPr>
+          <p:nvPr>
+            <p:ph type="sldNum" sz="quarter" idx="5"/>
+          </p:nvPr>
+        </p:nvSpPr>
+        <p:spPr/>
+        <p:txBody>
+          <a:bodyPr/>
+          <a:lstStyle/>
+          <a:p>
+            <a:fld id="{969C105D-800C-4EAF-8D7F-A2C70299A8D0}" type="slidenum">
+              <a:rPr lang="de-DE" smtClean="0"/>
+              <a:t>15</a:t>
+            </a:fld>
+            <a:endParaRPr lang="de-DE"/>
+          </a:p>
+        </p:txBody>
+      </p:sp>
+    </p:spTree>
+    <p:extLst>
+      <p:ext uri="{BB962C8B-B14F-4D97-AF65-F5344CB8AC3E}">
+        <p14:creationId xmlns:p14="http://schemas.microsoft.com/office/powerpoint/2010/main" val="203402590"/>
+      </p:ext>
+    </p:extLst>
+  </p:cSld>
+  <p:clrMapOvr>
+    <a:masterClrMapping/>
+  </p:clrMapOvr>
+</p:notes>
+</file>
+
+<file path=ppt/notesSlides/notesSlide2.xml><?xml version="1.0" encoding="utf-8"?>
+<p:notes xmlns:a="http://schemas.openxmlformats.org/drawingml/2006/main" xmlns:r="http://schemas.openxmlformats.org/officeDocument/2006/relationships" xmlns:p="http://schemas.openxmlformats.org/presentationml/2006/main">
+  <p:cSld>
+    <p:spTree>
+      <p:nvGrpSpPr>
+        <p:cNvPr id="1" name=""/>
+        <p:cNvGrpSpPr/>
+        <p:nvPr/>
+      </p:nvGrpSpPr>
+      <p:grpSpPr>
+        <a:xfrm>
+          <a:off x="0" y="0"/>
+          <a:ext cx="0" cy="0"/>
+          <a:chOff x="0" y="0"/>
+          <a:chExt cx="0" cy="0"/>
+        </a:xfrm>
+      </p:grpSpPr>
+      <p:sp>
+        <p:nvSpPr>
+          <p:cNvPr id="2" name="Folienbildplatzhalter 1"/>
+          <p:cNvSpPr>
+            <a:spLocks noGrp="1" noRot="1" noChangeAspect="1"/>
+          </p:cNvSpPr>
+          <p:nvPr>
+            <p:ph type="sldImg"/>
+          </p:nvPr>
+        </p:nvSpPr>
+        <p:spPr/>
+      </p:sp>
+      <p:sp>
+        <p:nvSpPr>
+          <p:cNvPr id="3" name="Notizenplatzhalter 2"/>
+          <p:cNvSpPr>
+            <a:spLocks noGrp="1"/>
+          </p:cNvSpPr>
+          <p:nvPr>
+            <p:ph type="body" idx="1"/>
+          </p:nvPr>
+        </p:nvSpPr>
+        <p:spPr/>
+        <p:txBody>
+          <a:bodyPr/>
+          <a:lstStyle/>
+          <a:p>
+            <a:r>
+              <a:rPr lang="de-DE" dirty="0"/>
+              <a:t>Louis</a:t>
+            </a:r>
+          </a:p>
+        </p:txBody>
+      </p:sp>
+      <p:sp>
+        <p:nvSpPr>
+          <p:cNvPr id="4" name="Foliennummernplatzhalter 3"/>
+          <p:cNvSpPr>
+            <a:spLocks noGrp="1"/>
+          </p:cNvSpPr>
+          <p:nvPr>
+            <p:ph type="sldNum" sz="quarter" idx="5"/>
+          </p:nvPr>
+        </p:nvSpPr>
+        <p:spPr/>
+        <p:txBody>
+          <a:bodyPr/>
+          <a:lstStyle/>
+          <a:p>
+            <a:fld id="{969C105D-800C-4EAF-8D7F-A2C70299A8D0}" type="slidenum">
+              <a:rPr lang="de-DE" smtClean="0"/>
+              <a:t>2</a:t>
+            </a:fld>
+            <a:endParaRPr lang="de-DE"/>
+          </a:p>
+        </p:txBody>
+      </p:sp>
+    </p:spTree>
+    <p:extLst>
+      <p:ext uri="{BB962C8B-B14F-4D97-AF65-F5344CB8AC3E}">
+        <p14:creationId xmlns:p14="http://schemas.microsoft.com/office/powerpoint/2010/main" val="2431775207"/>
+      </p:ext>
+    </p:extLst>
+  </p:cSld>
+  <p:clrMapOvr>
+    <a:masterClrMapping/>
+  </p:clrMapOvr>
+</p:notes>
+</file>
+
+<file path=ppt/notesSlides/notesSlide3.xml><?xml version="1.0" encoding="utf-8"?>
+<p:notes xmlns:a="http://schemas.openxmlformats.org/drawingml/2006/main" xmlns:r="http://schemas.openxmlformats.org/officeDocument/2006/relationships" xmlns:p="http://schemas.openxmlformats.org/presentationml/2006/main">
+  <p:cSld>
+    <p:spTree>
+      <p:nvGrpSpPr>
+        <p:cNvPr id="1" name=""/>
+        <p:cNvGrpSpPr/>
+        <p:nvPr/>
+      </p:nvGrpSpPr>
+      <p:grpSpPr>
+        <a:xfrm>
+          <a:off x="0" y="0"/>
+          <a:ext cx="0" cy="0"/>
+          <a:chOff x="0" y="0"/>
+          <a:chExt cx="0" cy="0"/>
+        </a:xfrm>
+      </p:grpSpPr>
+      <p:sp>
+        <p:nvSpPr>
+          <p:cNvPr id="2" name="Folienbildplatzhalter 1"/>
+          <p:cNvSpPr>
+            <a:spLocks noGrp="1" noRot="1" noChangeAspect="1"/>
+          </p:cNvSpPr>
+          <p:nvPr>
+            <p:ph type="sldImg"/>
+          </p:nvPr>
+        </p:nvSpPr>
+        <p:spPr/>
+      </p:sp>
+      <p:sp>
+        <p:nvSpPr>
+          <p:cNvPr id="3" name="Notizenplatzhalter 2"/>
+          <p:cNvSpPr>
+            <a:spLocks noGrp="1"/>
+          </p:cNvSpPr>
+          <p:nvPr>
+            <p:ph type="body" idx="1"/>
+          </p:nvPr>
+        </p:nvSpPr>
+        <p:spPr/>
+        <p:txBody>
+          <a:bodyPr/>
+          <a:lstStyle/>
+          <a:p>
+            <a:r>
+              <a:rPr lang="de-DE" dirty="0"/>
+              <a:t>Levin</a:t>
+            </a:r>
+          </a:p>
+        </p:txBody>
+      </p:sp>
+      <p:sp>
+        <p:nvSpPr>
+          <p:cNvPr id="4" name="Foliennummernplatzhalter 3"/>
+          <p:cNvSpPr>
+            <a:spLocks noGrp="1"/>
+          </p:cNvSpPr>
+          <p:nvPr>
+            <p:ph type="sldNum" sz="quarter" idx="5"/>
+          </p:nvPr>
+        </p:nvSpPr>
+        <p:spPr/>
+        <p:txBody>
+          <a:bodyPr/>
+          <a:lstStyle/>
+          <a:p>
+            <a:fld id="{969C105D-800C-4EAF-8D7F-A2C70299A8D0}" type="slidenum">
+              <a:rPr lang="de-DE" smtClean="0"/>
+              <a:t>3</a:t>
+            </a:fld>
+            <a:endParaRPr lang="de-DE"/>
+          </a:p>
+        </p:txBody>
+      </p:sp>
+    </p:spTree>
+    <p:extLst>
+      <p:ext uri="{BB962C8B-B14F-4D97-AF65-F5344CB8AC3E}">
+        <p14:creationId xmlns:p14="http://schemas.microsoft.com/office/powerpoint/2010/main" val="525438911"/>
+      </p:ext>
+    </p:extLst>
+  </p:cSld>
+  <p:clrMapOvr>
+    <a:masterClrMapping/>
+  </p:clrMapOvr>
+</p:notes>
+</file>
+
+<file path=ppt/notesSlides/notesSlide4.xml><?xml version="1.0" encoding="utf-8"?>
+<p:notes xmlns:a="http://schemas.openxmlformats.org/drawingml/2006/main" xmlns:r="http://schemas.openxmlformats.org/officeDocument/2006/relationships" xmlns:p="http://schemas.openxmlformats.org/presentationml/2006/main">
+  <p:cSld>
+    <p:spTree>
+      <p:nvGrpSpPr>
+        <p:cNvPr id="1" name=""/>
+        <p:cNvGrpSpPr/>
+        <p:nvPr/>
+      </p:nvGrpSpPr>
+      <p:grpSpPr>
+        <a:xfrm>
+          <a:off x="0" y="0"/>
+          <a:ext cx="0" cy="0"/>
+          <a:chOff x="0" y="0"/>
+          <a:chExt cx="0" cy="0"/>
+        </a:xfrm>
+      </p:grpSpPr>
+      <p:sp>
+        <p:nvSpPr>
+          <p:cNvPr id="2" name="Folienbildplatzhalter 1"/>
+          <p:cNvSpPr>
+            <a:spLocks noGrp="1" noRot="1" noChangeAspect="1"/>
+          </p:cNvSpPr>
+          <p:nvPr>
+            <p:ph type="sldImg"/>
+          </p:nvPr>
+        </p:nvSpPr>
+        <p:spPr/>
+      </p:sp>
+      <p:sp>
+        <p:nvSpPr>
+          <p:cNvPr id="3" name="Notizenplatzhalter 2"/>
+          <p:cNvSpPr>
+            <a:spLocks noGrp="1"/>
+          </p:cNvSpPr>
+          <p:nvPr>
+            <p:ph type="body" idx="1"/>
+          </p:nvPr>
+        </p:nvSpPr>
+        <p:spPr/>
+        <p:txBody>
+          <a:bodyPr/>
+          <a:lstStyle/>
+          <a:p>
+            <a:r>
+              <a:rPr lang="de-DE" dirty="0" err="1"/>
+              <a:t>Gazahle</a:t>
+            </a:r>
+            <a:endParaRPr lang="de-DE" dirty="0"/>
+          </a:p>
+        </p:txBody>
+      </p:sp>
+      <p:sp>
+        <p:nvSpPr>
+          <p:cNvPr id="4" name="Foliennummernplatzhalter 3"/>
+          <p:cNvSpPr>
+            <a:spLocks noGrp="1"/>
+          </p:cNvSpPr>
+          <p:nvPr>
+            <p:ph type="sldNum" sz="quarter" idx="5"/>
+          </p:nvPr>
+        </p:nvSpPr>
+        <p:spPr/>
+        <p:txBody>
+          <a:bodyPr/>
+          <a:lstStyle/>
+          <a:p>
+            <a:fld id="{969C105D-800C-4EAF-8D7F-A2C70299A8D0}" type="slidenum">
+              <a:rPr lang="de-DE" smtClean="0"/>
+              <a:t>4</a:t>
+            </a:fld>
+            <a:endParaRPr lang="de-DE"/>
+          </a:p>
+        </p:txBody>
+      </p:sp>
+    </p:spTree>
+    <p:extLst>
+      <p:ext uri="{BB962C8B-B14F-4D97-AF65-F5344CB8AC3E}">
+        <p14:creationId xmlns:p14="http://schemas.microsoft.com/office/powerpoint/2010/main" val="1275042795"/>
+      </p:ext>
+    </p:extLst>
+  </p:cSld>
+  <p:clrMapOvr>
+    <a:masterClrMapping/>
+  </p:clrMapOvr>
+</p:notes>
+</file>
+
+<file path=ppt/notesSlides/notesSlide5.xml><?xml version="1.0" encoding="utf-8"?>
+<p:notes xmlns:a="http://schemas.openxmlformats.org/drawingml/2006/main" xmlns:r="http://schemas.openxmlformats.org/officeDocument/2006/relationships" xmlns:p="http://schemas.openxmlformats.org/presentationml/2006/main">
+  <p:cSld>
+    <p:spTree>
+      <p:nvGrpSpPr>
+        <p:cNvPr id="1" name=""/>
+        <p:cNvGrpSpPr/>
+        <p:nvPr/>
+      </p:nvGrpSpPr>
+      <p:grpSpPr>
+        <a:xfrm>
+          <a:off x="0" y="0"/>
+          <a:ext cx="0" cy="0"/>
+          <a:chOff x="0" y="0"/>
+          <a:chExt cx="0" cy="0"/>
+        </a:xfrm>
+      </p:grpSpPr>
+      <p:sp>
+        <p:nvSpPr>
+          <p:cNvPr id="2" name="Folienbildplatzhalter 1"/>
+          <p:cNvSpPr>
+            <a:spLocks noGrp="1" noRot="1" noChangeAspect="1"/>
+          </p:cNvSpPr>
+          <p:nvPr>
+            <p:ph type="sldImg"/>
+          </p:nvPr>
+        </p:nvSpPr>
+        <p:spPr/>
+      </p:sp>
+      <p:sp>
+        <p:nvSpPr>
+          <p:cNvPr id="3" name="Notizenplatzhalter 2"/>
+          <p:cNvSpPr>
+            <a:spLocks noGrp="1"/>
+          </p:cNvSpPr>
+          <p:nvPr>
+            <p:ph type="body" idx="1"/>
+          </p:nvPr>
+        </p:nvSpPr>
+        <p:spPr/>
+        <p:txBody>
+          <a:bodyPr/>
+          <a:lstStyle/>
+          <a:p>
+            <a:r>
+              <a:rPr lang="de-DE" dirty="0"/>
+              <a:t>Levin</a:t>
+            </a:r>
+          </a:p>
+        </p:txBody>
+      </p:sp>
+      <p:sp>
+        <p:nvSpPr>
+          <p:cNvPr id="4" name="Foliennummernplatzhalter 3"/>
+          <p:cNvSpPr>
+            <a:spLocks noGrp="1"/>
+          </p:cNvSpPr>
+          <p:nvPr>
+            <p:ph type="sldNum" sz="quarter" idx="5"/>
+          </p:nvPr>
+        </p:nvSpPr>
+        <p:spPr/>
+        <p:txBody>
+          <a:bodyPr/>
+          <a:lstStyle/>
+          <a:p>
+            <a:fld id="{969C105D-800C-4EAF-8D7F-A2C70299A8D0}" type="slidenum">
+              <a:rPr lang="de-DE" smtClean="0"/>
+              <a:t>5</a:t>
+            </a:fld>
+            <a:endParaRPr lang="de-DE"/>
+          </a:p>
+        </p:txBody>
+      </p:sp>
+    </p:spTree>
+    <p:extLst>
+      <p:ext uri="{BB962C8B-B14F-4D97-AF65-F5344CB8AC3E}">
+        <p14:creationId xmlns:p14="http://schemas.microsoft.com/office/powerpoint/2010/main" val="3264831036"/>
+      </p:ext>
+    </p:extLst>
+  </p:cSld>
+  <p:clrMapOvr>
+    <a:masterClrMapping/>
+  </p:clrMapOvr>
+</p:notes>
+</file>
+
+<file path=ppt/notesSlides/notesSlide6.xml><?xml version="1.0" encoding="utf-8"?>
+<p:notes xmlns:a="http://schemas.openxmlformats.org/drawingml/2006/main" xmlns:r="http://schemas.openxmlformats.org/officeDocument/2006/relationships" xmlns:p="http://schemas.openxmlformats.org/presentationml/2006/main">
+  <p:cSld>
+    <p:spTree>
+      <p:nvGrpSpPr>
+        <p:cNvPr id="1" name=""/>
+        <p:cNvGrpSpPr/>
+        <p:nvPr/>
+      </p:nvGrpSpPr>
+      <p:grpSpPr>
+        <a:xfrm>
+          <a:off x="0" y="0"/>
+          <a:ext cx="0" cy="0"/>
+          <a:chOff x="0" y="0"/>
+          <a:chExt cx="0" cy="0"/>
+        </a:xfrm>
+      </p:grpSpPr>
+      <p:sp>
+        <p:nvSpPr>
+          <p:cNvPr id="2" name="Folienbildplatzhalter 1"/>
+          <p:cNvSpPr>
+            <a:spLocks noGrp="1" noRot="1" noChangeAspect="1"/>
+          </p:cNvSpPr>
+          <p:nvPr>
+            <p:ph type="sldImg"/>
+          </p:nvPr>
+        </p:nvSpPr>
+        <p:spPr/>
+      </p:sp>
+      <p:sp>
+        <p:nvSpPr>
+          <p:cNvPr id="3" name="Notizenplatzhalter 2"/>
+          <p:cNvSpPr>
+            <a:spLocks noGrp="1"/>
+          </p:cNvSpPr>
+          <p:nvPr>
+            <p:ph type="body" idx="1"/>
+          </p:nvPr>
+        </p:nvSpPr>
+        <p:spPr/>
+        <p:txBody>
+          <a:bodyPr/>
+          <a:lstStyle/>
+          <a:p>
+            <a:r>
+              <a:rPr lang="de-DE" dirty="0"/>
+              <a:t>Levin</a:t>
+            </a:r>
+          </a:p>
+        </p:txBody>
+      </p:sp>
+      <p:sp>
+        <p:nvSpPr>
+          <p:cNvPr id="4" name="Foliennummernplatzhalter 3"/>
+          <p:cNvSpPr>
+            <a:spLocks noGrp="1"/>
+          </p:cNvSpPr>
+          <p:nvPr>
+            <p:ph type="sldNum" sz="quarter" idx="5"/>
+          </p:nvPr>
+        </p:nvSpPr>
+        <p:spPr/>
+        <p:txBody>
+          <a:bodyPr/>
+          <a:lstStyle/>
+          <a:p>
+            <a:fld id="{969C105D-800C-4EAF-8D7F-A2C70299A8D0}" type="slidenum">
+              <a:rPr lang="de-DE" smtClean="0"/>
+              <a:t>6</a:t>
+            </a:fld>
+            <a:endParaRPr lang="de-DE"/>
+          </a:p>
+        </p:txBody>
+      </p:sp>
+    </p:spTree>
+    <p:extLst>
+      <p:ext uri="{BB962C8B-B14F-4D97-AF65-F5344CB8AC3E}">
+        <p14:creationId xmlns:p14="http://schemas.microsoft.com/office/powerpoint/2010/main" val="3589470774"/>
+      </p:ext>
+    </p:extLst>
+  </p:cSld>
+  <p:clrMapOvr>
+    <a:masterClrMapping/>
+  </p:clrMapOvr>
+</p:notes>
+</file>
+
+<file path=ppt/notesSlides/notesSlide7.xml><?xml version="1.0" encoding="utf-8"?>
+<p:notes xmlns:a="http://schemas.openxmlformats.org/drawingml/2006/main" xmlns:r="http://schemas.openxmlformats.org/officeDocument/2006/relationships" xmlns:p="http://schemas.openxmlformats.org/presentationml/2006/main">
+  <p:cSld>
+    <p:spTree>
+      <p:nvGrpSpPr>
+        <p:cNvPr id="1" name=""/>
+        <p:cNvGrpSpPr/>
+        <p:nvPr/>
+      </p:nvGrpSpPr>
+      <p:grpSpPr>
+        <a:xfrm>
+          <a:off x="0" y="0"/>
+          <a:ext cx="0" cy="0"/>
+          <a:chOff x="0" y="0"/>
+          <a:chExt cx="0" cy="0"/>
+        </a:xfrm>
+      </p:grpSpPr>
+      <p:sp>
+        <p:nvSpPr>
+          <p:cNvPr id="2" name="Folienbildplatzhalter 1"/>
+          <p:cNvSpPr>
+            <a:spLocks noGrp="1" noRot="1" noChangeAspect="1"/>
+          </p:cNvSpPr>
+          <p:nvPr>
+            <p:ph type="sldImg"/>
+          </p:nvPr>
+        </p:nvSpPr>
+        <p:spPr/>
+      </p:sp>
+      <p:sp>
+        <p:nvSpPr>
+          <p:cNvPr id="3" name="Notizenplatzhalter 2"/>
+          <p:cNvSpPr>
+            <a:spLocks noGrp="1"/>
+          </p:cNvSpPr>
+          <p:nvPr>
+            <p:ph type="body" idx="1"/>
+          </p:nvPr>
+        </p:nvSpPr>
+        <p:spPr/>
+        <p:txBody>
+          <a:bodyPr/>
+          <a:lstStyle/>
+          <a:p>
+            <a:r>
+              <a:rPr lang="de-DE" dirty="0"/>
+              <a:t>Levin</a:t>
+            </a:r>
+          </a:p>
+        </p:txBody>
+      </p:sp>
+      <p:sp>
+        <p:nvSpPr>
+          <p:cNvPr id="4" name="Foliennummernplatzhalter 3"/>
+          <p:cNvSpPr>
+            <a:spLocks noGrp="1"/>
+          </p:cNvSpPr>
+          <p:nvPr>
+            <p:ph type="sldNum" sz="quarter" idx="5"/>
+          </p:nvPr>
+        </p:nvSpPr>
+        <p:spPr/>
+        <p:txBody>
+          <a:bodyPr/>
+          <a:lstStyle/>
+          <a:p>
+            <a:fld id="{969C105D-800C-4EAF-8D7F-A2C70299A8D0}" type="slidenum">
+              <a:rPr lang="de-DE" smtClean="0"/>
+              <a:t>7</a:t>
+            </a:fld>
+            <a:endParaRPr lang="de-DE"/>
+          </a:p>
+        </p:txBody>
+      </p:sp>
+    </p:spTree>
+    <p:extLst>
+      <p:ext uri="{BB962C8B-B14F-4D97-AF65-F5344CB8AC3E}">
+        <p14:creationId xmlns:p14="http://schemas.microsoft.com/office/powerpoint/2010/main" val="276683659"/>
+      </p:ext>
+    </p:extLst>
+  </p:cSld>
+  <p:clrMapOvr>
+    <a:masterClrMapping/>
+  </p:clrMapOvr>
+</p:notes>
+</file>
+
+<file path=ppt/notesSlides/notesSlide8.xml><?xml version="1.0" encoding="utf-8"?>
+<p:notes xmlns:a="http://schemas.openxmlformats.org/drawingml/2006/main" xmlns:r="http://schemas.openxmlformats.org/officeDocument/2006/relationships" xmlns:p="http://schemas.openxmlformats.org/presentationml/2006/main">
+  <p:cSld>
+    <p:spTree>
+      <p:nvGrpSpPr>
+        <p:cNvPr id="1" name=""/>
+        <p:cNvGrpSpPr/>
+        <p:nvPr/>
+      </p:nvGrpSpPr>
+      <p:grpSpPr>
+        <a:xfrm>
+          <a:off x="0" y="0"/>
+          <a:ext cx="0" cy="0"/>
+          <a:chOff x="0" y="0"/>
+          <a:chExt cx="0" cy="0"/>
+        </a:xfrm>
+      </p:grpSpPr>
+      <p:sp>
+        <p:nvSpPr>
+          <p:cNvPr id="2" name="Folienbildplatzhalter 1"/>
+          <p:cNvSpPr>
+            <a:spLocks noGrp="1" noRot="1" noChangeAspect="1"/>
+          </p:cNvSpPr>
+          <p:nvPr>
+            <p:ph type="sldImg"/>
+          </p:nvPr>
+        </p:nvSpPr>
+        <p:spPr/>
+      </p:sp>
+      <p:sp>
+        <p:nvSpPr>
+          <p:cNvPr id="3" name="Notizenplatzhalter 2"/>
+          <p:cNvSpPr>
+            <a:spLocks noGrp="1"/>
+          </p:cNvSpPr>
+          <p:nvPr>
+            <p:ph type="body" idx="1"/>
+          </p:nvPr>
+        </p:nvSpPr>
+        <p:spPr/>
+        <p:txBody>
+          <a:bodyPr/>
+          <a:lstStyle/>
+          <a:p>
+            <a:r>
+              <a:rPr lang="de-DE" dirty="0"/>
+              <a:t>Flo</a:t>
+            </a:r>
+          </a:p>
+        </p:txBody>
+      </p:sp>
+      <p:sp>
+        <p:nvSpPr>
+          <p:cNvPr id="4" name="Foliennummernplatzhalter 3"/>
+          <p:cNvSpPr>
+            <a:spLocks noGrp="1"/>
+          </p:cNvSpPr>
+          <p:nvPr>
+            <p:ph type="sldNum" sz="quarter" idx="5"/>
+          </p:nvPr>
+        </p:nvSpPr>
+        <p:spPr/>
+        <p:txBody>
+          <a:bodyPr/>
+          <a:lstStyle/>
+          <a:p>
+            <a:fld id="{969C105D-800C-4EAF-8D7F-A2C70299A8D0}" type="slidenum">
+              <a:rPr lang="de-DE" smtClean="0"/>
+              <a:t>8</a:t>
+            </a:fld>
+            <a:endParaRPr lang="de-DE"/>
+          </a:p>
+        </p:txBody>
+      </p:sp>
+    </p:spTree>
+    <p:extLst>
+      <p:ext uri="{BB962C8B-B14F-4D97-AF65-F5344CB8AC3E}">
+        <p14:creationId xmlns:p14="http://schemas.microsoft.com/office/powerpoint/2010/main" val="2634183226"/>
+      </p:ext>
+    </p:extLst>
+  </p:cSld>
+  <p:clrMapOvr>
+    <a:masterClrMapping/>
+  </p:clrMapOvr>
+</p:notes>
+</file>
+
+<file path=ppt/notesSlides/notesSlide9.xml><?xml version="1.0" encoding="utf-8"?>
+<p:notes xmlns:a="http://schemas.openxmlformats.org/drawingml/2006/main" xmlns:r="http://schemas.openxmlformats.org/officeDocument/2006/relationships" xmlns:p="http://schemas.openxmlformats.org/presentationml/2006/main">
+  <p:cSld>
+    <p:spTree>
+      <p:nvGrpSpPr>
+        <p:cNvPr id="1" name=""/>
+        <p:cNvGrpSpPr/>
+        <p:nvPr/>
+      </p:nvGrpSpPr>
+      <p:grpSpPr>
+        <a:xfrm>
+          <a:off x="0" y="0"/>
+          <a:ext cx="0" cy="0"/>
+          <a:chOff x="0" y="0"/>
+          <a:chExt cx="0" cy="0"/>
+        </a:xfrm>
+      </p:grpSpPr>
+      <p:sp>
+        <p:nvSpPr>
+          <p:cNvPr id="2" name="Folienbildplatzhalter 1"/>
+          <p:cNvSpPr>
+            <a:spLocks noGrp="1" noRot="1" noChangeAspect="1"/>
+          </p:cNvSpPr>
+          <p:nvPr>
+            <p:ph type="sldImg"/>
+          </p:nvPr>
+        </p:nvSpPr>
+        <p:spPr/>
+      </p:sp>
+      <p:sp>
+        <p:nvSpPr>
+          <p:cNvPr id="3" name="Notizenplatzhalter 2"/>
+          <p:cNvSpPr>
+            <a:spLocks noGrp="1"/>
+          </p:cNvSpPr>
+          <p:nvPr>
+            <p:ph type="body" idx="1"/>
+          </p:nvPr>
+        </p:nvSpPr>
+        <p:spPr/>
+        <p:txBody>
+          <a:bodyPr/>
+          <a:lstStyle/>
+          <a:p>
+            <a:r>
+              <a:rPr lang="de-DE" dirty="0"/>
+              <a:t>Flo</a:t>
+            </a:r>
+          </a:p>
+        </p:txBody>
+      </p:sp>
+      <p:sp>
+        <p:nvSpPr>
+          <p:cNvPr id="4" name="Foliennummernplatzhalter 3"/>
+          <p:cNvSpPr>
+            <a:spLocks noGrp="1"/>
+          </p:cNvSpPr>
+          <p:nvPr>
+            <p:ph type="sldNum" sz="quarter" idx="5"/>
+          </p:nvPr>
+        </p:nvSpPr>
+        <p:spPr/>
+        <p:txBody>
+          <a:bodyPr/>
+          <a:lstStyle/>
+          <a:p>
+            <a:fld id="{969C105D-800C-4EAF-8D7F-A2C70299A8D0}" type="slidenum">
+              <a:rPr lang="de-DE" smtClean="0"/>
+              <a:t>9</a:t>
+            </a:fld>
+            <a:endParaRPr lang="de-DE"/>
+          </a:p>
+        </p:txBody>
+      </p:sp>
+    </p:spTree>
+    <p:extLst>
+      <p:ext uri="{BB962C8B-B14F-4D97-AF65-F5344CB8AC3E}">
+        <p14:creationId xmlns:p14="http://schemas.microsoft.com/office/powerpoint/2010/main" val="143443348"/>
+      </p:ext>
+    </p:extLst>
+  </p:cSld>
+  <p:clrMapOvr>
+    <a:masterClrMapping/>
+  </p:clrMapOvr>
+</p:notes>
 </file>
 
 <file path=ppt/slideLayouts/slideLayout1.xml><?xml version="1.0" encoding="utf-8"?>
@@ -3522,7 +5304,7 @@
           <p:nvPr/>
         </p:nvPicPr>
         <p:blipFill>
-          <a:blip r:embed="rId2"/>
+          <a:blip r:embed="rId3"/>
           <a:stretch>
             <a:fillRect/>
           </a:stretch>
@@ -3755,7 +5537,7 @@
           <p:nvPr/>
         </p:nvPicPr>
         <p:blipFill>
-          <a:blip r:embed="rId2"/>
+          <a:blip r:embed="rId3"/>
           <a:stretch>
             <a:fillRect/>
           </a:stretch>
@@ -4099,7 +5881,7 @@
           <p:nvPr/>
         </p:nvPicPr>
         <p:blipFill>
-          <a:blip r:embed="rId2"/>
+          <a:blip r:embed="rId3"/>
           <a:stretch>
             <a:fillRect/>
           </a:stretch>
@@ -4432,7 +6214,7 @@
                 <a:latin typeface="Arial" panose="020B0604020202020204" pitchFamily="34" charset="0"/>
                 <a:ea typeface="Aptos" panose="020B0004020202020204" pitchFamily="34" charset="0"/>
                 <a:cs typeface="Arial" panose="020B0604020202020204" pitchFamily="34" charset="0"/>
-                <a:hlinkClick r:id="rId2"/>
+                <a:hlinkClick r:id="rId3"/>
               </a:rPr>
               <a:t>https://httpd.apache.org/docs/</a:t>
             </a:r>
@@ -4450,7 +6232,7 @@
                 <a:latin typeface="Arial" panose="020B0604020202020204" pitchFamily="34" charset="0"/>
                 <a:ea typeface="Aptos" panose="020B0004020202020204" pitchFamily="34" charset="0"/>
                 <a:cs typeface="Arial" panose="020B0604020202020204" pitchFamily="34" charset="0"/>
-                <a:hlinkClick r:id="rId3"/>
+                <a:hlinkClick r:id="rId4"/>
               </a:rPr>
               <a:t>https://mariadb.com/kb/en/documentation/</a:t>
             </a:r>
@@ -4467,7 +6249,7 @@
                 <a:latin typeface="Arial" panose="020B0604020202020204" pitchFamily="34" charset="0"/>
                 <a:ea typeface="Aptos" panose="020B0004020202020204" pitchFamily="34" charset="0"/>
                 <a:cs typeface="Arial" panose="020B0604020202020204" pitchFamily="34" charset="0"/>
-                <a:hlinkClick r:id="rId4"/>
+                <a:hlinkClick r:id="rId5"/>
               </a:rPr>
               <a:t>https://www.nist.gov/cyberframework</a:t>
             </a:r>
@@ -4494,7 +6276,7 @@
                 <a:latin typeface="Arial" panose="020B0604020202020204" pitchFamily="34" charset="0"/>
                 <a:ea typeface="Aptos" panose="020B0004020202020204" pitchFamily="34" charset="0"/>
                 <a:cs typeface="Arial" panose="020B0604020202020204" pitchFamily="34" charset="0"/>
-                <a:hlinkClick r:id="rId5"/>
+                <a:hlinkClick r:id="rId6"/>
               </a:rPr>
               <a:t>https://developers.redhat.com/articles/security-hardening-apache-web-server</a:t>
             </a:r>
@@ -4511,7 +6293,7 @@
                 <a:latin typeface="Arial" panose="020B0604020202020204" pitchFamily="34" charset="0"/>
                 <a:ea typeface="Aptos" panose="020B0004020202020204" pitchFamily="34" charset="0"/>
                 <a:cs typeface="Arial" panose="020B0604020202020204" pitchFamily="34" charset="0"/>
-                <a:hlinkClick r:id="rId6"/>
+                <a:hlinkClick r:id="rId7"/>
               </a:rPr>
               <a:t>https://tools.ietf.org/html/rfc8446</a:t>
             </a:r>
@@ -4529,7 +6311,7 @@
                 <a:latin typeface="Arial" panose="020B0604020202020204" pitchFamily="34" charset="0"/>
                 <a:ea typeface="Aptos" panose="020B0004020202020204" pitchFamily="34" charset="0"/>
                 <a:cs typeface="Arial" panose="020B0604020202020204" pitchFamily="34" charset="0"/>
-                <a:hlinkClick r:id="rId7"/>
+                <a:hlinkClick r:id="rId8"/>
               </a:rPr>
               <a:t>https://github.com/topics/lamp-stack</a:t>
             </a:r>
@@ -4550,7 +6332,7 @@
                 <a:latin typeface="Arial" panose="020B0604020202020204" pitchFamily="34" charset="0"/>
                 <a:ea typeface="Aptos" panose="020B0004020202020204" pitchFamily="34" charset="0"/>
                 <a:cs typeface="Arial" panose="020B0604020202020204" pitchFamily="34" charset="0"/>
-                <a:hlinkClick r:id="rId8"/>
+                <a:hlinkClick r:id="rId9"/>
               </a:rPr>
               <a:t>https://stackoverflow.com/tags/lamp/info</a:t>
             </a:r>
@@ -4584,7 +6366,7 @@
                 <a:latin typeface="Arial" panose="020B0604020202020204" pitchFamily="34" charset="0"/>
                 <a:ea typeface="Aptos" panose="020B0004020202020204" pitchFamily="34" charset="0"/>
                 <a:cs typeface="Arial" panose="020B0604020202020204" pitchFamily="34" charset="0"/>
-                <a:hlinkClick r:id="rId9"/>
+                <a:hlinkClick r:id="rId10"/>
               </a:rPr>
               <a:t>https://aws.amazon.com/de/what-is/lamp-stack/</a:t>
             </a:r>
@@ -4622,7 +6404,7 @@
                 <a:latin typeface="Arial" panose="020B0604020202020204" pitchFamily="34" charset="0"/>
                 <a:ea typeface="Aptos" panose="020B0004020202020204" pitchFamily="34" charset="0"/>
                 <a:cs typeface="Arial" panose="020B0604020202020204" pitchFamily="34" charset="0"/>
-                <a:hlinkClick r:id="rId10"/>
+                <a:hlinkClick r:id="rId11"/>
               </a:rPr>
               <a:t>https://claude.ai</a:t>
             </a:r>
@@ -4642,7 +6424,7 @@
                 <a:latin typeface="Arial" panose="020B0604020202020204" pitchFamily="34" charset="0"/>
                 <a:ea typeface="Aptos" panose="020B0004020202020204" pitchFamily="34" charset="0"/>
                 <a:cs typeface="Arial" panose="020B0604020202020204" pitchFamily="34" charset="0"/>
-                <a:hlinkClick r:id="rId11"/>
+                <a:hlinkClick r:id="rId12"/>
               </a:rPr>
               <a:t>https://mermaid.live</a:t>
             </a:r>
@@ -4663,7 +6445,7 @@
                 <a:latin typeface="Arial" panose="020B0604020202020204" pitchFamily="34" charset="0"/>
                 <a:ea typeface="Aptos" panose="020B0004020202020204" pitchFamily="34" charset="0"/>
                 <a:cs typeface="Arial" panose="020B0604020202020204" pitchFamily="34" charset="0"/>
-                <a:hlinkClick r:id="rId12"/>
+                <a:hlinkClick r:id="rId13"/>
               </a:rPr>
               <a:t>https://ideogram.ai/</a:t>
             </a:r>
@@ -4784,7 +6566,7 @@
               <a:rPr lang="pt-BR" sz="2000" dirty="0">
                 <a:latin typeface="Arial" panose="020B0604020202020204" pitchFamily="34" charset="0"/>
                 <a:cs typeface="Arial" panose="020B0604020202020204" pitchFamily="34" charset="0"/>
-                <a:hlinkClick r:id="rId2"/>
+                <a:hlinkClick r:id="rId3"/>
               </a:rPr>
               <a:t>https://www.php.net/images/logos/new-php-logo.png</a:t>
             </a:r>
@@ -4801,7 +6583,7 @@
               <a:rPr lang="pt-BR" sz="2000" dirty="0">
                 <a:latin typeface="Arial" panose="020B0604020202020204" pitchFamily="34" charset="0"/>
                 <a:cs typeface="Arial" panose="020B0604020202020204" pitchFamily="34" charset="0"/>
-                <a:hlinkClick r:id="rId3"/>
+                <a:hlinkClick r:id="rId4"/>
               </a:rPr>
               <a:t>https://www.iri.com/assets/uploads/editor/logos/external-logos/mysql-mariadb.png</a:t>
             </a:r>
@@ -4818,7 +6600,7 @@
               <a:rPr lang="pt-BR" sz="2000" dirty="0">
                 <a:latin typeface="Arial" panose="020B0604020202020204" pitchFamily="34" charset="0"/>
                 <a:cs typeface="Arial" panose="020B0604020202020204" pitchFamily="34" charset="0"/>
-                <a:hlinkClick r:id="rId4"/>
+                <a:hlinkClick r:id="rId5"/>
               </a:rPr>
               <a:t>https://www.brcline.com/wp-content/uploads/2020/06/apache-logo.png</a:t>
             </a:r>
@@ -4835,7 +6617,7 @@
               <a:rPr lang="pt-BR" sz="2000" dirty="0">
                 <a:latin typeface="Arial" panose="020B0604020202020204" pitchFamily="34" charset="0"/>
                 <a:cs typeface="Arial" panose="020B0604020202020204" pitchFamily="34" charset="0"/>
-                <a:hlinkClick r:id="rId5"/>
+                <a:hlinkClick r:id="rId6"/>
               </a:rPr>
               <a:t>https://news-cdn.softpedia.com/images/fitted/620x348/raspberry-pi-os-raspbian-now-features-vlc-media-player-minimal-install-image-523861.jpg</a:t>
             </a:r>
@@ -5364,7 +7146,7 @@
           <p:nvPr/>
         </p:nvPicPr>
         <p:blipFill>
-          <a:blip r:embed="rId2"/>
+          <a:blip r:embed="rId3"/>
           <a:stretch>
             <a:fillRect/>
           </a:stretch>
@@ -5394,7 +7176,7 @@
           <p:nvPr/>
         </p:nvPicPr>
         <p:blipFill>
-          <a:blip r:embed="rId3"/>
+          <a:blip r:embed="rId4"/>
           <a:stretch>
             <a:fillRect/>
           </a:stretch>
@@ -5424,7 +7206,7 @@
           <p:nvPr/>
         </p:nvPicPr>
         <p:blipFill>
-          <a:blip r:embed="rId4"/>
+          <a:blip r:embed="rId5"/>
           <a:stretch>
             <a:fillRect/>
           </a:stretch>
@@ -5454,7 +7236,7 @@
           <p:nvPr/>
         </p:nvPicPr>
         <p:blipFill>
-          <a:blip r:embed="rId5"/>
+          <a:blip r:embed="rId6"/>
           <a:srcRect/>
           <a:stretch/>
         </p:blipFill>
@@ -5959,7 +7741,7 @@
           </p:nvPr>
         </p:nvPicPr>
         <p:blipFill>
-          <a:blip r:embed="rId2"/>
+          <a:blip r:embed="rId3"/>
           <a:srcRect t="5992" b="5992"/>
           <a:stretch>
             <a:fillRect/>
@@ -5987,7 +7769,7 @@
           <p:nvPr/>
         </p:nvPicPr>
         <p:blipFill>
-          <a:blip r:embed="rId2"/>
+          <a:blip r:embed="rId3"/>
           <a:srcRect t="5992" b="5992"/>
           <a:stretch>
             <a:fillRect/>
@@ -7195,11 +8977,11 @@
           <p:nvPr/>
         </p:nvPicPr>
         <p:blipFill>
-          <a:blip r:embed="rId2">
+          <a:blip r:embed="rId3">
             <a:extLst>
               <a:ext uri="{BEBA8EAE-BF5A-486C-A8C5-ECC9F3942E4B}">
                 <a14:imgProps xmlns:a14="http://schemas.microsoft.com/office/drawing/2010/main">
-                  <a14:imgLayer r:embed="rId3">
+                  <a14:imgLayer r:embed="rId4">
                     <a14:imgEffect>
                       <a14:backgroundRemoval t="1803" b="99056" l="13542" r="85417">
                         <a14:foregroundMark x1="37639" y1="92189" x2="17847" y2="34850"/>
@@ -7531,7 +9313,7 @@
           <p:nvPr/>
         </p:nvPicPr>
         <p:blipFill rotWithShape="1">
-          <a:blip r:embed="rId2"/>
+          <a:blip r:embed="rId3"/>
           <a:srcRect l="36776" r="36983"/>
           <a:stretch/>
         </p:blipFill>
@@ -7775,7 +9557,7 @@
           <p:nvPr/>
         </p:nvPicPr>
         <p:blipFill rotWithShape="1">
-          <a:blip r:embed="rId2"/>
+          <a:blip r:embed="rId3"/>
           <a:srcRect l="16321" r="16114"/>
           <a:stretch/>
         </p:blipFill>
@@ -8117,6 +9899,321 @@
 </a:theme>
 </file>
 
+<file path=ppt/theme/theme2.xml><?xml version="1.0" encoding="utf-8"?>
+<a:theme xmlns:a="http://schemas.openxmlformats.org/drawingml/2006/main" name="Office">
+  <a:themeElements>
+    <a:clrScheme name="Office">
+      <a:dk1>
+        <a:sysClr val="windowText" lastClr="000000"/>
+      </a:dk1>
+      <a:lt1>
+        <a:sysClr val="window" lastClr="FFFFFF"/>
+      </a:lt1>
+      <a:dk2>
+        <a:srgbClr val="0E2841"/>
+      </a:dk2>
+      <a:lt2>
+        <a:srgbClr val="E8E8E8"/>
+      </a:lt2>
+      <a:accent1>
+        <a:srgbClr val="156082"/>
+      </a:accent1>
+      <a:accent2>
+        <a:srgbClr val="E97132"/>
+      </a:accent2>
+      <a:accent3>
+        <a:srgbClr val="196B24"/>
+      </a:accent3>
+      <a:accent4>
+        <a:srgbClr val="0F9ED5"/>
+      </a:accent4>
+      <a:accent5>
+        <a:srgbClr val="A02B93"/>
+      </a:accent5>
+      <a:accent6>
+        <a:srgbClr val="4EA72E"/>
+      </a:accent6>
+      <a:hlink>
+        <a:srgbClr val="467886"/>
+      </a:hlink>
+      <a:folHlink>
+        <a:srgbClr val="96607D"/>
+      </a:folHlink>
+    </a:clrScheme>
+    <a:fontScheme name="Office">
+      <a:majorFont>
+        <a:latin typeface="Aptos Display" panose="02110004020202020204"/>
+        <a:ea typeface=""/>
+        <a:cs typeface=""/>
+        <a:font script="Jpan" typeface="游ゴシック Light"/>
+        <a:font script="Hang" typeface="맑은 고딕"/>
+        <a:font script="Hans" typeface="等线 Light"/>
+        <a:font script="Hant" typeface="新細明體"/>
+        <a:font script="Arab" typeface="Times New Roman"/>
+        <a:font script="Hebr" typeface="Times New Roman"/>
+        <a:font script="Thai" typeface="Angsana New"/>
+        <a:font script="Ethi" typeface="Nyala"/>
+        <a:font script="Beng" typeface="Vrinda"/>
+        <a:font script="Gujr" typeface="Shruti"/>
+        <a:font script="Khmr" typeface="MoolBoran"/>
+        <a:font script="Knda" typeface="Tunga"/>
+        <a:font script="Guru" typeface="Raavi"/>
+        <a:font script="Cans" typeface="Euphemia"/>
+        <a:font script="Cher" typeface="Plantagenet Cherokee"/>
+        <a:font script="Yiii" typeface="Microsoft Yi Baiti"/>
+        <a:font script="Tibt" typeface="Microsoft Himalaya"/>
+        <a:font script="Thaa" typeface="MV Boli"/>
+        <a:font script="Deva" typeface="Mangal"/>
+        <a:font script="Telu" typeface="Gautami"/>
+        <a:font script="Taml" typeface="Latha"/>
+        <a:font script="Syrc" typeface="Estrangelo Edessa"/>
+        <a:font script="Orya" typeface="Kalinga"/>
+        <a:font script="Mlym" typeface="Kartika"/>
+        <a:font script="Laoo" typeface="DokChampa"/>
+        <a:font script="Sinh" typeface="Iskoola Pota"/>
+        <a:font script="Mong" typeface="Mongolian Baiti"/>
+        <a:font script="Viet" typeface="Times New Roman"/>
+        <a:font script="Uigh" typeface="Microsoft Uighur"/>
+        <a:font script="Geor" typeface="Sylfaen"/>
+        <a:font script="Armn" typeface="Arial"/>
+        <a:font script="Bugi" typeface="Leelawadee UI"/>
+        <a:font script="Bopo" typeface="Microsoft JhengHei"/>
+        <a:font script="Java" typeface="Javanese Text"/>
+        <a:font script="Lisu" typeface="Segoe UI"/>
+        <a:font script="Mymr" typeface="Myanmar Text"/>
+        <a:font script="Nkoo" typeface="Ebrima"/>
+        <a:font script="Olck" typeface="Nirmala UI"/>
+        <a:font script="Osma" typeface="Ebrima"/>
+        <a:font script="Phag" typeface="Phagspa"/>
+        <a:font script="Syrn" typeface="Estrangelo Edessa"/>
+        <a:font script="Syrj" typeface="Estrangelo Edessa"/>
+        <a:font script="Syre" typeface="Estrangelo Edessa"/>
+        <a:font script="Sora" typeface="Nirmala UI"/>
+        <a:font script="Tale" typeface="Microsoft Tai Le"/>
+        <a:font script="Talu" typeface="Microsoft New Tai Lue"/>
+        <a:font script="Tfng" typeface="Ebrima"/>
+      </a:majorFont>
+      <a:minorFont>
+        <a:latin typeface="Aptos" panose="02110004020202020204"/>
+        <a:ea typeface=""/>
+        <a:cs typeface=""/>
+        <a:font script="Jpan" typeface="游ゴシック"/>
+        <a:font script="Hang" typeface="맑은 고딕"/>
+        <a:font script="Hans" typeface="等线"/>
+        <a:font script="Hant" typeface="新細明體"/>
+        <a:font script="Arab" typeface="Arial"/>
+        <a:font script="Hebr" typeface="Arial"/>
+        <a:font script="Thai" typeface="Cordia New"/>
+        <a:font script="Ethi" typeface="Nyala"/>
+        <a:font script="Beng" typeface="Vrinda"/>
+        <a:font script="Gujr" typeface="Shruti"/>
+        <a:font script="Khmr" typeface="DaunPenh"/>
+        <a:font script="Knda" typeface="Tunga"/>
+        <a:font script="Guru" typeface="Raavi"/>
+        <a:font script="Cans" typeface="Euphemia"/>
+        <a:font script="Cher" typeface="Plantagenet Cherokee"/>
+        <a:font script="Yiii" typeface="Microsoft Yi Baiti"/>
+        <a:font script="Tibt" typeface="Microsoft Himalaya"/>
+        <a:font script="Thaa" typeface="MV Boli"/>
+        <a:font script="Deva" typeface="Mangal"/>
+        <a:font script="Telu" typeface="Gautami"/>
+        <a:font script="Taml" typeface="Latha"/>
+        <a:font script="Syrc" typeface="Estrangelo Edessa"/>
+        <a:font script="Orya" typeface="Kalinga"/>
+        <a:font script="Mlym" typeface="Kartika"/>
+        <a:font script="Laoo" typeface="DokChampa"/>
+        <a:font script="Sinh" typeface="Iskoola Pota"/>
+        <a:font script="Mong" typeface="Mongolian Baiti"/>
+        <a:font script="Viet" typeface="Arial"/>
+        <a:font script="Uigh" typeface="Microsoft Uighur"/>
+        <a:font script="Geor" typeface="Sylfaen"/>
+        <a:font script="Armn" typeface="Arial"/>
+        <a:font script="Bugi" typeface="Leelawadee UI"/>
+        <a:font script="Bopo" typeface="Microsoft JhengHei"/>
+        <a:font script="Java" typeface="Javanese Text"/>
+        <a:font script="Lisu" typeface="Segoe UI"/>
+        <a:font script="Mymr" typeface="Myanmar Text"/>
+        <a:font script="Nkoo" typeface="Ebrima"/>
+        <a:font script="Olck" typeface="Nirmala UI"/>
+        <a:font script="Osma" typeface="Ebrima"/>
+        <a:font script="Phag" typeface="Phagspa"/>
+        <a:font script="Syrn" typeface="Estrangelo Edessa"/>
+        <a:font script="Syrj" typeface="Estrangelo Edessa"/>
+        <a:font script="Syre" typeface="Estrangelo Edessa"/>
+        <a:font script="Sora" typeface="Nirmala UI"/>
+        <a:font script="Tale" typeface="Microsoft Tai Le"/>
+        <a:font script="Talu" typeface="Microsoft New Tai Lue"/>
+        <a:font script="Tfng" typeface="Ebrima"/>
+      </a:minorFont>
+    </a:fontScheme>
+    <a:fmtScheme name="Office">
+      <a:fillStyleLst>
+        <a:solidFill>
+          <a:schemeClr val="phClr"/>
+        </a:solidFill>
+        <a:gradFill rotWithShape="1">
+          <a:gsLst>
+            <a:gs pos="0">
+              <a:schemeClr val="phClr">
+                <a:lumMod val="110000"/>
+                <a:satMod val="105000"/>
+                <a:tint val="67000"/>
+              </a:schemeClr>
+            </a:gs>
+            <a:gs pos="50000">
+              <a:schemeClr val="phClr">
+                <a:lumMod val="105000"/>
+                <a:satMod val="103000"/>
+                <a:tint val="73000"/>
+              </a:schemeClr>
+            </a:gs>
+            <a:gs pos="100000">
+              <a:schemeClr val="phClr">
+                <a:lumMod val="105000"/>
+                <a:satMod val="109000"/>
+                <a:tint val="81000"/>
+              </a:schemeClr>
+            </a:gs>
+          </a:gsLst>
+          <a:lin ang="5400000" scaled="0"/>
+        </a:gradFill>
+        <a:gradFill rotWithShape="1">
+          <a:gsLst>
+            <a:gs pos="0">
+              <a:schemeClr val="phClr">
+                <a:satMod val="103000"/>
+                <a:lumMod val="102000"/>
+                <a:tint val="94000"/>
+              </a:schemeClr>
+            </a:gs>
+            <a:gs pos="50000">
+              <a:schemeClr val="phClr">
+                <a:satMod val="110000"/>
+                <a:lumMod val="100000"/>
+                <a:shade val="100000"/>
+              </a:schemeClr>
+            </a:gs>
+            <a:gs pos="100000">
+              <a:schemeClr val="phClr">
+                <a:lumMod val="99000"/>
+                <a:satMod val="120000"/>
+                <a:shade val="78000"/>
+              </a:schemeClr>
+            </a:gs>
+          </a:gsLst>
+          <a:lin ang="5400000" scaled="0"/>
+        </a:gradFill>
+      </a:fillStyleLst>
+      <a:lnStyleLst>
+        <a:ln w="12700" cap="flat" cmpd="sng" algn="ctr">
+          <a:solidFill>
+            <a:schemeClr val="phClr"/>
+          </a:solidFill>
+          <a:prstDash val="solid"/>
+          <a:miter lim="800000"/>
+        </a:ln>
+        <a:ln w="19050" cap="flat" cmpd="sng" algn="ctr">
+          <a:solidFill>
+            <a:schemeClr val="phClr"/>
+          </a:solidFill>
+          <a:prstDash val="solid"/>
+          <a:miter lim="800000"/>
+        </a:ln>
+        <a:ln w="25400" cap="flat" cmpd="sng" algn="ctr">
+          <a:solidFill>
+            <a:schemeClr val="phClr"/>
+          </a:solidFill>
+          <a:prstDash val="solid"/>
+          <a:miter lim="800000"/>
+        </a:ln>
+      </a:lnStyleLst>
+      <a:effectStyleLst>
+        <a:effectStyle>
+          <a:effectLst/>
+        </a:effectStyle>
+        <a:effectStyle>
+          <a:effectLst/>
+        </a:effectStyle>
+        <a:effectStyle>
+          <a:effectLst>
+            <a:outerShdw blurRad="57150" dist="19050" dir="5400000" algn="ctr" rotWithShape="0">
+              <a:srgbClr val="000000">
+                <a:alpha val="63000"/>
+              </a:srgbClr>
+            </a:outerShdw>
+          </a:effectLst>
+        </a:effectStyle>
+      </a:effectStyleLst>
+      <a:bgFillStyleLst>
+        <a:solidFill>
+          <a:schemeClr val="phClr"/>
+        </a:solidFill>
+        <a:solidFill>
+          <a:schemeClr val="phClr">
+            <a:tint val="95000"/>
+            <a:satMod val="170000"/>
+          </a:schemeClr>
+        </a:solidFill>
+        <a:gradFill rotWithShape="1">
+          <a:gsLst>
+            <a:gs pos="0">
+              <a:schemeClr val="phClr">
+                <a:tint val="93000"/>
+                <a:satMod val="150000"/>
+                <a:shade val="98000"/>
+                <a:lumMod val="102000"/>
+              </a:schemeClr>
+            </a:gs>
+            <a:gs pos="50000">
+              <a:schemeClr val="phClr">
+                <a:tint val="98000"/>
+                <a:satMod val="130000"/>
+                <a:shade val="90000"/>
+                <a:lumMod val="103000"/>
+              </a:schemeClr>
+            </a:gs>
+            <a:gs pos="100000">
+              <a:schemeClr val="phClr">
+                <a:shade val="63000"/>
+                <a:satMod val="120000"/>
+              </a:schemeClr>
+            </a:gs>
+          </a:gsLst>
+          <a:lin ang="5400000" scaled="0"/>
+        </a:gradFill>
+      </a:bgFillStyleLst>
+    </a:fmtScheme>
+  </a:themeElements>
+  <a:objectDefaults>
+    <a:lnDef>
+      <a:spPr/>
+      <a:bodyPr/>
+      <a:lstStyle/>
+      <a:style>
+        <a:lnRef idx="2">
+          <a:schemeClr val="accent1"/>
+        </a:lnRef>
+        <a:fillRef idx="0">
+          <a:schemeClr val="accent1"/>
+        </a:fillRef>
+        <a:effectRef idx="1">
+          <a:schemeClr val="accent1"/>
+        </a:effectRef>
+        <a:fontRef idx="minor">
+          <a:schemeClr val="tx1"/>
+        </a:fontRef>
+      </a:style>
+    </a:lnDef>
+  </a:objectDefaults>
+  <a:extraClrSchemeLst/>
+  <a:extLst>
+    <a:ext uri="{05A4C25C-085E-4340-85A3-A5531E510DB2}">
+      <thm15:themeFamily xmlns:thm15="http://schemas.microsoft.com/office/thememl/2012/main" name="Office Theme" id="{2E142A2C-CD16-42D6-873A-C26D2A0506FA}" vid="{1BDDFF52-6CD6-40A5-AB3C-68EB2F1E4D0A}"/>
+    </a:ext>
+  </a:extLst>
+</a:theme>
+</file>
+
 <file path=docMetadata/LabelInfo.xml><?xml version="1.0" encoding="utf-8"?>
 <clbl:labelList xmlns:clbl="http://schemas.microsoft.com/office/2020/mipLabelMetadata">
   <clbl:label id="{b1c9b508-7c6e-42bd-bedf-808292653d6c}" enabled="1" method="Standard" siteId="{2882be50-2012-4d88-ac86-544124e120c8}" contentBits="3" removed="0"/>

--- a/Dokumentation/Lernfeld 12 Projekt.pptx
+++ b/Dokumentation/Lernfeld 12 Projekt.pptx
@@ -134,7 +134,7 @@
   <pc:docChgLst>
     <pc:chgData name="Beewen, Florian (SE-7/3AFS2K)" userId="80e2ae23-4813-4676-8001-d44bbafc202e" providerId="ADAL" clId="{AE6E9225-FAC5-4A14-9400-6C63783A8BE9}"/>
     <pc:docChg chg="modSld">
-      <pc:chgData name="Beewen, Florian (SE-7/3AFS2K)" userId="80e2ae23-4813-4676-8001-d44bbafc202e" providerId="ADAL" clId="{AE6E9225-FAC5-4A14-9400-6C63783A8BE9}" dt="2025-02-04T08:54:00.315" v="76" actId="20577"/>
+      <pc:chgData name="Beewen, Florian (SE-7/3AFS2K)" userId="80e2ae23-4813-4676-8001-d44bbafc202e" providerId="ADAL" clId="{AE6E9225-FAC5-4A14-9400-6C63783A8BE9}" dt="2025-02-04T13:26:10.096" v="79" actId="20577"/>
       <pc:docMkLst>
         <pc:docMk/>
       </pc:docMkLst>
@@ -194,12 +194,20 @@
           <pc:sldMk cId="3883195815" sldId="264"/>
         </pc:sldMkLst>
       </pc:sldChg>
-      <pc:sldChg chg="modNotesTx">
-        <pc:chgData name="Beewen, Florian (SE-7/3AFS2K)" userId="80e2ae23-4813-4676-8001-d44bbafc202e" providerId="ADAL" clId="{AE6E9225-FAC5-4A14-9400-6C63783A8BE9}" dt="2025-02-04T08:53:20.055" v="32" actId="20577"/>
+      <pc:sldChg chg="modSp mod modNotesTx">
+        <pc:chgData name="Beewen, Florian (SE-7/3AFS2K)" userId="80e2ae23-4813-4676-8001-d44bbafc202e" providerId="ADAL" clId="{AE6E9225-FAC5-4A14-9400-6C63783A8BE9}" dt="2025-02-04T13:26:10.096" v="79" actId="20577"/>
         <pc:sldMkLst>
           <pc:docMk/>
           <pc:sldMk cId="31823734" sldId="265"/>
         </pc:sldMkLst>
+        <pc:spChg chg="mod">
+          <ac:chgData name="Beewen, Florian (SE-7/3AFS2K)" userId="80e2ae23-4813-4676-8001-d44bbafc202e" providerId="ADAL" clId="{AE6E9225-FAC5-4A14-9400-6C63783A8BE9}" dt="2025-02-04T13:26:10.096" v="79" actId="20577"/>
+          <ac:spMkLst>
+            <pc:docMk/>
+            <pc:sldMk cId="31823734" sldId="265"/>
+            <ac:spMk id="3" creationId="{3F20AEA9-811C-6DF3-2395-D6331F30F919}"/>
+          </ac:spMkLst>
+        </pc:spChg>
       </pc:sldChg>
       <pc:sldChg chg="modNotesTx">
         <pc:chgData name="Beewen, Florian (SE-7/3AFS2K)" userId="80e2ae23-4813-4676-8001-d44bbafc202e" providerId="ADAL" clId="{AE6E9225-FAC5-4A14-9400-6C63783A8BE9}" dt="2025-02-04T08:53:29.423" v="39" actId="20577"/>
@@ -9534,7 +9542,7 @@
                 <a:latin typeface="Arial" panose="020B0604020202020204" pitchFamily="34" charset="0"/>
                 <a:cs typeface="Arial" panose="020B0604020202020204" pitchFamily="34" charset="0"/>
               </a:rPr>
-              <a:t>SSH (22222)</a:t>
+              <a:t>SSH (22)</a:t>
             </a:r>
           </a:p>
           <a:p>

--- a/Dokumentation/Lernfeld 12 Projekt.pptx
+++ b/Dokumentation/Lernfeld 12 Projekt.pptx
@@ -338,7 +338,7 @@
           <a:p>
             <a:fld id="{6729F17F-90C7-4D41-861E-720123DEE1F5}" type="datetimeFigureOut">
               <a:rPr lang="de-DE" smtClean="0"/>
-              <a:t>04.02.2025</a:t>
+              <a:t>06.02.2025</a:t>
             </a:fld>
             <a:endParaRPr lang="de-DE"/>
           </a:p>
@@ -2058,7 +2058,7 @@
           <a:p>
             <a:fld id="{7D74FC6B-E92B-4501-B0D8-49C4E8928187}" type="datetimeFigureOut">
               <a:rPr lang="de-DE" smtClean="0"/>
-              <a:t>04.02.2025</a:t>
+              <a:t>06.02.2025</a:t>
             </a:fld>
             <a:endParaRPr lang="de-DE"/>
           </a:p>
@@ -2256,7 +2256,7 @@
           <a:p>
             <a:fld id="{7D74FC6B-E92B-4501-B0D8-49C4E8928187}" type="datetimeFigureOut">
               <a:rPr lang="de-DE" smtClean="0"/>
-              <a:t>04.02.2025</a:t>
+              <a:t>06.02.2025</a:t>
             </a:fld>
             <a:endParaRPr lang="de-DE"/>
           </a:p>
@@ -2464,7 +2464,7 @@
           <a:p>
             <a:fld id="{7D74FC6B-E92B-4501-B0D8-49C4E8928187}" type="datetimeFigureOut">
               <a:rPr lang="de-DE" smtClean="0"/>
-              <a:t>04.02.2025</a:t>
+              <a:t>06.02.2025</a:t>
             </a:fld>
             <a:endParaRPr lang="de-DE"/>
           </a:p>
@@ -2662,7 +2662,7 @@
           <a:p>
             <a:fld id="{7D74FC6B-E92B-4501-B0D8-49C4E8928187}" type="datetimeFigureOut">
               <a:rPr lang="de-DE" smtClean="0"/>
-              <a:t>04.02.2025</a:t>
+              <a:t>06.02.2025</a:t>
             </a:fld>
             <a:endParaRPr lang="de-DE"/>
           </a:p>
@@ -2937,7 +2937,7 @@
           <a:p>
             <a:fld id="{7D74FC6B-E92B-4501-B0D8-49C4E8928187}" type="datetimeFigureOut">
               <a:rPr lang="de-DE" smtClean="0"/>
-              <a:t>04.02.2025</a:t>
+              <a:t>06.02.2025</a:t>
             </a:fld>
             <a:endParaRPr lang="de-DE"/>
           </a:p>
@@ -3202,7 +3202,7 @@
           <a:p>
             <a:fld id="{7D74FC6B-E92B-4501-B0D8-49C4E8928187}" type="datetimeFigureOut">
               <a:rPr lang="de-DE" smtClean="0"/>
-              <a:t>04.02.2025</a:t>
+              <a:t>06.02.2025</a:t>
             </a:fld>
             <a:endParaRPr lang="de-DE"/>
           </a:p>
@@ -3614,7 +3614,7 @@
           <a:p>
             <a:fld id="{7D74FC6B-E92B-4501-B0D8-49C4E8928187}" type="datetimeFigureOut">
               <a:rPr lang="de-DE" smtClean="0"/>
-              <a:t>04.02.2025</a:t>
+              <a:t>06.02.2025</a:t>
             </a:fld>
             <a:endParaRPr lang="de-DE"/>
           </a:p>
@@ -3755,7 +3755,7 @@
           <a:p>
             <a:fld id="{7D74FC6B-E92B-4501-B0D8-49C4E8928187}" type="datetimeFigureOut">
               <a:rPr lang="de-DE" smtClean="0"/>
-              <a:t>04.02.2025</a:t>
+              <a:t>06.02.2025</a:t>
             </a:fld>
             <a:endParaRPr lang="de-DE"/>
           </a:p>
@@ -3868,7 +3868,7 @@
           <a:p>
             <a:fld id="{7D74FC6B-E92B-4501-B0D8-49C4E8928187}" type="datetimeFigureOut">
               <a:rPr lang="de-DE" smtClean="0"/>
-              <a:t>04.02.2025</a:t>
+              <a:t>06.02.2025</a:t>
             </a:fld>
             <a:endParaRPr lang="de-DE"/>
           </a:p>
@@ -4179,7 +4179,7 @@
           <a:p>
             <a:fld id="{7D74FC6B-E92B-4501-B0D8-49C4E8928187}" type="datetimeFigureOut">
               <a:rPr lang="de-DE" smtClean="0"/>
-              <a:t>04.02.2025</a:t>
+              <a:t>06.02.2025</a:t>
             </a:fld>
             <a:endParaRPr lang="de-DE"/>
           </a:p>
@@ -4467,7 +4467,7 @@
           <a:p>
             <a:fld id="{7D74FC6B-E92B-4501-B0D8-49C4E8928187}" type="datetimeFigureOut">
               <a:rPr lang="de-DE" smtClean="0"/>
-              <a:t>04.02.2025</a:t>
+              <a:t>06.02.2025</a:t>
             </a:fld>
             <a:endParaRPr lang="de-DE"/>
           </a:p>
@@ -4708,7 +4708,7 @@
           <a:p>
             <a:fld id="{7D74FC6B-E92B-4501-B0D8-49C4E8928187}" type="datetimeFigureOut">
               <a:rPr lang="de-DE" smtClean="0"/>
-              <a:t>04.02.2025</a:t>
+              <a:t>06.02.2025</a:t>
             </a:fld>
             <a:endParaRPr lang="de-DE"/>
           </a:p>
@@ -5200,18 +5200,11 @@
           <a:p>
             <a:pPr algn="l"/>
             <a:r>
-              <a:rPr lang="en-GB" dirty="0" err="1">
-                <a:latin typeface="Arial" panose="020B0604020202020204" pitchFamily="34" charset="0"/>
-                <a:cs typeface="Arial" panose="020B0604020202020204" pitchFamily="34" charset="0"/>
-              </a:rPr>
-              <a:t>Lernfeld</a:t>
-            </a:r>
-            <a:r>
               <a:rPr lang="en-GB" dirty="0">
                 <a:latin typeface="Arial" panose="020B0604020202020204" pitchFamily="34" charset="0"/>
                 <a:cs typeface="Arial" panose="020B0604020202020204" pitchFamily="34" charset="0"/>
               </a:rPr>
-              <a:t> 12 Projekt</a:t>
+              <a:t>Lernfeld 12 Projekt</a:t>
             </a:r>
             <a:br>
               <a:rPr lang="en-GB" dirty="0"/>
@@ -5284,15 +5277,6 @@
               </a:rPr>
               <a:t>Ghazale</a:t>
             </a:r>
-            <a:r>
-              <a:rPr lang="en-GB" sz="2000" dirty="0">
-                <a:latin typeface="Arial" panose="020B0604020202020204" pitchFamily="34" charset="0"/>
-                <a:cs typeface="Arial" panose="020B0604020202020204" pitchFamily="34" charset="0"/>
-              </a:rPr>
-              <a:t>, Vincent </a:t>
-            </a:r>
-          </a:p>
-          <a:p>
             <a:endParaRPr lang="de-DE" dirty="0"/>
           </a:p>
         </p:txBody>
@@ -6212,7 +6196,7 @@
         <p:spPr/>
         <p:txBody>
           <a:bodyPr>
-            <a:normAutofit fontScale="85000" lnSpcReduction="20000"/>
+            <a:normAutofit fontScale="92500" lnSpcReduction="10000"/>
           </a:bodyPr>
           <a:lstStyle/>
           <a:p>
@@ -6445,32 +6429,6 @@
               </a:rPr>
               <a:t> </a:t>
             </a:r>
-          </a:p>
-          <a:p>
-            <a:r>
-              <a:rPr lang="de-DE" sz="2400" kern="100" dirty="0">
-                <a:effectLst/>
-                <a:latin typeface="Arial" panose="020B0604020202020204" pitchFamily="34" charset="0"/>
-                <a:ea typeface="Aptos" panose="020B0004020202020204" pitchFamily="34" charset="0"/>
-                <a:cs typeface="Arial" panose="020B0604020202020204" pitchFamily="34" charset="0"/>
-                <a:hlinkClick r:id="rId13"/>
-              </a:rPr>
-              <a:t>https://ideogram.ai/</a:t>
-            </a:r>
-            <a:r>
-              <a:rPr lang="en-US" sz="2400" kern="100" dirty="0">
-                <a:latin typeface="Arial" panose="020B0604020202020204" pitchFamily="34" charset="0"/>
-                <a:ea typeface="Aptos" panose="020B0004020202020204" pitchFamily="34" charset="0"/>
-                <a:cs typeface="Arial" panose="020B0604020202020204" pitchFamily="34" charset="0"/>
-              </a:rPr>
-              <a:t> </a:t>
-            </a:r>
-            <a:endParaRPr lang="de-DE" sz="2400" kern="100" dirty="0">
-              <a:effectLst/>
-              <a:latin typeface="Arial" panose="020B0604020202020204" pitchFamily="34" charset="0"/>
-              <a:ea typeface="Aptos" panose="020B0004020202020204" pitchFamily="34" charset="0"/>
-              <a:cs typeface="Arial" panose="020B0604020202020204" pitchFamily="34" charset="0"/>
-            </a:endParaRPr>
           </a:p>
           <a:p>
             <a:endParaRPr lang="de-DE" dirty="0"/>
@@ -7519,7 +7477,7 @@
                 <a:latin typeface="Arial" panose="020B0604020202020204" pitchFamily="34" charset="0"/>
                 <a:cs typeface="Arial" panose="020B0604020202020204" pitchFamily="34" charset="0"/>
               </a:rPr>
-              <a:t>	        →(2) Neu registrieren</a:t>
+              <a:t>	        → (2) Neu registrieren</a:t>
             </a:r>
           </a:p>
           <a:p>
@@ -8972,7 +8930,7 @@
       </p:sp>
       <p:pic>
         <p:nvPicPr>
-          <p:cNvPr id="4" name="Grafik 3" descr="Ein Bild, das Text, Screenshot, Diagramm, Plan enthält.&#10;&#10;Automatisch generierte Beschreibung">
+          <p:cNvPr id="4" name="Grafik 3">
             <a:extLst>
               <a:ext uri="{FF2B5EF4-FFF2-40B4-BE49-F238E27FC236}">
                 <a16:creationId xmlns:a16="http://schemas.microsoft.com/office/drawing/2014/main" id="{0CA1E3A2-B2F4-621E-E39A-61D2358235D2}"/>
@@ -8987,61 +8945,18 @@
         <p:blipFill>
           <a:blip r:embed="rId3">
             <a:extLst>
-              <a:ext uri="{BEBA8EAE-BF5A-486C-A8C5-ECC9F3942E4B}">
-                <a14:imgProps xmlns:a14="http://schemas.microsoft.com/office/drawing/2010/main">
-                  <a14:imgLayer r:embed="rId4">
-                    <a14:imgEffect>
-                      <a14:backgroundRemoval t="1803" b="99056" l="13542" r="85417">
-                        <a14:foregroundMark x1="37639" y1="92189" x2="17847" y2="34850"/>
-                        <a14:foregroundMark x1="17847" y1="34850" x2="23056" y2="21373"/>
-                        <a14:foregroundMark x1="23056" y1="21373" x2="72500" y2="29871"/>
-                        <a14:foregroundMark x1="72500" y1="29871" x2="80972" y2="49442"/>
-                        <a14:foregroundMark x1="80972" y1="49442" x2="79861" y2="78541"/>
-                        <a14:foregroundMark x1="79861" y1="78541" x2="73819" y2="96309"/>
-                        <a14:foregroundMark x1="73819" y1="96309" x2="42917" y2="67983"/>
-                        <a14:foregroundMark x1="42917" y1="67983" x2="32153" y2="54421"/>
-                        <a14:foregroundMark x1="32153" y1="54421" x2="28750" y2="45236"/>
-                        <a14:foregroundMark x1="41806" y1="50300" x2="65694" y2="63433"/>
-                        <a14:foregroundMark x1="44097" y1="37597" x2="60833" y2="53906"/>
-                        <a14:foregroundMark x1="32292" y1="20429" x2="33819" y2="19657"/>
-                        <a14:foregroundMark x1="16042" y1="21373" x2="19444" y2="36137"/>
-                        <a14:foregroundMark x1="19444" y1="36137" x2="17292" y2="95622"/>
-                        <a14:foregroundMark x1="41181" y1="90300" x2="54167" y2="91245"/>
-                        <a14:foregroundMark x1="15903" y1="91416" x2="16667" y2="62403"/>
-                        <a14:foregroundMark x1="16667" y1="62403" x2="15556" y2="55794"/>
-                        <a14:foregroundMark x1="85486" y1="27554" x2="85139" y2="46695"/>
-                        <a14:foregroundMark x1="73403" y1="66781" x2="71875" y2="54678"/>
-                        <a14:foregroundMark x1="66944" y1="39571" x2="68333" y2="60944"/>
-                        <a14:foregroundMark x1="71806" y1="78369" x2="56944" y2="60172"/>
-                        <a14:foregroundMark x1="16319" y1="44893" x2="16528" y2="48584"/>
-                        <a14:foregroundMark x1="13611" y1="36481" x2="16042" y2="48670"/>
-                        <a14:foregroundMark x1="30000" y1="98627" x2="38611" y2="99056"/>
-                        <a14:foregroundMark x1="51736" y1="17339" x2="51736" y2="17339"/>
-                        <a14:foregroundMark x1="52847" y1="17597" x2="48264" y2="17597"/>
-                        <a14:foregroundMark x1="53889" y1="17167" x2="47639" y2="17768"/>
-                        <a14:foregroundMark x1="47153" y1="17167" x2="49444" y2="17768"/>
-                        <a14:foregroundMark x1="33819" y1="13219" x2="33472" y2="13219"/>
-                        <a14:foregroundMark x1="33542" y1="15107" x2="33542" y2="15107"/>
-                        <a14:foregroundMark x1="33472" y1="16567" x2="33194" y2="8412"/>
-                        <a14:foregroundMark x1="33194" y1="9614" x2="37361" y2="4893"/>
-                        <a14:foregroundMark x1="31042" y1="9442" x2="38611" y2="9270"/>
-                        <a14:foregroundMark x1="38611" y1="9270" x2="38889" y2="9185"/>
-                        <a14:foregroundMark x1="38611" y1="4893" x2="41042" y2="2747"/>
-                        <a14:foregroundMark x1="37361" y1="1803" x2="35625" y2="1803"/>
-                      </a14:backgroundRemoval>
-                    </a14:imgEffect>
-                  </a14:imgLayer>
-                </a14:imgProps>
+              <a:ext uri="{28A0092B-C50C-407E-A947-70E740481C1C}">
+                <a14:useLocalDpi xmlns:a14="http://schemas.microsoft.com/office/drawing/2010/main" val="0"/>
               </a:ext>
             </a:extLst>
           </a:blip>
-          <a:srcRect l="11809" r="11634"/>
+          <a:srcRect l="14352" r="56721" b="38848"/>
           <a:stretch/>
         </p:blipFill>
         <p:spPr>
           <a:xfrm>
-            <a:off x="6465454" y="835728"/>
-            <a:ext cx="5353235" cy="5657147"/>
+            <a:off x="7855440" y="681037"/>
+            <a:ext cx="3498360" cy="5986085"/>
           </a:xfrm>
           <a:prstGeom prst="rect">
             <a:avLst/>

--- a/Dokumentation/Lernfeld 12 Projekt.pptx
+++ b/Dokumentation/Lernfeld 12 Projekt.pptx
@@ -129,6 +129,14 @@
 </p:presentation>
 </file>
 
+<file path=ppt/revisionInfo.xml><?xml version="1.0" encoding="utf-8"?>
+<p1510:revInfo xmlns:a="http://schemas.openxmlformats.org/drawingml/2006/main" xmlns:r="http://schemas.openxmlformats.org/officeDocument/2006/relationships" xmlns:p1510="http://schemas.microsoft.com/office/powerpoint/2015/10/main">
+  <p1510:revLst>
+    <p1510:client id="{523122F4-A900-4A7F-BE11-2AB51AB7F5F4}" v="1" dt="2025-02-10T08:28:36.442"/>
+  </p1510:revLst>
+</p1510:revInfo>
+</file>
+
 <file path=ppt/changesInfos/changesInfo1.xml><?xml version="1.0" encoding="utf-8"?>
 <pc:chgInfo xmlns:a="http://schemas.openxmlformats.org/drawingml/2006/main" xmlns:r="http://schemas.openxmlformats.org/officeDocument/2006/relationships" xmlns:ac="http://schemas.microsoft.com/office/drawing/2013/main/command" xmlns:pc="http://schemas.microsoft.com/office/powerpoint/2013/main/command">
   <pc:docChgLst>
@@ -253,6 +261,345 @@
       </pc:sldChg>
     </pc:docChg>
   </pc:docChgLst>
+  <pc:docChgLst>
+    <pc:chgData name="Wieching, Levin (SE-7/3AFS2K)" userId="98420e42-2ee7-4e41-8b7c-b6844ebc3566" providerId="ADAL" clId="{523122F4-A900-4A7F-BE11-2AB51AB7F5F4}"/>
+    <pc:docChg chg="custSel modSld">
+      <pc:chgData name="Wieching, Levin (SE-7/3AFS2K)" userId="98420e42-2ee7-4e41-8b7c-b6844ebc3566" providerId="ADAL" clId="{523122F4-A900-4A7F-BE11-2AB51AB7F5F4}" dt="2025-02-10T08:30:16.732" v="46" actId="113"/>
+      <pc:docMkLst>
+        <pc:docMk/>
+      </pc:docMkLst>
+      <pc:sldChg chg="modSp mod">
+        <pc:chgData name="Wieching, Levin (SE-7/3AFS2K)" userId="98420e42-2ee7-4e41-8b7c-b6844ebc3566" providerId="ADAL" clId="{523122F4-A900-4A7F-BE11-2AB51AB7F5F4}" dt="2025-02-10T08:25:51.680" v="9" actId="113"/>
+        <pc:sldMkLst>
+          <pc:docMk/>
+          <pc:sldMk cId="4145744943" sldId="256"/>
+        </pc:sldMkLst>
+        <pc:spChg chg="mod">
+          <ac:chgData name="Wieching, Levin (SE-7/3AFS2K)" userId="98420e42-2ee7-4e41-8b7c-b6844ebc3566" providerId="ADAL" clId="{523122F4-A900-4A7F-BE11-2AB51AB7F5F4}" dt="2025-02-10T08:25:51.680" v="9" actId="113"/>
+          <ac:spMkLst>
+            <pc:docMk/>
+            <pc:sldMk cId="4145744943" sldId="256"/>
+            <ac:spMk id="2" creationId="{6F50554B-9D89-BFBB-84E9-07B88489A3C1}"/>
+          </ac:spMkLst>
+        </pc:spChg>
+        <pc:spChg chg="mod">
+          <ac:chgData name="Wieching, Levin (SE-7/3AFS2K)" userId="98420e42-2ee7-4e41-8b7c-b6844ebc3566" providerId="ADAL" clId="{523122F4-A900-4A7F-BE11-2AB51AB7F5F4}" dt="2025-02-10T08:25:24.389" v="5" actId="2711"/>
+          <ac:spMkLst>
+            <pc:docMk/>
+            <pc:sldMk cId="4145744943" sldId="256"/>
+            <ac:spMk id="3" creationId="{60DD185C-9292-1969-A33E-E8BF9254FFFA}"/>
+          </ac:spMkLst>
+        </pc:spChg>
+      </pc:sldChg>
+      <pc:sldChg chg="modSp mod">
+        <pc:chgData name="Wieching, Levin (SE-7/3AFS2K)" userId="98420e42-2ee7-4e41-8b7c-b6844ebc3566" providerId="ADAL" clId="{523122F4-A900-4A7F-BE11-2AB51AB7F5F4}" dt="2025-02-10T08:25:47.531" v="8" actId="113"/>
+        <pc:sldMkLst>
+          <pc:docMk/>
+          <pc:sldMk cId="795310583" sldId="257"/>
+        </pc:sldMkLst>
+        <pc:spChg chg="mod">
+          <ac:chgData name="Wieching, Levin (SE-7/3AFS2K)" userId="98420e42-2ee7-4e41-8b7c-b6844ebc3566" providerId="ADAL" clId="{523122F4-A900-4A7F-BE11-2AB51AB7F5F4}" dt="2025-02-10T08:25:47.531" v="8" actId="113"/>
+          <ac:spMkLst>
+            <pc:docMk/>
+            <pc:sldMk cId="795310583" sldId="257"/>
+            <ac:spMk id="2" creationId="{8C10B2BB-8036-8980-E035-4FE697153558}"/>
+          </ac:spMkLst>
+        </pc:spChg>
+        <pc:spChg chg="mod">
+          <ac:chgData name="Wieching, Levin (SE-7/3AFS2K)" userId="98420e42-2ee7-4e41-8b7c-b6844ebc3566" providerId="ADAL" clId="{523122F4-A900-4A7F-BE11-2AB51AB7F5F4}" dt="2025-02-10T08:25:37.155" v="6" actId="2711"/>
+          <ac:spMkLst>
+            <pc:docMk/>
+            <pc:sldMk cId="795310583" sldId="257"/>
+            <ac:spMk id="3" creationId="{FEF509E1-64DC-FD5B-BA2D-CDC46CD29D8D}"/>
+          </ac:spMkLst>
+        </pc:spChg>
+      </pc:sldChg>
+      <pc:sldChg chg="modSp mod">
+        <pc:chgData name="Wieching, Levin (SE-7/3AFS2K)" userId="98420e42-2ee7-4e41-8b7c-b6844ebc3566" providerId="ADAL" clId="{523122F4-A900-4A7F-BE11-2AB51AB7F5F4}" dt="2025-02-10T08:26:10.325" v="12" actId="2711"/>
+        <pc:sldMkLst>
+          <pc:docMk/>
+          <pc:sldMk cId="2903512010" sldId="258"/>
+        </pc:sldMkLst>
+        <pc:spChg chg="mod">
+          <ac:chgData name="Wieching, Levin (SE-7/3AFS2K)" userId="98420e42-2ee7-4e41-8b7c-b6844ebc3566" providerId="ADAL" clId="{523122F4-A900-4A7F-BE11-2AB51AB7F5F4}" dt="2025-02-10T08:26:03.698" v="11" actId="113"/>
+          <ac:spMkLst>
+            <pc:docMk/>
+            <pc:sldMk cId="2903512010" sldId="258"/>
+            <ac:spMk id="2" creationId="{AA814424-EEFC-C79D-E1EF-FA5D62A21DA3}"/>
+          </ac:spMkLst>
+        </pc:spChg>
+        <pc:spChg chg="mod">
+          <ac:chgData name="Wieching, Levin (SE-7/3AFS2K)" userId="98420e42-2ee7-4e41-8b7c-b6844ebc3566" providerId="ADAL" clId="{523122F4-A900-4A7F-BE11-2AB51AB7F5F4}" dt="2025-02-10T08:26:10.325" v="12" actId="2711"/>
+          <ac:spMkLst>
+            <pc:docMk/>
+            <pc:sldMk cId="2903512010" sldId="258"/>
+            <ac:spMk id="3" creationId="{F2E93EE7-3F54-25CF-2421-9C7F18209421}"/>
+          </ac:spMkLst>
+        </pc:spChg>
+        <pc:picChg chg="mod">
+          <ac:chgData name="Wieching, Levin (SE-7/3AFS2K)" userId="98420e42-2ee7-4e41-8b7c-b6844ebc3566" providerId="ADAL" clId="{523122F4-A900-4A7F-BE11-2AB51AB7F5F4}" dt="2025-02-10T08:24:29.659" v="2" actId="1076"/>
+          <ac:picMkLst>
+            <pc:docMk/>
+            <pc:sldMk cId="2903512010" sldId="258"/>
+            <ac:picMk id="4" creationId="{75C0C8FB-2098-E2A2-46F3-7C5A91459464}"/>
+          </ac:picMkLst>
+        </pc:picChg>
+        <pc:picChg chg="mod">
+          <ac:chgData name="Wieching, Levin (SE-7/3AFS2K)" userId="98420e42-2ee7-4e41-8b7c-b6844ebc3566" providerId="ADAL" clId="{523122F4-A900-4A7F-BE11-2AB51AB7F5F4}" dt="2025-02-10T08:24:26.220" v="1" actId="1076"/>
+          <ac:picMkLst>
+            <pc:docMk/>
+            <pc:sldMk cId="2903512010" sldId="258"/>
+            <ac:picMk id="5" creationId="{A5B2B320-9F8E-0D42-46B5-5E8B8E345C80}"/>
+          </ac:picMkLst>
+        </pc:picChg>
+        <pc:picChg chg="mod">
+          <ac:chgData name="Wieching, Levin (SE-7/3AFS2K)" userId="98420e42-2ee7-4e41-8b7c-b6844ebc3566" providerId="ADAL" clId="{523122F4-A900-4A7F-BE11-2AB51AB7F5F4}" dt="2025-02-10T08:24:17.105" v="0" actId="1076"/>
+          <ac:picMkLst>
+            <pc:docMk/>
+            <pc:sldMk cId="2903512010" sldId="258"/>
+            <ac:picMk id="6" creationId="{CD26F8C5-6031-C893-FDD2-12F97D14248A}"/>
+          </ac:picMkLst>
+        </pc:picChg>
+        <pc:picChg chg="mod">
+          <ac:chgData name="Wieching, Levin (SE-7/3AFS2K)" userId="98420e42-2ee7-4e41-8b7c-b6844ebc3566" providerId="ADAL" clId="{523122F4-A900-4A7F-BE11-2AB51AB7F5F4}" dt="2025-02-10T08:24:32.952" v="3" actId="1076"/>
+          <ac:picMkLst>
+            <pc:docMk/>
+            <pc:sldMk cId="2903512010" sldId="258"/>
+            <ac:picMk id="7" creationId="{D25D59CC-FDBD-B72D-7DC5-178696A9C9A5}"/>
+          </ac:picMkLst>
+        </pc:picChg>
+      </pc:sldChg>
+      <pc:sldChg chg="modSp mod">
+        <pc:chgData name="Wieching, Levin (SE-7/3AFS2K)" userId="98420e42-2ee7-4e41-8b7c-b6844ebc3566" providerId="ADAL" clId="{523122F4-A900-4A7F-BE11-2AB51AB7F5F4}" dt="2025-02-10T08:26:30.900" v="15" actId="2711"/>
+        <pc:sldMkLst>
+          <pc:docMk/>
+          <pc:sldMk cId="1368631229" sldId="260"/>
+        </pc:sldMkLst>
+        <pc:spChg chg="mod">
+          <ac:chgData name="Wieching, Levin (SE-7/3AFS2K)" userId="98420e42-2ee7-4e41-8b7c-b6844ebc3566" providerId="ADAL" clId="{523122F4-A900-4A7F-BE11-2AB51AB7F5F4}" dt="2025-02-10T08:26:25.047" v="14" actId="113"/>
+          <ac:spMkLst>
+            <pc:docMk/>
+            <pc:sldMk cId="1368631229" sldId="260"/>
+            <ac:spMk id="2" creationId="{4F6E13B4-63BB-236B-7D5D-024C9A2F53A9}"/>
+          </ac:spMkLst>
+        </pc:spChg>
+        <pc:spChg chg="mod">
+          <ac:chgData name="Wieching, Levin (SE-7/3AFS2K)" userId="98420e42-2ee7-4e41-8b7c-b6844ebc3566" providerId="ADAL" clId="{523122F4-A900-4A7F-BE11-2AB51AB7F5F4}" dt="2025-02-10T08:26:30.900" v="15" actId="2711"/>
+          <ac:spMkLst>
+            <pc:docMk/>
+            <pc:sldMk cId="1368631229" sldId="260"/>
+            <ac:spMk id="3" creationId="{4AA0CD3A-796D-3F32-A89D-F8A97B79055D}"/>
+          </ac:spMkLst>
+        </pc:spChg>
+      </pc:sldChg>
+      <pc:sldChg chg="modSp mod">
+        <pc:chgData name="Wieching, Levin (SE-7/3AFS2K)" userId="98420e42-2ee7-4e41-8b7c-b6844ebc3566" providerId="ADAL" clId="{523122F4-A900-4A7F-BE11-2AB51AB7F5F4}" dt="2025-02-10T08:27:17.560" v="22" actId="1076"/>
+        <pc:sldMkLst>
+          <pc:docMk/>
+          <pc:sldMk cId="2490254022" sldId="262"/>
+        </pc:sldMkLst>
+        <pc:spChg chg="mod">
+          <ac:chgData name="Wieching, Levin (SE-7/3AFS2K)" userId="98420e42-2ee7-4e41-8b7c-b6844ebc3566" providerId="ADAL" clId="{523122F4-A900-4A7F-BE11-2AB51AB7F5F4}" dt="2025-02-10T08:27:17.560" v="22" actId="1076"/>
+          <ac:spMkLst>
+            <pc:docMk/>
+            <pc:sldMk cId="2490254022" sldId="262"/>
+            <ac:spMk id="2" creationId="{9B1CE670-6CA9-E529-F942-49F16000ABF0}"/>
+          </ac:spMkLst>
+        </pc:spChg>
+        <pc:graphicFrameChg chg="modGraphic">
+          <ac:chgData name="Wieching, Levin (SE-7/3AFS2K)" userId="98420e42-2ee7-4e41-8b7c-b6844ebc3566" providerId="ADAL" clId="{523122F4-A900-4A7F-BE11-2AB51AB7F5F4}" dt="2025-02-10T08:26:42.720" v="16" actId="2711"/>
+          <ac:graphicFrameMkLst>
+            <pc:docMk/>
+            <pc:sldMk cId="2490254022" sldId="262"/>
+            <ac:graphicFrameMk id="4" creationId="{826636DD-E289-DD90-1F5A-456DA72EDF3C}"/>
+          </ac:graphicFrameMkLst>
+        </pc:graphicFrameChg>
+      </pc:sldChg>
+      <pc:sldChg chg="modSp mod">
+        <pc:chgData name="Wieching, Levin (SE-7/3AFS2K)" userId="98420e42-2ee7-4e41-8b7c-b6844ebc3566" providerId="ADAL" clId="{523122F4-A900-4A7F-BE11-2AB51AB7F5F4}" dt="2025-02-10T08:27:40.708" v="25" actId="2711"/>
+        <pc:sldMkLst>
+          <pc:docMk/>
+          <pc:sldMk cId="3776739428" sldId="263"/>
+        </pc:sldMkLst>
+        <pc:spChg chg="mod">
+          <ac:chgData name="Wieching, Levin (SE-7/3AFS2K)" userId="98420e42-2ee7-4e41-8b7c-b6844ebc3566" providerId="ADAL" clId="{523122F4-A900-4A7F-BE11-2AB51AB7F5F4}" dt="2025-02-10T08:27:34.348" v="24" actId="113"/>
+          <ac:spMkLst>
+            <pc:docMk/>
+            <pc:sldMk cId="3776739428" sldId="263"/>
+            <ac:spMk id="2" creationId="{9CF119CE-2F8F-F1EF-FF73-B38461C4E8CE}"/>
+          </ac:spMkLst>
+        </pc:spChg>
+        <pc:spChg chg="mod">
+          <ac:chgData name="Wieching, Levin (SE-7/3AFS2K)" userId="98420e42-2ee7-4e41-8b7c-b6844ebc3566" providerId="ADAL" clId="{523122F4-A900-4A7F-BE11-2AB51AB7F5F4}" dt="2025-02-10T08:27:40.708" v="25" actId="2711"/>
+          <ac:spMkLst>
+            <pc:docMk/>
+            <pc:sldMk cId="3776739428" sldId="263"/>
+            <ac:spMk id="3" creationId="{47BE342E-BBA0-2F4F-35FB-3A6BB70F93AC}"/>
+          </ac:spMkLst>
+        </pc:spChg>
+      </pc:sldChg>
+      <pc:sldChg chg="modSp mod">
+        <pc:chgData name="Wieching, Levin (SE-7/3AFS2K)" userId="98420e42-2ee7-4e41-8b7c-b6844ebc3566" providerId="ADAL" clId="{523122F4-A900-4A7F-BE11-2AB51AB7F5F4}" dt="2025-02-10T08:27:59.502" v="28" actId="2711"/>
+        <pc:sldMkLst>
+          <pc:docMk/>
+          <pc:sldMk cId="3883195815" sldId="264"/>
+        </pc:sldMkLst>
+        <pc:spChg chg="mod">
+          <ac:chgData name="Wieching, Levin (SE-7/3AFS2K)" userId="98420e42-2ee7-4e41-8b7c-b6844ebc3566" providerId="ADAL" clId="{523122F4-A900-4A7F-BE11-2AB51AB7F5F4}" dt="2025-02-10T08:27:52.121" v="27" actId="113"/>
+          <ac:spMkLst>
+            <pc:docMk/>
+            <pc:sldMk cId="3883195815" sldId="264"/>
+            <ac:spMk id="2" creationId="{8FEC2945-A876-8BCA-EBD7-9B04C533083C}"/>
+          </ac:spMkLst>
+        </pc:spChg>
+        <pc:spChg chg="mod">
+          <ac:chgData name="Wieching, Levin (SE-7/3AFS2K)" userId="98420e42-2ee7-4e41-8b7c-b6844ebc3566" providerId="ADAL" clId="{523122F4-A900-4A7F-BE11-2AB51AB7F5F4}" dt="2025-02-10T08:27:59.502" v="28" actId="2711"/>
+          <ac:spMkLst>
+            <pc:docMk/>
+            <pc:sldMk cId="3883195815" sldId="264"/>
+            <ac:spMk id="3" creationId="{390312BE-D065-1E4F-B8A2-5580F1906A6A}"/>
+          </ac:spMkLst>
+        </pc:spChg>
+      </pc:sldChg>
+      <pc:sldChg chg="modSp mod">
+        <pc:chgData name="Wieching, Levin (SE-7/3AFS2K)" userId="98420e42-2ee7-4e41-8b7c-b6844ebc3566" providerId="ADAL" clId="{523122F4-A900-4A7F-BE11-2AB51AB7F5F4}" dt="2025-02-10T08:28:16.730" v="31" actId="113"/>
+        <pc:sldMkLst>
+          <pc:docMk/>
+          <pc:sldMk cId="31823734" sldId="265"/>
+        </pc:sldMkLst>
+        <pc:spChg chg="mod">
+          <ac:chgData name="Wieching, Levin (SE-7/3AFS2K)" userId="98420e42-2ee7-4e41-8b7c-b6844ebc3566" providerId="ADAL" clId="{523122F4-A900-4A7F-BE11-2AB51AB7F5F4}" dt="2025-02-10T08:28:16.730" v="31" actId="113"/>
+          <ac:spMkLst>
+            <pc:docMk/>
+            <pc:sldMk cId="31823734" sldId="265"/>
+            <ac:spMk id="2" creationId="{DD57C897-B1B4-2A77-F746-22E5D37EAEF9}"/>
+          </ac:spMkLst>
+        </pc:spChg>
+        <pc:spChg chg="mod">
+          <ac:chgData name="Wieching, Levin (SE-7/3AFS2K)" userId="98420e42-2ee7-4e41-8b7c-b6844ebc3566" providerId="ADAL" clId="{523122F4-A900-4A7F-BE11-2AB51AB7F5F4}" dt="2025-02-10T08:28:09.650" v="29" actId="2711"/>
+          <ac:spMkLst>
+            <pc:docMk/>
+            <pc:sldMk cId="31823734" sldId="265"/>
+            <ac:spMk id="3" creationId="{3F20AEA9-811C-6DF3-2395-D6331F30F919}"/>
+          </ac:spMkLst>
+        </pc:spChg>
+      </pc:sldChg>
+      <pc:sldChg chg="modSp mod">
+        <pc:chgData name="Wieching, Levin (SE-7/3AFS2K)" userId="98420e42-2ee7-4e41-8b7c-b6844ebc3566" providerId="ADAL" clId="{523122F4-A900-4A7F-BE11-2AB51AB7F5F4}" dt="2025-02-10T08:28:32.575" v="34" actId="2711"/>
+        <pc:sldMkLst>
+          <pc:docMk/>
+          <pc:sldMk cId="131494481" sldId="266"/>
+        </pc:sldMkLst>
+        <pc:spChg chg="mod">
+          <ac:chgData name="Wieching, Levin (SE-7/3AFS2K)" userId="98420e42-2ee7-4e41-8b7c-b6844ebc3566" providerId="ADAL" clId="{523122F4-A900-4A7F-BE11-2AB51AB7F5F4}" dt="2025-02-10T08:28:25.695" v="33" actId="113"/>
+          <ac:spMkLst>
+            <pc:docMk/>
+            <pc:sldMk cId="131494481" sldId="266"/>
+            <ac:spMk id="2" creationId="{5C6E98FA-E813-2E7C-4F5B-97B04DC55D72}"/>
+          </ac:spMkLst>
+        </pc:spChg>
+        <pc:spChg chg="mod">
+          <ac:chgData name="Wieching, Levin (SE-7/3AFS2K)" userId="98420e42-2ee7-4e41-8b7c-b6844ebc3566" providerId="ADAL" clId="{523122F4-A900-4A7F-BE11-2AB51AB7F5F4}" dt="2025-02-10T08:28:32.575" v="34" actId="2711"/>
+          <ac:spMkLst>
+            <pc:docMk/>
+            <pc:sldMk cId="131494481" sldId="266"/>
+            <ac:spMk id="3" creationId="{6310FD96-A7AD-DFFA-09C7-EA1D86FC2009}"/>
+          </ac:spMkLst>
+        </pc:spChg>
+      </pc:sldChg>
+      <pc:sldChg chg="modSp mod">
+        <pc:chgData name="Wieching, Levin (SE-7/3AFS2K)" userId="98420e42-2ee7-4e41-8b7c-b6844ebc3566" providerId="ADAL" clId="{523122F4-A900-4A7F-BE11-2AB51AB7F5F4}" dt="2025-02-10T08:29:09.522" v="38" actId="2711"/>
+        <pc:sldMkLst>
+          <pc:docMk/>
+          <pc:sldMk cId="3275196562" sldId="267"/>
+        </pc:sldMkLst>
+        <pc:spChg chg="mod">
+          <ac:chgData name="Wieching, Levin (SE-7/3AFS2K)" userId="98420e42-2ee7-4e41-8b7c-b6844ebc3566" providerId="ADAL" clId="{523122F4-A900-4A7F-BE11-2AB51AB7F5F4}" dt="2025-02-10T08:28:58.752" v="36" actId="113"/>
+          <ac:spMkLst>
+            <pc:docMk/>
+            <pc:sldMk cId="3275196562" sldId="267"/>
+            <ac:spMk id="2" creationId="{C09C196D-A32E-CA82-4CD5-129DAA7F80B2}"/>
+          </ac:spMkLst>
+        </pc:spChg>
+        <pc:spChg chg="mod">
+          <ac:chgData name="Wieching, Levin (SE-7/3AFS2K)" userId="98420e42-2ee7-4e41-8b7c-b6844ebc3566" providerId="ADAL" clId="{523122F4-A900-4A7F-BE11-2AB51AB7F5F4}" dt="2025-02-10T08:29:09.522" v="38" actId="2711"/>
+          <ac:spMkLst>
+            <pc:docMk/>
+            <pc:sldMk cId="3275196562" sldId="267"/>
+            <ac:spMk id="3" creationId="{FBA1502A-DB1A-EA8F-03BF-449137162C5F}"/>
+          </ac:spMkLst>
+        </pc:spChg>
+      </pc:sldChg>
+      <pc:sldChg chg="modSp mod">
+        <pc:chgData name="Wieching, Levin (SE-7/3AFS2K)" userId="98420e42-2ee7-4e41-8b7c-b6844ebc3566" providerId="ADAL" clId="{523122F4-A900-4A7F-BE11-2AB51AB7F5F4}" dt="2025-02-10T08:29:32.948" v="41" actId="2711"/>
+        <pc:sldMkLst>
+          <pc:docMk/>
+          <pc:sldMk cId="1343056098" sldId="268"/>
+        </pc:sldMkLst>
+        <pc:spChg chg="mod">
+          <ac:chgData name="Wieching, Levin (SE-7/3AFS2K)" userId="98420e42-2ee7-4e41-8b7c-b6844ebc3566" providerId="ADAL" clId="{523122F4-A900-4A7F-BE11-2AB51AB7F5F4}" dt="2025-02-10T08:29:26.121" v="40" actId="113"/>
+          <ac:spMkLst>
+            <pc:docMk/>
+            <pc:sldMk cId="1343056098" sldId="268"/>
+            <ac:spMk id="2" creationId="{07D20A5B-F393-8277-62D9-C96775D3B11C}"/>
+          </ac:spMkLst>
+        </pc:spChg>
+        <pc:spChg chg="mod">
+          <ac:chgData name="Wieching, Levin (SE-7/3AFS2K)" userId="98420e42-2ee7-4e41-8b7c-b6844ebc3566" providerId="ADAL" clId="{523122F4-A900-4A7F-BE11-2AB51AB7F5F4}" dt="2025-02-10T08:29:32.948" v="41" actId="2711"/>
+          <ac:spMkLst>
+            <pc:docMk/>
+            <pc:sldMk cId="1343056098" sldId="268"/>
+            <ac:spMk id="3" creationId="{6F573FDA-3C5C-46AD-EE7B-57C9F354DBC5}"/>
+          </ac:spMkLst>
+        </pc:spChg>
+      </pc:sldChg>
+      <pc:sldChg chg="modSp mod">
+        <pc:chgData name="Wieching, Levin (SE-7/3AFS2K)" userId="98420e42-2ee7-4e41-8b7c-b6844ebc3566" providerId="ADAL" clId="{523122F4-A900-4A7F-BE11-2AB51AB7F5F4}" dt="2025-02-10T08:29:43.149" v="43" actId="27636"/>
+        <pc:sldMkLst>
+          <pc:docMk/>
+          <pc:sldMk cId="2689339208" sldId="269"/>
+        </pc:sldMkLst>
+        <pc:spChg chg="mod">
+          <ac:chgData name="Wieching, Levin (SE-7/3AFS2K)" userId="98420e42-2ee7-4e41-8b7c-b6844ebc3566" providerId="ADAL" clId="{523122F4-A900-4A7F-BE11-2AB51AB7F5F4}" dt="2025-02-10T08:29:43.149" v="43" actId="27636"/>
+          <ac:spMkLst>
+            <pc:docMk/>
+            <pc:sldMk cId="2689339208" sldId="269"/>
+            <ac:spMk id="3" creationId="{688AE370-637E-8E08-087B-6DDF3EBC2364}"/>
+          </ac:spMkLst>
+        </pc:spChg>
+      </pc:sldChg>
+      <pc:sldChg chg="modSp mod">
+        <pc:chgData name="Wieching, Levin (SE-7/3AFS2K)" userId="98420e42-2ee7-4e41-8b7c-b6844ebc3566" providerId="ADAL" clId="{523122F4-A900-4A7F-BE11-2AB51AB7F5F4}" dt="2025-02-10T08:30:03.785" v="44" actId="2711"/>
+        <pc:sldMkLst>
+          <pc:docMk/>
+          <pc:sldMk cId="840203299" sldId="270"/>
+        </pc:sldMkLst>
+        <pc:spChg chg="mod">
+          <ac:chgData name="Wieching, Levin (SE-7/3AFS2K)" userId="98420e42-2ee7-4e41-8b7c-b6844ebc3566" providerId="ADAL" clId="{523122F4-A900-4A7F-BE11-2AB51AB7F5F4}" dt="2025-02-10T08:30:03.785" v="44" actId="2711"/>
+          <ac:spMkLst>
+            <pc:docMk/>
+            <pc:sldMk cId="840203299" sldId="270"/>
+            <ac:spMk id="3" creationId="{E2DD2742-522A-7983-A551-28A3CE5DDE5B}"/>
+          </ac:spMkLst>
+        </pc:spChg>
+      </pc:sldChg>
+      <pc:sldChg chg="modSp mod">
+        <pc:chgData name="Wieching, Levin (SE-7/3AFS2K)" userId="98420e42-2ee7-4e41-8b7c-b6844ebc3566" providerId="ADAL" clId="{523122F4-A900-4A7F-BE11-2AB51AB7F5F4}" dt="2025-02-10T08:30:16.732" v="46" actId="113"/>
+        <pc:sldMkLst>
+          <pc:docMk/>
+          <pc:sldMk cId="3984829396" sldId="272"/>
+        </pc:sldMkLst>
+        <pc:spChg chg="mod">
+          <ac:chgData name="Wieching, Levin (SE-7/3AFS2K)" userId="98420e42-2ee7-4e41-8b7c-b6844ebc3566" providerId="ADAL" clId="{523122F4-A900-4A7F-BE11-2AB51AB7F5F4}" dt="2025-02-10T08:30:16.732" v="46" actId="113"/>
+          <ac:spMkLst>
+            <pc:docMk/>
+            <pc:sldMk cId="3984829396" sldId="272"/>
+            <ac:spMk id="2" creationId="{5E74E654-D8F1-877D-6B48-372FC1694730}"/>
+          </ac:spMkLst>
+        </pc:spChg>
+      </pc:sldChg>
+    </pc:docChg>
+  </pc:docChgLst>
 </pc:chgInfo>
 </file>
 
@@ -338,7 +685,7 @@
           <a:p>
             <a:fld id="{6729F17F-90C7-4D41-861E-720123DEE1F5}" type="datetimeFigureOut">
               <a:rPr lang="de-DE" smtClean="0"/>
-              <a:t>06.02.2025</a:t>
+              <a:t>10.02.2025</a:t>
             </a:fld>
             <a:endParaRPr lang="de-DE"/>
           </a:p>
@@ -2058,7 +2405,7 @@
           <a:p>
             <a:fld id="{7D74FC6B-E92B-4501-B0D8-49C4E8928187}" type="datetimeFigureOut">
               <a:rPr lang="de-DE" smtClean="0"/>
-              <a:t>06.02.2025</a:t>
+              <a:t>10.02.2025</a:t>
             </a:fld>
             <a:endParaRPr lang="de-DE"/>
           </a:p>
@@ -2256,7 +2603,7 @@
           <a:p>
             <a:fld id="{7D74FC6B-E92B-4501-B0D8-49C4E8928187}" type="datetimeFigureOut">
               <a:rPr lang="de-DE" smtClean="0"/>
-              <a:t>06.02.2025</a:t>
+              <a:t>10.02.2025</a:t>
             </a:fld>
             <a:endParaRPr lang="de-DE"/>
           </a:p>
@@ -2464,7 +2811,7 @@
           <a:p>
             <a:fld id="{7D74FC6B-E92B-4501-B0D8-49C4E8928187}" type="datetimeFigureOut">
               <a:rPr lang="de-DE" smtClean="0"/>
-              <a:t>06.02.2025</a:t>
+              <a:t>10.02.2025</a:t>
             </a:fld>
             <a:endParaRPr lang="de-DE"/>
           </a:p>
@@ -2662,7 +3009,7 @@
           <a:p>
             <a:fld id="{7D74FC6B-E92B-4501-B0D8-49C4E8928187}" type="datetimeFigureOut">
               <a:rPr lang="de-DE" smtClean="0"/>
-              <a:t>06.02.2025</a:t>
+              <a:t>10.02.2025</a:t>
             </a:fld>
             <a:endParaRPr lang="de-DE"/>
           </a:p>
@@ -2937,7 +3284,7 @@
           <a:p>
             <a:fld id="{7D74FC6B-E92B-4501-B0D8-49C4E8928187}" type="datetimeFigureOut">
               <a:rPr lang="de-DE" smtClean="0"/>
-              <a:t>06.02.2025</a:t>
+              <a:t>10.02.2025</a:t>
             </a:fld>
             <a:endParaRPr lang="de-DE"/>
           </a:p>
@@ -3202,7 +3549,7 @@
           <a:p>
             <a:fld id="{7D74FC6B-E92B-4501-B0D8-49C4E8928187}" type="datetimeFigureOut">
               <a:rPr lang="de-DE" smtClean="0"/>
-              <a:t>06.02.2025</a:t>
+              <a:t>10.02.2025</a:t>
             </a:fld>
             <a:endParaRPr lang="de-DE"/>
           </a:p>
@@ -3614,7 +3961,7 @@
           <a:p>
             <a:fld id="{7D74FC6B-E92B-4501-B0D8-49C4E8928187}" type="datetimeFigureOut">
               <a:rPr lang="de-DE" smtClean="0"/>
-              <a:t>06.02.2025</a:t>
+              <a:t>10.02.2025</a:t>
             </a:fld>
             <a:endParaRPr lang="de-DE"/>
           </a:p>
@@ -3755,7 +4102,7 @@
           <a:p>
             <a:fld id="{7D74FC6B-E92B-4501-B0D8-49C4E8928187}" type="datetimeFigureOut">
               <a:rPr lang="de-DE" smtClean="0"/>
-              <a:t>06.02.2025</a:t>
+              <a:t>10.02.2025</a:t>
             </a:fld>
             <a:endParaRPr lang="de-DE"/>
           </a:p>
@@ -3868,7 +4215,7 @@
           <a:p>
             <a:fld id="{7D74FC6B-E92B-4501-B0D8-49C4E8928187}" type="datetimeFigureOut">
               <a:rPr lang="de-DE" smtClean="0"/>
-              <a:t>06.02.2025</a:t>
+              <a:t>10.02.2025</a:t>
             </a:fld>
             <a:endParaRPr lang="de-DE"/>
           </a:p>
@@ -4179,7 +4526,7 @@
           <a:p>
             <a:fld id="{7D74FC6B-E92B-4501-B0D8-49C4E8928187}" type="datetimeFigureOut">
               <a:rPr lang="de-DE" smtClean="0"/>
-              <a:t>06.02.2025</a:t>
+              <a:t>10.02.2025</a:t>
             </a:fld>
             <a:endParaRPr lang="de-DE"/>
           </a:p>
@@ -4467,7 +4814,7 @@
           <a:p>
             <a:fld id="{7D74FC6B-E92B-4501-B0D8-49C4E8928187}" type="datetimeFigureOut">
               <a:rPr lang="de-DE" smtClean="0"/>
-              <a:t>06.02.2025</a:t>
+              <a:t>10.02.2025</a:t>
             </a:fld>
             <a:endParaRPr lang="de-DE"/>
           </a:p>
@@ -4708,7 +5055,7 @@
           <a:p>
             <a:fld id="{7D74FC6B-E92B-4501-B0D8-49C4E8928187}" type="datetimeFigureOut">
               <a:rPr lang="de-DE" smtClean="0"/>
-              <a:t>06.02.2025</a:t>
+              <a:t>10.02.2025</a:t>
             </a:fld>
             <a:endParaRPr lang="de-DE"/>
           </a:p>
@@ -5200,16 +5547,16 @@
           <a:p>
             <a:pPr algn="l"/>
             <a:r>
-              <a:rPr lang="en-GB" dirty="0">
-                <a:latin typeface="Arial" panose="020B0604020202020204" pitchFamily="34" charset="0"/>
+              <a:rPr lang="en-GB" b="1" dirty="0">
+                <a:latin typeface="The Group HEAD Light" panose="00000400000000000000" pitchFamily="2" charset="0"/>
                 <a:cs typeface="Arial" panose="020B0604020202020204" pitchFamily="34" charset="0"/>
               </a:rPr>
               <a:t>Lernfeld 12 Projekt</a:t>
             </a:r>
             <a:br>
-              <a:rPr lang="en-GB" dirty="0"/>
+              <a:rPr lang="en-GB" b="1" dirty="0"/>
             </a:br>
-            <a:endParaRPr lang="de-DE" dirty="0"/>
+            <a:endParaRPr lang="de-DE" b="1" dirty="0"/>
           </a:p>
         </p:txBody>
       </p:sp>
@@ -5265,19 +5612,21 @@
             <a:pPr algn="l"/>
             <a:r>
               <a:rPr lang="en-GB" sz="2000" dirty="0">
-                <a:latin typeface="Arial" panose="020B0604020202020204" pitchFamily="34" charset="0"/>
+                <a:latin typeface="The Group TEXT" panose="00000500000000000000" pitchFamily="2" charset="0"/>
                 <a:cs typeface="Arial" panose="020B0604020202020204" pitchFamily="34" charset="0"/>
               </a:rPr>
               <a:t>Von Louis, Levin, Lennart, Florian, </a:t>
             </a:r>
             <a:r>
               <a:rPr lang="en-GB" sz="2000" dirty="0" err="1">
-                <a:latin typeface="Arial" panose="020B0604020202020204" pitchFamily="34" charset="0"/>
+                <a:latin typeface="The Group TEXT" panose="00000500000000000000" pitchFamily="2" charset="0"/>
                 <a:cs typeface="Arial" panose="020B0604020202020204" pitchFamily="34" charset="0"/>
               </a:rPr>
               <a:t>Ghazale</a:t>
             </a:r>
-            <a:endParaRPr lang="de-DE" dirty="0"/>
+            <a:endParaRPr lang="de-DE" dirty="0">
+              <a:latin typeface="The Group TEXT" panose="00000500000000000000" pitchFamily="2" charset="0"/>
+            </a:endParaRPr>
           </a:p>
         </p:txBody>
       </p:sp>
@@ -5363,8 +5712,8 @@
           <a:lstStyle/>
           <a:p>
             <a:r>
-              <a:rPr lang="de-DE" dirty="0">
-                <a:latin typeface="Arial" panose="020B0604020202020204" pitchFamily="34" charset="0"/>
+              <a:rPr lang="de-DE" b="1" dirty="0">
+                <a:latin typeface="The Group HEAD Light" panose="00000400000000000000" pitchFamily="2" charset="0"/>
                 <a:cs typeface="Arial" panose="020B0604020202020204" pitchFamily="34" charset="0"/>
               </a:rPr>
               <a:t>Systemüberwachung</a:t>
@@ -5395,7 +5744,7 @@
           <a:p>
             <a:r>
               <a:rPr lang="de-DE" sz="2000" dirty="0">
-                <a:latin typeface="Arial" panose="020B0604020202020204" pitchFamily="34" charset="0"/>
+                <a:latin typeface="The Group TEXT" panose="00000500000000000000" pitchFamily="2" charset="0"/>
                 <a:cs typeface="Arial" panose="020B0604020202020204" pitchFamily="34" charset="0"/>
               </a:rPr>
               <a:t>Systemüberwachung</a:t>
@@ -5408,7 +5757,7 @@
             </a:pPr>
             <a:r>
               <a:rPr lang="de-DE" sz="2000" b="0" dirty="0">
-                <a:latin typeface="Arial" panose="020B0604020202020204" pitchFamily="34" charset="0"/>
+                <a:latin typeface="The Group TEXT" panose="00000500000000000000" pitchFamily="2" charset="0"/>
                 <a:cs typeface="Arial" panose="020B0604020202020204" pitchFamily="34" charset="0"/>
               </a:rPr>
               <a:t>Automatische Checks alle 5 Minuten</a:t>
@@ -5421,7 +5770,7 @@
             </a:pPr>
             <a:r>
               <a:rPr lang="de-DE" sz="2000" b="0" dirty="0">
-                <a:latin typeface="Arial" panose="020B0604020202020204" pitchFamily="34" charset="0"/>
+                <a:latin typeface="The Group TEXT" panose="00000500000000000000" pitchFamily="2" charset="0"/>
                 <a:cs typeface="Arial" panose="020B0604020202020204" pitchFamily="34" charset="0"/>
               </a:rPr>
               <a:t>Überwachung kritischer Dienste</a:t>
@@ -5434,7 +5783,7 @@
             </a:pPr>
             <a:r>
               <a:rPr lang="de-DE" sz="2000" b="0" dirty="0">
-                <a:latin typeface="Arial" panose="020B0604020202020204" pitchFamily="34" charset="0"/>
+                <a:latin typeface="The Group TEXT" panose="00000500000000000000" pitchFamily="2" charset="0"/>
                 <a:cs typeface="Arial" panose="020B0604020202020204" pitchFamily="34" charset="0"/>
               </a:rPr>
               <a:t>Protokollierung aller Ereignisse</a:t>
@@ -5447,7 +5796,7 @@
             </a:pPr>
             <a:r>
               <a:rPr lang="de-DE" sz="2000" dirty="0">
-                <a:latin typeface="Arial" panose="020B0604020202020204" pitchFamily="34" charset="0"/>
+                <a:latin typeface="The Group TEXT" panose="00000500000000000000" pitchFamily="2" charset="0"/>
                 <a:cs typeface="Arial" panose="020B0604020202020204" pitchFamily="34" charset="0"/>
               </a:rPr>
               <a:t>Ausgabe des Firewall Status</a:t>
@@ -5460,28 +5809,24 @@
             </a:pPr>
             <a:r>
               <a:rPr lang="de-DE" sz="2000" dirty="0">
-                <a:latin typeface="Arial" panose="020B0604020202020204" pitchFamily="34" charset="0"/>
+                <a:latin typeface="The Group TEXT" panose="00000500000000000000" pitchFamily="2" charset="0"/>
                 <a:cs typeface="Arial" panose="020B0604020202020204" pitchFamily="34" charset="0"/>
               </a:rPr>
               <a:t>Ausgabe aller aktive Netzwerk- </a:t>
             </a:r>
             <a:br>
               <a:rPr lang="de-DE" sz="2000" dirty="0">
-                <a:latin typeface="Arial" panose="020B0604020202020204" pitchFamily="34" charset="0"/>
+                <a:latin typeface="The Group TEXT" panose="00000500000000000000" pitchFamily="2" charset="0"/>
                 <a:cs typeface="Arial" panose="020B0604020202020204" pitchFamily="34" charset="0"/>
               </a:rPr>
             </a:br>
             <a:r>
-              <a:rPr lang="de-DE" sz="2000" dirty="0" err="1">
-                <a:latin typeface="Arial" panose="020B0604020202020204" pitchFamily="34" charset="0"/>
+              <a:rPr lang="de-DE" sz="2000" dirty="0">
+                <a:latin typeface="The Group TEXT" panose="00000500000000000000" pitchFamily="2" charset="0"/>
                 <a:cs typeface="Arial" panose="020B0604020202020204" pitchFamily="34" charset="0"/>
               </a:rPr>
               <a:t>verbindungen</a:t>
             </a:r>
-            <a:endParaRPr lang="de-DE" sz="2000" dirty="0">
-              <a:latin typeface="Arial" panose="020B0604020202020204" pitchFamily="34" charset="0"/>
-              <a:cs typeface="Arial" panose="020B0604020202020204" pitchFamily="34" charset="0"/>
-            </a:endParaRPr>
           </a:p>
           <a:p>
             <a:pPr marL="285750" lvl="1" indent="-285750">
@@ -5490,27 +5835,29 @@
             </a:pPr>
             <a:r>
               <a:rPr lang="de-DE" sz="2000" dirty="0">
-                <a:latin typeface="Arial" panose="020B0604020202020204" pitchFamily="34" charset="0"/>
+                <a:latin typeface="The Group TEXT" panose="00000500000000000000" pitchFamily="2" charset="0"/>
                 <a:cs typeface="Arial" panose="020B0604020202020204" pitchFamily="34" charset="0"/>
               </a:rPr>
               <a:t>Ausgabe des verbliebenen</a:t>
             </a:r>
             <a:br>
               <a:rPr lang="de-DE" sz="2000" dirty="0">
-                <a:latin typeface="Arial" panose="020B0604020202020204" pitchFamily="34" charset="0"/>
+                <a:latin typeface="The Group TEXT" panose="00000500000000000000" pitchFamily="2" charset="0"/>
                 <a:cs typeface="Arial" panose="020B0604020202020204" pitchFamily="34" charset="0"/>
               </a:rPr>
             </a:br>
             <a:r>
               <a:rPr lang="de-DE" sz="2000" dirty="0">
-                <a:latin typeface="Arial" panose="020B0604020202020204" pitchFamily="34" charset="0"/>
+                <a:latin typeface="The Group TEXT" panose="00000500000000000000" pitchFamily="2" charset="0"/>
                 <a:cs typeface="Arial" panose="020B0604020202020204" pitchFamily="34" charset="0"/>
               </a:rPr>
               <a:t>Speichers</a:t>
             </a:r>
           </a:p>
           <a:p>
-            <a:endParaRPr lang="de-DE" dirty="0"/>
+            <a:endParaRPr lang="de-DE" dirty="0">
+              <a:latin typeface="The Group TEXT" panose="00000500000000000000" pitchFamily="2" charset="0"/>
+            </a:endParaRPr>
           </a:p>
         </p:txBody>
       </p:sp>
@@ -5596,8 +5943,8 @@
           <a:lstStyle/>
           <a:p>
             <a:r>
-              <a:rPr lang="de-DE" dirty="0">
-                <a:latin typeface="Arial" panose="020B0604020202020204" pitchFamily="34" charset="0"/>
+              <a:rPr lang="de-DE" b="1" dirty="0">
+                <a:latin typeface="The Group HEAD Light" panose="00000400000000000000" pitchFamily="2" charset="0"/>
                 <a:cs typeface="Arial" panose="020B0604020202020204" pitchFamily="34" charset="0"/>
               </a:rPr>
               <a:t>Backup</a:t>
@@ -5638,7 +5985,7 @@
             </a:pPr>
             <a:r>
               <a:rPr lang="de-DE" sz="2000" b="1" dirty="0">
-                <a:latin typeface="Arial" panose="020B0604020202020204" pitchFamily="34" charset="0"/>
+                <a:latin typeface="The Group TEXT" panose="00000500000000000000" pitchFamily="2" charset="0"/>
                 <a:cs typeface="Arial" panose="020B0604020202020204" pitchFamily="34" charset="0"/>
               </a:rPr>
               <a:t>Backup-System</a:t>
@@ -5651,7 +5998,7 @@
             </a:pPr>
             <a:r>
               <a:rPr lang="de-DE" sz="2000" dirty="0">
-                <a:latin typeface="Arial" panose="020B0604020202020204" pitchFamily="34" charset="0"/>
+                <a:latin typeface="The Group TEXT" panose="00000500000000000000" pitchFamily="2" charset="0"/>
                 <a:cs typeface="Arial" panose="020B0604020202020204" pitchFamily="34" charset="0"/>
               </a:rPr>
               <a:t>Tägliche inkrementelle Backups</a:t>
@@ -5664,7 +6011,7 @@
             </a:pPr>
             <a:r>
               <a:rPr lang="de-DE" sz="2000" dirty="0">
-                <a:latin typeface="Arial" panose="020B0604020202020204" pitchFamily="34" charset="0"/>
+                <a:latin typeface="The Group TEXT" panose="00000500000000000000" pitchFamily="2" charset="0"/>
                 <a:cs typeface="Arial" panose="020B0604020202020204" pitchFamily="34" charset="0"/>
               </a:rPr>
               <a:t>7-Tage-Rotation</a:t>
@@ -5677,7 +6024,7 @@
             </a:pPr>
             <a:r>
               <a:rPr lang="de-DE" sz="2000" dirty="0">
-                <a:latin typeface="Arial" panose="020B0604020202020204" pitchFamily="34" charset="0"/>
+                <a:latin typeface="The Group TEXT" panose="00000500000000000000" pitchFamily="2" charset="0"/>
                 <a:cs typeface="Arial" panose="020B0604020202020204" pitchFamily="34" charset="0"/>
               </a:rPr>
               <a:t>Automatisierte Wiederherstellung</a:t>
@@ -5690,7 +6037,7 @@
             </a:pPr>
             <a:r>
               <a:rPr lang="de-DE" sz="2000" dirty="0">
-                <a:latin typeface="Arial" panose="020B0604020202020204" pitchFamily="34" charset="0"/>
+                <a:latin typeface="The Group TEXT" panose="00000500000000000000" pitchFamily="2" charset="0"/>
                 <a:cs typeface="Arial" panose="020B0604020202020204" pitchFamily="34" charset="0"/>
               </a:rPr>
               <a:t>Cron-job</a:t>
@@ -5703,20 +6050,20 @@
             </a:pPr>
             <a:r>
               <a:rPr lang="de-DE" sz="2000" dirty="0">
-                <a:latin typeface="Arial" panose="020B0604020202020204" pitchFamily="34" charset="0"/>
+                <a:latin typeface="The Group TEXT" panose="00000500000000000000" pitchFamily="2" charset="0"/>
                 <a:cs typeface="Arial" panose="020B0604020202020204" pitchFamily="34" charset="0"/>
               </a:rPr>
               <a:t>Backup wird in einem komprimierten Archiv</a:t>
             </a:r>
             <a:br>
               <a:rPr lang="de-DE" sz="2000" dirty="0">
-                <a:latin typeface="Arial" panose="020B0604020202020204" pitchFamily="34" charset="0"/>
+                <a:latin typeface="The Group TEXT" panose="00000500000000000000" pitchFamily="2" charset="0"/>
                 <a:cs typeface="Arial" panose="020B0604020202020204" pitchFamily="34" charset="0"/>
               </a:rPr>
             </a:br>
             <a:r>
               <a:rPr lang="de-DE" sz="2000" dirty="0">
-                <a:latin typeface="Arial" panose="020B0604020202020204" pitchFamily="34" charset="0"/>
+                <a:latin typeface="The Group TEXT" panose="00000500000000000000" pitchFamily="2" charset="0"/>
                 <a:cs typeface="Arial" panose="020B0604020202020204" pitchFamily="34" charset="0"/>
               </a:rPr>
               <a:t>gespeichert</a:t>
@@ -5728,10 +6075,7 @@
             </a:pPr>
             <a:r>
               <a:rPr lang="de-DE" sz="2000" b="1" dirty="0">
-                <a:solidFill>
-                  <a:schemeClr val="tx2"/>
-                </a:solidFill>
-                <a:latin typeface="Arial" panose="020B0604020202020204" pitchFamily="34" charset="0"/>
+                <a:latin typeface="The Group TEXT" panose="00000500000000000000" pitchFamily="2" charset="0"/>
                 <a:cs typeface="Arial" panose="020B0604020202020204" pitchFamily="34" charset="0"/>
               </a:rPr>
               <a:t>Restore-System</a:t>
@@ -5744,10 +6088,7 @@
             </a:pPr>
             <a:r>
               <a:rPr lang="de-DE" sz="2000" dirty="0">
-                <a:solidFill>
-                  <a:schemeClr val="tx2"/>
-                </a:solidFill>
-                <a:latin typeface="Arial" panose="020B0604020202020204" pitchFamily="34" charset="0"/>
+                <a:latin typeface="The Group TEXT" panose="00000500000000000000" pitchFamily="2" charset="0"/>
                 <a:cs typeface="Arial" panose="020B0604020202020204" pitchFamily="34" charset="0"/>
               </a:rPr>
               <a:t>Wiederherstellung bei Datenverlust</a:t>
@@ -5760,30 +6101,21 @@
             </a:pPr>
             <a:r>
               <a:rPr lang="de-DE" sz="2000" dirty="0">
-                <a:solidFill>
-                  <a:schemeClr val="tx2"/>
-                </a:solidFill>
-                <a:latin typeface="Arial" panose="020B0604020202020204" pitchFamily="34" charset="0"/>
+                <a:latin typeface="The Group TEXT" panose="00000500000000000000" pitchFamily="2" charset="0"/>
                 <a:cs typeface="Arial" panose="020B0604020202020204" pitchFamily="34" charset="0"/>
               </a:rPr>
               <a:t>Restore-</a:t>
             </a:r>
             <a:r>
               <a:rPr lang="de-DE" sz="2000" dirty="0" err="1">
-                <a:solidFill>
-                  <a:schemeClr val="tx2"/>
-                </a:solidFill>
-                <a:latin typeface="Arial" panose="020B0604020202020204" pitchFamily="34" charset="0"/>
+                <a:latin typeface="The Group TEXT" panose="00000500000000000000" pitchFamily="2" charset="0"/>
                 <a:cs typeface="Arial" panose="020B0604020202020204" pitchFamily="34" charset="0"/>
               </a:rPr>
               <a:t>Lamp</a:t>
             </a:r>
             <a:r>
               <a:rPr lang="de-DE" sz="2000" dirty="0">
-                <a:solidFill>
-                  <a:schemeClr val="tx2"/>
-                </a:solidFill>
-                <a:latin typeface="Arial" panose="020B0604020202020204" pitchFamily="34" charset="0"/>
+                <a:latin typeface="The Group TEXT" panose="00000500000000000000" pitchFamily="2" charset="0"/>
                 <a:cs typeface="Arial" panose="020B0604020202020204" pitchFamily="34" charset="0"/>
               </a:rPr>
               <a:t> backup-YYYYMMDD.tar.gz</a:t>
@@ -5796,10 +6128,7 @@
             </a:pPr>
             <a:r>
               <a:rPr lang="de-DE" sz="2000" dirty="0">
-                <a:solidFill>
-                  <a:schemeClr val="tx2"/>
-                </a:solidFill>
-                <a:latin typeface="Arial" panose="020B0604020202020204" pitchFamily="34" charset="0"/>
+                <a:latin typeface="The Group TEXT" panose="00000500000000000000" pitchFamily="2" charset="0"/>
                 <a:cs typeface="Arial" panose="020B0604020202020204" pitchFamily="34" charset="0"/>
               </a:rPr>
               <a:t>Während der Wiederherstellung</a:t>
@@ -5812,10 +6141,7 @@
             </a:pPr>
             <a:r>
               <a:rPr lang="de-DE" sz="2000" dirty="0">
-                <a:solidFill>
-                  <a:schemeClr val="tx2"/>
-                </a:solidFill>
-                <a:latin typeface="Arial" panose="020B0604020202020204" pitchFamily="34" charset="0"/>
+                <a:latin typeface="The Group TEXT" panose="00000500000000000000" pitchFamily="2" charset="0"/>
                 <a:cs typeface="Arial" panose="020B0604020202020204" pitchFamily="34" charset="0"/>
               </a:rPr>
               <a:t>Apache und MySQL werden gestoppt</a:t>
@@ -5828,10 +6154,7 @@
             </a:pPr>
             <a:r>
               <a:rPr lang="de-DE" sz="2000" dirty="0">
-                <a:solidFill>
-                  <a:schemeClr val="tx2"/>
-                </a:solidFill>
-                <a:latin typeface="Arial" panose="020B0604020202020204" pitchFamily="34" charset="0"/>
+                <a:latin typeface="The Group TEXT" panose="00000500000000000000" pitchFamily="2" charset="0"/>
                 <a:cs typeface="Arial" panose="020B0604020202020204" pitchFamily="34" charset="0"/>
               </a:rPr>
               <a:t>Backupdateien werden über die alten kopiert</a:t>
@@ -5844,17 +6167,16 @@
             </a:pPr>
             <a:r>
               <a:rPr lang="de-DE" sz="2000" dirty="0">
-                <a:solidFill>
-                  <a:schemeClr val="tx2"/>
-                </a:solidFill>
-                <a:latin typeface="Arial" panose="020B0604020202020204" pitchFamily="34" charset="0"/>
+                <a:latin typeface="The Group TEXT" panose="00000500000000000000" pitchFamily="2" charset="0"/>
                 <a:cs typeface="Arial" panose="020B0604020202020204" pitchFamily="34" charset="0"/>
               </a:rPr>
               <a:t>Neustart aller Dienste</a:t>
             </a:r>
           </a:p>
           <a:p>
-            <a:endParaRPr lang="de-DE" sz="2000" dirty="0"/>
+            <a:endParaRPr lang="de-DE" sz="2000" dirty="0">
+              <a:latin typeface="The Group TEXT" panose="00000500000000000000" pitchFamily="2" charset="0"/>
+            </a:endParaRPr>
           </a:p>
         </p:txBody>
       </p:sp>
@@ -5940,8 +6262,8 @@
           <a:lstStyle/>
           <a:p>
             <a:r>
-              <a:rPr lang="de-DE" dirty="0">
-                <a:latin typeface="Arial" panose="020B0604020202020204" pitchFamily="34" charset="0"/>
+              <a:rPr lang="de-DE" b="1" dirty="0">
+                <a:latin typeface="The Group HEAD Light" panose="00000400000000000000" pitchFamily="2" charset="0"/>
                 <a:cs typeface="Arial" panose="020B0604020202020204" pitchFamily="34" charset="0"/>
               </a:rPr>
               <a:t>Weiterentwicklung </a:t>
@@ -5977,7 +6299,7 @@
             </a:pPr>
             <a:r>
               <a:rPr lang="de-DE" sz="2000" dirty="0">
-                <a:latin typeface="Arial" panose="020B0604020202020204" pitchFamily="34" charset="0"/>
+                <a:latin typeface="The Group TEXT" panose="00000500000000000000" pitchFamily="2" charset="0"/>
                 <a:cs typeface="Arial" panose="020B0604020202020204" pitchFamily="34" charset="0"/>
               </a:rPr>
               <a:t>Aktuelle Einschränkungen</a:t>
@@ -5990,7 +6312,7 @@
             </a:pPr>
             <a:r>
               <a:rPr lang="de-DE" sz="2000" dirty="0">
-                <a:latin typeface="Arial" panose="020B0604020202020204" pitchFamily="34" charset="0"/>
+                <a:latin typeface="The Group TEXT" panose="00000500000000000000" pitchFamily="2" charset="0"/>
                 <a:cs typeface="Arial" panose="020B0604020202020204" pitchFamily="34" charset="0"/>
               </a:rPr>
               <a:t>Kein HTTPS</a:t>
@@ -6003,7 +6325,7 @@
             </a:pPr>
             <a:r>
               <a:rPr lang="de-DE" sz="2000" dirty="0">
-                <a:latin typeface="Arial" panose="020B0604020202020204" pitchFamily="34" charset="0"/>
+                <a:latin typeface="The Group TEXT" panose="00000500000000000000" pitchFamily="2" charset="0"/>
                 <a:cs typeface="Arial" panose="020B0604020202020204" pitchFamily="34" charset="0"/>
               </a:rPr>
               <a:t>Einfaches Benutzermodell</a:t>
@@ -6016,7 +6338,7 @@
             </a:pPr>
             <a:r>
               <a:rPr lang="de-DE" sz="2000" dirty="0">
-                <a:latin typeface="Arial" panose="020B0604020202020204" pitchFamily="34" charset="0"/>
+                <a:latin typeface="The Group TEXT" panose="00000500000000000000" pitchFamily="2" charset="0"/>
                 <a:cs typeface="Arial" panose="020B0604020202020204" pitchFamily="34" charset="0"/>
               </a:rPr>
               <a:t>Nur lokale Backups</a:t>
@@ -6028,7 +6350,7 @@
             </a:pPr>
             <a:r>
               <a:rPr lang="de-DE" sz="2000" dirty="0">
-                <a:latin typeface="Arial" panose="020B0604020202020204" pitchFamily="34" charset="0"/>
+                <a:latin typeface="The Group TEXT" panose="00000500000000000000" pitchFamily="2" charset="0"/>
                 <a:cs typeface="Arial" panose="020B0604020202020204" pitchFamily="34" charset="0"/>
               </a:rPr>
               <a:t>Weiterentwicklung</a:t>
@@ -6041,34 +6363,34 @@
             </a:pPr>
             <a:r>
               <a:rPr lang="de-DE" sz="2000" dirty="0">
-                <a:latin typeface="Arial" panose="020B0604020202020204" pitchFamily="34" charset="0"/>
+                <a:latin typeface="The Group TEXT" panose="00000500000000000000" pitchFamily="2" charset="0"/>
                 <a:cs typeface="Arial" panose="020B0604020202020204" pitchFamily="34" charset="0"/>
               </a:rPr>
               <a:t>HTTPS mit </a:t>
             </a:r>
             <a:r>
               <a:rPr lang="de-DE" sz="2000" dirty="0" err="1">
-                <a:latin typeface="Arial" panose="020B0604020202020204" pitchFamily="34" charset="0"/>
+                <a:latin typeface="The Group TEXT" panose="00000500000000000000" pitchFamily="2" charset="0"/>
                 <a:cs typeface="Arial" panose="020B0604020202020204" pitchFamily="34" charset="0"/>
               </a:rPr>
               <a:t>Let's</a:t>
             </a:r>
             <a:r>
               <a:rPr lang="de-DE" sz="2000" dirty="0">
-                <a:latin typeface="Arial" panose="020B0604020202020204" pitchFamily="34" charset="0"/>
+                <a:latin typeface="The Group TEXT" panose="00000500000000000000" pitchFamily="2" charset="0"/>
                 <a:cs typeface="Arial" panose="020B0604020202020204" pitchFamily="34" charset="0"/>
               </a:rPr>
               <a:t> </a:t>
             </a:r>
             <a:r>
               <a:rPr lang="de-DE" sz="2000" dirty="0" err="1">
-                <a:latin typeface="Arial" panose="020B0604020202020204" pitchFamily="34" charset="0"/>
+                <a:latin typeface="The Group TEXT" panose="00000500000000000000" pitchFamily="2" charset="0"/>
                 <a:cs typeface="Arial" panose="020B0604020202020204" pitchFamily="34" charset="0"/>
               </a:rPr>
               <a:t>Encrypt</a:t>
             </a:r>
             <a:endParaRPr lang="de-DE" sz="2000" dirty="0">
-              <a:latin typeface="Arial" panose="020B0604020202020204" pitchFamily="34" charset="0"/>
+              <a:latin typeface="The Group TEXT" panose="00000500000000000000" pitchFamily="2" charset="0"/>
               <a:cs typeface="Arial" panose="020B0604020202020204" pitchFamily="34" charset="0"/>
             </a:endParaRPr>
           </a:p>
@@ -6079,7 +6401,7 @@
             </a:pPr>
             <a:r>
               <a:rPr lang="de-DE" sz="2000" dirty="0">
-                <a:latin typeface="Arial" panose="020B0604020202020204" pitchFamily="34" charset="0"/>
+                <a:latin typeface="The Group TEXT" panose="00000500000000000000" pitchFamily="2" charset="0"/>
                 <a:cs typeface="Arial" panose="020B0604020202020204" pitchFamily="34" charset="0"/>
               </a:rPr>
               <a:t>Erweiterte Benutzerrollen</a:t>
@@ -6092,7 +6414,7 @@
             </a:pPr>
             <a:r>
               <a:rPr lang="de-DE" sz="2000" dirty="0">
-                <a:latin typeface="Arial" panose="020B0604020202020204" pitchFamily="34" charset="0"/>
+                <a:latin typeface="The Group TEXT" panose="00000500000000000000" pitchFamily="2" charset="0"/>
                 <a:cs typeface="Arial" panose="020B0604020202020204" pitchFamily="34" charset="0"/>
               </a:rPr>
               <a:t>Datei-Versionierung</a:t>
@@ -6105,14 +6427,16 @@
             </a:pPr>
             <a:r>
               <a:rPr lang="de-DE" sz="2000" dirty="0">
-                <a:latin typeface="Arial" panose="020B0604020202020204" pitchFamily="34" charset="0"/>
+                <a:latin typeface="The Group TEXT" panose="00000500000000000000" pitchFamily="2" charset="0"/>
                 <a:cs typeface="Arial" panose="020B0604020202020204" pitchFamily="34" charset="0"/>
               </a:rPr>
               <a:t>Erweitertes Monitoring</a:t>
             </a:r>
           </a:p>
           <a:p>
-            <a:endParaRPr lang="de-DE" dirty="0"/>
+            <a:endParaRPr lang="de-DE" dirty="0">
+              <a:latin typeface="The Group TEXT" panose="00000500000000000000" pitchFamily="2" charset="0"/>
+            </a:endParaRPr>
           </a:p>
         </p:txBody>
       </p:sp>
@@ -6196,14 +6520,14 @@
         <p:spPr/>
         <p:txBody>
           <a:bodyPr>
-            <a:normAutofit fontScale="92500" lnSpcReduction="10000"/>
+            <a:normAutofit fontScale="92500" lnSpcReduction="20000"/>
           </a:bodyPr>
           <a:lstStyle/>
           <a:p>
             <a:r>
               <a:rPr lang="de-DE" sz="2400" dirty="0">
                 <a:effectLst/>
-                <a:latin typeface="Arial" panose="020B0604020202020204" pitchFamily="34" charset="0"/>
+                <a:latin typeface="The Group TEXT" panose="00000500000000000000" pitchFamily="2" charset="0"/>
                 <a:ea typeface="Aptos" panose="020B0004020202020204" pitchFamily="34" charset="0"/>
                 <a:cs typeface="Arial" panose="020B0604020202020204" pitchFamily="34" charset="0"/>
                 <a:hlinkClick r:id="rId3"/>
@@ -6212,7 +6536,7 @@
             </a:r>
             <a:endParaRPr lang="de-DE" sz="2400" dirty="0">
               <a:effectLst/>
-              <a:latin typeface="Arial" panose="020B0604020202020204" pitchFamily="34" charset="0"/>
+              <a:latin typeface="The Group TEXT" panose="00000500000000000000" pitchFamily="2" charset="0"/>
               <a:ea typeface="Aptos" panose="020B0004020202020204" pitchFamily="34" charset="0"/>
               <a:cs typeface="Arial" panose="020B0604020202020204" pitchFamily="34" charset="0"/>
             </a:endParaRPr>
@@ -6221,7 +6545,7 @@
             <a:r>
               <a:rPr lang="de-DE" sz="2400" dirty="0">
                 <a:effectLst/>
-                <a:latin typeface="Arial" panose="020B0604020202020204" pitchFamily="34" charset="0"/>
+                <a:latin typeface="The Group TEXT" panose="00000500000000000000" pitchFamily="2" charset="0"/>
                 <a:ea typeface="Aptos" panose="020B0004020202020204" pitchFamily="34" charset="0"/>
                 <a:cs typeface="Arial" panose="020B0604020202020204" pitchFamily="34" charset="0"/>
                 <a:hlinkClick r:id="rId4"/>
@@ -6229,7 +6553,7 @@
               <a:t>https://mariadb.com/kb/en/documentation/</a:t>
             </a:r>
             <a:endParaRPr lang="de-DE" sz="2400" dirty="0">
-              <a:latin typeface="Arial" panose="020B0604020202020204" pitchFamily="34" charset="0"/>
+              <a:latin typeface="The Group TEXT" panose="00000500000000000000" pitchFamily="2" charset="0"/>
               <a:ea typeface="Aptos" panose="020B0004020202020204" pitchFamily="34" charset="0"/>
               <a:cs typeface="Arial" panose="020B0604020202020204" pitchFamily="34" charset="0"/>
             </a:endParaRPr>
@@ -6238,7 +6562,7 @@
             <a:r>
               <a:rPr lang="en-US" sz="2400" dirty="0">
                 <a:effectLst/>
-                <a:latin typeface="Arial" panose="020B0604020202020204" pitchFamily="34" charset="0"/>
+                <a:latin typeface="The Group TEXT" panose="00000500000000000000" pitchFamily="2" charset="0"/>
                 <a:ea typeface="Aptos" panose="020B0004020202020204" pitchFamily="34" charset="0"/>
                 <a:cs typeface="Arial" panose="020B0604020202020204" pitchFamily="34" charset="0"/>
                 <a:hlinkClick r:id="rId5"/>
@@ -6247,7 +6571,7 @@
             </a:r>
             <a:endParaRPr lang="de-DE" sz="2400" dirty="0">
               <a:effectLst/>
-              <a:latin typeface="Arial" panose="020B0604020202020204" pitchFamily="34" charset="0"/>
+              <a:latin typeface="The Group TEXT" panose="00000500000000000000" pitchFamily="2" charset="0"/>
               <a:ea typeface="Aptos" panose="020B0004020202020204" pitchFamily="34" charset="0"/>
               <a:cs typeface="Arial" panose="020B0604020202020204" pitchFamily="34" charset="0"/>
             </a:endParaRPr>
@@ -6256,7 +6580,7 @@
             <a:r>
               <a:rPr lang="en-US" sz="2400" kern="100" dirty="0">
                 <a:effectLst/>
-                <a:latin typeface="Arial" panose="020B0604020202020204" pitchFamily="34" charset="0"/>
+                <a:latin typeface="The Group TEXT" panose="00000500000000000000" pitchFamily="2" charset="0"/>
                 <a:ea typeface="Aptos" panose="020B0004020202020204" pitchFamily="34" charset="0"/>
                 <a:cs typeface="Arial" panose="020B0604020202020204" pitchFamily="34" charset="0"/>
               </a:rPr>
@@ -6265,7 +6589,7 @@
             <a:r>
               <a:rPr lang="en-US" sz="2400" kern="100" dirty="0">
                 <a:effectLst/>
-                <a:latin typeface="Arial" panose="020B0604020202020204" pitchFamily="34" charset="0"/>
+                <a:latin typeface="The Group TEXT" panose="00000500000000000000" pitchFamily="2" charset="0"/>
                 <a:ea typeface="Aptos" panose="020B0004020202020204" pitchFamily="34" charset="0"/>
                 <a:cs typeface="Arial" panose="020B0604020202020204" pitchFamily="34" charset="0"/>
                 <a:hlinkClick r:id="rId6"/>
@@ -6273,7 +6597,7 @@
               <a:t>https://developers.redhat.com/articles/security-hardening-apache-web-server</a:t>
             </a:r>
             <a:endParaRPr lang="de-DE" sz="2400" kern="100" dirty="0">
-              <a:latin typeface="Arial" panose="020B0604020202020204" pitchFamily="34" charset="0"/>
+              <a:latin typeface="The Group TEXT" panose="00000500000000000000" pitchFamily="2" charset="0"/>
               <a:ea typeface="Aptos" panose="020B0004020202020204" pitchFamily="34" charset="0"/>
               <a:cs typeface="Arial" panose="020B0604020202020204" pitchFamily="34" charset="0"/>
             </a:endParaRPr>
@@ -6282,7 +6606,7 @@
             <a:r>
               <a:rPr lang="en-US" sz="2400" dirty="0">
                 <a:effectLst/>
-                <a:latin typeface="Arial" panose="020B0604020202020204" pitchFamily="34" charset="0"/>
+                <a:latin typeface="The Group TEXT" panose="00000500000000000000" pitchFamily="2" charset="0"/>
                 <a:ea typeface="Aptos" panose="020B0004020202020204" pitchFamily="34" charset="0"/>
                 <a:cs typeface="Arial" panose="020B0604020202020204" pitchFamily="34" charset="0"/>
                 <a:hlinkClick r:id="rId7"/>
@@ -6291,7 +6615,7 @@
             </a:r>
             <a:endParaRPr lang="de-DE" sz="2400" kern="100" dirty="0">
               <a:effectLst/>
-              <a:latin typeface="Arial" panose="020B0604020202020204" pitchFamily="34" charset="0"/>
+              <a:latin typeface="The Group TEXT" panose="00000500000000000000" pitchFamily="2" charset="0"/>
               <a:ea typeface="Aptos" panose="020B0004020202020204" pitchFamily="34" charset="0"/>
               <a:cs typeface="Arial" panose="020B0604020202020204" pitchFamily="34" charset="0"/>
             </a:endParaRPr>
@@ -6300,7 +6624,7 @@
             <a:r>
               <a:rPr lang="en-US" sz="2400" kern="100" dirty="0">
                 <a:effectLst/>
-                <a:latin typeface="Arial" panose="020B0604020202020204" pitchFamily="34" charset="0"/>
+                <a:latin typeface="The Group TEXT" panose="00000500000000000000" pitchFamily="2" charset="0"/>
                 <a:ea typeface="Aptos" panose="020B0004020202020204" pitchFamily="34" charset="0"/>
                 <a:cs typeface="Arial" panose="020B0604020202020204" pitchFamily="34" charset="0"/>
                 <a:hlinkClick r:id="rId8"/>
@@ -6310,7 +6634,7 @@
             <a:r>
               <a:rPr lang="en-US" sz="2400" kern="100" dirty="0">
                 <a:effectLst/>
-                <a:latin typeface="Arial" panose="020B0604020202020204" pitchFamily="34" charset="0"/>
+                <a:latin typeface="The Group TEXT" panose="00000500000000000000" pitchFamily="2" charset="0"/>
                 <a:ea typeface="Aptos" panose="020B0004020202020204" pitchFamily="34" charset="0"/>
                 <a:cs typeface="Arial" panose="020B0604020202020204" pitchFamily="34" charset="0"/>
               </a:rPr>
@@ -6321,7 +6645,7 @@
             <a:r>
               <a:rPr lang="en-US" sz="2400" kern="100" dirty="0">
                 <a:effectLst/>
-                <a:latin typeface="Arial" panose="020B0604020202020204" pitchFamily="34" charset="0"/>
+                <a:latin typeface="The Group TEXT" panose="00000500000000000000" pitchFamily="2" charset="0"/>
                 <a:ea typeface="Aptos" panose="020B0004020202020204" pitchFamily="34" charset="0"/>
                 <a:cs typeface="Arial" panose="020B0604020202020204" pitchFamily="34" charset="0"/>
                 <a:hlinkClick r:id="rId9"/>
@@ -6331,7 +6655,7 @@
             <a:r>
               <a:rPr lang="en-US" sz="2400" kern="100" dirty="0">
                 <a:effectLst/>
-                <a:latin typeface="Arial" panose="020B0604020202020204" pitchFamily="34" charset="0"/>
+                <a:latin typeface="The Group TEXT" panose="00000500000000000000" pitchFamily="2" charset="0"/>
                 <a:ea typeface="Aptos" panose="020B0004020202020204" pitchFamily="34" charset="0"/>
                 <a:cs typeface="Arial" panose="020B0604020202020204" pitchFamily="34" charset="0"/>
               </a:rPr>
@@ -6339,7 +6663,7 @@
             </a:r>
             <a:endParaRPr lang="de-DE" sz="2400" kern="100" dirty="0">
               <a:effectLst/>
-              <a:latin typeface="Arial" panose="020B0604020202020204" pitchFamily="34" charset="0"/>
+              <a:latin typeface="The Group TEXT" panose="00000500000000000000" pitchFamily="2" charset="0"/>
               <a:ea typeface="Aptos" panose="020B0004020202020204" pitchFamily="34" charset="0"/>
               <a:cs typeface="Arial" panose="020B0604020202020204" pitchFamily="34" charset="0"/>
             </a:endParaRPr>
@@ -6347,7 +6671,7 @@
           <a:p>
             <a:r>
               <a:rPr lang="en-US" sz="2400" kern="100" dirty="0">
-                <a:latin typeface="Arial" panose="020B0604020202020204" pitchFamily="34" charset="0"/>
+                <a:latin typeface="The Group TEXT" panose="00000500000000000000" pitchFamily="2" charset="0"/>
                 <a:ea typeface="Aptos" panose="020B0004020202020204" pitchFamily="34" charset="0"/>
                 <a:cs typeface="Arial" panose="020B0604020202020204" pitchFamily="34" charset="0"/>
               </a:rPr>
@@ -6355,7 +6679,7 @@
             </a:r>
             <a:r>
               <a:rPr lang="en-US" sz="2400" kern="100" dirty="0">
-                <a:latin typeface="Arial" panose="020B0604020202020204" pitchFamily="34" charset="0"/>
+                <a:latin typeface="The Group TEXT" panose="00000500000000000000" pitchFamily="2" charset="0"/>
                 <a:ea typeface="Aptos" panose="020B0004020202020204" pitchFamily="34" charset="0"/>
                 <a:cs typeface="Arial" panose="020B0604020202020204" pitchFamily="34" charset="0"/>
                 <a:hlinkClick r:id="rId10"/>
@@ -6364,7 +6688,7 @@
             </a:r>
             <a:r>
               <a:rPr lang="en-US" sz="2400" kern="100" dirty="0">
-                <a:latin typeface="Arial" panose="020B0604020202020204" pitchFamily="34" charset="0"/>
+                <a:latin typeface="The Group TEXT" panose="00000500000000000000" pitchFamily="2" charset="0"/>
                 <a:ea typeface="Aptos" panose="020B0004020202020204" pitchFamily="34" charset="0"/>
                 <a:cs typeface="Arial" panose="020B0604020202020204" pitchFamily="34" charset="0"/>
               </a:rPr>
@@ -6375,7 +6699,7 @@
             <a:r>
               <a:rPr lang="en-US" sz="2400" kern="100" dirty="0" err="1">
                 <a:effectLst/>
-                <a:latin typeface="Arial" panose="020B0604020202020204" pitchFamily="34" charset="0"/>
+                <a:latin typeface="The Group TEXT" panose="00000500000000000000" pitchFamily="2" charset="0"/>
                 <a:ea typeface="Aptos" panose="020B0004020202020204" pitchFamily="34" charset="0"/>
                 <a:cs typeface="Arial" panose="020B0604020202020204" pitchFamily="34" charset="0"/>
               </a:rPr>
@@ -6383,7 +6707,7 @@
             </a:r>
             <a:r>
               <a:rPr lang="en-US" sz="2400" kern="100" dirty="0">
-                <a:latin typeface="Arial" panose="020B0604020202020204" pitchFamily="34" charset="0"/>
+                <a:latin typeface="The Group TEXT" panose="00000500000000000000" pitchFamily="2" charset="0"/>
                 <a:ea typeface="Aptos" panose="020B0004020202020204" pitchFamily="34" charset="0"/>
                 <a:cs typeface="Arial" panose="020B0604020202020204" pitchFamily="34" charset="0"/>
               </a:rPr>
@@ -6393,7 +6717,7 @@
           <a:p>
             <a:r>
               <a:rPr lang="en-US" sz="2400" kern="100" dirty="0">
-                <a:latin typeface="Arial" panose="020B0604020202020204" pitchFamily="34" charset="0"/>
+                <a:latin typeface="The Group TEXT" panose="00000500000000000000" pitchFamily="2" charset="0"/>
                 <a:ea typeface="Aptos" panose="020B0004020202020204" pitchFamily="34" charset="0"/>
                 <a:cs typeface="Arial" panose="020B0604020202020204" pitchFamily="34" charset="0"/>
                 <a:hlinkClick r:id="rId11"/>
@@ -6402,7 +6726,7 @@
             </a:r>
             <a:r>
               <a:rPr lang="en-US" sz="2400" kern="100" dirty="0">
-                <a:latin typeface="Arial" panose="020B0604020202020204" pitchFamily="34" charset="0"/>
+                <a:latin typeface="The Group TEXT" panose="00000500000000000000" pitchFamily="2" charset="0"/>
                 <a:ea typeface="Aptos" panose="020B0004020202020204" pitchFamily="34" charset="0"/>
                 <a:cs typeface="Arial" panose="020B0604020202020204" pitchFamily="34" charset="0"/>
               </a:rPr>
@@ -6413,7 +6737,7 @@
             <a:r>
               <a:rPr lang="de-DE" sz="2400" kern="100" dirty="0">
                 <a:effectLst/>
-                <a:latin typeface="Arial" panose="020B0604020202020204" pitchFamily="34" charset="0"/>
+                <a:latin typeface="The Group TEXT" panose="00000500000000000000" pitchFamily="2" charset="0"/>
                 <a:ea typeface="Aptos" panose="020B0004020202020204" pitchFamily="34" charset="0"/>
                 <a:cs typeface="Arial" panose="020B0604020202020204" pitchFamily="34" charset="0"/>
                 <a:hlinkClick r:id="rId12"/>
@@ -6423,7 +6747,7 @@
             <a:r>
               <a:rPr lang="en-US" sz="2400" kern="100" dirty="0">
                 <a:effectLst/>
-                <a:latin typeface="Arial" panose="020B0604020202020204" pitchFamily="34" charset="0"/>
+                <a:latin typeface="The Group TEXT" panose="00000500000000000000" pitchFamily="2" charset="0"/>
                 <a:ea typeface="Aptos" panose="020B0004020202020204" pitchFamily="34" charset="0"/>
                 <a:cs typeface="Arial" panose="020B0604020202020204" pitchFamily="34" charset="0"/>
               </a:rPr>
@@ -6431,7 +6755,9 @@
             </a:r>
           </a:p>
           <a:p>
-            <a:endParaRPr lang="de-DE" dirty="0"/>
+            <a:endParaRPr lang="de-DE" dirty="0">
+              <a:latin typeface="The Group TEXT" panose="00000500000000000000" pitchFamily="2" charset="0"/>
+            </a:endParaRPr>
           </a:p>
         </p:txBody>
       </p:sp>
@@ -6521,7 +6847,7 @@
           <a:p>
             <a:r>
               <a:rPr lang="pt-BR" sz="2000" dirty="0">
-                <a:latin typeface="Arial" panose="020B0604020202020204" pitchFamily="34" charset="0"/>
+                <a:latin typeface="The Group TEXT" panose="00000500000000000000" pitchFamily="2" charset="0"/>
                 <a:cs typeface="Arial" panose="020B0604020202020204" pitchFamily="34" charset="0"/>
               </a:rPr>
               <a:t>Logo Links: </a:t>
@@ -6530,7 +6856,7 @@
           <a:p>
             <a:r>
               <a:rPr lang="pt-BR" sz="2000" dirty="0">
-                <a:latin typeface="Arial" panose="020B0604020202020204" pitchFamily="34" charset="0"/>
+                <a:latin typeface="The Group TEXT" panose="00000500000000000000" pitchFamily="2" charset="0"/>
                 <a:cs typeface="Arial" panose="020B0604020202020204" pitchFamily="34" charset="0"/>
                 <a:hlinkClick r:id="rId3"/>
               </a:rPr>
@@ -6538,7 +6864,7 @@
             </a:r>
             <a:r>
               <a:rPr lang="pt-BR" sz="2000" dirty="0">
-                <a:latin typeface="Arial" panose="020B0604020202020204" pitchFamily="34" charset="0"/>
+                <a:latin typeface="The Group TEXT" panose="00000500000000000000" pitchFamily="2" charset="0"/>
                 <a:cs typeface="Arial" panose="020B0604020202020204" pitchFamily="34" charset="0"/>
               </a:rPr>
               <a:t> </a:t>
@@ -6547,7 +6873,7 @@
           <a:p>
             <a:r>
               <a:rPr lang="pt-BR" sz="2000" dirty="0">
-                <a:latin typeface="Arial" panose="020B0604020202020204" pitchFamily="34" charset="0"/>
+                <a:latin typeface="The Group TEXT" panose="00000500000000000000" pitchFamily="2" charset="0"/>
                 <a:cs typeface="Arial" panose="020B0604020202020204" pitchFamily="34" charset="0"/>
                 <a:hlinkClick r:id="rId4"/>
               </a:rPr>
@@ -6555,7 +6881,7 @@
             </a:r>
             <a:r>
               <a:rPr lang="pt-BR" sz="2000" dirty="0">
-                <a:latin typeface="Arial" panose="020B0604020202020204" pitchFamily="34" charset="0"/>
+                <a:latin typeface="The Group TEXT" panose="00000500000000000000" pitchFamily="2" charset="0"/>
                 <a:cs typeface="Arial" panose="020B0604020202020204" pitchFamily="34" charset="0"/>
               </a:rPr>
               <a:t> </a:t>
@@ -6564,7 +6890,7 @@
           <a:p>
             <a:r>
               <a:rPr lang="pt-BR" sz="2000" dirty="0">
-                <a:latin typeface="Arial" panose="020B0604020202020204" pitchFamily="34" charset="0"/>
+                <a:latin typeface="The Group TEXT" panose="00000500000000000000" pitchFamily="2" charset="0"/>
                 <a:cs typeface="Arial" panose="020B0604020202020204" pitchFamily="34" charset="0"/>
                 <a:hlinkClick r:id="rId5"/>
               </a:rPr>
@@ -6572,7 +6898,7 @@
             </a:r>
             <a:r>
               <a:rPr lang="pt-BR" sz="2000" dirty="0">
-                <a:latin typeface="Arial" panose="020B0604020202020204" pitchFamily="34" charset="0"/>
+                <a:latin typeface="The Group TEXT" panose="00000500000000000000" pitchFamily="2" charset="0"/>
                 <a:cs typeface="Arial" panose="020B0604020202020204" pitchFamily="34" charset="0"/>
               </a:rPr>
               <a:t> </a:t>
@@ -6581,7 +6907,7 @@
           <a:p>
             <a:r>
               <a:rPr lang="pt-BR" sz="2000" dirty="0">
-                <a:latin typeface="Arial" panose="020B0604020202020204" pitchFamily="34" charset="0"/>
+                <a:latin typeface="The Group TEXT" panose="00000500000000000000" pitchFamily="2" charset="0"/>
                 <a:cs typeface="Arial" panose="020B0604020202020204" pitchFamily="34" charset="0"/>
                 <a:hlinkClick r:id="rId6"/>
               </a:rPr>
@@ -6589,14 +6915,16 @@
             </a:r>
             <a:r>
               <a:rPr lang="pt-BR" sz="2000" dirty="0">
-                <a:latin typeface="Arial" panose="020B0604020202020204" pitchFamily="34" charset="0"/>
+                <a:latin typeface="The Group TEXT" panose="00000500000000000000" pitchFamily="2" charset="0"/>
                 <a:cs typeface="Arial" panose="020B0604020202020204" pitchFamily="34" charset="0"/>
               </a:rPr>
               <a:t> </a:t>
             </a:r>
           </a:p>
           <a:p>
-            <a:endParaRPr lang="de-DE" dirty="0"/>
+            <a:endParaRPr lang="de-DE" dirty="0">
+              <a:latin typeface="The Group TEXT" panose="00000500000000000000" pitchFamily="2" charset="0"/>
+            </a:endParaRPr>
           </a:p>
         </p:txBody>
       </p:sp>
@@ -6652,8 +6980,8 @@
           <a:lstStyle/>
           <a:p>
             <a:r>
-              <a:rPr lang="de-DE" dirty="0">
-                <a:latin typeface="Arial" panose="020B0604020202020204" pitchFamily="34" charset="0"/>
+              <a:rPr lang="de-DE" b="1" dirty="0">
+                <a:latin typeface="The Group HEAD Light" panose="00000400000000000000" pitchFamily="2" charset="0"/>
                 <a:cs typeface="Arial" panose="020B0604020202020204" pitchFamily="34" charset="0"/>
               </a:rPr>
               <a:t>Vielen Dank für ihre Aufmerksamkeit</a:t>
@@ -6738,8 +7066,8 @@
           <a:lstStyle/>
           <a:p>
             <a:r>
-              <a:rPr lang="de-DE" dirty="0">
-                <a:latin typeface="Arial" panose="020B0604020202020204" pitchFamily="34" charset="0"/>
+              <a:rPr lang="de-DE" b="1" dirty="0">
+                <a:latin typeface="The Group HEAD Light" panose="00000400000000000000" pitchFamily="2" charset="0"/>
                 <a:cs typeface="Arial" panose="020B0604020202020204" pitchFamily="34" charset="0"/>
               </a:rPr>
               <a:t>Inhaltsverzeichnis</a:t>
@@ -6776,7 +7104,7 @@
             </a:pPr>
             <a:r>
               <a:rPr lang="de-DE" sz="2000" dirty="0">
-                <a:latin typeface="Arial" panose="020B0604020202020204" pitchFamily="34" charset="0"/>
+                <a:latin typeface="The Group TEXT" panose="00000500000000000000" pitchFamily="2" charset="0"/>
                 <a:cs typeface="Arial" panose="020B0604020202020204" pitchFamily="34" charset="0"/>
               </a:rPr>
               <a:t>Projektübersicht</a:t>
@@ -6789,7 +7117,7 @@
             </a:pPr>
             <a:r>
               <a:rPr lang="de-DE" sz="2000" dirty="0">
-                <a:latin typeface="Arial" panose="020B0604020202020204" pitchFamily="34" charset="0"/>
+                <a:latin typeface="The Group TEXT" panose="00000500000000000000" pitchFamily="2" charset="0"/>
                 <a:cs typeface="Arial" panose="020B0604020202020204" pitchFamily="34" charset="0"/>
               </a:rPr>
               <a:t>Webseitenübersicht</a:t>
@@ -6802,7 +7130,7 @@
             </a:pPr>
             <a:r>
               <a:rPr lang="de-DE" sz="2000" dirty="0">
-                <a:latin typeface="Arial" panose="020B0604020202020204" pitchFamily="34" charset="0"/>
+                <a:latin typeface="The Group TEXT" panose="00000500000000000000" pitchFamily="2" charset="0"/>
                 <a:cs typeface="Arial" panose="020B0604020202020204" pitchFamily="34" charset="0"/>
               </a:rPr>
               <a:t>Systemarchitektur</a:t>
@@ -6815,7 +7143,7 @@
             </a:pPr>
             <a:r>
               <a:rPr lang="de-DE" sz="2000" dirty="0">
-                <a:latin typeface="Arial" panose="020B0604020202020204" pitchFamily="34" charset="0"/>
+                <a:latin typeface="The Group TEXT" panose="00000500000000000000" pitchFamily="2" charset="0"/>
                 <a:cs typeface="Arial" panose="020B0604020202020204" pitchFamily="34" charset="0"/>
               </a:rPr>
               <a:t>Datenbank-Design</a:t>
@@ -6828,7 +7156,7 @@
             </a:pPr>
             <a:r>
               <a:rPr lang="de-DE" sz="2000" dirty="0">
-                <a:latin typeface="Arial" panose="020B0604020202020204" pitchFamily="34" charset="0"/>
+                <a:latin typeface="The Group TEXT" panose="00000500000000000000" pitchFamily="2" charset="0"/>
                 <a:cs typeface="Arial" panose="020B0604020202020204" pitchFamily="34" charset="0"/>
               </a:rPr>
               <a:t>Sicherheitsarchitektur</a:t>
@@ -6841,7 +7169,7 @@
             </a:pPr>
             <a:r>
               <a:rPr lang="de-DE" sz="2000" dirty="0">
-                <a:latin typeface="Arial" panose="020B0604020202020204" pitchFamily="34" charset="0"/>
+                <a:latin typeface="The Group TEXT" panose="00000500000000000000" pitchFamily="2" charset="0"/>
                 <a:cs typeface="Arial" panose="020B0604020202020204" pitchFamily="34" charset="0"/>
               </a:rPr>
               <a:t>Systemüberwachung</a:t>
@@ -6854,7 +7182,7 @@
             </a:pPr>
             <a:r>
               <a:rPr lang="de-DE" sz="2000" dirty="0">
-                <a:latin typeface="Arial" panose="020B0604020202020204" pitchFamily="34" charset="0"/>
+                <a:latin typeface="The Group TEXT" panose="00000500000000000000" pitchFamily="2" charset="0"/>
                 <a:cs typeface="Arial" panose="020B0604020202020204" pitchFamily="34" charset="0"/>
               </a:rPr>
               <a:t>Backup</a:t>
@@ -6867,7 +7195,7 @@
             </a:pPr>
             <a:r>
               <a:rPr lang="de-DE" sz="2000" dirty="0">
-                <a:latin typeface="Arial" panose="020B0604020202020204" pitchFamily="34" charset="0"/>
+                <a:latin typeface="The Group TEXT" panose="00000500000000000000" pitchFamily="2" charset="0"/>
                 <a:cs typeface="Arial" panose="020B0604020202020204" pitchFamily="34" charset="0"/>
               </a:rPr>
               <a:t>Installation und Wartung</a:t>
@@ -6880,7 +7208,7 @@
             </a:pPr>
             <a:r>
               <a:rPr lang="de-DE" sz="2000" dirty="0">
-                <a:latin typeface="Arial" panose="020B0604020202020204" pitchFamily="34" charset="0"/>
+                <a:latin typeface="The Group TEXT" panose="00000500000000000000" pitchFamily="2" charset="0"/>
                 <a:cs typeface="Arial" panose="020B0604020202020204" pitchFamily="34" charset="0"/>
               </a:rPr>
               <a:t>Fehlerbehebung</a:t>
@@ -6893,7 +7221,7 @@
             </a:pPr>
             <a:r>
               <a:rPr lang="de-DE" sz="2000" dirty="0">
-                <a:latin typeface="Arial" panose="020B0604020202020204" pitchFamily="34" charset="0"/>
+                <a:latin typeface="The Group TEXT" panose="00000500000000000000" pitchFamily="2" charset="0"/>
                 <a:cs typeface="Arial" panose="020B0604020202020204" pitchFamily="34" charset="0"/>
               </a:rPr>
               <a:t>Weiterentwicklung</a:t>
@@ -6956,8 +7284,8 @@
           <a:lstStyle/>
           <a:p>
             <a:r>
-              <a:rPr lang="de-DE" dirty="0">
-                <a:latin typeface="Arial" panose="020B0604020202020204" pitchFamily="34" charset="0"/>
+              <a:rPr lang="de-DE" b="1" dirty="0">
+                <a:latin typeface="The Group HEAD Light" panose="00000400000000000000" pitchFamily="2" charset="0"/>
                 <a:cs typeface="Arial" panose="020B0604020202020204" pitchFamily="34" charset="0"/>
               </a:rPr>
               <a:t>Projektübersicht</a:t>
@@ -6994,7 +7322,7 @@
             </a:pPr>
             <a:r>
               <a:rPr lang="de-DE" sz="2000" dirty="0">
-                <a:latin typeface="Arial" panose="020B0604020202020204" pitchFamily="34" charset="0"/>
+                <a:latin typeface="The Group TEXT" panose="00000500000000000000" pitchFamily="2" charset="0"/>
                 <a:cs typeface="Arial" panose="020B0604020202020204" pitchFamily="34" charset="0"/>
               </a:rPr>
               <a:t>Automatisierte LAMP-Stack Installation (Linux, Apache, MySQL, PHP)</a:t>
@@ -7007,21 +7335,21 @@
             </a:pPr>
             <a:r>
               <a:rPr lang="de-DE" sz="2000" dirty="0">
-                <a:latin typeface="Arial" panose="020B0604020202020204" pitchFamily="34" charset="0"/>
+                <a:latin typeface="The Group TEXT" panose="00000500000000000000" pitchFamily="2" charset="0"/>
                 <a:cs typeface="Arial" panose="020B0604020202020204" pitchFamily="34" charset="0"/>
               </a:rPr>
               <a:t>Benutzer- und Dateiverwaltung mit </a:t>
             </a:r>
             <a:r>
               <a:rPr lang="de-DE" sz="2000" dirty="0" err="1">
-                <a:latin typeface="Arial" panose="020B0604020202020204" pitchFamily="34" charset="0"/>
+                <a:latin typeface="The Group TEXT" panose="00000500000000000000" pitchFamily="2" charset="0"/>
                 <a:cs typeface="Arial" panose="020B0604020202020204" pitchFamily="34" charset="0"/>
               </a:rPr>
               <a:t>MariaDB</a:t>
             </a:r>
             <a:r>
               <a:rPr lang="de-DE" sz="2000" dirty="0">
-                <a:latin typeface="Arial" panose="020B0604020202020204" pitchFamily="34" charset="0"/>
+                <a:latin typeface="The Group TEXT" panose="00000500000000000000" pitchFamily="2" charset="0"/>
                 <a:cs typeface="Arial" panose="020B0604020202020204" pitchFamily="34" charset="0"/>
               </a:rPr>
               <a:t>-Datenbank &amp; phpMyAdmin</a:t>
@@ -7034,7 +7362,7 @@
             </a:pPr>
             <a:r>
               <a:rPr lang="de-DE" sz="2000" dirty="0">
-                <a:latin typeface="Arial" panose="020B0604020202020204" pitchFamily="34" charset="0"/>
+                <a:latin typeface="The Group TEXT" panose="00000500000000000000" pitchFamily="2" charset="0"/>
                 <a:cs typeface="Arial" panose="020B0604020202020204" pitchFamily="34" charset="0"/>
               </a:rPr>
               <a:t>Umfangreiches Sicherheitskonzept mit SSH-Zugang und Firewall (UFW)</a:t>
@@ -7047,7 +7375,7 @@
             </a:pPr>
             <a:r>
               <a:rPr lang="de-DE" sz="2000" dirty="0">
-                <a:latin typeface="Arial" panose="020B0604020202020204" pitchFamily="34" charset="0"/>
+                <a:latin typeface="The Group TEXT" panose="00000500000000000000" pitchFamily="2" charset="0"/>
                 <a:cs typeface="Arial" panose="020B0604020202020204" pitchFamily="34" charset="0"/>
               </a:rPr>
               <a:t>Automatisches Backup-System mit täglicher Sicherung und 7-Tage-Rotation</a:t>
@@ -7060,7 +7388,7 @@
             </a:pPr>
             <a:r>
               <a:rPr lang="de-DE" sz="2000" dirty="0">
-                <a:latin typeface="Arial" panose="020B0604020202020204" pitchFamily="34" charset="0"/>
+                <a:latin typeface="The Group TEXT" panose="00000500000000000000" pitchFamily="2" charset="0"/>
                 <a:cs typeface="Arial" panose="020B0604020202020204" pitchFamily="34" charset="0"/>
               </a:rPr>
               <a:t>Systemüberwachung mit regelmäßigen Status-Checks und Protokollierung</a:t>
@@ -7073,7 +7401,7 @@
             </a:pPr>
             <a:r>
               <a:rPr lang="de-DE" sz="2000" dirty="0">
-                <a:latin typeface="Arial" panose="020B0604020202020204" pitchFamily="34" charset="0"/>
+                <a:latin typeface="The Group TEXT" panose="00000500000000000000" pitchFamily="2" charset="0"/>
                 <a:cs typeface="Arial" panose="020B0604020202020204" pitchFamily="34" charset="0"/>
               </a:rPr>
               <a:t>Einfache Wartung durch vordefinierte Verwaltungsbefehle</a:t>
@@ -7086,7 +7414,7 @@
             </a:pPr>
             <a:r>
               <a:rPr lang="de-DE" sz="2000" dirty="0">
-                <a:latin typeface="Arial" panose="020B0604020202020204" pitchFamily="34" charset="0"/>
+                <a:latin typeface="The Group TEXT" panose="00000500000000000000" pitchFamily="2" charset="0"/>
                 <a:cs typeface="Arial" panose="020B0604020202020204" pitchFamily="34" charset="0"/>
               </a:rPr>
               <a:t>Vollständig dokumentiertes Setup-Skript für reibungslose Installation</a:t>
@@ -7119,7 +7447,7 @@
         </p:blipFill>
         <p:spPr>
           <a:xfrm>
-            <a:off x="404812" y="4999029"/>
+            <a:off x="364816" y="4813845"/>
             <a:ext cx="2428545" cy="1363118"/>
           </a:xfrm>
           <a:prstGeom prst="rect">
@@ -7149,7 +7477,7 @@
         </p:blipFill>
         <p:spPr>
           <a:xfrm>
-            <a:off x="2833357" y="4994303"/>
+            <a:off x="2793361" y="4813845"/>
             <a:ext cx="3115699" cy="1363118"/>
           </a:xfrm>
           <a:prstGeom prst="rect">
@@ -7179,7 +7507,7 @@
         </p:blipFill>
         <p:spPr>
           <a:xfrm>
-            <a:off x="5917298" y="4944444"/>
+            <a:off x="5909060" y="4898923"/>
             <a:ext cx="2047492" cy="1363894"/>
           </a:xfrm>
           <a:prstGeom prst="rect">
@@ -7208,7 +7536,7 @@
         </p:blipFill>
         <p:spPr>
           <a:xfrm>
-            <a:off x="7964790" y="4949179"/>
+            <a:off x="7956552" y="4898923"/>
             <a:ext cx="2726236" cy="1363118"/>
           </a:xfrm>
           <a:prstGeom prst="rect">
@@ -7268,8 +7596,8 @@
           <a:lstStyle/>
           <a:p>
             <a:r>
-              <a:rPr lang="de-DE" dirty="0">
-                <a:latin typeface="Arial" panose="020B0604020202020204" pitchFamily="34" charset="0"/>
+              <a:rPr lang="de-DE" b="1" dirty="0">
+                <a:latin typeface="The Group HEAD Light" panose="00000400000000000000" pitchFamily="2" charset="0"/>
                 <a:cs typeface="Arial" panose="020B0604020202020204" pitchFamily="34" charset="0"/>
               </a:rPr>
               <a:t>Webseitenübersicht</a:t>
@@ -7325,7 +7653,7 @@
                   <a:schemeClr val="tx1"/>
                 </a:solidFill>
                 <a:effectLst/>
-                <a:latin typeface="Arial" panose="020B0604020202020204" pitchFamily="34" charset="0"/>
+                <a:latin typeface="The Group TEXT" panose="00000500000000000000" pitchFamily="2" charset="0"/>
                 <a:cs typeface="Arial" panose="020B0604020202020204" pitchFamily="34" charset="0"/>
               </a:rPr>
               <a:t>Start</a:t>
@@ -7357,7 +7685,7 @@
                   <a:schemeClr val="tx1"/>
                 </a:solidFill>
                 <a:effectLst/>
-                <a:latin typeface="Arial" panose="020B0604020202020204" pitchFamily="34" charset="0"/>
+                <a:latin typeface="The Group TEXT" panose="00000500000000000000" pitchFamily="2" charset="0"/>
                 <a:cs typeface="Arial" panose="020B0604020202020204" pitchFamily="34" charset="0"/>
               </a:rPr>
               <a:t>Benutzerdaten eingeben (Username und Passwort)</a:t>
@@ -7371,7 +7699,7 @@
                   <a:schemeClr val="tx1"/>
                 </a:solidFill>
                 <a:effectLst/>
-                <a:latin typeface="Arial" panose="020B0604020202020204" pitchFamily="34" charset="0"/>
+                <a:latin typeface="The Group TEXT" panose="00000500000000000000" pitchFamily="2" charset="0"/>
                 <a:cs typeface="Arial" panose="020B0604020202020204" pitchFamily="34" charset="0"/>
               </a:rPr>
             </a:br>
@@ -7384,7 +7712,7 @@
                   <a:schemeClr val="tx1"/>
                 </a:solidFill>
                 <a:effectLst/>
-                <a:latin typeface="Arial" panose="020B0604020202020204" pitchFamily="34" charset="0"/>
+                <a:latin typeface="The Group TEXT" panose="00000500000000000000" pitchFamily="2" charset="0"/>
                 <a:cs typeface="Arial" panose="020B0604020202020204" pitchFamily="34" charset="0"/>
               </a:rPr>
               <a:t>↳ Prüfen der Benutzerdaten:</a:t>
@@ -7413,7 +7741,7 @@
                   <a:schemeClr val="tx1"/>
                 </a:solidFill>
                 <a:effectLst/>
-                <a:latin typeface="Arial" panose="020B0604020202020204" pitchFamily="34" charset="0"/>
+                <a:latin typeface="The Group TEXT" panose="00000500000000000000" pitchFamily="2" charset="0"/>
                 <a:cs typeface="Arial" panose="020B0604020202020204" pitchFamily="34" charset="0"/>
               </a:rPr>
               <a:t>Richtig:  → Zum Profil gehen</a:t>
@@ -7442,13 +7770,13 @@
                   <a:schemeClr val="tx1"/>
                 </a:solidFill>
                 <a:effectLst/>
-                <a:latin typeface="Arial" panose="020B0604020202020204" pitchFamily="34" charset="0"/>
+                <a:latin typeface="The Group TEXT" panose="00000500000000000000" pitchFamily="2" charset="0"/>
                 <a:cs typeface="Arial" panose="020B0604020202020204" pitchFamily="34" charset="0"/>
               </a:rPr>
               <a:t>Falsch:  → (1) Benutzerdaten erneut eingeben</a:t>
             </a:r>
             <a:endParaRPr lang="de-DE" altLang="de-DE" sz="2000" b="0" dirty="0">
-              <a:latin typeface="Arial" panose="020B0604020202020204" pitchFamily="34" charset="0"/>
+              <a:latin typeface="The Group TEXT" panose="00000500000000000000" pitchFamily="2" charset="0"/>
               <a:cs typeface="Arial" panose="020B0604020202020204" pitchFamily="34" charset="0"/>
             </a:endParaRPr>
           </a:p>
@@ -7474,7 +7802,7 @@
                   <a:schemeClr val="tx1"/>
                 </a:solidFill>
                 <a:effectLst/>
-                <a:latin typeface="Arial" panose="020B0604020202020204" pitchFamily="34" charset="0"/>
+                <a:latin typeface="The Group TEXT" panose="00000500000000000000" pitchFamily="2" charset="0"/>
                 <a:cs typeface="Arial" panose="020B0604020202020204" pitchFamily="34" charset="0"/>
               </a:rPr>
               <a:t>	        → (2) Neu registrieren</a:t>
@@ -7506,7 +7834,7 @@
                   <a:schemeClr val="tx1"/>
                 </a:solidFill>
                 <a:effectLst/>
-                <a:latin typeface="Arial" panose="020B0604020202020204" pitchFamily="34" charset="0"/>
+                <a:latin typeface="The Group TEXT" panose="00000500000000000000" pitchFamily="2" charset="0"/>
                 <a:cs typeface="Arial" panose="020B0604020202020204" pitchFamily="34" charset="0"/>
               </a:rPr>
               <a:t>Im Profil:</a:t>
@@ -7538,7 +7866,7 @@
                   <a:schemeClr val="tx1"/>
                 </a:solidFill>
                 <a:effectLst/>
-                <a:latin typeface="Arial" panose="020B0604020202020204" pitchFamily="34" charset="0"/>
+                <a:latin typeface="The Group TEXT" panose="00000500000000000000" pitchFamily="2" charset="0"/>
                 <a:cs typeface="Arial" panose="020B0604020202020204" pitchFamily="34" charset="0"/>
               </a:rPr>
               <a:t>Daten herunterladen</a:t>
@@ -7570,7 +7898,7 @@
                   <a:schemeClr val="tx1"/>
                 </a:solidFill>
                 <a:effectLst/>
-                <a:latin typeface="Arial" panose="020B0604020202020204" pitchFamily="34" charset="0"/>
+                <a:latin typeface="The Group TEXT" panose="00000500000000000000" pitchFamily="2" charset="0"/>
                 <a:cs typeface="Arial" panose="020B0604020202020204" pitchFamily="34" charset="0"/>
               </a:rPr>
               <a:t>Daten hochladen</a:t>
@@ -7602,7 +7930,7 @@
                   <a:schemeClr val="tx1"/>
                 </a:solidFill>
                 <a:effectLst/>
-                <a:latin typeface="Arial" panose="020B0604020202020204" pitchFamily="34" charset="0"/>
+                <a:latin typeface="The Group TEXT" panose="00000500000000000000" pitchFamily="2" charset="0"/>
                 <a:cs typeface="Arial" panose="020B0604020202020204" pitchFamily="34" charset="0"/>
               </a:rPr>
               <a:t>Daten löschen</a:t>
@@ -7798,14 +8126,20 @@
             <p:ph type="title"/>
           </p:nvPr>
         </p:nvSpPr>
-        <p:spPr/>
+        <p:spPr>
+          <a:xfrm>
+            <a:off x="649759" y="197437"/>
+            <a:ext cx="10892481" cy="1325563"/>
+          </a:xfrm>
+        </p:spPr>
         <p:txBody>
           <a:bodyPr/>
           <a:lstStyle/>
           <a:p>
-            <a:r>
-              <a:rPr lang="de-DE" dirty="0">
-                <a:latin typeface="Arial" panose="020B0604020202020204" pitchFamily="34" charset="0"/>
+            <a:pPr algn="ctr"/>
+            <a:r>
+              <a:rPr lang="de-DE" b="1" dirty="0">
+                <a:latin typeface="The Group HEAD Light" panose="00000400000000000000" pitchFamily="2" charset="0"/>
                 <a:cs typeface="Arial" panose="020B0604020202020204" pitchFamily="34" charset="0"/>
               </a:rPr>
               <a:t>Vor- und Nachteile eines LAMP-Skriptes</a:t>
@@ -8032,7 +8366,7 @@
           <p:nvPr>
             <p:extLst>
               <p:ext uri="{D42A27DB-BD31-4B8C-83A1-F6EECF244321}">
-                <p14:modId xmlns:p14="http://schemas.microsoft.com/office/powerpoint/2010/main" val="2411621008"/>
+                <p14:modId xmlns:p14="http://schemas.microsoft.com/office/powerpoint/2010/main" val="3721634440"/>
               </p:ext>
             </p:extLst>
           </p:nvPr>
@@ -8071,7 +8405,7 @@
                     <a:p>
                       <a:r>
                         <a:rPr lang="de-DE" dirty="0">
-                          <a:latin typeface="Arial" panose="020B0604020202020204" pitchFamily="34" charset="0"/>
+                          <a:latin typeface="The Group TEXT" panose="00000500000000000000" pitchFamily="2" charset="0"/>
                           <a:cs typeface="Arial" panose="020B0604020202020204" pitchFamily="34" charset="0"/>
                         </a:rPr>
                         <a:t>Vorteile </a:t>
@@ -8087,7 +8421,7 @@
                     <a:p>
                       <a:r>
                         <a:rPr lang="de-DE" dirty="0">
-                          <a:latin typeface="Arial" panose="020B0604020202020204" pitchFamily="34" charset="0"/>
+                          <a:latin typeface="The Group TEXT" panose="00000500000000000000" pitchFamily="2" charset="0"/>
                           <a:cs typeface="Arial" panose="020B0604020202020204" pitchFamily="34" charset="0"/>
                         </a:rPr>
                         <a:t>Nachteile</a:t>
@@ -8127,14 +8461,14 @@
                       </a:pPr>
                       <a:r>
                         <a:rPr lang="de-DE" sz="1400" b="1" dirty="0">
-                          <a:latin typeface="Arial" panose="020B0604020202020204" pitchFamily="34" charset="0"/>
+                          <a:latin typeface="The Group TEXT" panose="00000500000000000000" pitchFamily="2" charset="0"/>
                           <a:cs typeface="Arial" panose="020B0604020202020204" pitchFamily="34" charset="0"/>
                         </a:rPr>
                         <a:t>Zeitersparnis: </a:t>
                       </a:r>
                       <a:r>
                         <a:rPr lang="de-DE" sz="1400" dirty="0">
-                          <a:latin typeface="Arial" panose="020B0604020202020204" pitchFamily="34" charset="0"/>
+                          <a:latin typeface="The Group TEXT" panose="00000500000000000000" pitchFamily="2" charset="0"/>
                           <a:cs typeface="Arial" panose="020B0604020202020204" pitchFamily="34" charset="0"/>
                         </a:rPr>
                         <a:t>Automatisiert die Installation und Konfiguration, reduziert manuellen Aufwand</a:t>
@@ -8142,7 +8476,7 @@
                     </a:p>
                     <a:p>
                       <a:endParaRPr lang="de-DE" sz="1400" dirty="0">
-                        <a:latin typeface="Arial" panose="020B0604020202020204" pitchFamily="34" charset="0"/>
+                        <a:latin typeface="The Group TEXT" panose="00000500000000000000" pitchFamily="2" charset="0"/>
                         <a:cs typeface="Arial" panose="020B0604020202020204" pitchFamily="34" charset="0"/>
                       </a:endParaRPr>
                     </a:p>
@@ -8173,14 +8507,14 @@
                       </a:pPr>
                       <a:r>
                         <a:rPr lang="de-DE" sz="1400" b="1" dirty="0">
-                          <a:latin typeface="Arial" panose="020B0604020202020204" pitchFamily="34" charset="0"/>
+                          <a:latin typeface="The Group TEXT" panose="00000500000000000000" pitchFamily="2" charset="0"/>
                           <a:cs typeface="Arial" panose="020B0604020202020204" pitchFamily="34" charset="0"/>
                         </a:rPr>
                         <a:t>Abhängigkeiten:</a:t>
                       </a:r>
                       <a:r>
                         <a:rPr lang="de-DE" sz="1400" dirty="0">
-                          <a:latin typeface="Arial" panose="020B0604020202020204" pitchFamily="34" charset="0"/>
+                          <a:latin typeface="The Group TEXT" panose="00000500000000000000" pitchFamily="2" charset="0"/>
                           <a:cs typeface="Arial" panose="020B0604020202020204" pitchFamily="34" charset="0"/>
                         </a:rPr>
                         <a:t> Kann spezifisch für eine bestimmte Linux-Distribution oder Version sein</a:t>
@@ -8188,7 +8522,7 @@
                     </a:p>
                     <a:p>
                       <a:endParaRPr lang="de-DE" sz="1400" dirty="0">
-                        <a:latin typeface="Arial" panose="020B0604020202020204" pitchFamily="34" charset="0"/>
+                        <a:latin typeface="The Group TEXT" panose="00000500000000000000" pitchFamily="2" charset="0"/>
                         <a:cs typeface="Arial" panose="020B0604020202020204" pitchFamily="34" charset="0"/>
                       </a:endParaRPr>
                     </a:p>
@@ -8226,14 +8560,14 @@
                       </a:pPr>
                       <a:r>
                         <a:rPr lang="de-DE" sz="1400" b="1" dirty="0">
-                          <a:latin typeface="Arial" panose="020B0604020202020204" pitchFamily="34" charset="0"/>
+                          <a:latin typeface="The Group TEXT" panose="00000500000000000000" pitchFamily="2" charset="0"/>
                           <a:cs typeface="Arial" panose="020B0604020202020204" pitchFamily="34" charset="0"/>
                         </a:rPr>
                         <a:t>Fehlerreduzierung: </a:t>
                       </a:r>
                       <a:r>
                         <a:rPr lang="de-DE" sz="1400" dirty="0">
-                          <a:latin typeface="Arial" panose="020B0604020202020204" pitchFamily="34" charset="0"/>
+                          <a:latin typeface="The Group TEXT" panose="00000500000000000000" pitchFamily="2" charset="0"/>
                           <a:cs typeface="Arial" panose="020B0604020202020204" pitchFamily="34" charset="0"/>
                         </a:rPr>
                         <a:t>Minimiert menschliche Fehler durch standardisierte Prozesse</a:t>
@@ -8241,7 +8575,7 @@
                     </a:p>
                     <a:p>
                       <a:endParaRPr lang="de-DE" sz="1400" dirty="0">
-                        <a:latin typeface="Arial" panose="020B0604020202020204" pitchFamily="34" charset="0"/>
+                        <a:latin typeface="The Group TEXT" panose="00000500000000000000" pitchFamily="2" charset="0"/>
                         <a:cs typeface="Arial" panose="020B0604020202020204" pitchFamily="34" charset="0"/>
                       </a:endParaRPr>
                     </a:p>
@@ -8272,14 +8606,14 @@
                       </a:pPr>
                       <a:r>
                         <a:rPr lang="de-DE" sz="1400" b="1" dirty="0">
-                          <a:latin typeface="Arial" panose="020B0604020202020204" pitchFamily="34" charset="0"/>
+                          <a:latin typeface="The Group TEXT" panose="00000500000000000000" pitchFamily="2" charset="0"/>
                           <a:cs typeface="Arial" panose="020B0604020202020204" pitchFamily="34" charset="0"/>
                         </a:rPr>
                         <a:t>Komplexität bei Fehlern:</a:t>
                       </a:r>
                       <a:r>
                         <a:rPr lang="de-DE" sz="1400" dirty="0">
-                          <a:latin typeface="Arial" panose="020B0604020202020204" pitchFamily="34" charset="0"/>
+                          <a:latin typeface="The Group TEXT" panose="00000500000000000000" pitchFamily="2" charset="0"/>
                           <a:cs typeface="Arial" panose="020B0604020202020204" pitchFamily="34" charset="0"/>
                         </a:rPr>
                         <a:t> Wenn ein Schritt fehlschlägt, kann die Fehlersuche in einem automatisierten Prozess schwierig sein.</a:t>
@@ -8287,7 +8621,7 @@
                     </a:p>
                     <a:p>
                       <a:endParaRPr lang="de-DE" sz="1400" dirty="0">
-                        <a:latin typeface="Arial" panose="020B0604020202020204" pitchFamily="34" charset="0"/>
+                        <a:latin typeface="The Group TEXT" panose="00000500000000000000" pitchFamily="2" charset="0"/>
                         <a:cs typeface="Arial" panose="020B0604020202020204" pitchFamily="34" charset="0"/>
                       </a:endParaRPr>
                     </a:p>
@@ -8325,14 +8659,14 @@
                       </a:pPr>
                       <a:r>
                         <a:rPr lang="de-DE" sz="1400" b="1" dirty="0">
-                          <a:latin typeface="Arial" panose="020B0604020202020204" pitchFamily="34" charset="0"/>
+                          <a:latin typeface="The Group TEXT" panose="00000500000000000000" pitchFamily="2" charset="0"/>
                           <a:cs typeface="Arial" panose="020B0604020202020204" pitchFamily="34" charset="0"/>
                         </a:rPr>
                         <a:t>Konsistenz: </a:t>
                       </a:r>
                       <a:r>
                         <a:rPr lang="de-DE" sz="1400" dirty="0">
-                          <a:latin typeface="Arial" panose="020B0604020202020204" pitchFamily="34" charset="0"/>
+                          <a:latin typeface="The Group TEXT" panose="00000500000000000000" pitchFamily="2" charset="0"/>
                           <a:cs typeface="Arial" panose="020B0604020202020204" pitchFamily="34" charset="0"/>
                         </a:rPr>
                         <a:t>Sorgt für gleichbleibende Konfigurationen in verschiedenen Umgebungen</a:t>
@@ -8340,7 +8674,7 @@
                     </a:p>
                     <a:p>
                       <a:endParaRPr lang="de-DE" sz="1400" dirty="0">
-                        <a:latin typeface="Arial" panose="020B0604020202020204" pitchFamily="34" charset="0"/>
+                        <a:latin typeface="The Group TEXT" panose="00000500000000000000" pitchFamily="2" charset="0"/>
                         <a:cs typeface="Arial" panose="020B0604020202020204" pitchFamily="34" charset="0"/>
                       </a:endParaRPr>
                     </a:p>
@@ -8354,14 +8688,14 @@
                     <a:p>
                       <a:r>
                         <a:rPr lang="de-DE" sz="1400" b="1" dirty="0">
-                          <a:latin typeface="Arial" panose="020B0604020202020204" pitchFamily="34" charset="0"/>
+                          <a:latin typeface="The Group TEXT" panose="00000500000000000000" pitchFamily="2" charset="0"/>
                           <a:cs typeface="Arial" panose="020B0604020202020204" pitchFamily="34" charset="0"/>
                         </a:rPr>
                         <a:t>Anpassungsbedarf</a:t>
                       </a:r>
                       <a:r>
                         <a:rPr lang="de-DE" sz="1400" dirty="0">
-                          <a:latin typeface="Arial" panose="020B0604020202020204" pitchFamily="34" charset="0"/>
+                          <a:latin typeface="The Group TEXT" panose="00000500000000000000" pitchFamily="2" charset="0"/>
                           <a:cs typeface="Arial" panose="020B0604020202020204" pitchFamily="34" charset="0"/>
                         </a:rPr>
                         <a:t>: Nicht alle Systeme oder Projekte haben dieselben Anforderungen</a:t>
@@ -8401,14 +8735,14 @@
                       </a:pPr>
                       <a:r>
                         <a:rPr lang="de-DE" sz="1400" b="1" dirty="0">
-                          <a:latin typeface="Arial" panose="020B0604020202020204" pitchFamily="34" charset="0"/>
+                          <a:latin typeface="The Group TEXT" panose="00000500000000000000" pitchFamily="2" charset="0"/>
                           <a:cs typeface="Arial" panose="020B0604020202020204" pitchFamily="34" charset="0"/>
                         </a:rPr>
                         <a:t>Einfachheit: </a:t>
                       </a:r>
                       <a:r>
                         <a:rPr lang="de-DE" sz="1400" dirty="0">
-                          <a:latin typeface="Arial" panose="020B0604020202020204" pitchFamily="34" charset="0"/>
+                          <a:latin typeface="The Group TEXT" panose="00000500000000000000" pitchFamily="2" charset="0"/>
                           <a:cs typeface="Arial" panose="020B0604020202020204" pitchFamily="34" charset="0"/>
                         </a:rPr>
                         <a:t>Auch für weniger erfahrene Nutzer leichter zu verwenden</a:t>
@@ -8416,7 +8750,7 @@
                     </a:p>
                     <a:p>
                       <a:endParaRPr lang="de-DE" sz="1400" dirty="0">
-                        <a:latin typeface="Arial" panose="020B0604020202020204" pitchFamily="34" charset="0"/>
+                        <a:latin typeface="The Group TEXT" panose="00000500000000000000" pitchFamily="2" charset="0"/>
                         <a:cs typeface="Arial" panose="020B0604020202020204" pitchFamily="34" charset="0"/>
                       </a:endParaRPr>
                     </a:p>
@@ -8430,14 +8764,14 @@
                     <a:p>
                       <a:r>
                         <a:rPr lang="de-DE" sz="1400" b="1" dirty="0">
-                          <a:latin typeface="Arial" panose="020B0604020202020204" pitchFamily="34" charset="0"/>
+                          <a:latin typeface="The Group TEXT" panose="00000500000000000000" pitchFamily="2" charset="0"/>
                           <a:cs typeface="Arial" panose="020B0604020202020204" pitchFamily="34" charset="0"/>
                         </a:rPr>
                         <a:t>Sicherheitsrisiken</a:t>
                       </a:r>
                       <a:r>
                         <a:rPr lang="de-DE" sz="1400" dirty="0">
-                          <a:latin typeface="Arial" panose="020B0604020202020204" pitchFamily="34" charset="0"/>
+                          <a:latin typeface="The Group TEXT" panose="00000500000000000000" pitchFamily="2" charset="0"/>
                           <a:cs typeface="Arial" panose="020B0604020202020204" pitchFamily="34" charset="0"/>
                         </a:rPr>
                         <a:t>: Unsichere Standardkonfigurationen oder Fehlerhafte Updates im Skript können Sicherheitslücken schaffen</a:t>
@@ -8477,14 +8811,14 @@
                       </a:pPr>
                       <a:r>
                         <a:rPr lang="de-DE" sz="1400" b="1" dirty="0">
-                          <a:latin typeface="Arial" panose="020B0604020202020204" pitchFamily="34" charset="0"/>
+                          <a:latin typeface="The Group TEXT" panose="00000500000000000000" pitchFamily="2" charset="0"/>
                           <a:cs typeface="Arial" panose="020B0604020202020204" pitchFamily="34" charset="0"/>
                         </a:rPr>
                         <a:t>Anpassbarkeit: </a:t>
                       </a:r>
                       <a:r>
                         <a:rPr lang="de-DE" sz="1400" dirty="0">
-                          <a:latin typeface="Arial" panose="020B0604020202020204" pitchFamily="34" charset="0"/>
+                          <a:latin typeface="The Group TEXT" panose="00000500000000000000" pitchFamily="2" charset="0"/>
                           <a:cs typeface="Arial" panose="020B0604020202020204" pitchFamily="34" charset="0"/>
                         </a:rPr>
                         <a:t>Skripte können leicht modifiziert werden, um individuelle Anforderungen zu erfüllen</a:t>
@@ -8492,7 +8826,7 @@
                     </a:p>
                     <a:p>
                       <a:endParaRPr lang="de-DE" sz="1400" dirty="0">
-                        <a:latin typeface="Arial" panose="020B0604020202020204" pitchFamily="34" charset="0"/>
+                        <a:latin typeface="The Group TEXT" panose="00000500000000000000" pitchFamily="2" charset="0"/>
                         <a:cs typeface="Arial" panose="020B0604020202020204" pitchFamily="34" charset="0"/>
                       </a:endParaRPr>
                     </a:p>
@@ -8523,14 +8857,14 @@
                       </a:pPr>
                       <a:r>
                         <a:rPr lang="de-DE" sz="1400" b="1" dirty="0">
-                          <a:latin typeface="Arial" panose="020B0604020202020204" pitchFamily="34" charset="0"/>
+                          <a:latin typeface="The Group TEXT" panose="00000500000000000000" pitchFamily="2" charset="0"/>
                           <a:cs typeface="Arial" panose="020B0604020202020204" pitchFamily="34" charset="0"/>
                         </a:rPr>
                         <a:t>Veraltete Skripte</a:t>
                       </a:r>
                       <a:r>
                         <a:rPr lang="de-DE" sz="1400" dirty="0">
-                          <a:latin typeface="Arial" panose="020B0604020202020204" pitchFamily="34" charset="0"/>
+                          <a:latin typeface="The Group TEXT" panose="00000500000000000000" pitchFamily="2" charset="0"/>
                           <a:cs typeface="Arial" panose="020B0604020202020204" pitchFamily="34" charset="0"/>
                         </a:rPr>
                         <a:t>: Wenn das Skript nicht regelmäßig gepflegt wird, könnten neue Versionen von Software nicht mehr unterstützt werden</a:t>
@@ -8538,7 +8872,7 @@
                     </a:p>
                     <a:p>
                       <a:endParaRPr lang="de-DE" sz="1400" dirty="0">
-                        <a:latin typeface="Arial" panose="020B0604020202020204" pitchFamily="34" charset="0"/>
+                        <a:latin typeface="The Group TEXT" panose="00000500000000000000" pitchFamily="2" charset="0"/>
                         <a:cs typeface="Arial" panose="020B0604020202020204" pitchFamily="34" charset="0"/>
                       </a:endParaRPr>
                     </a:p>
@@ -8576,14 +8910,14 @@
                       </a:pPr>
                       <a:r>
                         <a:rPr lang="de-DE" sz="1400" b="1" dirty="0">
-                          <a:latin typeface="Arial" panose="020B0604020202020204" pitchFamily="34" charset="0"/>
+                          <a:latin typeface="The Group TEXT" panose="00000500000000000000" pitchFamily="2" charset="0"/>
                           <a:cs typeface="Arial" panose="020B0604020202020204" pitchFamily="34" charset="0"/>
                         </a:rPr>
                         <a:t>Wiederverwendbarkeit: </a:t>
                       </a:r>
                       <a:r>
                         <a:rPr lang="de-DE" sz="1400" dirty="0">
-                          <a:latin typeface="Arial" panose="020B0604020202020204" pitchFamily="34" charset="0"/>
+                          <a:latin typeface="The Group TEXT" panose="00000500000000000000" pitchFamily="2" charset="0"/>
                           <a:cs typeface="Arial" panose="020B0604020202020204" pitchFamily="34" charset="0"/>
                         </a:rPr>
                         <a:t>Einmal geschrieben, kann das Skript immer wieder verwendet werden</a:t>
@@ -8591,7 +8925,7 @@
                     </a:p>
                     <a:p>
                       <a:endParaRPr lang="de-DE" sz="1400" dirty="0">
-                        <a:latin typeface="Arial" panose="020B0604020202020204" pitchFamily="34" charset="0"/>
+                        <a:latin typeface="The Group TEXT" panose="00000500000000000000" pitchFamily="2" charset="0"/>
                         <a:cs typeface="Arial" panose="020B0604020202020204" pitchFamily="34" charset="0"/>
                       </a:endParaRPr>
                     </a:p>
@@ -8604,7 +8938,7 @@
                     <a:lstStyle/>
                     <a:p>
                       <a:endParaRPr lang="de-DE" dirty="0">
-                        <a:latin typeface="Arial" panose="020B0604020202020204" pitchFamily="34" charset="0"/>
+                        <a:latin typeface="The Group TEXT" panose="00000500000000000000" pitchFamily="2" charset="0"/>
                         <a:cs typeface="Arial" panose="020B0604020202020204" pitchFamily="34" charset="0"/>
                       </a:endParaRPr>
                     </a:p>
@@ -8673,7 +9007,9 @@
           <a:lstStyle/>
           <a:p>
             <a:r>
-              <a:rPr lang="de-DE" dirty="0"/>
+              <a:rPr lang="de-DE" b="1" dirty="0">
+                <a:latin typeface="The Group HEAD Light" panose="00000400000000000000" pitchFamily="2" charset="0"/>
+              </a:rPr>
               <a:t>Systemarchitektur</a:t>
             </a:r>
           </a:p>
@@ -8708,14 +9044,14 @@
             </a:pPr>
             <a:r>
               <a:rPr lang="de-DE" sz="2900" b="1" dirty="0">
-                <a:latin typeface="Arial" panose="020B0604020202020204" pitchFamily="34" charset="0"/>
+                <a:latin typeface="The Group TEXT" panose="00000500000000000000" pitchFamily="2" charset="0"/>
                 <a:cs typeface="Arial" panose="020B0604020202020204" pitchFamily="34" charset="0"/>
               </a:rPr>
               <a:t>Client Layer</a:t>
             </a:r>
             <a:r>
               <a:rPr lang="de-DE" sz="2900" dirty="0">
-                <a:latin typeface="Arial" panose="020B0604020202020204" pitchFamily="34" charset="0"/>
+                <a:latin typeface="The Group TEXT" panose="00000500000000000000" pitchFamily="2" charset="0"/>
                 <a:cs typeface="Arial" panose="020B0604020202020204" pitchFamily="34" charset="0"/>
               </a:rPr>
               <a:t>:</a:t>
@@ -8728,7 +9064,7 @@
             </a:pPr>
             <a:r>
               <a:rPr lang="de-DE" sz="2900" dirty="0">
-                <a:latin typeface="Arial" panose="020B0604020202020204" pitchFamily="34" charset="0"/>
+                <a:latin typeface="The Group TEXT" panose="00000500000000000000" pitchFamily="2" charset="0"/>
                 <a:cs typeface="Arial" panose="020B0604020202020204" pitchFamily="34" charset="0"/>
               </a:rPr>
               <a:t>Webbrowser als Zugangspunkt</a:t>
@@ -8741,7 +9077,7 @@
             </a:pPr>
             <a:r>
               <a:rPr lang="de-DE" sz="2900" b="1" dirty="0">
-                <a:latin typeface="Arial" panose="020B0604020202020204" pitchFamily="34" charset="0"/>
+                <a:latin typeface="The Group TEXT" panose="00000500000000000000" pitchFamily="2" charset="0"/>
                 <a:cs typeface="Arial" panose="020B0604020202020204" pitchFamily="34" charset="0"/>
               </a:rPr>
               <a:t>Web Layer:</a:t>
@@ -8754,7 +9090,7 @@
             </a:pPr>
             <a:r>
               <a:rPr lang="de-DE" sz="2900" dirty="0">
-                <a:latin typeface="Arial" panose="020B0604020202020204" pitchFamily="34" charset="0"/>
+                <a:latin typeface="The Group TEXT" panose="00000500000000000000" pitchFamily="2" charset="0"/>
                 <a:cs typeface="Arial" panose="020B0604020202020204" pitchFamily="34" charset="0"/>
               </a:rPr>
               <a:t>Apache als Webserver</a:t>
@@ -8767,7 +9103,7 @@
             </a:pPr>
             <a:r>
               <a:rPr lang="de-DE" sz="2900" dirty="0">
-                <a:latin typeface="Arial" panose="020B0604020202020204" pitchFamily="34" charset="0"/>
+                <a:latin typeface="The Group TEXT" panose="00000500000000000000" pitchFamily="2" charset="0"/>
                 <a:cs typeface="Arial" panose="020B0604020202020204" pitchFamily="34" charset="0"/>
               </a:rPr>
               <a:t>PHP als Verarbeitungssprache</a:t>
@@ -8780,7 +9116,7 @@
             </a:pPr>
             <a:r>
               <a:rPr lang="de-DE" sz="2900" dirty="0">
-                <a:latin typeface="Arial" panose="020B0604020202020204" pitchFamily="34" charset="0"/>
+                <a:latin typeface="The Group TEXT" panose="00000500000000000000" pitchFamily="2" charset="0"/>
                 <a:cs typeface="Arial" panose="020B0604020202020204" pitchFamily="34" charset="0"/>
               </a:rPr>
               <a:t>Apache Module für erweiterte Funktionen</a:t>
@@ -8793,7 +9129,7 @@
             </a:pPr>
             <a:r>
               <a:rPr lang="de-DE" sz="2900" b="1" dirty="0">
-                <a:latin typeface="Arial" panose="020B0604020202020204" pitchFamily="34" charset="0"/>
+                <a:latin typeface="The Group TEXT" panose="00000500000000000000" pitchFamily="2" charset="0"/>
                 <a:cs typeface="Arial" panose="020B0604020202020204" pitchFamily="34" charset="0"/>
               </a:rPr>
               <a:t>Data Layer:</a:t>
@@ -8806,7 +9142,7 @@
             </a:pPr>
             <a:r>
               <a:rPr lang="de-DE" sz="2900" dirty="0">
-                <a:latin typeface="Arial" panose="020B0604020202020204" pitchFamily="34" charset="0"/>
+                <a:latin typeface="The Group TEXT" panose="00000500000000000000" pitchFamily="2" charset="0"/>
                 <a:cs typeface="Arial" panose="020B0604020202020204" pitchFamily="34" charset="0"/>
               </a:rPr>
               <a:t>DB über Maria DB zu Dateispeicherung</a:t>
@@ -8819,7 +9155,7 @@
             </a:pPr>
             <a:r>
               <a:rPr lang="de-DE" sz="2900" dirty="0">
-                <a:latin typeface="Arial" panose="020B0604020202020204" pitchFamily="34" charset="0"/>
+                <a:latin typeface="The Group TEXT" panose="00000500000000000000" pitchFamily="2" charset="0"/>
                 <a:cs typeface="Arial" panose="020B0604020202020204" pitchFamily="34" charset="0"/>
               </a:rPr>
               <a:t>Linux Dateisystem für das Speichern der Dateien</a:t>
@@ -8832,7 +9168,7 @@
             </a:pPr>
             <a:r>
               <a:rPr lang="de-DE" sz="2900" b="1" dirty="0">
-                <a:latin typeface="Arial" panose="020B0604020202020204" pitchFamily="34" charset="0"/>
+                <a:latin typeface="The Group TEXT" panose="00000500000000000000" pitchFamily="2" charset="0"/>
                 <a:cs typeface="Arial" panose="020B0604020202020204" pitchFamily="34" charset="0"/>
               </a:rPr>
               <a:t>Security Layer: </a:t>
@@ -8845,7 +9181,7 @@
             </a:pPr>
             <a:r>
               <a:rPr lang="de-DE" sz="2900" dirty="0">
-                <a:latin typeface="Arial" panose="020B0604020202020204" pitchFamily="34" charset="0"/>
+                <a:latin typeface="The Group TEXT" panose="00000500000000000000" pitchFamily="2" charset="0"/>
                 <a:cs typeface="Arial" panose="020B0604020202020204" pitchFamily="34" charset="0"/>
               </a:rPr>
               <a:t>UFW-Firewall für Netzwerksicherheit</a:t>
@@ -8858,7 +9194,7 @@
             </a:pPr>
             <a:r>
               <a:rPr lang="de-DE" sz="2900" dirty="0">
-                <a:latin typeface="Arial" panose="020B0604020202020204" pitchFamily="34" charset="0"/>
+                <a:latin typeface="The Group TEXT" panose="00000500000000000000" pitchFamily="2" charset="0"/>
                 <a:cs typeface="Arial" panose="020B0604020202020204" pitchFamily="34" charset="0"/>
               </a:rPr>
               <a:t>SSL/TLS für Verschlüsselung</a:t>
@@ -8871,7 +9207,7 @@
             </a:pPr>
             <a:r>
               <a:rPr lang="de-DE" sz="2900" dirty="0">
-                <a:latin typeface="Arial" panose="020B0604020202020204" pitchFamily="34" charset="0"/>
+                <a:latin typeface="The Group TEXT" panose="00000500000000000000" pitchFamily="2" charset="0"/>
                 <a:cs typeface="Arial" panose="020B0604020202020204" pitchFamily="34" charset="0"/>
               </a:rPr>
               <a:t>Authentifizierungssystem</a:t>
@@ -8884,7 +9220,7 @@
             </a:pPr>
             <a:r>
               <a:rPr lang="de-DE" sz="2900" b="1" dirty="0">
-                <a:latin typeface="Arial" panose="020B0604020202020204" pitchFamily="34" charset="0"/>
+                <a:latin typeface="The Group TEXT" panose="00000500000000000000" pitchFamily="2" charset="0"/>
                 <a:cs typeface="Arial" panose="020B0604020202020204" pitchFamily="34" charset="0"/>
               </a:rPr>
               <a:t>Monitoring Layer:</a:t>
@@ -8897,14 +9233,14 @@
             </a:pPr>
             <a:r>
               <a:rPr lang="de-DE" sz="2900" dirty="0" err="1">
-                <a:latin typeface="Arial" panose="020B0604020202020204" pitchFamily="34" charset="0"/>
+                <a:latin typeface="The Group TEXT" panose="00000500000000000000" pitchFamily="2" charset="0"/>
                 <a:cs typeface="Arial" panose="020B0604020202020204" pitchFamily="34" charset="0"/>
               </a:rPr>
               <a:t>Logging</a:t>
             </a:r>
             <a:r>
               <a:rPr lang="de-DE" sz="2900" dirty="0">
-                <a:latin typeface="Arial" panose="020B0604020202020204" pitchFamily="34" charset="0"/>
+                <a:latin typeface="The Group TEXT" panose="00000500000000000000" pitchFamily="2" charset="0"/>
                 <a:cs typeface="Arial" panose="020B0604020202020204" pitchFamily="34" charset="0"/>
               </a:rPr>
               <a:t>-System</a:t>
@@ -8917,14 +9253,16 @@
             </a:pPr>
             <a:r>
               <a:rPr lang="de-DE" sz="2900" dirty="0">
-                <a:latin typeface="Arial" panose="020B0604020202020204" pitchFamily="34" charset="0"/>
+                <a:latin typeface="The Group TEXT" panose="00000500000000000000" pitchFamily="2" charset="0"/>
                 <a:cs typeface="Arial" panose="020B0604020202020204" pitchFamily="34" charset="0"/>
               </a:rPr>
               <a:t>Backup-System</a:t>
             </a:r>
           </a:p>
           <a:p>
-            <a:endParaRPr lang="de-DE" dirty="0"/>
+            <a:endParaRPr lang="de-DE" dirty="0">
+              <a:latin typeface="The Group TEXT" panose="00000500000000000000" pitchFamily="2" charset="0"/>
+            </a:endParaRPr>
           </a:p>
         </p:txBody>
       </p:sp>
@@ -9015,8 +9353,8 @@
           <a:lstStyle/>
           <a:p>
             <a:r>
-              <a:rPr lang="de-DE" dirty="0">
-                <a:latin typeface="Arial" panose="020B0604020202020204" pitchFamily="34" charset="0"/>
+              <a:rPr lang="de-DE" b="1" dirty="0">
+                <a:latin typeface="The Group HEAD Light" panose="00000400000000000000" pitchFamily="2" charset="0"/>
                 <a:cs typeface="Arial" panose="020B0604020202020204" pitchFamily="34" charset="0"/>
               </a:rPr>
               <a:t>Datenbank-Design</a:t>
@@ -9047,7 +9385,7 @@
           <a:p>
             <a:r>
               <a:rPr lang="de-DE" sz="2000" dirty="0">
-                <a:latin typeface="Arial" panose="020B0604020202020204" pitchFamily="34" charset="0"/>
+                <a:latin typeface="The Group TEXT" panose="00000500000000000000" pitchFamily="2" charset="0"/>
                 <a:cs typeface="Arial" panose="020B0604020202020204" pitchFamily="34" charset="0"/>
               </a:rPr>
               <a:t>Haupttabellen</a:t>
@@ -9060,7 +9398,7 @@
             </a:pPr>
             <a:r>
               <a:rPr lang="de-DE" sz="2000" dirty="0">
-                <a:latin typeface="Arial" panose="020B0604020202020204" pitchFamily="34" charset="0"/>
+                <a:latin typeface="The Group TEXT" panose="00000500000000000000" pitchFamily="2" charset="0"/>
                 <a:cs typeface="Arial" panose="020B0604020202020204" pitchFamily="34" charset="0"/>
               </a:rPr>
               <a:t>Users (Benutzerverwaltung)</a:t>
@@ -9073,20 +9411,20 @@
             </a:pPr>
             <a:r>
               <a:rPr lang="de-DE" dirty="0">
-                <a:latin typeface="Arial" panose="020B0604020202020204" pitchFamily="34" charset="0"/>
+                <a:latin typeface="The Group TEXT" panose="00000500000000000000" pitchFamily="2" charset="0"/>
                 <a:cs typeface="Arial" panose="020B0604020202020204" pitchFamily="34" charset="0"/>
               </a:rPr>
               <a:t>Primary Key: </a:t>
             </a:r>
             <a:r>
               <a:rPr lang="de-DE" dirty="0" err="1">
-                <a:latin typeface="Arial" panose="020B0604020202020204" pitchFamily="34" charset="0"/>
+                <a:latin typeface="The Group TEXT" panose="00000500000000000000" pitchFamily="2" charset="0"/>
                 <a:cs typeface="Arial" panose="020B0604020202020204" pitchFamily="34" charset="0"/>
               </a:rPr>
               <a:t>id</a:t>
             </a:r>
             <a:endParaRPr lang="de-DE" dirty="0">
-              <a:latin typeface="Arial" panose="020B0604020202020204" pitchFamily="34" charset="0"/>
+              <a:latin typeface="The Group TEXT" panose="00000500000000000000" pitchFamily="2" charset="0"/>
               <a:cs typeface="Arial" panose="020B0604020202020204" pitchFamily="34" charset="0"/>
             </a:endParaRPr>
           </a:p>
@@ -9097,7 +9435,7 @@
             </a:pPr>
             <a:r>
               <a:rPr lang="de-DE" sz="2000" dirty="0">
-                <a:latin typeface="Arial" panose="020B0604020202020204" pitchFamily="34" charset="0"/>
+                <a:latin typeface="The Group TEXT" panose="00000500000000000000" pitchFamily="2" charset="0"/>
                 <a:cs typeface="Arial" panose="020B0604020202020204" pitchFamily="34" charset="0"/>
               </a:rPr>
               <a:t>Files (Dokumentenverwaltung)</a:t>
@@ -9110,20 +9448,20 @@
             </a:pPr>
             <a:r>
               <a:rPr lang="de-DE" dirty="0">
-                <a:latin typeface="Arial" panose="020B0604020202020204" pitchFamily="34" charset="0"/>
+                <a:latin typeface="The Group TEXT" panose="00000500000000000000" pitchFamily="2" charset="0"/>
                 <a:cs typeface="Arial" panose="020B0604020202020204" pitchFamily="34" charset="0"/>
               </a:rPr>
               <a:t>Primary Key: </a:t>
             </a:r>
             <a:r>
               <a:rPr lang="de-DE" dirty="0" err="1">
-                <a:latin typeface="Arial" panose="020B0604020202020204" pitchFamily="34" charset="0"/>
+                <a:latin typeface="The Group TEXT" panose="00000500000000000000" pitchFamily="2" charset="0"/>
                 <a:cs typeface="Arial" panose="020B0604020202020204" pitchFamily="34" charset="0"/>
               </a:rPr>
               <a:t>id</a:t>
             </a:r>
             <a:endParaRPr lang="de-DE" dirty="0">
-              <a:latin typeface="Arial" panose="020B0604020202020204" pitchFamily="34" charset="0"/>
+              <a:latin typeface="The Group TEXT" panose="00000500000000000000" pitchFamily="2" charset="0"/>
               <a:cs typeface="Arial" panose="020B0604020202020204" pitchFamily="34" charset="0"/>
             </a:endParaRPr>
           </a:p>
@@ -9134,33 +9472,33 @@
             </a:pPr>
             <a:r>
               <a:rPr lang="de-DE" dirty="0" err="1">
-                <a:latin typeface="Arial" panose="020B0604020202020204" pitchFamily="34" charset="0"/>
+                <a:latin typeface="The Group TEXT" panose="00000500000000000000" pitchFamily="2" charset="0"/>
                 <a:cs typeface="Arial" panose="020B0604020202020204" pitchFamily="34" charset="0"/>
               </a:rPr>
               <a:t>Foreign</a:t>
             </a:r>
             <a:r>
               <a:rPr lang="de-DE" dirty="0">
-                <a:latin typeface="Arial" panose="020B0604020202020204" pitchFamily="34" charset="0"/>
+                <a:latin typeface="The Group TEXT" panose="00000500000000000000" pitchFamily="2" charset="0"/>
                 <a:cs typeface="Arial" panose="020B0604020202020204" pitchFamily="34" charset="0"/>
               </a:rPr>
               <a:t> Key: </a:t>
             </a:r>
             <a:r>
               <a:rPr lang="de-DE" dirty="0" err="1">
-                <a:latin typeface="Arial" panose="020B0604020202020204" pitchFamily="34" charset="0"/>
+                <a:latin typeface="The Group TEXT" panose="00000500000000000000" pitchFamily="2" charset="0"/>
                 <a:cs typeface="Arial" panose="020B0604020202020204" pitchFamily="34" charset="0"/>
               </a:rPr>
               <a:t>user_id</a:t>
             </a:r>
             <a:endParaRPr lang="de-DE" dirty="0">
-              <a:latin typeface="Arial" panose="020B0604020202020204" pitchFamily="34" charset="0"/>
+              <a:latin typeface="The Group TEXT" panose="00000500000000000000" pitchFamily="2" charset="0"/>
               <a:cs typeface="Arial" panose="020B0604020202020204" pitchFamily="34" charset="0"/>
             </a:endParaRPr>
           </a:p>
           <a:p>
             <a:endParaRPr lang="de-DE" sz="2000" dirty="0">
-              <a:latin typeface="Arial" panose="020B0604020202020204" pitchFamily="34" charset="0"/>
+              <a:latin typeface="The Group TEXT" panose="00000500000000000000" pitchFamily="2" charset="0"/>
               <a:cs typeface="Arial" panose="020B0604020202020204" pitchFamily="34" charset="0"/>
             </a:endParaRPr>
           </a:p>
@@ -9171,7 +9509,7 @@
             </a:pPr>
             <a:r>
               <a:rPr lang="de-DE" sz="2000" dirty="0">
-                <a:latin typeface="Arial" panose="020B0604020202020204" pitchFamily="34" charset="0"/>
+                <a:latin typeface="The Group TEXT" panose="00000500000000000000" pitchFamily="2" charset="0"/>
                 <a:cs typeface="Arial" panose="020B0604020202020204" pitchFamily="34" charset="0"/>
               </a:rPr>
               <a:t>Features</a:t>
@@ -9184,7 +9522,7 @@
             </a:pPr>
             <a:r>
               <a:rPr lang="de-DE" b="0" dirty="0">
-                <a:latin typeface="Arial" panose="020B0604020202020204" pitchFamily="34" charset="0"/>
+                <a:latin typeface="The Group TEXT" panose="00000500000000000000" pitchFamily="2" charset="0"/>
                 <a:cs typeface="Arial" panose="020B0604020202020204" pitchFamily="34" charset="0"/>
               </a:rPr>
               <a:t>UTF-8MB4 Zeichensatz</a:t>
@@ -9197,7 +9535,7 @@
             </a:pPr>
             <a:r>
               <a:rPr lang="de-DE" b="0" dirty="0">
-                <a:latin typeface="Arial" panose="020B0604020202020204" pitchFamily="34" charset="0"/>
+                <a:latin typeface="The Group TEXT" panose="00000500000000000000" pitchFamily="2" charset="0"/>
                 <a:cs typeface="Arial" panose="020B0604020202020204" pitchFamily="34" charset="0"/>
               </a:rPr>
               <a:t>Referentielle Integrität</a:t>
@@ -9210,14 +9548,16 @@
             </a:pPr>
             <a:r>
               <a:rPr lang="de-DE" b="0" dirty="0">
-                <a:latin typeface="Arial" panose="020B0604020202020204" pitchFamily="34" charset="0"/>
+                <a:latin typeface="The Group TEXT" panose="00000500000000000000" pitchFamily="2" charset="0"/>
                 <a:cs typeface="Arial" panose="020B0604020202020204" pitchFamily="34" charset="0"/>
               </a:rPr>
               <a:t>Transaktionssicherheit</a:t>
             </a:r>
           </a:p>
           <a:p>
-            <a:endParaRPr lang="de-DE" dirty="0"/>
+            <a:endParaRPr lang="de-DE" dirty="0">
+              <a:latin typeface="The Group TEXT" panose="00000500000000000000" pitchFamily="2" charset="0"/>
+            </a:endParaRPr>
           </a:p>
         </p:txBody>
       </p:sp>
@@ -9302,8 +9642,8 @@
           <a:lstStyle/>
           <a:p>
             <a:r>
-              <a:rPr lang="de-DE" dirty="0">
-                <a:latin typeface="Arial" panose="020B0604020202020204" pitchFamily="34" charset="0"/>
+              <a:rPr lang="de-DE" b="1" dirty="0">
+                <a:latin typeface="The Group HEAD Light" panose="00000400000000000000" pitchFamily="2" charset="0"/>
                 <a:cs typeface="Arial" panose="020B0604020202020204" pitchFamily="34" charset="0"/>
               </a:rPr>
               <a:t>Sicherheitsarchitektur</a:t>
@@ -9334,7 +9674,7 @@
           <a:p>
             <a:r>
               <a:rPr lang="de-DE" sz="2000" dirty="0">
-                <a:latin typeface="Arial" panose="020B0604020202020204" pitchFamily="34" charset="0"/>
+                <a:latin typeface="The Group TEXT" panose="00000500000000000000" pitchFamily="2" charset="0"/>
                 <a:cs typeface="Arial" panose="020B0604020202020204" pitchFamily="34" charset="0"/>
               </a:rPr>
               <a:t>Apache-Sicherheit</a:t>
@@ -9347,14 +9687,14 @@
             </a:pPr>
             <a:r>
               <a:rPr lang="de-DE" sz="2000" dirty="0" err="1">
-                <a:latin typeface="Arial" panose="020B0604020202020204" pitchFamily="34" charset="0"/>
+                <a:latin typeface="The Group TEXT" panose="00000500000000000000" pitchFamily="2" charset="0"/>
                 <a:cs typeface="Arial" panose="020B0604020202020204" pitchFamily="34" charset="0"/>
               </a:rPr>
               <a:t>Verzeichnislisting</a:t>
             </a:r>
             <a:r>
               <a:rPr lang="de-DE" sz="2000" dirty="0">
-                <a:latin typeface="Arial" panose="020B0604020202020204" pitchFamily="34" charset="0"/>
+                <a:latin typeface="The Group TEXT" panose="00000500000000000000" pitchFamily="2" charset="0"/>
                 <a:cs typeface="Arial" panose="020B0604020202020204" pitchFamily="34" charset="0"/>
               </a:rPr>
               <a:t> deaktiviert</a:t>
@@ -9367,7 +9707,7 @@
             </a:pPr>
             <a:r>
               <a:rPr lang="de-DE" sz="2000" dirty="0">
-                <a:latin typeface="Arial" panose="020B0604020202020204" pitchFamily="34" charset="0"/>
+                <a:latin typeface="The Group TEXT" panose="00000500000000000000" pitchFamily="2" charset="0"/>
                 <a:cs typeface="Arial" panose="020B0604020202020204" pitchFamily="34" charset="0"/>
               </a:rPr>
               <a:t>Security-Header aktiviert</a:t>
@@ -9380,7 +9720,7 @@
             </a:pPr>
             <a:r>
               <a:rPr lang="de-DE" sz="2000" dirty="0">
-                <a:latin typeface="Arial" panose="020B0604020202020204" pitchFamily="34" charset="0"/>
+                <a:latin typeface="The Group TEXT" panose="00000500000000000000" pitchFamily="2" charset="0"/>
                 <a:cs typeface="Arial" panose="020B0604020202020204" pitchFamily="34" charset="0"/>
               </a:rPr>
               <a:t>Zugriffsbeschränkungen</a:t>
@@ -9389,7 +9729,7 @@
           <a:p>
             <a:r>
               <a:rPr lang="de-DE" sz="2000" dirty="0">
-                <a:latin typeface="Arial" panose="020B0604020202020204" pitchFamily="34" charset="0"/>
+                <a:latin typeface="The Group TEXT" panose="00000500000000000000" pitchFamily="2" charset="0"/>
                 <a:cs typeface="Arial" panose="020B0604020202020204" pitchFamily="34" charset="0"/>
               </a:rPr>
               <a:t>Firewall (UFW)</a:t>
@@ -9402,7 +9742,7 @@
             </a:pPr>
             <a:r>
               <a:rPr lang="de-DE" sz="2000" dirty="0">
-                <a:latin typeface="Arial" panose="020B0604020202020204" pitchFamily="34" charset="0"/>
+                <a:latin typeface="The Group TEXT" panose="00000500000000000000" pitchFamily="2" charset="0"/>
                 <a:cs typeface="Arial" panose="020B0604020202020204" pitchFamily="34" charset="0"/>
               </a:rPr>
               <a:t>Standardmäßig alles blockiert</a:t>
@@ -9415,7 +9755,7 @@
             </a:pPr>
             <a:r>
               <a:rPr lang="de-DE" sz="2000" dirty="0">
-                <a:latin typeface="Arial" panose="020B0604020202020204" pitchFamily="34" charset="0"/>
+                <a:latin typeface="The Group TEXT" panose="00000500000000000000" pitchFamily="2" charset="0"/>
                 <a:cs typeface="Arial" panose="020B0604020202020204" pitchFamily="34" charset="0"/>
               </a:rPr>
               <a:t>Nur notwendige Ports offen:</a:t>
@@ -9428,7 +9768,7 @@
             </a:pPr>
             <a:r>
               <a:rPr lang="de-DE" dirty="0">
-                <a:latin typeface="Arial" panose="020B0604020202020204" pitchFamily="34" charset="0"/>
+                <a:latin typeface="The Group TEXT" panose="00000500000000000000" pitchFamily="2" charset="0"/>
                 <a:cs typeface="Arial" panose="020B0604020202020204" pitchFamily="34" charset="0"/>
               </a:rPr>
               <a:t>HTTP (80)</a:t>
@@ -9441,7 +9781,7 @@
             </a:pPr>
             <a:r>
               <a:rPr lang="de-DE" dirty="0">
-                <a:latin typeface="Arial" panose="020B0604020202020204" pitchFamily="34" charset="0"/>
+                <a:latin typeface="The Group TEXT" panose="00000500000000000000" pitchFamily="2" charset="0"/>
                 <a:cs typeface="Arial" panose="020B0604020202020204" pitchFamily="34" charset="0"/>
               </a:rPr>
               <a:t>HTTPS (443)</a:t>
@@ -9454,14 +9794,16 @@
             </a:pPr>
             <a:r>
               <a:rPr lang="de-DE" dirty="0">
-                <a:latin typeface="Arial" panose="020B0604020202020204" pitchFamily="34" charset="0"/>
+                <a:latin typeface="The Group TEXT" panose="00000500000000000000" pitchFamily="2" charset="0"/>
                 <a:cs typeface="Arial" panose="020B0604020202020204" pitchFamily="34" charset="0"/>
               </a:rPr>
               <a:t>SSH (22)</a:t>
             </a:r>
           </a:p>
           <a:p>
-            <a:endParaRPr lang="de-DE" dirty="0"/>
+            <a:endParaRPr lang="de-DE" dirty="0">
+              <a:latin typeface="The Group TEXT" panose="00000500000000000000" pitchFamily="2" charset="0"/>
+            </a:endParaRPr>
           </a:p>
         </p:txBody>
       </p:sp>

--- a/Dokumentation/Lernfeld 12 Projekt.pptx
+++ b/Dokumentation/Lernfeld 12 Projekt.pptx
@@ -132,7 +132,7 @@
 <file path=ppt/revisionInfo.xml><?xml version="1.0" encoding="utf-8"?>
 <p1510:revInfo xmlns:a="http://schemas.openxmlformats.org/drawingml/2006/main" xmlns:r="http://schemas.openxmlformats.org/officeDocument/2006/relationships" xmlns:p1510="http://schemas.microsoft.com/office/powerpoint/2015/10/main">
   <p1510:revLst>
-    <p1510:client id="{523122F4-A900-4A7F-BE11-2AB51AB7F5F4}" v="1" dt="2025-02-10T08:28:36.442"/>
+    <p1510:client id="{523122F4-A900-4A7F-BE11-2AB51AB7F5F4}" v="3" dt="2025-02-11T09:07:08.829"/>
   </p1510:revLst>
 </p1510:revInfo>
 </file>
@@ -263,8 +263,8 @@
   </pc:docChgLst>
   <pc:docChgLst>
     <pc:chgData name="Wieching, Levin (SE-7/3AFS2K)" userId="98420e42-2ee7-4e41-8b7c-b6844ebc3566" providerId="ADAL" clId="{523122F4-A900-4A7F-BE11-2AB51AB7F5F4}"/>
-    <pc:docChg chg="custSel modSld">
-      <pc:chgData name="Wieching, Levin (SE-7/3AFS2K)" userId="98420e42-2ee7-4e41-8b7c-b6844ebc3566" providerId="ADAL" clId="{523122F4-A900-4A7F-BE11-2AB51AB7F5F4}" dt="2025-02-10T08:30:16.732" v="46" actId="113"/>
+    <pc:docChg chg="undo custSel modSld">
+      <pc:chgData name="Wieching, Levin (SE-7/3AFS2K)" userId="98420e42-2ee7-4e41-8b7c-b6844ebc3566" providerId="ADAL" clId="{523122F4-A900-4A7F-BE11-2AB51AB7F5F4}" dt="2025-02-11T09:07:16.076" v="53" actId="20577"/>
       <pc:docMkLst>
         <pc:docMk/>
       </pc:docMkLst>
@@ -315,7 +315,7 @@
         </pc:spChg>
       </pc:sldChg>
       <pc:sldChg chg="modSp mod">
-        <pc:chgData name="Wieching, Levin (SE-7/3AFS2K)" userId="98420e42-2ee7-4e41-8b7c-b6844ebc3566" providerId="ADAL" clId="{523122F4-A900-4A7F-BE11-2AB51AB7F5F4}" dt="2025-02-10T08:26:10.325" v="12" actId="2711"/>
+        <pc:chgData name="Wieching, Levin (SE-7/3AFS2K)" userId="98420e42-2ee7-4e41-8b7c-b6844ebc3566" providerId="ADAL" clId="{523122F4-A900-4A7F-BE11-2AB51AB7F5F4}" dt="2025-02-11T09:05:25.507" v="50" actId="20577"/>
         <pc:sldMkLst>
           <pc:docMk/>
           <pc:sldMk cId="2903512010" sldId="258"/>
@@ -329,7 +329,7 @@
           </ac:spMkLst>
         </pc:spChg>
         <pc:spChg chg="mod">
-          <ac:chgData name="Wieching, Levin (SE-7/3AFS2K)" userId="98420e42-2ee7-4e41-8b7c-b6844ebc3566" providerId="ADAL" clId="{523122F4-A900-4A7F-BE11-2AB51AB7F5F4}" dt="2025-02-10T08:26:10.325" v="12" actId="2711"/>
+          <ac:chgData name="Wieching, Levin (SE-7/3AFS2K)" userId="98420e42-2ee7-4e41-8b7c-b6844ebc3566" providerId="ADAL" clId="{523122F4-A900-4A7F-BE11-2AB51AB7F5F4}" dt="2025-02-11T09:05:25.507" v="50" actId="20577"/>
           <ac:spMkLst>
             <pc:docMk/>
             <pc:sldMk cId="2903512010" sldId="258"/>
@@ -462,7 +462,7 @@
         </pc:spChg>
       </pc:sldChg>
       <pc:sldChg chg="modSp mod">
-        <pc:chgData name="Wieching, Levin (SE-7/3AFS2K)" userId="98420e42-2ee7-4e41-8b7c-b6844ebc3566" providerId="ADAL" clId="{523122F4-A900-4A7F-BE11-2AB51AB7F5F4}" dt="2025-02-10T08:28:16.730" v="31" actId="113"/>
+        <pc:chgData name="Wieching, Levin (SE-7/3AFS2K)" userId="98420e42-2ee7-4e41-8b7c-b6844ebc3566" providerId="ADAL" clId="{523122F4-A900-4A7F-BE11-2AB51AB7F5F4}" dt="2025-02-11T09:07:16.076" v="53" actId="20577"/>
         <pc:sldMkLst>
           <pc:docMk/>
           <pc:sldMk cId="31823734" sldId="265"/>
@@ -476,7 +476,7 @@
           </ac:spMkLst>
         </pc:spChg>
         <pc:spChg chg="mod">
-          <ac:chgData name="Wieching, Levin (SE-7/3AFS2K)" userId="98420e42-2ee7-4e41-8b7c-b6844ebc3566" providerId="ADAL" clId="{523122F4-A900-4A7F-BE11-2AB51AB7F5F4}" dt="2025-02-10T08:28:09.650" v="29" actId="2711"/>
+          <ac:chgData name="Wieching, Levin (SE-7/3AFS2K)" userId="98420e42-2ee7-4e41-8b7c-b6844ebc3566" providerId="ADAL" clId="{523122F4-A900-4A7F-BE11-2AB51AB7F5F4}" dt="2025-02-11T09:07:16.076" v="53" actId="20577"/>
           <ac:spMkLst>
             <pc:docMk/>
             <pc:sldMk cId="31823734" sldId="265"/>
@@ -508,7 +508,7 @@
         </pc:spChg>
       </pc:sldChg>
       <pc:sldChg chg="modSp mod">
-        <pc:chgData name="Wieching, Levin (SE-7/3AFS2K)" userId="98420e42-2ee7-4e41-8b7c-b6844ebc3566" providerId="ADAL" clId="{523122F4-A900-4A7F-BE11-2AB51AB7F5F4}" dt="2025-02-10T08:29:09.522" v="38" actId="2711"/>
+        <pc:chgData name="Wieching, Levin (SE-7/3AFS2K)" userId="98420e42-2ee7-4e41-8b7c-b6844ebc3566" providerId="ADAL" clId="{523122F4-A900-4A7F-BE11-2AB51AB7F5F4}" dt="2025-02-11T09:04:52.164" v="48" actId="20577"/>
         <pc:sldMkLst>
           <pc:docMk/>
           <pc:sldMk cId="3275196562" sldId="267"/>
@@ -522,7 +522,7 @@
           </ac:spMkLst>
         </pc:spChg>
         <pc:spChg chg="mod">
-          <ac:chgData name="Wieching, Levin (SE-7/3AFS2K)" userId="98420e42-2ee7-4e41-8b7c-b6844ebc3566" providerId="ADAL" clId="{523122F4-A900-4A7F-BE11-2AB51AB7F5F4}" dt="2025-02-10T08:29:09.522" v="38" actId="2711"/>
+          <ac:chgData name="Wieching, Levin (SE-7/3AFS2K)" userId="98420e42-2ee7-4e41-8b7c-b6844ebc3566" providerId="ADAL" clId="{523122F4-A900-4A7F-BE11-2AB51AB7F5F4}" dt="2025-02-11T09:04:52.164" v="48" actId="20577"/>
           <ac:spMkLst>
             <pc:docMk/>
             <pc:sldMk cId="3275196562" sldId="267"/>
@@ -685,7 +685,7 @@
           <a:p>
             <a:fld id="{6729F17F-90C7-4D41-861E-720123DEE1F5}" type="datetimeFigureOut">
               <a:rPr lang="de-DE" smtClean="0"/>
-              <a:t>10.02.2025</a:t>
+              <a:t>11.02.2025</a:t>
             </a:fld>
             <a:endParaRPr lang="de-DE"/>
           </a:p>
@@ -2405,7 +2405,7 @@
           <a:p>
             <a:fld id="{7D74FC6B-E92B-4501-B0D8-49C4E8928187}" type="datetimeFigureOut">
               <a:rPr lang="de-DE" smtClean="0"/>
-              <a:t>10.02.2025</a:t>
+              <a:t>11.02.2025</a:t>
             </a:fld>
             <a:endParaRPr lang="de-DE"/>
           </a:p>
@@ -2603,7 +2603,7 @@
           <a:p>
             <a:fld id="{7D74FC6B-E92B-4501-B0D8-49C4E8928187}" type="datetimeFigureOut">
               <a:rPr lang="de-DE" smtClean="0"/>
-              <a:t>10.02.2025</a:t>
+              <a:t>11.02.2025</a:t>
             </a:fld>
             <a:endParaRPr lang="de-DE"/>
           </a:p>
@@ -2811,7 +2811,7 @@
           <a:p>
             <a:fld id="{7D74FC6B-E92B-4501-B0D8-49C4E8928187}" type="datetimeFigureOut">
               <a:rPr lang="de-DE" smtClean="0"/>
-              <a:t>10.02.2025</a:t>
+              <a:t>11.02.2025</a:t>
             </a:fld>
             <a:endParaRPr lang="de-DE"/>
           </a:p>
@@ -3009,7 +3009,7 @@
           <a:p>
             <a:fld id="{7D74FC6B-E92B-4501-B0D8-49C4E8928187}" type="datetimeFigureOut">
               <a:rPr lang="de-DE" smtClean="0"/>
-              <a:t>10.02.2025</a:t>
+              <a:t>11.02.2025</a:t>
             </a:fld>
             <a:endParaRPr lang="de-DE"/>
           </a:p>
@@ -3284,7 +3284,7 @@
           <a:p>
             <a:fld id="{7D74FC6B-E92B-4501-B0D8-49C4E8928187}" type="datetimeFigureOut">
               <a:rPr lang="de-DE" smtClean="0"/>
-              <a:t>10.02.2025</a:t>
+              <a:t>11.02.2025</a:t>
             </a:fld>
             <a:endParaRPr lang="de-DE"/>
           </a:p>
@@ -3549,7 +3549,7 @@
           <a:p>
             <a:fld id="{7D74FC6B-E92B-4501-B0D8-49C4E8928187}" type="datetimeFigureOut">
               <a:rPr lang="de-DE" smtClean="0"/>
-              <a:t>10.02.2025</a:t>
+              <a:t>11.02.2025</a:t>
             </a:fld>
             <a:endParaRPr lang="de-DE"/>
           </a:p>
@@ -3961,7 +3961,7 @@
           <a:p>
             <a:fld id="{7D74FC6B-E92B-4501-B0D8-49C4E8928187}" type="datetimeFigureOut">
               <a:rPr lang="de-DE" smtClean="0"/>
-              <a:t>10.02.2025</a:t>
+              <a:t>11.02.2025</a:t>
             </a:fld>
             <a:endParaRPr lang="de-DE"/>
           </a:p>
@@ -4102,7 +4102,7 @@
           <a:p>
             <a:fld id="{7D74FC6B-E92B-4501-B0D8-49C4E8928187}" type="datetimeFigureOut">
               <a:rPr lang="de-DE" smtClean="0"/>
-              <a:t>10.02.2025</a:t>
+              <a:t>11.02.2025</a:t>
             </a:fld>
             <a:endParaRPr lang="de-DE"/>
           </a:p>
@@ -4215,7 +4215,7 @@
           <a:p>
             <a:fld id="{7D74FC6B-E92B-4501-B0D8-49C4E8928187}" type="datetimeFigureOut">
               <a:rPr lang="de-DE" smtClean="0"/>
-              <a:t>10.02.2025</a:t>
+              <a:t>11.02.2025</a:t>
             </a:fld>
             <a:endParaRPr lang="de-DE"/>
           </a:p>
@@ -4526,7 +4526,7 @@
           <a:p>
             <a:fld id="{7D74FC6B-E92B-4501-B0D8-49C4E8928187}" type="datetimeFigureOut">
               <a:rPr lang="de-DE" smtClean="0"/>
-              <a:t>10.02.2025</a:t>
+              <a:t>11.02.2025</a:t>
             </a:fld>
             <a:endParaRPr lang="de-DE"/>
           </a:p>
@@ -4814,7 +4814,7 @@
           <a:p>
             <a:fld id="{7D74FC6B-E92B-4501-B0D8-49C4E8928187}" type="datetimeFigureOut">
               <a:rPr lang="de-DE" smtClean="0"/>
-              <a:t>10.02.2025</a:t>
+              <a:t>11.02.2025</a:t>
             </a:fld>
             <a:endParaRPr lang="de-DE"/>
           </a:p>
@@ -5055,7 +5055,7 @@
           <a:p>
             <a:fld id="{7D74FC6B-E92B-4501-B0D8-49C4E8928187}" type="datetimeFigureOut">
               <a:rPr lang="de-DE" smtClean="0"/>
-              <a:t>10.02.2025</a:t>
+              <a:t>11.02.2025</a:t>
             </a:fld>
             <a:endParaRPr lang="de-DE"/>
           </a:p>
@@ -6157,7 +6157,7 @@
                 <a:latin typeface="The Group TEXT" panose="00000500000000000000" pitchFamily="2" charset="0"/>
                 <a:cs typeface="Arial" panose="020B0604020202020204" pitchFamily="34" charset="0"/>
               </a:rPr>
-              <a:t>Backupdateien werden über die alten kopiert</a:t>
+              <a:t>Backupdateien werden über die Alten kopiert</a:t>
             </a:r>
           </a:p>
           <a:p>
@@ -7338,21 +7338,7 @@
                 <a:latin typeface="The Group TEXT" panose="00000500000000000000" pitchFamily="2" charset="0"/>
                 <a:cs typeface="Arial" panose="020B0604020202020204" pitchFamily="34" charset="0"/>
               </a:rPr>
-              <a:t>Benutzer- und Dateiverwaltung mit </a:t>
-            </a:r>
-            <a:r>
-              <a:rPr lang="de-DE" sz="2000" dirty="0" err="1">
-                <a:latin typeface="The Group TEXT" panose="00000500000000000000" pitchFamily="2" charset="0"/>
-                <a:cs typeface="Arial" panose="020B0604020202020204" pitchFamily="34" charset="0"/>
-              </a:rPr>
-              <a:t>MariaDB</a:t>
-            </a:r>
-            <a:r>
-              <a:rPr lang="de-DE" sz="2000" dirty="0">
-                <a:latin typeface="The Group TEXT" panose="00000500000000000000" pitchFamily="2" charset="0"/>
-                <a:cs typeface="Arial" panose="020B0604020202020204" pitchFamily="34" charset="0"/>
-              </a:rPr>
-              <a:t>-Datenbank &amp; phpMyAdmin</a:t>
+              <a:t>Benutzer- und Dateiverwaltung mit MariaDB-Datenbank &amp; phpMyAdmin</a:t>
             </a:r>
           </a:p>
           <a:p>
@@ -9686,18 +9672,11 @@
               <a:buChar char="•"/>
             </a:pPr>
             <a:r>
-              <a:rPr lang="de-DE" sz="2000" dirty="0" err="1">
-                <a:latin typeface="The Group TEXT" panose="00000500000000000000" pitchFamily="2" charset="0"/>
-                <a:cs typeface="Arial" panose="020B0604020202020204" pitchFamily="34" charset="0"/>
-              </a:rPr>
-              <a:t>Verzeichnislisting</a:t>
-            </a:r>
-            <a:r>
               <a:rPr lang="de-DE" sz="2000" dirty="0">
                 <a:latin typeface="The Group TEXT" panose="00000500000000000000" pitchFamily="2" charset="0"/>
                 <a:cs typeface="Arial" panose="020B0604020202020204" pitchFamily="34" charset="0"/>
               </a:rPr>
-              <a:t> deaktiviert</a:t>
+              <a:t>Verzeichnislisting deaktiviert</a:t>
             </a:r>
           </a:p>
           <a:p>
@@ -9797,8 +9776,19 @@
                 <a:latin typeface="The Group TEXT" panose="00000500000000000000" pitchFamily="2" charset="0"/>
                 <a:cs typeface="Arial" panose="020B0604020202020204" pitchFamily="34" charset="0"/>
               </a:rPr>
-              <a:t>SSH (22)</a:t>
-            </a:r>
+              <a:t>SSH </a:t>
+            </a:r>
+            <a:r>
+              <a:rPr lang="de-DE">
+                <a:latin typeface="The Group TEXT" panose="00000500000000000000" pitchFamily="2" charset="0"/>
+                <a:cs typeface="Arial" panose="020B0604020202020204" pitchFamily="34" charset="0"/>
+              </a:rPr>
+              <a:t>(22222)</a:t>
+            </a:r>
+            <a:endParaRPr lang="de-DE" dirty="0">
+              <a:latin typeface="The Group TEXT" panose="00000500000000000000" pitchFamily="2" charset="0"/>
+              <a:cs typeface="Arial" panose="020B0604020202020204" pitchFamily="34" charset="0"/>
+            </a:endParaRPr>
           </a:p>
           <a:p>
             <a:endParaRPr lang="de-DE" dirty="0">

--- a/Dokumentation/Lernfeld 12 Projekt.pptx
+++ b/Dokumentation/Lernfeld 12 Projekt.pptx
@@ -132,475 +132,9 @@
 <file path=ppt/revisionInfo.xml><?xml version="1.0" encoding="utf-8"?>
 <p1510:revInfo xmlns:a="http://schemas.openxmlformats.org/drawingml/2006/main" xmlns:r="http://schemas.openxmlformats.org/officeDocument/2006/relationships" xmlns:p1510="http://schemas.microsoft.com/office/powerpoint/2015/10/main">
   <p1510:revLst>
-    <p1510:client id="{523122F4-A900-4A7F-BE11-2AB51AB7F5F4}" v="3" dt="2025-02-11T09:07:08.829"/>
+    <p1510:client id="{523122F4-A900-4A7F-BE11-2AB51AB7F5F4}" v="1" dt="2025-02-10T08:28:36.442"/>
   </p1510:revLst>
 </p1510:revInfo>
-</file>
-
-<file path=ppt/changesInfos/changesInfo1.xml><?xml version="1.0" encoding="utf-8"?>
-<pc:chgInfo xmlns:a="http://schemas.openxmlformats.org/drawingml/2006/main" xmlns:r="http://schemas.openxmlformats.org/officeDocument/2006/relationships" xmlns:ac="http://schemas.microsoft.com/office/drawing/2013/main/command" xmlns:pc="http://schemas.microsoft.com/office/powerpoint/2013/main/command">
-  <pc:docChgLst>
-    <pc:chgData name="Beewen, Florian (SE-7/3AFS2K)" userId="80e2ae23-4813-4676-8001-d44bbafc202e" providerId="ADAL" clId="{AE6E9225-FAC5-4A14-9400-6C63783A8BE9}"/>
-    <pc:docChg chg="modSld">
-      <pc:chgData name="Beewen, Florian (SE-7/3AFS2K)" userId="80e2ae23-4813-4676-8001-d44bbafc202e" providerId="ADAL" clId="{AE6E9225-FAC5-4A14-9400-6C63783A8BE9}" dt="2025-02-04T13:26:10.096" v="79" actId="20577"/>
-      <pc:docMkLst>
-        <pc:docMk/>
-      </pc:docMkLst>
-      <pc:sldChg chg="modNotesTx">
-        <pc:chgData name="Beewen, Florian (SE-7/3AFS2K)" userId="80e2ae23-4813-4676-8001-d44bbafc202e" providerId="ADAL" clId="{AE6E9225-FAC5-4A14-9400-6C63783A8BE9}" dt="2025-02-04T08:53:56.455" v="71" actId="20577"/>
-        <pc:sldMkLst>
-          <pc:docMk/>
-          <pc:sldMk cId="4145744943" sldId="256"/>
-        </pc:sldMkLst>
-      </pc:sldChg>
-      <pc:sldChg chg="modNotesTx">
-        <pc:chgData name="Beewen, Florian (SE-7/3AFS2K)" userId="80e2ae23-4813-4676-8001-d44bbafc202e" providerId="ADAL" clId="{AE6E9225-FAC5-4A14-9400-6C63783A8BE9}" dt="2025-02-04T08:54:00.315" v="76" actId="20577"/>
-        <pc:sldMkLst>
-          <pc:docMk/>
-          <pc:sldMk cId="795310583" sldId="257"/>
-        </pc:sldMkLst>
-      </pc:sldChg>
-      <pc:sldChg chg="modNotesTx">
-        <pc:chgData name="Beewen, Florian (SE-7/3AFS2K)" userId="80e2ae23-4813-4676-8001-d44bbafc202e" providerId="ADAL" clId="{AE6E9225-FAC5-4A14-9400-6C63783A8BE9}" dt="2025-02-04T08:52:30.100" v="4" actId="20577"/>
-        <pc:sldMkLst>
-          <pc:docMk/>
-          <pc:sldMk cId="2903512010" sldId="258"/>
-        </pc:sldMkLst>
-      </pc:sldChg>
-      <pc:sldChg chg="modNotesTx">
-        <pc:chgData name="Beewen, Florian (SE-7/3AFS2K)" userId="80e2ae23-4813-4676-8001-d44bbafc202e" providerId="ADAL" clId="{AE6E9225-FAC5-4A14-9400-6C63783A8BE9}" dt="2025-02-04T08:52:43.010" v="11" actId="20577"/>
-        <pc:sldMkLst>
-          <pc:docMk/>
-          <pc:sldMk cId="1368631229" sldId="260"/>
-        </pc:sldMkLst>
-      </pc:sldChg>
-      <pc:sldChg chg="modNotesTx">
-        <pc:chgData name="Beewen, Florian (SE-7/3AFS2K)" userId="80e2ae23-4813-4676-8001-d44bbafc202e" providerId="ADAL" clId="{AE6E9225-FAC5-4A14-9400-6C63783A8BE9}" dt="2025-02-04T08:52:54.081" v="16" actId="20577"/>
-        <pc:sldMkLst>
-          <pc:docMk/>
-          <pc:sldMk cId="241887860" sldId="261"/>
-        </pc:sldMkLst>
-      </pc:sldChg>
-      <pc:sldChg chg="modNotesTx">
-        <pc:chgData name="Beewen, Florian (SE-7/3AFS2K)" userId="80e2ae23-4813-4676-8001-d44bbafc202e" providerId="ADAL" clId="{AE6E9225-FAC5-4A14-9400-6C63783A8BE9}" dt="2025-02-04T08:53:03.286" v="21" actId="20577"/>
-        <pc:sldMkLst>
-          <pc:docMk/>
-          <pc:sldMk cId="2490254022" sldId="262"/>
-        </pc:sldMkLst>
-      </pc:sldChg>
-      <pc:sldChg chg="modNotesTx">
-        <pc:chgData name="Beewen, Florian (SE-7/3AFS2K)" userId="80e2ae23-4813-4676-8001-d44bbafc202e" providerId="ADAL" clId="{AE6E9225-FAC5-4A14-9400-6C63783A8BE9}" dt="2025-02-04T08:53:11.232" v="26" actId="20577"/>
-        <pc:sldMkLst>
-          <pc:docMk/>
-          <pc:sldMk cId="3776739428" sldId="263"/>
-        </pc:sldMkLst>
-      </pc:sldChg>
-      <pc:sldChg chg="modNotesTx">
-        <pc:chgData name="Beewen, Florian (SE-7/3AFS2K)" userId="80e2ae23-4813-4676-8001-d44bbafc202e" providerId="ADAL" clId="{AE6E9225-FAC5-4A14-9400-6C63783A8BE9}" dt="2025-02-04T08:53:16.394" v="29" actId="20577"/>
-        <pc:sldMkLst>
-          <pc:docMk/>
-          <pc:sldMk cId="3883195815" sldId="264"/>
-        </pc:sldMkLst>
-      </pc:sldChg>
-      <pc:sldChg chg="modSp mod modNotesTx">
-        <pc:chgData name="Beewen, Florian (SE-7/3AFS2K)" userId="80e2ae23-4813-4676-8001-d44bbafc202e" providerId="ADAL" clId="{AE6E9225-FAC5-4A14-9400-6C63783A8BE9}" dt="2025-02-04T13:26:10.096" v="79" actId="20577"/>
-        <pc:sldMkLst>
-          <pc:docMk/>
-          <pc:sldMk cId="31823734" sldId="265"/>
-        </pc:sldMkLst>
-        <pc:spChg chg="mod">
-          <ac:chgData name="Beewen, Florian (SE-7/3AFS2K)" userId="80e2ae23-4813-4676-8001-d44bbafc202e" providerId="ADAL" clId="{AE6E9225-FAC5-4A14-9400-6C63783A8BE9}" dt="2025-02-04T13:26:10.096" v="79" actId="20577"/>
-          <ac:spMkLst>
-            <pc:docMk/>
-            <pc:sldMk cId="31823734" sldId="265"/>
-            <ac:spMk id="3" creationId="{3F20AEA9-811C-6DF3-2395-D6331F30F919}"/>
-          </ac:spMkLst>
-        </pc:spChg>
-      </pc:sldChg>
-      <pc:sldChg chg="modNotesTx">
-        <pc:chgData name="Beewen, Florian (SE-7/3AFS2K)" userId="80e2ae23-4813-4676-8001-d44bbafc202e" providerId="ADAL" clId="{AE6E9225-FAC5-4A14-9400-6C63783A8BE9}" dt="2025-02-04T08:53:29.423" v="39" actId="20577"/>
-        <pc:sldMkLst>
-          <pc:docMk/>
-          <pc:sldMk cId="131494481" sldId="266"/>
-        </pc:sldMkLst>
-      </pc:sldChg>
-      <pc:sldChg chg="modNotesTx">
-        <pc:chgData name="Beewen, Florian (SE-7/3AFS2K)" userId="80e2ae23-4813-4676-8001-d44bbafc202e" providerId="ADAL" clId="{AE6E9225-FAC5-4A14-9400-6C63783A8BE9}" dt="2025-02-04T08:53:33.856" v="46" actId="20577"/>
-        <pc:sldMkLst>
-          <pc:docMk/>
-          <pc:sldMk cId="3275196562" sldId="267"/>
-        </pc:sldMkLst>
-      </pc:sldChg>
-      <pc:sldChg chg="modNotesTx">
-        <pc:chgData name="Beewen, Florian (SE-7/3AFS2K)" userId="80e2ae23-4813-4676-8001-d44bbafc202e" providerId="ADAL" clId="{AE6E9225-FAC5-4A14-9400-6C63783A8BE9}" dt="2025-02-04T08:53:37.691" v="51" actId="20577"/>
-        <pc:sldMkLst>
-          <pc:docMk/>
-          <pc:sldMk cId="1343056098" sldId="268"/>
-        </pc:sldMkLst>
-      </pc:sldChg>
-      <pc:sldChg chg="modNotesTx">
-        <pc:chgData name="Beewen, Florian (SE-7/3AFS2K)" userId="80e2ae23-4813-4676-8001-d44bbafc202e" providerId="ADAL" clId="{AE6E9225-FAC5-4A14-9400-6C63783A8BE9}" dt="2025-02-04T08:53:41.947" v="56" actId="20577"/>
-        <pc:sldMkLst>
-          <pc:docMk/>
-          <pc:sldMk cId="2689339208" sldId="269"/>
-        </pc:sldMkLst>
-      </pc:sldChg>
-      <pc:sldChg chg="modNotesTx">
-        <pc:chgData name="Beewen, Florian (SE-7/3AFS2K)" userId="80e2ae23-4813-4676-8001-d44bbafc202e" providerId="ADAL" clId="{AE6E9225-FAC5-4A14-9400-6C63783A8BE9}" dt="2025-02-04T08:53:46.104" v="61" actId="20577"/>
-        <pc:sldMkLst>
-          <pc:docMk/>
-          <pc:sldMk cId="840203299" sldId="270"/>
-        </pc:sldMkLst>
-      </pc:sldChg>
-      <pc:sldChg chg="modNotesTx">
-        <pc:chgData name="Beewen, Florian (SE-7/3AFS2K)" userId="80e2ae23-4813-4676-8001-d44bbafc202e" providerId="ADAL" clId="{AE6E9225-FAC5-4A14-9400-6C63783A8BE9}" dt="2025-02-04T08:53:50.354" v="66" actId="20577"/>
-        <pc:sldMkLst>
-          <pc:docMk/>
-          <pc:sldMk cId="3984829396" sldId="272"/>
-        </pc:sldMkLst>
-      </pc:sldChg>
-    </pc:docChg>
-  </pc:docChgLst>
-  <pc:docChgLst>
-    <pc:chgData name="Wieching, Levin (SE-7/3AFS2K)" userId="98420e42-2ee7-4e41-8b7c-b6844ebc3566" providerId="ADAL" clId="{523122F4-A900-4A7F-BE11-2AB51AB7F5F4}"/>
-    <pc:docChg chg="undo custSel modSld">
-      <pc:chgData name="Wieching, Levin (SE-7/3AFS2K)" userId="98420e42-2ee7-4e41-8b7c-b6844ebc3566" providerId="ADAL" clId="{523122F4-A900-4A7F-BE11-2AB51AB7F5F4}" dt="2025-02-11T09:07:16.076" v="53" actId="20577"/>
-      <pc:docMkLst>
-        <pc:docMk/>
-      </pc:docMkLst>
-      <pc:sldChg chg="modSp mod">
-        <pc:chgData name="Wieching, Levin (SE-7/3AFS2K)" userId="98420e42-2ee7-4e41-8b7c-b6844ebc3566" providerId="ADAL" clId="{523122F4-A900-4A7F-BE11-2AB51AB7F5F4}" dt="2025-02-10T08:25:51.680" v="9" actId="113"/>
-        <pc:sldMkLst>
-          <pc:docMk/>
-          <pc:sldMk cId="4145744943" sldId="256"/>
-        </pc:sldMkLst>
-        <pc:spChg chg="mod">
-          <ac:chgData name="Wieching, Levin (SE-7/3AFS2K)" userId="98420e42-2ee7-4e41-8b7c-b6844ebc3566" providerId="ADAL" clId="{523122F4-A900-4A7F-BE11-2AB51AB7F5F4}" dt="2025-02-10T08:25:51.680" v="9" actId="113"/>
-          <ac:spMkLst>
-            <pc:docMk/>
-            <pc:sldMk cId="4145744943" sldId="256"/>
-            <ac:spMk id="2" creationId="{6F50554B-9D89-BFBB-84E9-07B88489A3C1}"/>
-          </ac:spMkLst>
-        </pc:spChg>
-        <pc:spChg chg="mod">
-          <ac:chgData name="Wieching, Levin (SE-7/3AFS2K)" userId="98420e42-2ee7-4e41-8b7c-b6844ebc3566" providerId="ADAL" clId="{523122F4-A900-4A7F-BE11-2AB51AB7F5F4}" dt="2025-02-10T08:25:24.389" v="5" actId="2711"/>
-          <ac:spMkLst>
-            <pc:docMk/>
-            <pc:sldMk cId="4145744943" sldId="256"/>
-            <ac:spMk id="3" creationId="{60DD185C-9292-1969-A33E-E8BF9254FFFA}"/>
-          </ac:spMkLst>
-        </pc:spChg>
-      </pc:sldChg>
-      <pc:sldChg chg="modSp mod">
-        <pc:chgData name="Wieching, Levin (SE-7/3AFS2K)" userId="98420e42-2ee7-4e41-8b7c-b6844ebc3566" providerId="ADAL" clId="{523122F4-A900-4A7F-BE11-2AB51AB7F5F4}" dt="2025-02-10T08:25:47.531" v="8" actId="113"/>
-        <pc:sldMkLst>
-          <pc:docMk/>
-          <pc:sldMk cId="795310583" sldId="257"/>
-        </pc:sldMkLst>
-        <pc:spChg chg="mod">
-          <ac:chgData name="Wieching, Levin (SE-7/3AFS2K)" userId="98420e42-2ee7-4e41-8b7c-b6844ebc3566" providerId="ADAL" clId="{523122F4-A900-4A7F-BE11-2AB51AB7F5F4}" dt="2025-02-10T08:25:47.531" v="8" actId="113"/>
-          <ac:spMkLst>
-            <pc:docMk/>
-            <pc:sldMk cId="795310583" sldId="257"/>
-            <ac:spMk id="2" creationId="{8C10B2BB-8036-8980-E035-4FE697153558}"/>
-          </ac:spMkLst>
-        </pc:spChg>
-        <pc:spChg chg="mod">
-          <ac:chgData name="Wieching, Levin (SE-7/3AFS2K)" userId="98420e42-2ee7-4e41-8b7c-b6844ebc3566" providerId="ADAL" clId="{523122F4-A900-4A7F-BE11-2AB51AB7F5F4}" dt="2025-02-10T08:25:37.155" v="6" actId="2711"/>
-          <ac:spMkLst>
-            <pc:docMk/>
-            <pc:sldMk cId="795310583" sldId="257"/>
-            <ac:spMk id="3" creationId="{FEF509E1-64DC-FD5B-BA2D-CDC46CD29D8D}"/>
-          </ac:spMkLst>
-        </pc:spChg>
-      </pc:sldChg>
-      <pc:sldChg chg="modSp mod">
-        <pc:chgData name="Wieching, Levin (SE-7/3AFS2K)" userId="98420e42-2ee7-4e41-8b7c-b6844ebc3566" providerId="ADAL" clId="{523122F4-A900-4A7F-BE11-2AB51AB7F5F4}" dt="2025-02-11T09:05:25.507" v="50" actId="20577"/>
-        <pc:sldMkLst>
-          <pc:docMk/>
-          <pc:sldMk cId="2903512010" sldId="258"/>
-        </pc:sldMkLst>
-        <pc:spChg chg="mod">
-          <ac:chgData name="Wieching, Levin (SE-7/3AFS2K)" userId="98420e42-2ee7-4e41-8b7c-b6844ebc3566" providerId="ADAL" clId="{523122F4-A900-4A7F-BE11-2AB51AB7F5F4}" dt="2025-02-10T08:26:03.698" v="11" actId="113"/>
-          <ac:spMkLst>
-            <pc:docMk/>
-            <pc:sldMk cId="2903512010" sldId="258"/>
-            <ac:spMk id="2" creationId="{AA814424-EEFC-C79D-E1EF-FA5D62A21DA3}"/>
-          </ac:spMkLst>
-        </pc:spChg>
-        <pc:spChg chg="mod">
-          <ac:chgData name="Wieching, Levin (SE-7/3AFS2K)" userId="98420e42-2ee7-4e41-8b7c-b6844ebc3566" providerId="ADAL" clId="{523122F4-A900-4A7F-BE11-2AB51AB7F5F4}" dt="2025-02-11T09:05:25.507" v="50" actId="20577"/>
-          <ac:spMkLst>
-            <pc:docMk/>
-            <pc:sldMk cId="2903512010" sldId="258"/>
-            <ac:spMk id="3" creationId="{F2E93EE7-3F54-25CF-2421-9C7F18209421}"/>
-          </ac:spMkLst>
-        </pc:spChg>
-        <pc:picChg chg="mod">
-          <ac:chgData name="Wieching, Levin (SE-7/3AFS2K)" userId="98420e42-2ee7-4e41-8b7c-b6844ebc3566" providerId="ADAL" clId="{523122F4-A900-4A7F-BE11-2AB51AB7F5F4}" dt="2025-02-10T08:24:29.659" v="2" actId="1076"/>
-          <ac:picMkLst>
-            <pc:docMk/>
-            <pc:sldMk cId="2903512010" sldId="258"/>
-            <ac:picMk id="4" creationId="{75C0C8FB-2098-E2A2-46F3-7C5A91459464}"/>
-          </ac:picMkLst>
-        </pc:picChg>
-        <pc:picChg chg="mod">
-          <ac:chgData name="Wieching, Levin (SE-7/3AFS2K)" userId="98420e42-2ee7-4e41-8b7c-b6844ebc3566" providerId="ADAL" clId="{523122F4-A900-4A7F-BE11-2AB51AB7F5F4}" dt="2025-02-10T08:24:26.220" v="1" actId="1076"/>
-          <ac:picMkLst>
-            <pc:docMk/>
-            <pc:sldMk cId="2903512010" sldId="258"/>
-            <ac:picMk id="5" creationId="{A5B2B320-9F8E-0D42-46B5-5E8B8E345C80}"/>
-          </ac:picMkLst>
-        </pc:picChg>
-        <pc:picChg chg="mod">
-          <ac:chgData name="Wieching, Levin (SE-7/3AFS2K)" userId="98420e42-2ee7-4e41-8b7c-b6844ebc3566" providerId="ADAL" clId="{523122F4-A900-4A7F-BE11-2AB51AB7F5F4}" dt="2025-02-10T08:24:17.105" v="0" actId="1076"/>
-          <ac:picMkLst>
-            <pc:docMk/>
-            <pc:sldMk cId="2903512010" sldId="258"/>
-            <ac:picMk id="6" creationId="{CD26F8C5-6031-C893-FDD2-12F97D14248A}"/>
-          </ac:picMkLst>
-        </pc:picChg>
-        <pc:picChg chg="mod">
-          <ac:chgData name="Wieching, Levin (SE-7/3AFS2K)" userId="98420e42-2ee7-4e41-8b7c-b6844ebc3566" providerId="ADAL" clId="{523122F4-A900-4A7F-BE11-2AB51AB7F5F4}" dt="2025-02-10T08:24:32.952" v="3" actId="1076"/>
-          <ac:picMkLst>
-            <pc:docMk/>
-            <pc:sldMk cId="2903512010" sldId="258"/>
-            <ac:picMk id="7" creationId="{D25D59CC-FDBD-B72D-7DC5-178696A9C9A5}"/>
-          </ac:picMkLst>
-        </pc:picChg>
-      </pc:sldChg>
-      <pc:sldChg chg="modSp mod">
-        <pc:chgData name="Wieching, Levin (SE-7/3AFS2K)" userId="98420e42-2ee7-4e41-8b7c-b6844ebc3566" providerId="ADAL" clId="{523122F4-A900-4A7F-BE11-2AB51AB7F5F4}" dt="2025-02-10T08:26:30.900" v="15" actId="2711"/>
-        <pc:sldMkLst>
-          <pc:docMk/>
-          <pc:sldMk cId="1368631229" sldId="260"/>
-        </pc:sldMkLst>
-        <pc:spChg chg="mod">
-          <ac:chgData name="Wieching, Levin (SE-7/3AFS2K)" userId="98420e42-2ee7-4e41-8b7c-b6844ebc3566" providerId="ADAL" clId="{523122F4-A900-4A7F-BE11-2AB51AB7F5F4}" dt="2025-02-10T08:26:25.047" v="14" actId="113"/>
-          <ac:spMkLst>
-            <pc:docMk/>
-            <pc:sldMk cId="1368631229" sldId="260"/>
-            <ac:spMk id="2" creationId="{4F6E13B4-63BB-236B-7D5D-024C9A2F53A9}"/>
-          </ac:spMkLst>
-        </pc:spChg>
-        <pc:spChg chg="mod">
-          <ac:chgData name="Wieching, Levin (SE-7/3AFS2K)" userId="98420e42-2ee7-4e41-8b7c-b6844ebc3566" providerId="ADAL" clId="{523122F4-A900-4A7F-BE11-2AB51AB7F5F4}" dt="2025-02-10T08:26:30.900" v="15" actId="2711"/>
-          <ac:spMkLst>
-            <pc:docMk/>
-            <pc:sldMk cId="1368631229" sldId="260"/>
-            <ac:spMk id="3" creationId="{4AA0CD3A-796D-3F32-A89D-F8A97B79055D}"/>
-          </ac:spMkLst>
-        </pc:spChg>
-      </pc:sldChg>
-      <pc:sldChg chg="modSp mod">
-        <pc:chgData name="Wieching, Levin (SE-7/3AFS2K)" userId="98420e42-2ee7-4e41-8b7c-b6844ebc3566" providerId="ADAL" clId="{523122F4-A900-4A7F-BE11-2AB51AB7F5F4}" dt="2025-02-10T08:27:17.560" v="22" actId="1076"/>
-        <pc:sldMkLst>
-          <pc:docMk/>
-          <pc:sldMk cId="2490254022" sldId="262"/>
-        </pc:sldMkLst>
-        <pc:spChg chg="mod">
-          <ac:chgData name="Wieching, Levin (SE-7/3AFS2K)" userId="98420e42-2ee7-4e41-8b7c-b6844ebc3566" providerId="ADAL" clId="{523122F4-A900-4A7F-BE11-2AB51AB7F5F4}" dt="2025-02-10T08:27:17.560" v="22" actId="1076"/>
-          <ac:spMkLst>
-            <pc:docMk/>
-            <pc:sldMk cId="2490254022" sldId="262"/>
-            <ac:spMk id="2" creationId="{9B1CE670-6CA9-E529-F942-49F16000ABF0}"/>
-          </ac:spMkLst>
-        </pc:spChg>
-        <pc:graphicFrameChg chg="modGraphic">
-          <ac:chgData name="Wieching, Levin (SE-7/3AFS2K)" userId="98420e42-2ee7-4e41-8b7c-b6844ebc3566" providerId="ADAL" clId="{523122F4-A900-4A7F-BE11-2AB51AB7F5F4}" dt="2025-02-10T08:26:42.720" v="16" actId="2711"/>
-          <ac:graphicFrameMkLst>
-            <pc:docMk/>
-            <pc:sldMk cId="2490254022" sldId="262"/>
-            <ac:graphicFrameMk id="4" creationId="{826636DD-E289-DD90-1F5A-456DA72EDF3C}"/>
-          </ac:graphicFrameMkLst>
-        </pc:graphicFrameChg>
-      </pc:sldChg>
-      <pc:sldChg chg="modSp mod">
-        <pc:chgData name="Wieching, Levin (SE-7/3AFS2K)" userId="98420e42-2ee7-4e41-8b7c-b6844ebc3566" providerId="ADAL" clId="{523122F4-A900-4A7F-BE11-2AB51AB7F5F4}" dt="2025-02-10T08:27:40.708" v="25" actId="2711"/>
-        <pc:sldMkLst>
-          <pc:docMk/>
-          <pc:sldMk cId="3776739428" sldId="263"/>
-        </pc:sldMkLst>
-        <pc:spChg chg="mod">
-          <ac:chgData name="Wieching, Levin (SE-7/3AFS2K)" userId="98420e42-2ee7-4e41-8b7c-b6844ebc3566" providerId="ADAL" clId="{523122F4-A900-4A7F-BE11-2AB51AB7F5F4}" dt="2025-02-10T08:27:34.348" v="24" actId="113"/>
-          <ac:spMkLst>
-            <pc:docMk/>
-            <pc:sldMk cId="3776739428" sldId="263"/>
-            <ac:spMk id="2" creationId="{9CF119CE-2F8F-F1EF-FF73-B38461C4E8CE}"/>
-          </ac:spMkLst>
-        </pc:spChg>
-        <pc:spChg chg="mod">
-          <ac:chgData name="Wieching, Levin (SE-7/3AFS2K)" userId="98420e42-2ee7-4e41-8b7c-b6844ebc3566" providerId="ADAL" clId="{523122F4-A900-4A7F-BE11-2AB51AB7F5F4}" dt="2025-02-10T08:27:40.708" v="25" actId="2711"/>
-          <ac:spMkLst>
-            <pc:docMk/>
-            <pc:sldMk cId="3776739428" sldId="263"/>
-            <ac:spMk id="3" creationId="{47BE342E-BBA0-2F4F-35FB-3A6BB70F93AC}"/>
-          </ac:spMkLst>
-        </pc:spChg>
-      </pc:sldChg>
-      <pc:sldChg chg="modSp mod">
-        <pc:chgData name="Wieching, Levin (SE-7/3AFS2K)" userId="98420e42-2ee7-4e41-8b7c-b6844ebc3566" providerId="ADAL" clId="{523122F4-A900-4A7F-BE11-2AB51AB7F5F4}" dt="2025-02-10T08:27:59.502" v="28" actId="2711"/>
-        <pc:sldMkLst>
-          <pc:docMk/>
-          <pc:sldMk cId="3883195815" sldId="264"/>
-        </pc:sldMkLst>
-        <pc:spChg chg="mod">
-          <ac:chgData name="Wieching, Levin (SE-7/3AFS2K)" userId="98420e42-2ee7-4e41-8b7c-b6844ebc3566" providerId="ADAL" clId="{523122F4-A900-4A7F-BE11-2AB51AB7F5F4}" dt="2025-02-10T08:27:52.121" v="27" actId="113"/>
-          <ac:spMkLst>
-            <pc:docMk/>
-            <pc:sldMk cId="3883195815" sldId="264"/>
-            <ac:spMk id="2" creationId="{8FEC2945-A876-8BCA-EBD7-9B04C533083C}"/>
-          </ac:spMkLst>
-        </pc:spChg>
-        <pc:spChg chg="mod">
-          <ac:chgData name="Wieching, Levin (SE-7/3AFS2K)" userId="98420e42-2ee7-4e41-8b7c-b6844ebc3566" providerId="ADAL" clId="{523122F4-A900-4A7F-BE11-2AB51AB7F5F4}" dt="2025-02-10T08:27:59.502" v="28" actId="2711"/>
-          <ac:spMkLst>
-            <pc:docMk/>
-            <pc:sldMk cId="3883195815" sldId="264"/>
-            <ac:spMk id="3" creationId="{390312BE-D065-1E4F-B8A2-5580F1906A6A}"/>
-          </ac:spMkLst>
-        </pc:spChg>
-      </pc:sldChg>
-      <pc:sldChg chg="modSp mod">
-        <pc:chgData name="Wieching, Levin (SE-7/3AFS2K)" userId="98420e42-2ee7-4e41-8b7c-b6844ebc3566" providerId="ADAL" clId="{523122F4-A900-4A7F-BE11-2AB51AB7F5F4}" dt="2025-02-11T09:07:16.076" v="53" actId="20577"/>
-        <pc:sldMkLst>
-          <pc:docMk/>
-          <pc:sldMk cId="31823734" sldId="265"/>
-        </pc:sldMkLst>
-        <pc:spChg chg="mod">
-          <ac:chgData name="Wieching, Levin (SE-7/3AFS2K)" userId="98420e42-2ee7-4e41-8b7c-b6844ebc3566" providerId="ADAL" clId="{523122F4-A900-4A7F-BE11-2AB51AB7F5F4}" dt="2025-02-10T08:28:16.730" v="31" actId="113"/>
-          <ac:spMkLst>
-            <pc:docMk/>
-            <pc:sldMk cId="31823734" sldId="265"/>
-            <ac:spMk id="2" creationId="{DD57C897-B1B4-2A77-F746-22E5D37EAEF9}"/>
-          </ac:spMkLst>
-        </pc:spChg>
-        <pc:spChg chg="mod">
-          <ac:chgData name="Wieching, Levin (SE-7/3AFS2K)" userId="98420e42-2ee7-4e41-8b7c-b6844ebc3566" providerId="ADAL" clId="{523122F4-A900-4A7F-BE11-2AB51AB7F5F4}" dt="2025-02-11T09:07:16.076" v="53" actId="20577"/>
-          <ac:spMkLst>
-            <pc:docMk/>
-            <pc:sldMk cId="31823734" sldId="265"/>
-            <ac:spMk id="3" creationId="{3F20AEA9-811C-6DF3-2395-D6331F30F919}"/>
-          </ac:spMkLst>
-        </pc:spChg>
-      </pc:sldChg>
-      <pc:sldChg chg="modSp mod">
-        <pc:chgData name="Wieching, Levin (SE-7/3AFS2K)" userId="98420e42-2ee7-4e41-8b7c-b6844ebc3566" providerId="ADAL" clId="{523122F4-A900-4A7F-BE11-2AB51AB7F5F4}" dt="2025-02-10T08:28:32.575" v="34" actId="2711"/>
-        <pc:sldMkLst>
-          <pc:docMk/>
-          <pc:sldMk cId="131494481" sldId="266"/>
-        </pc:sldMkLst>
-        <pc:spChg chg="mod">
-          <ac:chgData name="Wieching, Levin (SE-7/3AFS2K)" userId="98420e42-2ee7-4e41-8b7c-b6844ebc3566" providerId="ADAL" clId="{523122F4-A900-4A7F-BE11-2AB51AB7F5F4}" dt="2025-02-10T08:28:25.695" v="33" actId="113"/>
-          <ac:spMkLst>
-            <pc:docMk/>
-            <pc:sldMk cId="131494481" sldId="266"/>
-            <ac:spMk id="2" creationId="{5C6E98FA-E813-2E7C-4F5B-97B04DC55D72}"/>
-          </ac:spMkLst>
-        </pc:spChg>
-        <pc:spChg chg="mod">
-          <ac:chgData name="Wieching, Levin (SE-7/3AFS2K)" userId="98420e42-2ee7-4e41-8b7c-b6844ebc3566" providerId="ADAL" clId="{523122F4-A900-4A7F-BE11-2AB51AB7F5F4}" dt="2025-02-10T08:28:32.575" v="34" actId="2711"/>
-          <ac:spMkLst>
-            <pc:docMk/>
-            <pc:sldMk cId="131494481" sldId="266"/>
-            <ac:spMk id="3" creationId="{6310FD96-A7AD-DFFA-09C7-EA1D86FC2009}"/>
-          </ac:spMkLst>
-        </pc:spChg>
-      </pc:sldChg>
-      <pc:sldChg chg="modSp mod">
-        <pc:chgData name="Wieching, Levin (SE-7/3AFS2K)" userId="98420e42-2ee7-4e41-8b7c-b6844ebc3566" providerId="ADAL" clId="{523122F4-A900-4A7F-BE11-2AB51AB7F5F4}" dt="2025-02-11T09:04:52.164" v="48" actId="20577"/>
-        <pc:sldMkLst>
-          <pc:docMk/>
-          <pc:sldMk cId="3275196562" sldId="267"/>
-        </pc:sldMkLst>
-        <pc:spChg chg="mod">
-          <ac:chgData name="Wieching, Levin (SE-7/3AFS2K)" userId="98420e42-2ee7-4e41-8b7c-b6844ebc3566" providerId="ADAL" clId="{523122F4-A900-4A7F-BE11-2AB51AB7F5F4}" dt="2025-02-10T08:28:58.752" v="36" actId="113"/>
-          <ac:spMkLst>
-            <pc:docMk/>
-            <pc:sldMk cId="3275196562" sldId="267"/>
-            <ac:spMk id="2" creationId="{C09C196D-A32E-CA82-4CD5-129DAA7F80B2}"/>
-          </ac:spMkLst>
-        </pc:spChg>
-        <pc:spChg chg="mod">
-          <ac:chgData name="Wieching, Levin (SE-7/3AFS2K)" userId="98420e42-2ee7-4e41-8b7c-b6844ebc3566" providerId="ADAL" clId="{523122F4-A900-4A7F-BE11-2AB51AB7F5F4}" dt="2025-02-11T09:04:52.164" v="48" actId="20577"/>
-          <ac:spMkLst>
-            <pc:docMk/>
-            <pc:sldMk cId="3275196562" sldId="267"/>
-            <ac:spMk id="3" creationId="{FBA1502A-DB1A-EA8F-03BF-449137162C5F}"/>
-          </ac:spMkLst>
-        </pc:spChg>
-      </pc:sldChg>
-      <pc:sldChg chg="modSp mod">
-        <pc:chgData name="Wieching, Levin (SE-7/3AFS2K)" userId="98420e42-2ee7-4e41-8b7c-b6844ebc3566" providerId="ADAL" clId="{523122F4-A900-4A7F-BE11-2AB51AB7F5F4}" dt="2025-02-10T08:29:32.948" v="41" actId="2711"/>
-        <pc:sldMkLst>
-          <pc:docMk/>
-          <pc:sldMk cId="1343056098" sldId="268"/>
-        </pc:sldMkLst>
-        <pc:spChg chg="mod">
-          <ac:chgData name="Wieching, Levin (SE-7/3AFS2K)" userId="98420e42-2ee7-4e41-8b7c-b6844ebc3566" providerId="ADAL" clId="{523122F4-A900-4A7F-BE11-2AB51AB7F5F4}" dt="2025-02-10T08:29:26.121" v="40" actId="113"/>
-          <ac:spMkLst>
-            <pc:docMk/>
-            <pc:sldMk cId="1343056098" sldId="268"/>
-            <ac:spMk id="2" creationId="{07D20A5B-F393-8277-62D9-C96775D3B11C}"/>
-          </ac:spMkLst>
-        </pc:spChg>
-        <pc:spChg chg="mod">
-          <ac:chgData name="Wieching, Levin (SE-7/3AFS2K)" userId="98420e42-2ee7-4e41-8b7c-b6844ebc3566" providerId="ADAL" clId="{523122F4-A900-4A7F-BE11-2AB51AB7F5F4}" dt="2025-02-10T08:29:32.948" v="41" actId="2711"/>
-          <ac:spMkLst>
-            <pc:docMk/>
-            <pc:sldMk cId="1343056098" sldId="268"/>
-            <ac:spMk id="3" creationId="{6F573FDA-3C5C-46AD-EE7B-57C9F354DBC5}"/>
-          </ac:spMkLst>
-        </pc:spChg>
-      </pc:sldChg>
-      <pc:sldChg chg="modSp mod">
-        <pc:chgData name="Wieching, Levin (SE-7/3AFS2K)" userId="98420e42-2ee7-4e41-8b7c-b6844ebc3566" providerId="ADAL" clId="{523122F4-A900-4A7F-BE11-2AB51AB7F5F4}" dt="2025-02-10T08:29:43.149" v="43" actId="27636"/>
-        <pc:sldMkLst>
-          <pc:docMk/>
-          <pc:sldMk cId="2689339208" sldId="269"/>
-        </pc:sldMkLst>
-        <pc:spChg chg="mod">
-          <ac:chgData name="Wieching, Levin (SE-7/3AFS2K)" userId="98420e42-2ee7-4e41-8b7c-b6844ebc3566" providerId="ADAL" clId="{523122F4-A900-4A7F-BE11-2AB51AB7F5F4}" dt="2025-02-10T08:29:43.149" v="43" actId="27636"/>
-          <ac:spMkLst>
-            <pc:docMk/>
-            <pc:sldMk cId="2689339208" sldId="269"/>
-            <ac:spMk id="3" creationId="{688AE370-637E-8E08-087B-6DDF3EBC2364}"/>
-          </ac:spMkLst>
-        </pc:spChg>
-      </pc:sldChg>
-      <pc:sldChg chg="modSp mod">
-        <pc:chgData name="Wieching, Levin (SE-7/3AFS2K)" userId="98420e42-2ee7-4e41-8b7c-b6844ebc3566" providerId="ADAL" clId="{523122F4-A900-4A7F-BE11-2AB51AB7F5F4}" dt="2025-02-10T08:30:03.785" v="44" actId="2711"/>
-        <pc:sldMkLst>
-          <pc:docMk/>
-          <pc:sldMk cId="840203299" sldId="270"/>
-        </pc:sldMkLst>
-        <pc:spChg chg="mod">
-          <ac:chgData name="Wieching, Levin (SE-7/3AFS2K)" userId="98420e42-2ee7-4e41-8b7c-b6844ebc3566" providerId="ADAL" clId="{523122F4-A900-4A7F-BE11-2AB51AB7F5F4}" dt="2025-02-10T08:30:03.785" v="44" actId="2711"/>
-          <ac:spMkLst>
-            <pc:docMk/>
-            <pc:sldMk cId="840203299" sldId="270"/>
-            <ac:spMk id="3" creationId="{E2DD2742-522A-7983-A551-28A3CE5DDE5B}"/>
-          </ac:spMkLst>
-        </pc:spChg>
-      </pc:sldChg>
-      <pc:sldChg chg="modSp mod">
-        <pc:chgData name="Wieching, Levin (SE-7/3AFS2K)" userId="98420e42-2ee7-4e41-8b7c-b6844ebc3566" providerId="ADAL" clId="{523122F4-A900-4A7F-BE11-2AB51AB7F5F4}" dt="2025-02-10T08:30:16.732" v="46" actId="113"/>
-        <pc:sldMkLst>
-          <pc:docMk/>
-          <pc:sldMk cId="3984829396" sldId="272"/>
-        </pc:sldMkLst>
-        <pc:spChg chg="mod">
-          <ac:chgData name="Wieching, Levin (SE-7/3AFS2K)" userId="98420e42-2ee7-4e41-8b7c-b6844ebc3566" providerId="ADAL" clId="{523122F4-A900-4A7F-BE11-2AB51AB7F5F4}" dt="2025-02-10T08:30:16.732" v="46" actId="113"/>
-          <ac:spMkLst>
-            <pc:docMk/>
-            <pc:sldMk cId="3984829396" sldId="272"/>
-            <ac:spMk id="2" creationId="{5E74E654-D8F1-877D-6B48-372FC1694730}"/>
-          </ac:spMkLst>
-        </pc:spChg>
-      </pc:sldChg>
-    </pc:docChg>
-  </pc:docChgLst>
-</pc:chgInfo>
 </file>
 
 <file path=ppt/notesMasters/notesMaster1.xml><?xml version="1.0" encoding="utf-8"?>
@@ -2133,6 +1667,24 @@
               <a:t>Flo</a:t>
             </a:r>
           </a:p>
+          <a:p>
+            <a:r>
+              <a:rPr lang="de-DE" dirty="0"/>
+              <a:t>Zeichensatz unterstützt alle Unicode Zeichen</a:t>
+            </a:r>
+          </a:p>
+          <a:p>
+            <a:r>
+              <a:rPr lang="de-DE" dirty="0"/>
+              <a:t>Referentielle Integrität (Beziehungen zwischen Tabellen werden überwacht)</a:t>
+            </a:r>
+          </a:p>
+          <a:p>
+            <a:r>
+              <a:rPr lang="de-DE" dirty="0"/>
+              <a:t>Transaktionssicherheit (Datenbankoperationen sind ACID-konform)</a:t>
+            </a:r>
+          </a:p>
         </p:txBody>
       </p:sp>
       <p:sp>
@@ -2219,6 +1771,55 @@
               <a:rPr lang="de-DE" dirty="0"/>
               <a:t>Flo</a:t>
             </a:r>
+          </a:p>
+          <a:p>
+            <a:r>
+              <a:rPr lang="de-DE" dirty="0" err="1"/>
+              <a:t>Verzeichnislisting</a:t>
+            </a:r>
+            <a:r>
+              <a:rPr lang="de-DE" dirty="0"/>
+              <a:t> ist deaktiviert (verhindert das Anzeigen von Verzeichnisinhalten</a:t>
+            </a:r>
+          </a:p>
+          <a:p>
+            <a:r>
+              <a:rPr lang="de-DE" dirty="0"/>
+              <a:t>Security-Header sind aktiviert (zusätzliche HTTP-Header für mehr Sicherheit)</a:t>
+            </a:r>
+          </a:p>
+          <a:p>
+            <a:r>
+              <a:rPr lang="de-DE" dirty="0"/>
+              <a:t>Zugriffsbeschränkungen sind implementiert</a:t>
+            </a:r>
+          </a:p>
+          <a:p>
+            <a:r>
+              <a:rPr lang="de-DE" dirty="0"/>
+              <a:t>UFW Firewall als erste Verteidigungslinie </a:t>
+            </a:r>
+          </a:p>
+          <a:p>
+            <a:r>
+              <a:rPr lang="de-DE" dirty="0"/>
+              <a:t>Apache Security als Webserver-Absicherung </a:t>
+            </a:r>
+          </a:p>
+          <a:p>
+            <a:r>
+              <a:rPr lang="de-DE" dirty="0"/>
+              <a:t>PHP Security für Anwendungssicherheit </a:t>
+            </a:r>
+          </a:p>
+          <a:p>
+            <a:r>
+              <a:rPr lang="de-DE" dirty="0"/>
+              <a:t>Database Security für Datenbankschutz</a:t>
+            </a:r>
+          </a:p>
+          <a:p>
+            <a:endParaRPr lang="de-DE" dirty="0"/>
           </a:p>
         </p:txBody>
       </p:sp>
@@ -6157,7 +5758,7 @@
                 <a:latin typeface="The Group TEXT" panose="00000500000000000000" pitchFamily="2" charset="0"/>
                 <a:cs typeface="Arial" panose="020B0604020202020204" pitchFamily="34" charset="0"/>
               </a:rPr>
-              <a:t>Backupdateien werden über die Alten kopiert</a:t>
+              <a:t>Backupdateien werden über die alten kopiert</a:t>
             </a:r>
           </a:p>
           <a:p>
@@ -7338,7 +6939,21 @@
                 <a:latin typeface="The Group TEXT" panose="00000500000000000000" pitchFamily="2" charset="0"/>
                 <a:cs typeface="Arial" panose="020B0604020202020204" pitchFamily="34" charset="0"/>
               </a:rPr>
-              <a:t>Benutzer- und Dateiverwaltung mit MariaDB-Datenbank &amp; phpMyAdmin</a:t>
+              <a:t>Benutzer- und Dateiverwaltung mit </a:t>
+            </a:r>
+            <a:r>
+              <a:rPr lang="de-DE" sz="2000" dirty="0" err="1">
+                <a:latin typeface="The Group TEXT" panose="00000500000000000000" pitchFamily="2" charset="0"/>
+                <a:cs typeface="Arial" panose="020B0604020202020204" pitchFamily="34" charset="0"/>
+              </a:rPr>
+              <a:t>MariaDB</a:t>
+            </a:r>
+            <a:r>
+              <a:rPr lang="de-DE" sz="2000" dirty="0">
+                <a:latin typeface="The Group TEXT" panose="00000500000000000000" pitchFamily="2" charset="0"/>
+                <a:cs typeface="Arial" panose="020B0604020202020204" pitchFamily="34" charset="0"/>
+              </a:rPr>
+              <a:t>-Datenbank &amp; phpMyAdmin</a:t>
             </a:r>
           </a:p>
           <a:p>
@@ -7642,7 +7257,7 @@
                 <a:latin typeface="The Group TEXT" panose="00000500000000000000" pitchFamily="2" charset="0"/>
                 <a:cs typeface="Arial" panose="020B0604020202020204" pitchFamily="34" charset="0"/>
               </a:rPr>
-              <a:t>Start</a:t>
+              <a:t> Start</a:t>
             </a:r>
           </a:p>
           <a:p>
@@ -7674,7 +7289,7 @@
                 <a:latin typeface="The Group TEXT" panose="00000500000000000000" pitchFamily="2" charset="0"/>
                 <a:cs typeface="Arial" panose="020B0604020202020204" pitchFamily="34" charset="0"/>
               </a:rPr>
-              <a:t>Benutzerdaten eingeben (Username und Passwort)</a:t>
+              <a:t> Benutzerdaten eingeben (Username und Passwort)</a:t>
             </a:r>
             <a:br>
               <a:rPr kumimoji="0" lang="de-DE" altLang="de-DE" sz="2000" b="0" i="0" u="none" strike="noStrike" cap="none" normalizeH="0" baseline="0" dirty="0">
@@ -7823,7 +7438,7 @@
                 <a:latin typeface="The Group TEXT" panose="00000500000000000000" pitchFamily="2" charset="0"/>
                 <a:cs typeface="Arial" panose="020B0604020202020204" pitchFamily="34" charset="0"/>
               </a:rPr>
-              <a:t>Im Profil:</a:t>
+              <a:t> Im Profil:</a:t>
             </a:r>
           </a:p>
           <a:p>
@@ -7855,7 +7470,7 @@
                 <a:latin typeface="The Group TEXT" panose="00000500000000000000" pitchFamily="2" charset="0"/>
                 <a:cs typeface="Arial" panose="020B0604020202020204" pitchFamily="34" charset="0"/>
               </a:rPr>
-              <a:t>Daten herunterladen</a:t>
+              <a:t> Daten herunterladen</a:t>
             </a:r>
           </a:p>
           <a:p>
@@ -7887,7 +7502,7 @@
                 <a:latin typeface="The Group TEXT" panose="00000500000000000000" pitchFamily="2" charset="0"/>
                 <a:cs typeface="Arial" panose="020B0604020202020204" pitchFamily="34" charset="0"/>
               </a:rPr>
-              <a:t>Daten hochladen</a:t>
+              <a:t> Daten hochladen</a:t>
             </a:r>
           </a:p>
           <a:p>
@@ -7919,7 +7534,7 @@
                 <a:latin typeface="The Group TEXT" panose="00000500000000000000" pitchFamily="2" charset="0"/>
                 <a:cs typeface="Arial" panose="020B0604020202020204" pitchFamily="34" charset="0"/>
               </a:rPr>
-              <a:t>Daten löschen</a:t>
+              <a:t> Daten löschen</a:t>
             </a:r>
           </a:p>
         </p:txBody>
@@ -9672,11 +9287,18 @@
               <a:buChar char="•"/>
             </a:pPr>
             <a:r>
+              <a:rPr lang="de-DE" sz="2000" dirty="0" err="1">
+                <a:latin typeface="The Group TEXT" panose="00000500000000000000" pitchFamily="2" charset="0"/>
+                <a:cs typeface="Arial" panose="020B0604020202020204" pitchFamily="34" charset="0"/>
+              </a:rPr>
+              <a:t>Verzeichnislisting</a:t>
+            </a:r>
+            <a:r>
               <a:rPr lang="de-DE" sz="2000" dirty="0">
                 <a:latin typeface="The Group TEXT" panose="00000500000000000000" pitchFamily="2" charset="0"/>
                 <a:cs typeface="Arial" panose="020B0604020202020204" pitchFamily="34" charset="0"/>
               </a:rPr>
-              <a:t>Verzeichnislisting deaktiviert</a:t>
+              <a:t> deaktiviert</a:t>
             </a:r>
           </a:p>
           <a:p>
@@ -9776,19 +9398,8 @@
                 <a:latin typeface="The Group TEXT" panose="00000500000000000000" pitchFamily="2" charset="0"/>
                 <a:cs typeface="Arial" panose="020B0604020202020204" pitchFamily="34" charset="0"/>
               </a:rPr>
-              <a:t>SSH </a:t>
-            </a:r>
-            <a:r>
-              <a:rPr lang="de-DE">
-                <a:latin typeface="The Group TEXT" panose="00000500000000000000" pitchFamily="2" charset="0"/>
-                <a:cs typeface="Arial" panose="020B0604020202020204" pitchFamily="34" charset="0"/>
-              </a:rPr>
-              <a:t>(22222)</a:t>
-            </a:r>
-            <a:endParaRPr lang="de-DE" dirty="0">
-              <a:latin typeface="The Group TEXT" panose="00000500000000000000" pitchFamily="2" charset="0"/>
-              <a:cs typeface="Arial" panose="020B0604020202020204" pitchFamily="34" charset="0"/>
-            </a:endParaRPr>
+              <a:t>SSH (22222)</a:t>
+            </a:r>
           </a:p>
           <a:p>
             <a:endParaRPr lang="de-DE" dirty="0">

--- a/Dokumentation/Lernfeld 12 Projekt.pptx
+++ b/Dokumentation/Lernfeld 12 Projekt.pptx
@@ -5,24 +5,22 @@
     <p:sldMasterId id="2147483648" r:id="rId1"/>
   </p:sldMasterIdLst>
   <p:notesMasterIdLst>
-    <p:notesMasterId r:id="rId17"/>
+    <p:notesMasterId r:id="rId15"/>
   </p:notesMasterIdLst>
   <p:sldIdLst>
     <p:sldId id="256" r:id="rId2"/>
     <p:sldId id="257" r:id="rId3"/>
     <p:sldId id="258" r:id="rId4"/>
-    <p:sldId id="260" r:id="rId5"/>
-    <p:sldId id="261" r:id="rId6"/>
-    <p:sldId id="262" r:id="rId7"/>
-    <p:sldId id="263" r:id="rId8"/>
-    <p:sldId id="264" r:id="rId9"/>
-    <p:sldId id="265" r:id="rId10"/>
-    <p:sldId id="266" r:id="rId11"/>
-    <p:sldId id="267" r:id="rId12"/>
-    <p:sldId id="268" r:id="rId13"/>
-    <p:sldId id="269" r:id="rId14"/>
-    <p:sldId id="270" r:id="rId15"/>
-    <p:sldId id="272" r:id="rId16"/>
+    <p:sldId id="262" r:id="rId5"/>
+    <p:sldId id="260" r:id="rId6"/>
+    <p:sldId id="264" r:id="rId7"/>
+    <p:sldId id="265" r:id="rId8"/>
+    <p:sldId id="266" r:id="rId9"/>
+    <p:sldId id="267" r:id="rId10"/>
+    <p:sldId id="268" r:id="rId11"/>
+    <p:sldId id="269" r:id="rId12"/>
+    <p:sldId id="270" r:id="rId13"/>
+    <p:sldId id="272" r:id="rId14"/>
   </p:sldIdLst>
   <p:sldSz cx="12192000" cy="6858000"/>
   <p:notesSz cx="6858000" cy="9144000"/>
@@ -263,8 +261,8 @@
   </pc:docChgLst>
   <pc:docChgLst>
     <pc:chgData name="Wieching, Levin (SE-7/3AFS2K)" userId="98420e42-2ee7-4e41-8b7c-b6844ebc3566" providerId="ADAL" clId="{523122F4-A900-4A7F-BE11-2AB51AB7F5F4}"/>
-    <pc:docChg chg="undo custSel modSld">
-      <pc:chgData name="Wieching, Levin (SE-7/3AFS2K)" userId="98420e42-2ee7-4e41-8b7c-b6844ebc3566" providerId="ADAL" clId="{523122F4-A900-4A7F-BE11-2AB51AB7F5F4}" dt="2025-02-11T09:07:16.076" v="53" actId="20577"/>
+    <pc:docChg chg="undo custSel delSld modSld sldOrd">
+      <pc:chgData name="Wieching, Levin (SE-7/3AFS2K)" userId="98420e42-2ee7-4e41-8b7c-b6844ebc3566" providerId="ADAL" clId="{523122F4-A900-4A7F-BE11-2AB51AB7F5F4}" dt="2025-02-11T13:51:11.297" v="57" actId="2696"/>
       <pc:docMkLst>
         <pc:docMk/>
       </pc:docMkLst>
@@ -392,8 +390,15 @@
           </ac:spMkLst>
         </pc:spChg>
       </pc:sldChg>
-      <pc:sldChg chg="modSp mod">
-        <pc:chgData name="Wieching, Levin (SE-7/3AFS2K)" userId="98420e42-2ee7-4e41-8b7c-b6844ebc3566" providerId="ADAL" clId="{523122F4-A900-4A7F-BE11-2AB51AB7F5F4}" dt="2025-02-10T08:27:17.560" v="22" actId="1076"/>
+      <pc:sldChg chg="del">
+        <pc:chgData name="Wieching, Levin (SE-7/3AFS2K)" userId="98420e42-2ee7-4e41-8b7c-b6844ebc3566" providerId="ADAL" clId="{523122F4-A900-4A7F-BE11-2AB51AB7F5F4}" dt="2025-02-11T13:46:39.749" v="54" actId="2696"/>
+        <pc:sldMkLst>
+          <pc:docMk/>
+          <pc:sldMk cId="241887860" sldId="261"/>
+        </pc:sldMkLst>
+      </pc:sldChg>
+      <pc:sldChg chg="modSp mod ord">
+        <pc:chgData name="Wieching, Levin (SE-7/3AFS2K)" userId="98420e42-2ee7-4e41-8b7c-b6844ebc3566" providerId="ADAL" clId="{523122F4-A900-4A7F-BE11-2AB51AB7F5F4}" dt="2025-02-11T13:51:07.076" v="56"/>
         <pc:sldMkLst>
           <pc:docMk/>
           <pc:sldMk cId="2490254022" sldId="262"/>
@@ -415,8 +420,8 @@
           </ac:graphicFrameMkLst>
         </pc:graphicFrameChg>
       </pc:sldChg>
-      <pc:sldChg chg="modSp mod">
-        <pc:chgData name="Wieching, Levin (SE-7/3AFS2K)" userId="98420e42-2ee7-4e41-8b7c-b6844ebc3566" providerId="ADAL" clId="{523122F4-A900-4A7F-BE11-2AB51AB7F5F4}" dt="2025-02-10T08:27:40.708" v="25" actId="2711"/>
+      <pc:sldChg chg="modSp del mod">
+        <pc:chgData name="Wieching, Levin (SE-7/3AFS2K)" userId="98420e42-2ee7-4e41-8b7c-b6844ebc3566" providerId="ADAL" clId="{523122F4-A900-4A7F-BE11-2AB51AB7F5F4}" dt="2025-02-11T13:51:11.297" v="57" actId="2696"/>
         <pc:sldMkLst>
           <pc:docMk/>
           <pc:sldMk cId="3776739428" sldId="263"/>
@@ -1085,7 +1090,7 @@
           <a:p>
             <a:r>
               <a:rPr lang="de-DE" dirty="0"/>
-              <a:t>Lennart</a:t>
+              <a:t>Louis</a:t>
             </a:r>
           </a:p>
         </p:txBody>
@@ -1116,7 +1121,7 @@
     </p:spTree>
     <p:extLst>
       <p:ext uri="{BB962C8B-B14F-4D97-AF65-F5344CB8AC3E}">
-        <p14:creationId xmlns:p14="http://schemas.microsoft.com/office/powerpoint/2010/main" val="3198491952"/>
+        <p14:creationId xmlns:p14="http://schemas.microsoft.com/office/powerpoint/2010/main" val="1639951873"/>
       </p:ext>
     </p:extLst>
   </p:cSld>
@@ -1172,7 +1177,7 @@
           <a:p>
             <a:r>
               <a:rPr lang="de-DE" dirty="0"/>
-              <a:t>Lennart</a:t>
+              <a:t>Louis</a:t>
             </a:r>
           </a:p>
         </p:txBody>
@@ -1203,7 +1208,7 @@
     </p:spTree>
     <p:extLst>
       <p:ext uri="{BB962C8B-B14F-4D97-AF65-F5344CB8AC3E}">
-        <p14:creationId xmlns:p14="http://schemas.microsoft.com/office/powerpoint/2010/main" val="2613892503"/>
+        <p14:creationId xmlns:p14="http://schemas.microsoft.com/office/powerpoint/2010/main" val="3741282006"/>
       </p:ext>
     </p:extLst>
   </p:cSld>
@@ -1290,7 +1295,7 @@
     </p:spTree>
     <p:extLst>
       <p:ext uri="{BB962C8B-B14F-4D97-AF65-F5344CB8AC3E}">
-        <p14:creationId xmlns:p14="http://schemas.microsoft.com/office/powerpoint/2010/main" val="1639951873"/>
+        <p14:creationId xmlns:p14="http://schemas.microsoft.com/office/powerpoint/2010/main" val="4100833244"/>
       </p:ext>
     </p:extLst>
   </p:cSld>
@@ -1369,180 +1374,6 @@
             <a:fld id="{969C105D-800C-4EAF-8D7F-A2C70299A8D0}" type="slidenum">
               <a:rPr lang="de-DE" smtClean="0"/>
               <a:t>13</a:t>
-            </a:fld>
-            <a:endParaRPr lang="de-DE"/>
-          </a:p>
-        </p:txBody>
-      </p:sp>
-    </p:spTree>
-    <p:extLst>
-      <p:ext uri="{BB962C8B-B14F-4D97-AF65-F5344CB8AC3E}">
-        <p14:creationId xmlns:p14="http://schemas.microsoft.com/office/powerpoint/2010/main" val="3741282006"/>
-      </p:ext>
-    </p:extLst>
-  </p:cSld>
-  <p:clrMapOvr>
-    <a:masterClrMapping/>
-  </p:clrMapOvr>
-</p:notes>
-</file>
-
-<file path=ppt/notesSlides/notesSlide14.xml><?xml version="1.0" encoding="utf-8"?>
-<p:notes xmlns:a="http://schemas.openxmlformats.org/drawingml/2006/main" xmlns:r="http://schemas.openxmlformats.org/officeDocument/2006/relationships" xmlns:p="http://schemas.openxmlformats.org/presentationml/2006/main">
-  <p:cSld>
-    <p:spTree>
-      <p:nvGrpSpPr>
-        <p:cNvPr id="1" name=""/>
-        <p:cNvGrpSpPr/>
-        <p:nvPr/>
-      </p:nvGrpSpPr>
-      <p:grpSpPr>
-        <a:xfrm>
-          <a:off x="0" y="0"/>
-          <a:ext cx="0" cy="0"/>
-          <a:chOff x="0" y="0"/>
-          <a:chExt cx="0" cy="0"/>
-        </a:xfrm>
-      </p:grpSpPr>
-      <p:sp>
-        <p:nvSpPr>
-          <p:cNvPr id="2" name="Folienbildplatzhalter 1"/>
-          <p:cNvSpPr>
-            <a:spLocks noGrp="1" noRot="1" noChangeAspect="1"/>
-          </p:cNvSpPr>
-          <p:nvPr>
-            <p:ph type="sldImg"/>
-          </p:nvPr>
-        </p:nvSpPr>
-        <p:spPr/>
-      </p:sp>
-      <p:sp>
-        <p:nvSpPr>
-          <p:cNvPr id="3" name="Notizenplatzhalter 2"/>
-          <p:cNvSpPr>
-            <a:spLocks noGrp="1"/>
-          </p:cNvSpPr>
-          <p:nvPr>
-            <p:ph type="body" idx="1"/>
-          </p:nvPr>
-        </p:nvSpPr>
-        <p:spPr/>
-        <p:txBody>
-          <a:bodyPr/>
-          <a:lstStyle/>
-          <a:p>
-            <a:r>
-              <a:rPr lang="de-DE" dirty="0"/>
-              <a:t>Louis</a:t>
-            </a:r>
-          </a:p>
-        </p:txBody>
-      </p:sp>
-      <p:sp>
-        <p:nvSpPr>
-          <p:cNvPr id="4" name="Foliennummernplatzhalter 3"/>
-          <p:cNvSpPr>
-            <a:spLocks noGrp="1"/>
-          </p:cNvSpPr>
-          <p:nvPr>
-            <p:ph type="sldNum" sz="quarter" idx="5"/>
-          </p:nvPr>
-        </p:nvSpPr>
-        <p:spPr/>
-        <p:txBody>
-          <a:bodyPr/>
-          <a:lstStyle/>
-          <a:p>
-            <a:fld id="{969C105D-800C-4EAF-8D7F-A2C70299A8D0}" type="slidenum">
-              <a:rPr lang="de-DE" smtClean="0"/>
-              <a:t>14</a:t>
-            </a:fld>
-            <a:endParaRPr lang="de-DE"/>
-          </a:p>
-        </p:txBody>
-      </p:sp>
-    </p:spTree>
-    <p:extLst>
-      <p:ext uri="{BB962C8B-B14F-4D97-AF65-F5344CB8AC3E}">
-        <p14:creationId xmlns:p14="http://schemas.microsoft.com/office/powerpoint/2010/main" val="4100833244"/>
-      </p:ext>
-    </p:extLst>
-  </p:cSld>
-  <p:clrMapOvr>
-    <a:masterClrMapping/>
-  </p:clrMapOvr>
-</p:notes>
-</file>
-
-<file path=ppt/notesSlides/notesSlide15.xml><?xml version="1.0" encoding="utf-8"?>
-<p:notes xmlns:a="http://schemas.openxmlformats.org/drawingml/2006/main" xmlns:r="http://schemas.openxmlformats.org/officeDocument/2006/relationships" xmlns:p="http://schemas.openxmlformats.org/presentationml/2006/main">
-  <p:cSld>
-    <p:spTree>
-      <p:nvGrpSpPr>
-        <p:cNvPr id="1" name=""/>
-        <p:cNvGrpSpPr/>
-        <p:nvPr/>
-      </p:nvGrpSpPr>
-      <p:grpSpPr>
-        <a:xfrm>
-          <a:off x="0" y="0"/>
-          <a:ext cx="0" cy="0"/>
-          <a:chOff x="0" y="0"/>
-          <a:chExt cx="0" cy="0"/>
-        </a:xfrm>
-      </p:grpSpPr>
-      <p:sp>
-        <p:nvSpPr>
-          <p:cNvPr id="2" name="Folienbildplatzhalter 1"/>
-          <p:cNvSpPr>
-            <a:spLocks noGrp="1" noRot="1" noChangeAspect="1"/>
-          </p:cNvSpPr>
-          <p:nvPr>
-            <p:ph type="sldImg"/>
-          </p:nvPr>
-        </p:nvSpPr>
-        <p:spPr/>
-      </p:sp>
-      <p:sp>
-        <p:nvSpPr>
-          <p:cNvPr id="3" name="Notizenplatzhalter 2"/>
-          <p:cNvSpPr>
-            <a:spLocks noGrp="1"/>
-          </p:cNvSpPr>
-          <p:nvPr>
-            <p:ph type="body" idx="1"/>
-          </p:nvPr>
-        </p:nvSpPr>
-        <p:spPr/>
-        <p:txBody>
-          <a:bodyPr/>
-          <a:lstStyle/>
-          <a:p>
-            <a:r>
-              <a:rPr lang="de-DE" dirty="0"/>
-              <a:t>Louis</a:t>
-            </a:r>
-          </a:p>
-        </p:txBody>
-      </p:sp>
-      <p:sp>
-        <p:nvSpPr>
-          <p:cNvPr id="4" name="Foliennummernplatzhalter 3"/>
-          <p:cNvSpPr>
-            <a:spLocks noGrp="1"/>
-          </p:cNvSpPr>
-          <p:nvPr>
-            <p:ph type="sldNum" sz="quarter" idx="5"/>
-          </p:nvPr>
-        </p:nvSpPr>
-        <p:spPr/>
-        <p:txBody>
-          <a:bodyPr/>
-          <a:lstStyle/>
-          <a:p>
-            <a:fld id="{969C105D-800C-4EAF-8D7F-A2C70299A8D0}" type="slidenum">
-              <a:rPr lang="de-DE" smtClean="0"/>
-              <a:t>15</a:t>
             </a:fld>
             <a:endParaRPr lang="de-DE"/>
           </a:p>
@@ -1780,10 +1611,9 @@
           <a:lstStyle/>
           <a:p>
             <a:r>
-              <a:rPr lang="de-DE" dirty="0" err="1"/>
-              <a:t>Gazahle</a:t>
-            </a:r>
-            <a:endParaRPr lang="de-DE" dirty="0"/>
+              <a:rPr lang="de-DE" dirty="0"/>
+              <a:t>Levin</a:t>
+            </a:r>
           </a:p>
         </p:txBody>
       </p:sp>
@@ -1813,7 +1643,7 @@
     </p:spTree>
     <p:extLst>
       <p:ext uri="{BB962C8B-B14F-4D97-AF65-F5344CB8AC3E}">
-        <p14:creationId xmlns:p14="http://schemas.microsoft.com/office/powerpoint/2010/main" val="1275042795"/>
+        <p14:creationId xmlns:p14="http://schemas.microsoft.com/office/powerpoint/2010/main" val="3589470774"/>
       </p:ext>
     </p:extLst>
   </p:cSld>
@@ -1868,9 +1698,10 @@
           <a:lstStyle/>
           <a:p>
             <a:r>
-              <a:rPr lang="de-DE" dirty="0"/>
-              <a:t>Levin</a:t>
-            </a:r>
+              <a:rPr lang="de-DE" dirty="0" err="1"/>
+              <a:t>Gazahle</a:t>
+            </a:r>
+            <a:endParaRPr lang="de-DE" dirty="0"/>
           </a:p>
         </p:txBody>
       </p:sp>
@@ -1900,7 +1731,7 @@
     </p:spTree>
     <p:extLst>
       <p:ext uri="{BB962C8B-B14F-4D97-AF65-F5344CB8AC3E}">
-        <p14:creationId xmlns:p14="http://schemas.microsoft.com/office/powerpoint/2010/main" val="3264831036"/>
+        <p14:creationId xmlns:p14="http://schemas.microsoft.com/office/powerpoint/2010/main" val="1275042795"/>
       </p:ext>
     </p:extLst>
   </p:cSld>
@@ -1956,7 +1787,7 @@
           <a:p>
             <a:r>
               <a:rPr lang="de-DE" dirty="0"/>
-              <a:t>Levin</a:t>
+              <a:t>Flo</a:t>
             </a:r>
           </a:p>
         </p:txBody>
@@ -1987,7 +1818,7 @@
     </p:spTree>
     <p:extLst>
       <p:ext uri="{BB962C8B-B14F-4D97-AF65-F5344CB8AC3E}">
-        <p14:creationId xmlns:p14="http://schemas.microsoft.com/office/powerpoint/2010/main" val="3589470774"/>
+        <p14:creationId xmlns:p14="http://schemas.microsoft.com/office/powerpoint/2010/main" val="2634183226"/>
       </p:ext>
     </p:extLst>
   </p:cSld>
@@ -2043,7 +1874,7 @@
           <a:p>
             <a:r>
               <a:rPr lang="de-DE" dirty="0"/>
-              <a:t>Levin</a:t>
+              <a:t>Flo</a:t>
             </a:r>
           </a:p>
         </p:txBody>
@@ -2074,7 +1905,7 @@
     </p:spTree>
     <p:extLst>
       <p:ext uri="{BB962C8B-B14F-4D97-AF65-F5344CB8AC3E}">
-        <p14:creationId xmlns:p14="http://schemas.microsoft.com/office/powerpoint/2010/main" val="276683659"/>
+        <p14:creationId xmlns:p14="http://schemas.microsoft.com/office/powerpoint/2010/main" val="143443348"/>
       </p:ext>
     </p:extLst>
   </p:cSld>
@@ -2130,7 +1961,7 @@
           <a:p>
             <a:r>
               <a:rPr lang="de-DE" dirty="0"/>
-              <a:t>Flo</a:t>
+              <a:t>Lennart</a:t>
             </a:r>
           </a:p>
         </p:txBody>
@@ -2161,7 +1992,7 @@
     </p:spTree>
     <p:extLst>
       <p:ext uri="{BB962C8B-B14F-4D97-AF65-F5344CB8AC3E}">
-        <p14:creationId xmlns:p14="http://schemas.microsoft.com/office/powerpoint/2010/main" val="2634183226"/>
+        <p14:creationId xmlns:p14="http://schemas.microsoft.com/office/powerpoint/2010/main" val="3198491952"/>
       </p:ext>
     </p:extLst>
   </p:cSld>
@@ -2217,7 +2048,7 @@
           <a:p>
             <a:r>
               <a:rPr lang="de-DE" dirty="0"/>
-              <a:t>Flo</a:t>
+              <a:t>Lennart</a:t>
             </a:r>
           </a:p>
         </p:txBody>
@@ -2248,7 +2079,7 @@
     </p:spTree>
     <p:extLst>
       <p:ext uri="{BB962C8B-B14F-4D97-AF65-F5344CB8AC3E}">
-        <p14:creationId xmlns:p14="http://schemas.microsoft.com/office/powerpoint/2010/main" val="143443348"/>
+        <p14:creationId xmlns:p14="http://schemas.microsoft.com/office/powerpoint/2010/main" val="2613892503"/>
       </p:ext>
     </p:extLst>
   </p:cSld>
@@ -5695,7 +5526,7 @@
           <p:cNvPr id="2" name="Titel 1">
             <a:extLst>
               <a:ext uri="{FF2B5EF4-FFF2-40B4-BE49-F238E27FC236}">
-                <a16:creationId xmlns:a16="http://schemas.microsoft.com/office/drawing/2014/main" id="{5C6E98FA-E813-2E7C-4F5B-97B04DC55D72}"/>
+                <a16:creationId xmlns:a16="http://schemas.microsoft.com/office/drawing/2014/main" id="{07D20A5B-F393-8277-62D9-C96775D3B11C}"/>
               </a:ext>
             </a:extLst>
           </p:cNvPr>
@@ -5716,7 +5547,7 @@
                 <a:latin typeface="The Group HEAD Light" panose="00000400000000000000" pitchFamily="2" charset="0"/>
                 <a:cs typeface="Arial" panose="020B0604020202020204" pitchFamily="34" charset="0"/>
               </a:rPr>
-              <a:t>Systemüberwachung</a:t>
+              <a:t>Weiterentwicklung </a:t>
             </a:r>
           </a:p>
         </p:txBody>
@@ -5726,7 +5557,7 @@
           <p:cNvPr id="3" name="Inhaltsplatzhalter 2">
             <a:extLst>
               <a:ext uri="{FF2B5EF4-FFF2-40B4-BE49-F238E27FC236}">
-                <a16:creationId xmlns:a16="http://schemas.microsoft.com/office/drawing/2014/main" id="{6310FD96-A7AD-DFFA-09C7-EA1D86FC2009}"/>
+                <a16:creationId xmlns:a16="http://schemas.microsoft.com/office/drawing/2014/main" id="{6F573FDA-3C5C-46AD-EE7B-57C9F354DBC5}"/>
               </a:ext>
             </a:extLst>
           </p:cNvPr>
@@ -5739,15 +5570,20 @@
         </p:nvSpPr>
         <p:spPr/>
         <p:txBody>
-          <a:bodyPr/>
-          <a:lstStyle/>
-          <a:p>
+          <a:bodyPr>
+            <a:normAutofit/>
+          </a:bodyPr>
+          <a:lstStyle/>
+          <a:p>
+            <a:pPr marL="0" indent="0">
+              <a:buNone/>
+            </a:pPr>
             <a:r>
               <a:rPr lang="de-DE" sz="2000" dirty="0">
                 <a:latin typeface="The Group TEXT" panose="00000500000000000000" pitchFamily="2" charset="0"/>
                 <a:cs typeface="Arial" panose="020B0604020202020204" pitchFamily="34" charset="0"/>
               </a:rPr>
-              <a:t>Systemüberwachung</a:t>
+              <a:t>Aktuelle Einschränkungen</a:t>
             </a:r>
           </a:p>
           <a:p>
@@ -5756,11 +5592,11 @@
               <a:buChar char="•"/>
             </a:pPr>
             <a:r>
-              <a:rPr lang="de-DE" sz="2000" b="0" dirty="0">
-                <a:latin typeface="The Group TEXT" panose="00000500000000000000" pitchFamily="2" charset="0"/>
-                <a:cs typeface="Arial" panose="020B0604020202020204" pitchFamily="34" charset="0"/>
-              </a:rPr>
-              <a:t>Automatische Checks alle 5 Minuten</a:t>
+              <a:rPr lang="de-DE" sz="2000" dirty="0">
+                <a:latin typeface="The Group TEXT" panose="00000500000000000000" pitchFamily="2" charset="0"/>
+                <a:cs typeface="Arial" panose="020B0604020202020204" pitchFamily="34" charset="0"/>
+              </a:rPr>
+              <a:t>Kein HTTPS</a:t>
             </a:r>
           </a:p>
           <a:p>
@@ -5769,11 +5605,11 @@
               <a:buChar char="•"/>
             </a:pPr>
             <a:r>
-              <a:rPr lang="de-DE" sz="2000" b="0" dirty="0">
-                <a:latin typeface="The Group TEXT" panose="00000500000000000000" pitchFamily="2" charset="0"/>
-                <a:cs typeface="Arial" panose="020B0604020202020204" pitchFamily="34" charset="0"/>
-              </a:rPr>
-              <a:t>Überwachung kritischer Dienste</a:t>
+              <a:rPr lang="de-DE" sz="2000" dirty="0">
+                <a:latin typeface="The Group TEXT" panose="00000500000000000000" pitchFamily="2" charset="0"/>
+                <a:cs typeface="Arial" panose="020B0604020202020204" pitchFamily="34" charset="0"/>
+              </a:rPr>
+              <a:t>Einfaches Benutzermodell</a:t>
             </a:r>
           </a:p>
           <a:p>
@@ -5782,15 +5618,27 @@
               <a:buChar char="•"/>
             </a:pPr>
             <a:r>
-              <a:rPr lang="de-DE" sz="2000" b="0" dirty="0">
-                <a:latin typeface="The Group TEXT" panose="00000500000000000000" pitchFamily="2" charset="0"/>
-                <a:cs typeface="Arial" panose="020B0604020202020204" pitchFamily="34" charset="0"/>
-              </a:rPr>
-              <a:t>Protokollierung aller Ereignisse</a:t>
-            </a:r>
-          </a:p>
-          <a:p>
-            <a:pPr marL="285750" lvl="1" indent="-285750">
+              <a:rPr lang="de-DE" sz="2000" dirty="0">
+                <a:latin typeface="The Group TEXT" panose="00000500000000000000" pitchFamily="2" charset="0"/>
+                <a:cs typeface="Arial" panose="020B0604020202020204" pitchFamily="34" charset="0"/>
+              </a:rPr>
+              <a:t>Nur lokale Backups</a:t>
+            </a:r>
+          </a:p>
+          <a:p>
+            <a:pPr marL="0" indent="0">
+              <a:buNone/>
+            </a:pPr>
+            <a:r>
+              <a:rPr lang="de-DE" sz="2000" dirty="0">
+                <a:latin typeface="The Group TEXT" panose="00000500000000000000" pitchFamily="2" charset="0"/>
+                <a:cs typeface="Arial" panose="020B0604020202020204" pitchFamily="34" charset="0"/>
+              </a:rPr>
+              <a:t>Weiterentwicklung</a:t>
+            </a:r>
+          </a:p>
+          <a:p>
+            <a:pPr marL="285750" indent="-285750">
               <a:buFont typeface="Arial" panose="020B0604020202020204" pitchFamily="34" charset="0"/>
               <a:buChar char="•"/>
             </a:pPr>
@@ -5799,11 +5647,36 @@
                 <a:latin typeface="The Group TEXT" panose="00000500000000000000" pitchFamily="2" charset="0"/>
                 <a:cs typeface="Arial" panose="020B0604020202020204" pitchFamily="34" charset="0"/>
               </a:rPr>
-              <a:t>Ausgabe des Firewall Status</a:t>
-            </a:r>
-          </a:p>
-          <a:p>
-            <a:pPr marL="285750" lvl="1" indent="-285750">
+              <a:t>HTTPS mit </a:t>
+            </a:r>
+            <a:r>
+              <a:rPr lang="de-DE" sz="2000" dirty="0" err="1">
+                <a:latin typeface="The Group TEXT" panose="00000500000000000000" pitchFamily="2" charset="0"/>
+                <a:cs typeface="Arial" panose="020B0604020202020204" pitchFamily="34" charset="0"/>
+              </a:rPr>
+              <a:t>Let's</a:t>
+            </a:r>
+            <a:r>
+              <a:rPr lang="de-DE" sz="2000" dirty="0">
+                <a:latin typeface="The Group TEXT" panose="00000500000000000000" pitchFamily="2" charset="0"/>
+                <a:cs typeface="Arial" panose="020B0604020202020204" pitchFamily="34" charset="0"/>
+              </a:rPr>
+              <a:t> </a:t>
+            </a:r>
+            <a:r>
+              <a:rPr lang="de-DE" sz="2000" dirty="0" err="1">
+                <a:latin typeface="The Group TEXT" panose="00000500000000000000" pitchFamily="2" charset="0"/>
+                <a:cs typeface="Arial" panose="020B0604020202020204" pitchFamily="34" charset="0"/>
+              </a:rPr>
+              <a:t>Encrypt</a:t>
+            </a:r>
+            <a:endParaRPr lang="de-DE" sz="2000" dirty="0">
+              <a:latin typeface="The Group TEXT" panose="00000500000000000000" pitchFamily="2" charset="0"/>
+              <a:cs typeface="Arial" panose="020B0604020202020204" pitchFamily="34" charset="0"/>
+            </a:endParaRPr>
+          </a:p>
+          <a:p>
+            <a:pPr marL="285750" indent="-285750">
               <a:buFont typeface="Arial" panose="020B0604020202020204" pitchFamily="34" charset="0"/>
               <a:buChar char="•"/>
             </a:pPr>
@@ -5812,24 +5685,11 @@
                 <a:latin typeface="The Group TEXT" panose="00000500000000000000" pitchFamily="2" charset="0"/>
                 <a:cs typeface="Arial" panose="020B0604020202020204" pitchFamily="34" charset="0"/>
               </a:rPr>
-              <a:t>Ausgabe aller aktive Netzwerk- </a:t>
-            </a:r>
-            <a:br>
-              <a:rPr lang="de-DE" sz="2000" dirty="0">
-                <a:latin typeface="The Group TEXT" panose="00000500000000000000" pitchFamily="2" charset="0"/>
-                <a:cs typeface="Arial" panose="020B0604020202020204" pitchFamily="34" charset="0"/>
-              </a:rPr>
-            </a:br>
-            <a:r>
-              <a:rPr lang="de-DE" sz="2000" dirty="0">
-                <a:latin typeface="The Group TEXT" panose="00000500000000000000" pitchFamily="2" charset="0"/>
-                <a:cs typeface="Arial" panose="020B0604020202020204" pitchFamily="34" charset="0"/>
-              </a:rPr>
-              <a:t>verbindungen</a:t>
-            </a:r>
-          </a:p>
-          <a:p>
-            <a:pPr marL="285750" lvl="1" indent="-285750">
+              <a:t>Erweiterte Benutzerrollen</a:t>
+            </a:r>
+          </a:p>
+          <a:p>
+            <a:pPr marL="285750" indent="-285750">
               <a:buFont typeface="Arial" panose="020B0604020202020204" pitchFamily="34" charset="0"/>
               <a:buChar char="•"/>
             </a:pPr>
@@ -5838,20 +5698,20 @@
                 <a:latin typeface="The Group TEXT" panose="00000500000000000000" pitchFamily="2" charset="0"/>
                 <a:cs typeface="Arial" panose="020B0604020202020204" pitchFamily="34" charset="0"/>
               </a:rPr>
-              <a:t>Ausgabe des verbliebenen</a:t>
-            </a:r>
-            <a:br>
+              <a:t>Datei-Versionierung</a:t>
+            </a:r>
+          </a:p>
+          <a:p>
+            <a:pPr marL="285750" indent="-285750">
+              <a:buFont typeface="Arial" panose="020B0604020202020204" pitchFamily="34" charset="0"/>
+              <a:buChar char="•"/>
+            </a:pPr>
+            <a:r>
               <a:rPr lang="de-DE" sz="2000" dirty="0">
                 <a:latin typeface="The Group TEXT" panose="00000500000000000000" pitchFamily="2" charset="0"/>
                 <a:cs typeface="Arial" panose="020B0604020202020204" pitchFamily="34" charset="0"/>
               </a:rPr>
-            </a:br>
-            <a:r>
-              <a:rPr lang="de-DE" sz="2000" dirty="0">
-                <a:latin typeface="The Group TEXT" panose="00000500000000000000" pitchFamily="2" charset="0"/>
-                <a:cs typeface="Arial" panose="020B0604020202020204" pitchFamily="34" charset="0"/>
-              </a:rPr>
-              <a:t>Speichers</a:t>
+              <a:t>Erweitertes Monitoring</a:t>
             </a:r>
           </a:p>
           <a:p>
@@ -5861,40 +5721,10 @@
           </a:p>
         </p:txBody>
       </p:sp>
-      <p:pic>
-        <p:nvPicPr>
-          <p:cNvPr id="11" name="Grafik 10">
-            <a:extLst>
-              <a:ext uri="{FF2B5EF4-FFF2-40B4-BE49-F238E27FC236}">
-                <a16:creationId xmlns:a16="http://schemas.microsoft.com/office/drawing/2014/main" id="{3E5A304C-EA8D-5F2F-7D38-6ACAFB181E4D}"/>
-              </a:ext>
-            </a:extLst>
-          </p:cNvPr>
-          <p:cNvPicPr>
-            <a:picLocks noChangeAspect="1"/>
-          </p:cNvPicPr>
-          <p:nvPr/>
-        </p:nvPicPr>
-        <p:blipFill>
-          <a:blip r:embed="rId3"/>
-          <a:stretch>
-            <a:fillRect/>
-          </a:stretch>
-        </p:blipFill>
-        <p:spPr>
-          <a:xfrm>
-            <a:off x="4873556" y="3177738"/>
-            <a:ext cx="7192379" cy="3134162"/>
-          </a:xfrm>
-          <a:prstGeom prst="rect">
-            <a:avLst/>
-          </a:prstGeom>
-        </p:spPr>
-      </p:pic>
     </p:spTree>
     <p:extLst>
       <p:ext uri="{BB962C8B-B14F-4D97-AF65-F5344CB8AC3E}">
-        <p14:creationId xmlns:p14="http://schemas.microsoft.com/office/powerpoint/2010/main" val="131494481"/>
+        <p14:creationId xmlns:p14="http://schemas.microsoft.com/office/powerpoint/2010/main" val="1343056098"/>
       </p:ext>
     </p:extLst>
   </p:cSld>
@@ -5926,7 +5756,7 @@
           <p:cNvPr id="2" name="Titel 1">
             <a:extLst>
               <a:ext uri="{FF2B5EF4-FFF2-40B4-BE49-F238E27FC236}">
-                <a16:creationId xmlns:a16="http://schemas.microsoft.com/office/drawing/2014/main" id="{C09C196D-A32E-CA82-4CD5-129DAA7F80B2}"/>
+                <a16:creationId xmlns:a16="http://schemas.microsoft.com/office/drawing/2014/main" id="{2E8FD125-5CCB-00DA-C1DD-6E41F3743BB6}"/>
               </a:ext>
             </a:extLst>
           </p:cNvPr>
@@ -5943,11 +5773,11 @@
           <a:lstStyle/>
           <a:p>
             <a:r>
-              <a:rPr lang="de-DE" b="1" dirty="0">
-                <a:latin typeface="The Group HEAD Light" panose="00000400000000000000" pitchFamily="2" charset="0"/>
-                <a:cs typeface="Arial" panose="020B0604020202020204" pitchFamily="34" charset="0"/>
-              </a:rPr>
-              <a:t>Backup</a:t>
+              <a:rPr lang="de-DE" dirty="0">
+                <a:latin typeface="Arial" panose="020B0604020202020204" pitchFamily="34" charset="0"/>
+                <a:cs typeface="Arial" panose="020B0604020202020204" pitchFamily="34" charset="0"/>
+              </a:rPr>
+              <a:t>Quellen</a:t>
             </a:r>
           </a:p>
         </p:txBody>
@@ -5957,7 +5787,7 @@
           <p:cNvPr id="3" name="Inhaltsplatzhalter 2">
             <a:extLst>
               <a:ext uri="{FF2B5EF4-FFF2-40B4-BE49-F238E27FC236}">
-                <a16:creationId xmlns:a16="http://schemas.microsoft.com/office/drawing/2014/main" id="{FBA1502A-DB1A-EA8F-03BF-449137162C5F}"/>
+                <a16:creationId xmlns:a16="http://schemas.microsoft.com/office/drawing/2014/main" id="{688AE370-637E-8E08-087B-6DDF3EBC2364}"/>
               </a:ext>
             </a:extLst>
           </p:cNvPr>
@@ -5968,252 +5798,254 @@
             <p:ph idx="1"/>
           </p:nvPr>
         </p:nvSpPr>
-        <p:spPr>
-          <a:xfrm>
-            <a:off x="838200" y="1557921"/>
-            <a:ext cx="10515600" cy="4351338"/>
-          </a:xfrm>
-        </p:spPr>
+        <p:spPr/>
         <p:txBody>
           <a:bodyPr>
-            <a:noAutofit/>
+            <a:normAutofit fontScale="92500" lnSpcReduction="20000"/>
           </a:bodyPr>
           <a:lstStyle/>
           <a:p>
-            <a:pPr marL="0" indent="0">
-              <a:buNone/>
-            </a:pPr>
-            <a:r>
-              <a:rPr lang="de-DE" sz="2000" b="1" dirty="0">
-                <a:latin typeface="The Group TEXT" panose="00000500000000000000" pitchFamily="2" charset="0"/>
-                <a:cs typeface="Arial" panose="020B0604020202020204" pitchFamily="34" charset="0"/>
-              </a:rPr>
-              <a:t>Backup-System</a:t>
-            </a:r>
-          </a:p>
-          <a:p>
-            <a:pPr marL="285750" indent="-285750">
-              <a:buFont typeface="Arial" panose="020B0604020202020204" pitchFamily="34" charset="0"/>
-              <a:buChar char="•"/>
-            </a:pPr>
-            <a:r>
-              <a:rPr lang="de-DE" sz="2000" dirty="0">
-                <a:latin typeface="The Group TEXT" panose="00000500000000000000" pitchFamily="2" charset="0"/>
-                <a:cs typeface="Arial" panose="020B0604020202020204" pitchFamily="34" charset="0"/>
-              </a:rPr>
-              <a:t>Tägliche inkrementelle Backups</a:t>
-            </a:r>
-          </a:p>
-          <a:p>
-            <a:pPr marL="285750" indent="-285750">
-              <a:buFont typeface="Arial" panose="020B0604020202020204" pitchFamily="34" charset="0"/>
-              <a:buChar char="•"/>
-            </a:pPr>
-            <a:r>
-              <a:rPr lang="de-DE" sz="2000" dirty="0">
-                <a:latin typeface="The Group TEXT" panose="00000500000000000000" pitchFamily="2" charset="0"/>
-                <a:cs typeface="Arial" panose="020B0604020202020204" pitchFamily="34" charset="0"/>
-              </a:rPr>
-              <a:t>7-Tage-Rotation</a:t>
-            </a:r>
-          </a:p>
-          <a:p>
-            <a:pPr marL="285750" indent="-285750">
-              <a:buFont typeface="Arial" panose="020B0604020202020204" pitchFamily="34" charset="0"/>
-              <a:buChar char="•"/>
-            </a:pPr>
-            <a:r>
-              <a:rPr lang="de-DE" sz="2000" dirty="0">
-                <a:latin typeface="The Group TEXT" panose="00000500000000000000" pitchFamily="2" charset="0"/>
-                <a:cs typeface="Arial" panose="020B0604020202020204" pitchFamily="34" charset="0"/>
-              </a:rPr>
-              <a:t>Automatisierte Wiederherstellung</a:t>
-            </a:r>
-          </a:p>
-          <a:p>
-            <a:pPr marL="285750" indent="-285750">
-              <a:buFont typeface="Arial" panose="020B0604020202020204" pitchFamily="34" charset="0"/>
-              <a:buChar char="•"/>
-            </a:pPr>
-            <a:r>
-              <a:rPr lang="de-DE" sz="2000" dirty="0">
-                <a:latin typeface="The Group TEXT" panose="00000500000000000000" pitchFamily="2" charset="0"/>
-                <a:cs typeface="Arial" panose="020B0604020202020204" pitchFamily="34" charset="0"/>
-              </a:rPr>
-              <a:t>Cron-job</a:t>
-            </a:r>
-          </a:p>
-          <a:p>
-            <a:pPr marL="285750" indent="-285750">
-              <a:buFont typeface="Arial" panose="020B0604020202020204" pitchFamily="34" charset="0"/>
-              <a:buChar char="•"/>
-            </a:pPr>
-            <a:r>
-              <a:rPr lang="de-DE" sz="2000" dirty="0">
-                <a:latin typeface="The Group TEXT" panose="00000500000000000000" pitchFamily="2" charset="0"/>
-                <a:cs typeface="Arial" panose="020B0604020202020204" pitchFamily="34" charset="0"/>
-              </a:rPr>
-              <a:t>Backup wird in einem komprimierten Archiv</a:t>
-            </a:r>
-            <a:br>
-              <a:rPr lang="de-DE" sz="2000" dirty="0">
-                <a:latin typeface="The Group TEXT" panose="00000500000000000000" pitchFamily="2" charset="0"/>
-                <a:cs typeface="Arial" panose="020B0604020202020204" pitchFamily="34" charset="0"/>
-              </a:rPr>
-            </a:br>
-            <a:r>
-              <a:rPr lang="de-DE" sz="2000" dirty="0">
-                <a:latin typeface="The Group TEXT" panose="00000500000000000000" pitchFamily="2" charset="0"/>
-                <a:cs typeface="Arial" panose="020B0604020202020204" pitchFamily="34" charset="0"/>
-              </a:rPr>
-              <a:t>gespeichert</a:t>
-            </a:r>
-          </a:p>
-          <a:p>
-            <a:pPr marL="0" indent="0" algn="l">
-              <a:buNone/>
-            </a:pPr>
-            <a:r>
-              <a:rPr lang="de-DE" sz="2000" b="1" dirty="0">
-                <a:latin typeface="The Group TEXT" panose="00000500000000000000" pitchFamily="2" charset="0"/>
-                <a:cs typeface="Arial" panose="020B0604020202020204" pitchFamily="34" charset="0"/>
-              </a:rPr>
-              <a:t>Restore-System</a:t>
-            </a:r>
-          </a:p>
-          <a:p>
-            <a:pPr marL="285750" indent="-285750" algn="l">
-              <a:buFont typeface="Arial" panose="020B0604020202020204" pitchFamily="34" charset="0"/>
-              <a:buChar char="•"/>
-            </a:pPr>
-            <a:r>
-              <a:rPr lang="de-DE" sz="2000" dirty="0">
-                <a:latin typeface="The Group TEXT" panose="00000500000000000000" pitchFamily="2" charset="0"/>
-                <a:cs typeface="Arial" panose="020B0604020202020204" pitchFamily="34" charset="0"/>
-              </a:rPr>
-              <a:t>Wiederherstellung bei Datenverlust</a:t>
-            </a:r>
-          </a:p>
-          <a:p>
-            <a:pPr marL="285750" indent="-285750" algn="l">
-              <a:buFont typeface="Arial" panose="020B0604020202020204" pitchFamily="34" charset="0"/>
-              <a:buChar char="•"/>
-            </a:pPr>
-            <a:r>
-              <a:rPr lang="de-DE" sz="2000" dirty="0">
-                <a:latin typeface="The Group TEXT" panose="00000500000000000000" pitchFamily="2" charset="0"/>
-                <a:cs typeface="Arial" panose="020B0604020202020204" pitchFamily="34" charset="0"/>
-              </a:rPr>
-              <a:t>Restore-</a:t>
-            </a:r>
-            <a:r>
-              <a:rPr lang="de-DE" sz="2000" dirty="0" err="1">
-                <a:latin typeface="The Group TEXT" panose="00000500000000000000" pitchFamily="2" charset="0"/>
-                <a:cs typeface="Arial" panose="020B0604020202020204" pitchFamily="34" charset="0"/>
-              </a:rPr>
-              <a:t>Lamp</a:t>
-            </a:r>
-            <a:r>
-              <a:rPr lang="de-DE" sz="2000" dirty="0">
-                <a:latin typeface="The Group TEXT" panose="00000500000000000000" pitchFamily="2" charset="0"/>
-                <a:cs typeface="Arial" panose="020B0604020202020204" pitchFamily="34" charset="0"/>
-              </a:rPr>
-              <a:t> backup-YYYYMMDD.tar.gz</a:t>
-            </a:r>
-          </a:p>
-          <a:p>
-            <a:pPr marL="285750" indent="-285750" algn="l">
-              <a:buFont typeface="Arial" panose="020B0604020202020204" pitchFamily="34" charset="0"/>
-              <a:buChar char="•"/>
-            </a:pPr>
-            <a:r>
-              <a:rPr lang="de-DE" sz="2000" dirty="0">
-                <a:latin typeface="The Group TEXT" panose="00000500000000000000" pitchFamily="2" charset="0"/>
-                <a:cs typeface="Arial" panose="020B0604020202020204" pitchFamily="34" charset="0"/>
-              </a:rPr>
-              <a:t>Während der Wiederherstellung</a:t>
-            </a:r>
-          </a:p>
-          <a:p>
-            <a:pPr marL="742950" lvl="1" indent="-285750">
-              <a:buFont typeface="Arial" panose="020B0604020202020204" pitchFamily="34" charset="0"/>
-              <a:buChar char="•"/>
-            </a:pPr>
-            <a:r>
-              <a:rPr lang="de-DE" sz="2000" dirty="0">
-                <a:latin typeface="The Group TEXT" panose="00000500000000000000" pitchFamily="2" charset="0"/>
-                <a:cs typeface="Arial" panose="020B0604020202020204" pitchFamily="34" charset="0"/>
-              </a:rPr>
-              <a:t>Apache und MySQL werden gestoppt</a:t>
-            </a:r>
-          </a:p>
-          <a:p>
-            <a:pPr marL="742950" lvl="1" indent="-285750">
-              <a:buFont typeface="Arial" panose="020B0604020202020204" pitchFamily="34" charset="0"/>
-              <a:buChar char="•"/>
-            </a:pPr>
-            <a:r>
-              <a:rPr lang="de-DE" sz="2000" dirty="0">
-                <a:latin typeface="The Group TEXT" panose="00000500000000000000" pitchFamily="2" charset="0"/>
-                <a:cs typeface="Arial" panose="020B0604020202020204" pitchFamily="34" charset="0"/>
-              </a:rPr>
-              <a:t>Backupdateien werden über die Alten kopiert</a:t>
-            </a:r>
-          </a:p>
-          <a:p>
-            <a:pPr marL="742950" lvl="1" indent="-285750">
-              <a:buFont typeface="Arial" panose="020B0604020202020204" pitchFamily="34" charset="0"/>
-              <a:buChar char="•"/>
-            </a:pPr>
-            <a:r>
-              <a:rPr lang="de-DE" sz="2000" dirty="0">
-                <a:latin typeface="The Group TEXT" panose="00000500000000000000" pitchFamily="2" charset="0"/>
-                <a:cs typeface="Arial" panose="020B0604020202020204" pitchFamily="34" charset="0"/>
-              </a:rPr>
-              <a:t>Neustart aller Dienste</a:t>
-            </a:r>
-          </a:p>
-          <a:p>
-            <a:endParaRPr lang="de-DE" sz="2000" dirty="0">
+            <a:r>
+              <a:rPr lang="de-DE" sz="2400" dirty="0">
+                <a:effectLst/>
+                <a:latin typeface="The Group TEXT" panose="00000500000000000000" pitchFamily="2" charset="0"/>
+                <a:ea typeface="Aptos" panose="020B0004020202020204" pitchFamily="34" charset="0"/>
+                <a:cs typeface="Arial" panose="020B0604020202020204" pitchFamily="34" charset="0"/>
+                <a:hlinkClick r:id="rId3"/>
+              </a:rPr>
+              <a:t>https://httpd.apache.org/docs/</a:t>
+            </a:r>
+            <a:endParaRPr lang="de-DE" sz="2400" dirty="0">
+              <a:effectLst/>
+              <a:latin typeface="The Group TEXT" panose="00000500000000000000" pitchFamily="2" charset="0"/>
+              <a:ea typeface="Aptos" panose="020B0004020202020204" pitchFamily="34" charset="0"/>
+              <a:cs typeface="Arial" panose="020B0604020202020204" pitchFamily="34" charset="0"/>
+            </a:endParaRPr>
+          </a:p>
+          <a:p>
+            <a:r>
+              <a:rPr lang="de-DE" sz="2400" dirty="0">
+                <a:effectLst/>
+                <a:latin typeface="The Group TEXT" panose="00000500000000000000" pitchFamily="2" charset="0"/>
+                <a:ea typeface="Aptos" panose="020B0004020202020204" pitchFamily="34" charset="0"/>
+                <a:cs typeface="Arial" panose="020B0604020202020204" pitchFamily="34" charset="0"/>
+                <a:hlinkClick r:id="rId4"/>
+              </a:rPr>
+              <a:t>https://mariadb.com/kb/en/documentation/</a:t>
+            </a:r>
+            <a:endParaRPr lang="de-DE" sz="2400" dirty="0">
+              <a:latin typeface="The Group TEXT" panose="00000500000000000000" pitchFamily="2" charset="0"/>
+              <a:ea typeface="Aptos" panose="020B0004020202020204" pitchFamily="34" charset="0"/>
+              <a:cs typeface="Arial" panose="020B0604020202020204" pitchFamily="34" charset="0"/>
+            </a:endParaRPr>
+          </a:p>
+          <a:p>
+            <a:r>
+              <a:rPr lang="en-US" sz="2400" dirty="0">
+                <a:effectLst/>
+                <a:latin typeface="The Group TEXT" panose="00000500000000000000" pitchFamily="2" charset="0"/>
+                <a:ea typeface="Aptos" panose="020B0004020202020204" pitchFamily="34" charset="0"/>
+                <a:cs typeface="Arial" panose="020B0604020202020204" pitchFamily="34" charset="0"/>
+                <a:hlinkClick r:id="rId5"/>
+              </a:rPr>
+              <a:t>https://www.nist.gov/cyberframework</a:t>
+            </a:r>
+            <a:endParaRPr lang="de-DE" sz="2400" dirty="0">
+              <a:effectLst/>
+              <a:latin typeface="The Group TEXT" panose="00000500000000000000" pitchFamily="2" charset="0"/>
+              <a:ea typeface="Aptos" panose="020B0004020202020204" pitchFamily="34" charset="0"/>
+              <a:cs typeface="Arial" panose="020B0604020202020204" pitchFamily="34" charset="0"/>
+            </a:endParaRPr>
+          </a:p>
+          <a:p>
+            <a:r>
+              <a:rPr lang="en-US" sz="2400" kern="100" dirty="0">
+                <a:effectLst/>
+                <a:latin typeface="The Group TEXT" panose="00000500000000000000" pitchFamily="2" charset="0"/>
+                <a:ea typeface="Aptos" panose="020B0004020202020204" pitchFamily="34" charset="0"/>
+                <a:cs typeface="Arial" panose="020B0604020202020204" pitchFamily="34" charset="0"/>
+              </a:rPr>
+              <a:t> </a:t>
+            </a:r>
+            <a:r>
+              <a:rPr lang="en-US" sz="2400" kern="100" dirty="0">
+                <a:effectLst/>
+                <a:latin typeface="The Group TEXT" panose="00000500000000000000" pitchFamily="2" charset="0"/>
+                <a:ea typeface="Aptos" panose="020B0004020202020204" pitchFamily="34" charset="0"/>
+                <a:cs typeface="Arial" panose="020B0604020202020204" pitchFamily="34" charset="0"/>
+                <a:hlinkClick r:id="rId6"/>
+              </a:rPr>
+              <a:t>https://developers.redhat.com/articles/security-hardening-apache-web-server</a:t>
+            </a:r>
+            <a:endParaRPr lang="de-DE" sz="2400" kern="100" dirty="0">
+              <a:latin typeface="The Group TEXT" panose="00000500000000000000" pitchFamily="2" charset="0"/>
+              <a:ea typeface="Aptos" panose="020B0004020202020204" pitchFamily="34" charset="0"/>
+              <a:cs typeface="Arial" panose="020B0604020202020204" pitchFamily="34" charset="0"/>
+            </a:endParaRPr>
+          </a:p>
+          <a:p>
+            <a:r>
+              <a:rPr lang="en-US" sz="2400" dirty="0">
+                <a:effectLst/>
+                <a:latin typeface="The Group TEXT" panose="00000500000000000000" pitchFamily="2" charset="0"/>
+                <a:ea typeface="Aptos" panose="020B0004020202020204" pitchFamily="34" charset="0"/>
+                <a:cs typeface="Arial" panose="020B0604020202020204" pitchFamily="34" charset="0"/>
+                <a:hlinkClick r:id="rId7"/>
+              </a:rPr>
+              <a:t>https://tools.ietf.org/html/rfc8446</a:t>
+            </a:r>
+            <a:endParaRPr lang="de-DE" sz="2400" kern="100" dirty="0">
+              <a:effectLst/>
+              <a:latin typeface="The Group TEXT" panose="00000500000000000000" pitchFamily="2" charset="0"/>
+              <a:ea typeface="Aptos" panose="020B0004020202020204" pitchFamily="34" charset="0"/>
+              <a:cs typeface="Arial" panose="020B0604020202020204" pitchFamily="34" charset="0"/>
+            </a:endParaRPr>
+          </a:p>
+          <a:p>
+            <a:r>
+              <a:rPr lang="en-US" sz="2400" kern="100" dirty="0">
+                <a:effectLst/>
+                <a:latin typeface="The Group TEXT" panose="00000500000000000000" pitchFamily="2" charset="0"/>
+                <a:ea typeface="Aptos" panose="020B0004020202020204" pitchFamily="34" charset="0"/>
+                <a:cs typeface="Arial" panose="020B0604020202020204" pitchFamily="34" charset="0"/>
+                <a:hlinkClick r:id="rId8"/>
+              </a:rPr>
+              <a:t>https://github.com/topics/lamp-stack</a:t>
+            </a:r>
+            <a:r>
+              <a:rPr lang="en-US" sz="2400" kern="100" dirty="0">
+                <a:effectLst/>
+                <a:latin typeface="The Group TEXT" panose="00000500000000000000" pitchFamily="2" charset="0"/>
+                <a:ea typeface="Aptos" panose="020B0004020202020204" pitchFamily="34" charset="0"/>
+                <a:cs typeface="Arial" panose="020B0604020202020204" pitchFamily="34" charset="0"/>
+              </a:rPr>
+              <a:t> </a:t>
+            </a:r>
+          </a:p>
+          <a:p>
+            <a:r>
+              <a:rPr lang="en-US" sz="2400" kern="100" dirty="0">
+                <a:effectLst/>
+                <a:latin typeface="The Group TEXT" panose="00000500000000000000" pitchFamily="2" charset="0"/>
+                <a:ea typeface="Aptos" panose="020B0004020202020204" pitchFamily="34" charset="0"/>
+                <a:cs typeface="Arial" panose="020B0604020202020204" pitchFamily="34" charset="0"/>
+                <a:hlinkClick r:id="rId9"/>
+              </a:rPr>
+              <a:t>https://stackoverflow.com/tags/lamp/info</a:t>
+            </a:r>
+            <a:r>
+              <a:rPr lang="en-US" sz="2400" kern="100" dirty="0">
+                <a:effectLst/>
+                <a:latin typeface="The Group TEXT" panose="00000500000000000000" pitchFamily="2" charset="0"/>
+                <a:ea typeface="Aptos" panose="020B0004020202020204" pitchFamily="34" charset="0"/>
+                <a:cs typeface="Arial" panose="020B0604020202020204" pitchFamily="34" charset="0"/>
+              </a:rPr>
+              <a:t> </a:t>
+            </a:r>
+            <a:endParaRPr lang="de-DE" sz="2400" kern="100" dirty="0">
+              <a:effectLst/>
+              <a:latin typeface="The Group TEXT" panose="00000500000000000000" pitchFamily="2" charset="0"/>
+              <a:ea typeface="Aptos" panose="020B0004020202020204" pitchFamily="34" charset="0"/>
+              <a:cs typeface="Arial" panose="020B0604020202020204" pitchFamily="34" charset="0"/>
+            </a:endParaRPr>
+          </a:p>
+          <a:p>
+            <a:r>
+              <a:rPr lang="en-US" sz="2400" kern="100" dirty="0">
+                <a:latin typeface="The Group TEXT" panose="00000500000000000000" pitchFamily="2" charset="0"/>
+                <a:ea typeface="Aptos" panose="020B0004020202020204" pitchFamily="34" charset="0"/>
+                <a:cs typeface="Arial" panose="020B0604020202020204" pitchFamily="34" charset="0"/>
+              </a:rPr>
+              <a:t> </a:t>
+            </a:r>
+            <a:r>
+              <a:rPr lang="en-US" sz="2400" kern="100" dirty="0">
+                <a:latin typeface="The Group TEXT" panose="00000500000000000000" pitchFamily="2" charset="0"/>
+                <a:ea typeface="Aptos" panose="020B0004020202020204" pitchFamily="34" charset="0"/>
+                <a:cs typeface="Arial" panose="020B0604020202020204" pitchFamily="34" charset="0"/>
+                <a:hlinkClick r:id="rId10"/>
+              </a:rPr>
+              <a:t>https://aws.amazon.com/de/what-is/lamp-stack/</a:t>
+            </a:r>
+            <a:r>
+              <a:rPr lang="en-US" sz="2400" kern="100" dirty="0">
+                <a:latin typeface="The Group TEXT" panose="00000500000000000000" pitchFamily="2" charset="0"/>
+                <a:ea typeface="Aptos" panose="020B0004020202020204" pitchFamily="34" charset="0"/>
+                <a:cs typeface="Arial" panose="020B0604020202020204" pitchFamily="34" charset="0"/>
+              </a:rPr>
+              <a:t> </a:t>
+            </a:r>
+          </a:p>
+          <a:p>
+            <a:r>
+              <a:rPr lang="en-US" sz="2400" kern="100" dirty="0" err="1">
+                <a:effectLst/>
+                <a:latin typeface="The Group TEXT" panose="00000500000000000000" pitchFamily="2" charset="0"/>
+                <a:ea typeface="Aptos" panose="020B0004020202020204" pitchFamily="34" charset="0"/>
+                <a:cs typeface="Arial" panose="020B0604020202020204" pitchFamily="34" charset="0"/>
+              </a:rPr>
+              <a:t>Grafikquellen</a:t>
+            </a:r>
+            <a:r>
+              <a:rPr lang="en-US" sz="2400" kern="100" dirty="0">
+                <a:latin typeface="The Group TEXT" panose="00000500000000000000" pitchFamily="2" charset="0"/>
+                <a:ea typeface="Aptos" panose="020B0004020202020204" pitchFamily="34" charset="0"/>
+                <a:cs typeface="Arial" panose="020B0604020202020204" pitchFamily="34" charset="0"/>
+              </a:rPr>
+              <a:t>:</a:t>
+            </a:r>
+          </a:p>
+          <a:p>
+            <a:r>
+              <a:rPr lang="en-US" sz="2400" kern="100" dirty="0">
+                <a:latin typeface="The Group TEXT" panose="00000500000000000000" pitchFamily="2" charset="0"/>
+                <a:ea typeface="Aptos" panose="020B0004020202020204" pitchFamily="34" charset="0"/>
+                <a:cs typeface="Arial" panose="020B0604020202020204" pitchFamily="34" charset="0"/>
+                <a:hlinkClick r:id="rId11"/>
+              </a:rPr>
+              <a:t>https://claude.ai</a:t>
+            </a:r>
+            <a:r>
+              <a:rPr lang="en-US" sz="2400" kern="100" dirty="0">
+                <a:latin typeface="The Group TEXT" panose="00000500000000000000" pitchFamily="2" charset="0"/>
+                <a:ea typeface="Aptos" panose="020B0004020202020204" pitchFamily="34" charset="0"/>
+                <a:cs typeface="Arial" panose="020B0604020202020204" pitchFamily="34" charset="0"/>
+              </a:rPr>
+              <a:t> </a:t>
+            </a:r>
+          </a:p>
+          <a:p>
+            <a:r>
+              <a:rPr lang="de-DE" sz="2400" kern="100" dirty="0">
+                <a:effectLst/>
+                <a:latin typeface="The Group TEXT" panose="00000500000000000000" pitchFamily="2" charset="0"/>
+                <a:ea typeface="Aptos" panose="020B0004020202020204" pitchFamily="34" charset="0"/>
+                <a:cs typeface="Arial" panose="020B0604020202020204" pitchFamily="34" charset="0"/>
+                <a:hlinkClick r:id="rId12"/>
+              </a:rPr>
+              <a:t>https://mermaid.live</a:t>
+            </a:r>
+            <a:r>
+              <a:rPr lang="en-US" sz="2400" kern="100" dirty="0">
+                <a:effectLst/>
+                <a:latin typeface="The Group TEXT" panose="00000500000000000000" pitchFamily="2" charset="0"/>
+                <a:ea typeface="Aptos" panose="020B0004020202020204" pitchFamily="34" charset="0"/>
+                <a:cs typeface="Arial" panose="020B0604020202020204" pitchFamily="34" charset="0"/>
+              </a:rPr>
+              <a:t> </a:t>
+            </a:r>
+          </a:p>
+          <a:p>
+            <a:endParaRPr lang="de-DE" dirty="0">
               <a:latin typeface="The Group TEXT" panose="00000500000000000000" pitchFamily="2" charset="0"/>
             </a:endParaRPr>
           </a:p>
         </p:txBody>
       </p:sp>
-      <p:pic>
-        <p:nvPicPr>
-          <p:cNvPr id="4" name="Inhaltsplatzhalter 7">
-            <a:extLst>
-              <a:ext uri="{FF2B5EF4-FFF2-40B4-BE49-F238E27FC236}">
-                <a16:creationId xmlns:a16="http://schemas.microsoft.com/office/drawing/2014/main" id="{8D83AED4-7D72-BA94-8F5E-0A53E79FD077}"/>
-              </a:ext>
-            </a:extLst>
-          </p:cNvPr>
-          <p:cNvPicPr>
-            <a:picLocks noChangeAspect="1"/>
-          </p:cNvPicPr>
-          <p:nvPr/>
-        </p:nvPicPr>
-        <p:blipFill>
-          <a:blip r:embed="rId3"/>
-          <a:stretch>
-            <a:fillRect/>
-          </a:stretch>
-        </p:blipFill>
-        <p:spPr>
-          <a:xfrm>
-            <a:off x="7116013" y="1290217"/>
-            <a:ext cx="4690369" cy="4886746"/>
-          </a:xfrm>
-          <a:prstGeom prst="rect">
-            <a:avLst/>
-          </a:prstGeom>
-        </p:spPr>
-      </p:pic>
     </p:spTree>
     <p:extLst>
       <p:ext uri="{BB962C8B-B14F-4D97-AF65-F5344CB8AC3E}">
-        <p14:creationId xmlns:p14="http://schemas.microsoft.com/office/powerpoint/2010/main" val="3275196562"/>
+        <p14:creationId xmlns:p14="http://schemas.microsoft.com/office/powerpoint/2010/main" val="2689339208"/>
       </p:ext>
     </p:extLst>
   </p:cSld>
@@ -6245,557 +6077,6 @@
           <p:cNvPr id="2" name="Titel 1">
             <a:extLst>
               <a:ext uri="{FF2B5EF4-FFF2-40B4-BE49-F238E27FC236}">
-                <a16:creationId xmlns:a16="http://schemas.microsoft.com/office/drawing/2014/main" id="{07D20A5B-F393-8277-62D9-C96775D3B11C}"/>
-              </a:ext>
-            </a:extLst>
-          </p:cNvPr>
-          <p:cNvSpPr>
-            <a:spLocks noGrp="1"/>
-          </p:cNvSpPr>
-          <p:nvPr>
-            <p:ph type="title"/>
-          </p:nvPr>
-        </p:nvSpPr>
-        <p:spPr/>
-        <p:txBody>
-          <a:bodyPr/>
-          <a:lstStyle/>
-          <a:p>
-            <a:r>
-              <a:rPr lang="de-DE" b="1" dirty="0">
-                <a:latin typeface="The Group HEAD Light" panose="00000400000000000000" pitchFamily="2" charset="0"/>
-                <a:cs typeface="Arial" panose="020B0604020202020204" pitchFamily="34" charset="0"/>
-              </a:rPr>
-              <a:t>Weiterentwicklung </a:t>
-            </a:r>
-          </a:p>
-        </p:txBody>
-      </p:sp>
-      <p:sp>
-        <p:nvSpPr>
-          <p:cNvPr id="3" name="Inhaltsplatzhalter 2">
-            <a:extLst>
-              <a:ext uri="{FF2B5EF4-FFF2-40B4-BE49-F238E27FC236}">
-                <a16:creationId xmlns:a16="http://schemas.microsoft.com/office/drawing/2014/main" id="{6F573FDA-3C5C-46AD-EE7B-57C9F354DBC5}"/>
-              </a:ext>
-            </a:extLst>
-          </p:cNvPr>
-          <p:cNvSpPr>
-            <a:spLocks noGrp="1"/>
-          </p:cNvSpPr>
-          <p:nvPr>
-            <p:ph idx="1"/>
-          </p:nvPr>
-        </p:nvSpPr>
-        <p:spPr/>
-        <p:txBody>
-          <a:bodyPr>
-            <a:normAutofit/>
-          </a:bodyPr>
-          <a:lstStyle/>
-          <a:p>
-            <a:pPr marL="0" indent="0">
-              <a:buNone/>
-            </a:pPr>
-            <a:r>
-              <a:rPr lang="de-DE" sz="2000" dirty="0">
-                <a:latin typeface="The Group TEXT" panose="00000500000000000000" pitchFamily="2" charset="0"/>
-                <a:cs typeface="Arial" panose="020B0604020202020204" pitchFamily="34" charset="0"/>
-              </a:rPr>
-              <a:t>Aktuelle Einschränkungen</a:t>
-            </a:r>
-          </a:p>
-          <a:p>
-            <a:pPr marL="285750" indent="-285750">
-              <a:buFont typeface="Arial" panose="020B0604020202020204" pitchFamily="34" charset="0"/>
-              <a:buChar char="•"/>
-            </a:pPr>
-            <a:r>
-              <a:rPr lang="de-DE" sz="2000" dirty="0">
-                <a:latin typeface="The Group TEXT" panose="00000500000000000000" pitchFamily="2" charset="0"/>
-                <a:cs typeface="Arial" panose="020B0604020202020204" pitchFamily="34" charset="0"/>
-              </a:rPr>
-              <a:t>Kein HTTPS</a:t>
-            </a:r>
-          </a:p>
-          <a:p>
-            <a:pPr marL="285750" indent="-285750">
-              <a:buFont typeface="Arial" panose="020B0604020202020204" pitchFamily="34" charset="0"/>
-              <a:buChar char="•"/>
-            </a:pPr>
-            <a:r>
-              <a:rPr lang="de-DE" sz="2000" dirty="0">
-                <a:latin typeface="The Group TEXT" panose="00000500000000000000" pitchFamily="2" charset="0"/>
-                <a:cs typeface="Arial" panose="020B0604020202020204" pitchFamily="34" charset="0"/>
-              </a:rPr>
-              <a:t>Einfaches Benutzermodell</a:t>
-            </a:r>
-          </a:p>
-          <a:p>
-            <a:pPr marL="285750" indent="-285750">
-              <a:buFont typeface="Arial" panose="020B0604020202020204" pitchFamily="34" charset="0"/>
-              <a:buChar char="•"/>
-            </a:pPr>
-            <a:r>
-              <a:rPr lang="de-DE" sz="2000" dirty="0">
-                <a:latin typeface="The Group TEXT" panose="00000500000000000000" pitchFamily="2" charset="0"/>
-                <a:cs typeface="Arial" panose="020B0604020202020204" pitchFamily="34" charset="0"/>
-              </a:rPr>
-              <a:t>Nur lokale Backups</a:t>
-            </a:r>
-          </a:p>
-          <a:p>
-            <a:pPr marL="0" indent="0">
-              <a:buNone/>
-            </a:pPr>
-            <a:r>
-              <a:rPr lang="de-DE" sz="2000" dirty="0">
-                <a:latin typeface="The Group TEXT" panose="00000500000000000000" pitchFamily="2" charset="0"/>
-                <a:cs typeface="Arial" panose="020B0604020202020204" pitchFamily="34" charset="0"/>
-              </a:rPr>
-              <a:t>Weiterentwicklung</a:t>
-            </a:r>
-          </a:p>
-          <a:p>
-            <a:pPr marL="285750" indent="-285750">
-              <a:buFont typeface="Arial" panose="020B0604020202020204" pitchFamily="34" charset="0"/>
-              <a:buChar char="•"/>
-            </a:pPr>
-            <a:r>
-              <a:rPr lang="de-DE" sz="2000" dirty="0">
-                <a:latin typeface="The Group TEXT" panose="00000500000000000000" pitchFamily="2" charset="0"/>
-                <a:cs typeface="Arial" panose="020B0604020202020204" pitchFamily="34" charset="0"/>
-              </a:rPr>
-              <a:t>HTTPS mit </a:t>
-            </a:r>
-            <a:r>
-              <a:rPr lang="de-DE" sz="2000" dirty="0" err="1">
-                <a:latin typeface="The Group TEXT" panose="00000500000000000000" pitchFamily="2" charset="0"/>
-                <a:cs typeface="Arial" panose="020B0604020202020204" pitchFamily="34" charset="0"/>
-              </a:rPr>
-              <a:t>Let's</a:t>
-            </a:r>
-            <a:r>
-              <a:rPr lang="de-DE" sz="2000" dirty="0">
-                <a:latin typeface="The Group TEXT" panose="00000500000000000000" pitchFamily="2" charset="0"/>
-                <a:cs typeface="Arial" panose="020B0604020202020204" pitchFamily="34" charset="0"/>
-              </a:rPr>
-              <a:t> </a:t>
-            </a:r>
-            <a:r>
-              <a:rPr lang="de-DE" sz="2000" dirty="0" err="1">
-                <a:latin typeface="The Group TEXT" panose="00000500000000000000" pitchFamily="2" charset="0"/>
-                <a:cs typeface="Arial" panose="020B0604020202020204" pitchFamily="34" charset="0"/>
-              </a:rPr>
-              <a:t>Encrypt</a:t>
-            </a:r>
-            <a:endParaRPr lang="de-DE" sz="2000" dirty="0">
-              <a:latin typeface="The Group TEXT" panose="00000500000000000000" pitchFamily="2" charset="0"/>
-              <a:cs typeface="Arial" panose="020B0604020202020204" pitchFamily="34" charset="0"/>
-            </a:endParaRPr>
-          </a:p>
-          <a:p>
-            <a:pPr marL="285750" indent="-285750">
-              <a:buFont typeface="Arial" panose="020B0604020202020204" pitchFamily="34" charset="0"/>
-              <a:buChar char="•"/>
-            </a:pPr>
-            <a:r>
-              <a:rPr lang="de-DE" sz="2000" dirty="0">
-                <a:latin typeface="The Group TEXT" panose="00000500000000000000" pitchFamily="2" charset="0"/>
-                <a:cs typeface="Arial" panose="020B0604020202020204" pitchFamily="34" charset="0"/>
-              </a:rPr>
-              <a:t>Erweiterte Benutzerrollen</a:t>
-            </a:r>
-          </a:p>
-          <a:p>
-            <a:pPr marL="285750" indent="-285750">
-              <a:buFont typeface="Arial" panose="020B0604020202020204" pitchFamily="34" charset="0"/>
-              <a:buChar char="•"/>
-            </a:pPr>
-            <a:r>
-              <a:rPr lang="de-DE" sz="2000" dirty="0">
-                <a:latin typeface="The Group TEXT" panose="00000500000000000000" pitchFamily="2" charset="0"/>
-                <a:cs typeface="Arial" panose="020B0604020202020204" pitchFamily="34" charset="0"/>
-              </a:rPr>
-              <a:t>Datei-Versionierung</a:t>
-            </a:r>
-          </a:p>
-          <a:p>
-            <a:pPr marL="285750" indent="-285750">
-              <a:buFont typeface="Arial" panose="020B0604020202020204" pitchFamily="34" charset="0"/>
-              <a:buChar char="•"/>
-            </a:pPr>
-            <a:r>
-              <a:rPr lang="de-DE" sz="2000" dirty="0">
-                <a:latin typeface="The Group TEXT" panose="00000500000000000000" pitchFamily="2" charset="0"/>
-                <a:cs typeface="Arial" panose="020B0604020202020204" pitchFamily="34" charset="0"/>
-              </a:rPr>
-              <a:t>Erweitertes Monitoring</a:t>
-            </a:r>
-          </a:p>
-          <a:p>
-            <a:endParaRPr lang="de-DE" dirty="0">
-              <a:latin typeface="The Group TEXT" panose="00000500000000000000" pitchFamily="2" charset="0"/>
-            </a:endParaRPr>
-          </a:p>
-        </p:txBody>
-      </p:sp>
-    </p:spTree>
-    <p:extLst>
-      <p:ext uri="{BB962C8B-B14F-4D97-AF65-F5344CB8AC3E}">
-        <p14:creationId xmlns:p14="http://schemas.microsoft.com/office/powerpoint/2010/main" val="1343056098"/>
-      </p:ext>
-    </p:extLst>
-  </p:cSld>
-  <p:clrMapOvr>
-    <a:masterClrMapping/>
-  </p:clrMapOvr>
-</p:sld>
-</file>
-
-<file path=ppt/slides/slide13.xml><?xml version="1.0" encoding="utf-8"?>
-<p:sld xmlns:a="http://schemas.openxmlformats.org/drawingml/2006/main" xmlns:r="http://schemas.openxmlformats.org/officeDocument/2006/relationships" xmlns:p="http://schemas.openxmlformats.org/presentationml/2006/main">
-  <p:cSld>
-    <p:spTree>
-      <p:nvGrpSpPr>
-        <p:cNvPr id="1" name=""/>
-        <p:cNvGrpSpPr/>
-        <p:nvPr/>
-      </p:nvGrpSpPr>
-      <p:grpSpPr>
-        <a:xfrm>
-          <a:off x="0" y="0"/>
-          <a:ext cx="0" cy="0"/>
-          <a:chOff x="0" y="0"/>
-          <a:chExt cx="0" cy="0"/>
-        </a:xfrm>
-      </p:grpSpPr>
-      <p:sp>
-        <p:nvSpPr>
-          <p:cNvPr id="2" name="Titel 1">
-            <a:extLst>
-              <a:ext uri="{FF2B5EF4-FFF2-40B4-BE49-F238E27FC236}">
-                <a16:creationId xmlns:a16="http://schemas.microsoft.com/office/drawing/2014/main" id="{2E8FD125-5CCB-00DA-C1DD-6E41F3743BB6}"/>
-              </a:ext>
-            </a:extLst>
-          </p:cNvPr>
-          <p:cNvSpPr>
-            <a:spLocks noGrp="1"/>
-          </p:cNvSpPr>
-          <p:nvPr>
-            <p:ph type="title"/>
-          </p:nvPr>
-        </p:nvSpPr>
-        <p:spPr/>
-        <p:txBody>
-          <a:bodyPr/>
-          <a:lstStyle/>
-          <a:p>
-            <a:r>
-              <a:rPr lang="de-DE" dirty="0">
-                <a:latin typeface="Arial" panose="020B0604020202020204" pitchFamily="34" charset="0"/>
-                <a:cs typeface="Arial" panose="020B0604020202020204" pitchFamily="34" charset="0"/>
-              </a:rPr>
-              <a:t>Quellen</a:t>
-            </a:r>
-          </a:p>
-        </p:txBody>
-      </p:sp>
-      <p:sp>
-        <p:nvSpPr>
-          <p:cNvPr id="3" name="Inhaltsplatzhalter 2">
-            <a:extLst>
-              <a:ext uri="{FF2B5EF4-FFF2-40B4-BE49-F238E27FC236}">
-                <a16:creationId xmlns:a16="http://schemas.microsoft.com/office/drawing/2014/main" id="{688AE370-637E-8E08-087B-6DDF3EBC2364}"/>
-              </a:ext>
-            </a:extLst>
-          </p:cNvPr>
-          <p:cNvSpPr>
-            <a:spLocks noGrp="1"/>
-          </p:cNvSpPr>
-          <p:nvPr>
-            <p:ph idx="1"/>
-          </p:nvPr>
-        </p:nvSpPr>
-        <p:spPr/>
-        <p:txBody>
-          <a:bodyPr>
-            <a:normAutofit fontScale="92500" lnSpcReduction="20000"/>
-          </a:bodyPr>
-          <a:lstStyle/>
-          <a:p>
-            <a:r>
-              <a:rPr lang="de-DE" sz="2400" dirty="0">
-                <a:effectLst/>
-                <a:latin typeface="The Group TEXT" panose="00000500000000000000" pitchFamily="2" charset="0"/>
-                <a:ea typeface="Aptos" panose="020B0004020202020204" pitchFamily="34" charset="0"/>
-                <a:cs typeface="Arial" panose="020B0604020202020204" pitchFamily="34" charset="0"/>
-                <a:hlinkClick r:id="rId3"/>
-              </a:rPr>
-              <a:t>https://httpd.apache.org/docs/</a:t>
-            </a:r>
-            <a:endParaRPr lang="de-DE" sz="2400" dirty="0">
-              <a:effectLst/>
-              <a:latin typeface="The Group TEXT" panose="00000500000000000000" pitchFamily="2" charset="0"/>
-              <a:ea typeface="Aptos" panose="020B0004020202020204" pitchFamily="34" charset="0"/>
-              <a:cs typeface="Arial" panose="020B0604020202020204" pitchFamily="34" charset="0"/>
-            </a:endParaRPr>
-          </a:p>
-          <a:p>
-            <a:r>
-              <a:rPr lang="de-DE" sz="2400" dirty="0">
-                <a:effectLst/>
-                <a:latin typeface="The Group TEXT" panose="00000500000000000000" pitchFamily="2" charset="0"/>
-                <a:ea typeface="Aptos" panose="020B0004020202020204" pitchFamily="34" charset="0"/>
-                <a:cs typeface="Arial" panose="020B0604020202020204" pitchFamily="34" charset="0"/>
-                <a:hlinkClick r:id="rId4"/>
-              </a:rPr>
-              <a:t>https://mariadb.com/kb/en/documentation/</a:t>
-            </a:r>
-            <a:endParaRPr lang="de-DE" sz="2400" dirty="0">
-              <a:latin typeface="The Group TEXT" panose="00000500000000000000" pitchFamily="2" charset="0"/>
-              <a:ea typeface="Aptos" panose="020B0004020202020204" pitchFamily="34" charset="0"/>
-              <a:cs typeface="Arial" panose="020B0604020202020204" pitchFamily="34" charset="0"/>
-            </a:endParaRPr>
-          </a:p>
-          <a:p>
-            <a:r>
-              <a:rPr lang="en-US" sz="2400" dirty="0">
-                <a:effectLst/>
-                <a:latin typeface="The Group TEXT" panose="00000500000000000000" pitchFamily="2" charset="0"/>
-                <a:ea typeface="Aptos" panose="020B0004020202020204" pitchFamily="34" charset="0"/>
-                <a:cs typeface="Arial" panose="020B0604020202020204" pitchFamily="34" charset="0"/>
-                <a:hlinkClick r:id="rId5"/>
-              </a:rPr>
-              <a:t>https://www.nist.gov/cyberframework</a:t>
-            </a:r>
-            <a:endParaRPr lang="de-DE" sz="2400" dirty="0">
-              <a:effectLst/>
-              <a:latin typeface="The Group TEXT" panose="00000500000000000000" pitchFamily="2" charset="0"/>
-              <a:ea typeface="Aptos" panose="020B0004020202020204" pitchFamily="34" charset="0"/>
-              <a:cs typeface="Arial" panose="020B0604020202020204" pitchFamily="34" charset="0"/>
-            </a:endParaRPr>
-          </a:p>
-          <a:p>
-            <a:r>
-              <a:rPr lang="en-US" sz="2400" kern="100" dirty="0">
-                <a:effectLst/>
-                <a:latin typeface="The Group TEXT" panose="00000500000000000000" pitchFamily="2" charset="0"/>
-                <a:ea typeface="Aptos" panose="020B0004020202020204" pitchFamily="34" charset="0"/>
-                <a:cs typeface="Arial" panose="020B0604020202020204" pitchFamily="34" charset="0"/>
-              </a:rPr>
-              <a:t> </a:t>
-            </a:r>
-            <a:r>
-              <a:rPr lang="en-US" sz="2400" kern="100" dirty="0">
-                <a:effectLst/>
-                <a:latin typeface="The Group TEXT" panose="00000500000000000000" pitchFamily="2" charset="0"/>
-                <a:ea typeface="Aptos" panose="020B0004020202020204" pitchFamily="34" charset="0"/>
-                <a:cs typeface="Arial" panose="020B0604020202020204" pitchFamily="34" charset="0"/>
-                <a:hlinkClick r:id="rId6"/>
-              </a:rPr>
-              <a:t>https://developers.redhat.com/articles/security-hardening-apache-web-server</a:t>
-            </a:r>
-            <a:endParaRPr lang="de-DE" sz="2400" kern="100" dirty="0">
-              <a:latin typeface="The Group TEXT" panose="00000500000000000000" pitchFamily="2" charset="0"/>
-              <a:ea typeface="Aptos" panose="020B0004020202020204" pitchFamily="34" charset="0"/>
-              <a:cs typeface="Arial" panose="020B0604020202020204" pitchFamily="34" charset="0"/>
-            </a:endParaRPr>
-          </a:p>
-          <a:p>
-            <a:r>
-              <a:rPr lang="en-US" sz="2400" dirty="0">
-                <a:effectLst/>
-                <a:latin typeface="The Group TEXT" panose="00000500000000000000" pitchFamily="2" charset="0"/>
-                <a:ea typeface="Aptos" panose="020B0004020202020204" pitchFamily="34" charset="0"/>
-                <a:cs typeface="Arial" panose="020B0604020202020204" pitchFamily="34" charset="0"/>
-                <a:hlinkClick r:id="rId7"/>
-              </a:rPr>
-              <a:t>https://tools.ietf.org/html/rfc8446</a:t>
-            </a:r>
-            <a:endParaRPr lang="de-DE" sz="2400" kern="100" dirty="0">
-              <a:effectLst/>
-              <a:latin typeface="The Group TEXT" panose="00000500000000000000" pitchFamily="2" charset="0"/>
-              <a:ea typeface="Aptos" panose="020B0004020202020204" pitchFamily="34" charset="0"/>
-              <a:cs typeface="Arial" panose="020B0604020202020204" pitchFamily="34" charset="0"/>
-            </a:endParaRPr>
-          </a:p>
-          <a:p>
-            <a:r>
-              <a:rPr lang="en-US" sz="2400" kern="100" dirty="0">
-                <a:effectLst/>
-                <a:latin typeface="The Group TEXT" panose="00000500000000000000" pitchFamily="2" charset="0"/>
-                <a:ea typeface="Aptos" panose="020B0004020202020204" pitchFamily="34" charset="0"/>
-                <a:cs typeface="Arial" panose="020B0604020202020204" pitchFamily="34" charset="0"/>
-                <a:hlinkClick r:id="rId8"/>
-              </a:rPr>
-              <a:t>https://github.com/topics/lamp-stack</a:t>
-            </a:r>
-            <a:r>
-              <a:rPr lang="en-US" sz="2400" kern="100" dirty="0">
-                <a:effectLst/>
-                <a:latin typeface="The Group TEXT" panose="00000500000000000000" pitchFamily="2" charset="0"/>
-                <a:ea typeface="Aptos" panose="020B0004020202020204" pitchFamily="34" charset="0"/>
-                <a:cs typeface="Arial" panose="020B0604020202020204" pitchFamily="34" charset="0"/>
-              </a:rPr>
-              <a:t> </a:t>
-            </a:r>
-          </a:p>
-          <a:p>
-            <a:r>
-              <a:rPr lang="en-US" sz="2400" kern="100" dirty="0">
-                <a:effectLst/>
-                <a:latin typeface="The Group TEXT" panose="00000500000000000000" pitchFamily="2" charset="0"/>
-                <a:ea typeface="Aptos" panose="020B0004020202020204" pitchFamily="34" charset="0"/>
-                <a:cs typeface="Arial" panose="020B0604020202020204" pitchFamily="34" charset="0"/>
-                <a:hlinkClick r:id="rId9"/>
-              </a:rPr>
-              <a:t>https://stackoverflow.com/tags/lamp/info</a:t>
-            </a:r>
-            <a:r>
-              <a:rPr lang="en-US" sz="2400" kern="100" dirty="0">
-                <a:effectLst/>
-                <a:latin typeface="The Group TEXT" panose="00000500000000000000" pitchFamily="2" charset="0"/>
-                <a:ea typeface="Aptos" panose="020B0004020202020204" pitchFamily="34" charset="0"/>
-                <a:cs typeface="Arial" panose="020B0604020202020204" pitchFamily="34" charset="0"/>
-              </a:rPr>
-              <a:t> </a:t>
-            </a:r>
-            <a:endParaRPr lang="de-DE" sz="2400" kern="100" dirty="0">
-              <a:effectLst/>
-              <a:latin typeface="The Group TEXT" panose="00000500000000000000" pitchFamily="2" charset="0"/>
-              <a:ea typeface="Aptos" panose="020B0004020202020204" pitchFamily="34" charset="0"/>
-              <a:cs typeface="Arial" panose="020B0604020202020204" pitchFamily="34" charset="0"/>
-            </a:endParaRPr>
-          </a:p>
-          <a:p>
-            <a:r>
-              <a:rPr lang="en-US" sz="2400" kern="100" dirty="0">
-                <a:latin typeface="The Group TEXT" panose="00000500000000000000" pitchFamily="2" charset="0"/>
-                <a:ea typeface="Aptos" panose="020B0004020202020204" pitchFamily="34" charset="0"/>
-                <a:cs typeface="Arial" panose="020B0604020202020204" pitchFamily="34" charset="0"/>
-              </a:rPr>
-              <a:t> </a:t>
-            </a:r>
-            <a:r>
-              <a:rPr lang="en-US" sz="2400" kern="100" dirty="0">
-                <a:latin typeface="The Group TEXT" panose="00000500000000000000" pitchFamily="2" charset="0"/>
-                <a:ea typeface="Aptos" panose="020B0004020202020204" pitchFamily="34" charset="0"/>
-                <a:cs typeface="Arial" panose="020B0604020202020204" pitchFamily="34" charset="0"/>
-                <a:hlinkClick r:id="rId10"/>
-              </a:rPr>
-              <a:t>https://aws.amazon.com/de/what-is/lamp-stack/</a:t>
-            </a:r>
-            <a:r>
-              <a:rPr lang="en-US" sz="2400" kern="100" dirty="0">
-                <a:latin typeface="The Group TEXT" panose="00000500000000000000" pitchFamily="2" charset="0"/>
-                <a:ea typeface="Aptos" panose="020B0004020202020204" pitchFamily="34" charset="0"/>
-                <a:cs typeface="Arial" panose="020B0604020202020204" pitchFamily="34" charset="0"/>
-              </a:rPr>
-              <a:t> </a:t>
-            </a:r>
-          </a:p>
-          <a:p>
-            <a:r>
-              <a:rPr lang="en-US" sz="2400" kern="100" dirty="0" err="1">
-                <a:effectLst/>
-                <a:latin typeface="The Group TEXT" panose="00000500000000000000" pitchFamily="2" charset="0"/>
-                <a:ea typeface="Aptos" panose="020B0004020202020204" pitchFamily="34" charset="0"/>
-                <a:cs typeface="Arial" panose="020B0604020202020204" pitchFamily="34" charset="0"/>
-              </a:rPr>
-              <a:t>Grafikquellen</a:t>
-            </a:r>
-            <a:r>
-              <a:rPr lang="en-US" sz="2400" kern="100" dirty="0">
-                <a:latin typeface="The Group TEXT" panose="00000500000000000000" pitchFamily="2" charset="0"/>
-                <a:ea typeface="Aptos" panose="020B0004020202020204" pitchFamily="34" charset="0"/>
-                <a:cs typeface="Arial" panose="020B0604020202020204" pitchFamily="34" charset="0"/>
-              </a:rPr>
-              <a:t>:</a:t>
-            </a:r>
-          </a:p>
-          <a:p>
-            <a:r>
-              <a:rPr lang="en-US" sz="2400" kern="100" dirty="0">
-                <a:latin typeface="The Group TEXT" panose="00000500000000000000" pitchFamily="2" charset="0"/>
-                <a:ea typeface="Aptos" panose="020B0004020202020204" pitchFamily="34" charset="0"/>
-                <a:cs typeface="Arial" panose="020B0604020202020204" pitchFamily="34" charset="0"/>
-                <a:hlinkClick r:id="rId11"/>
-              </a:rPr>
-              <a:t>https://claude.ai</a:t>
-            </a:r>
-            <a:r>
-              <a:rPr lang="en-US" sz="2400" kern="100" dirty="0">
-                <a:latin typeface="The Group TEXT" panose="00000500000000000000" pitchFamily="2" charset="0"/>
-                <a:ea typeface="Aptos" panose="020B0004020202020204" pitchFamily="34" charset="0"/>
-                <a:cs typeface="Arial" panose="020B0604020202020204" pitchFamily="34" charset="0"/>
-              </a:rPr>
-              <a:t> </a:t>
-            </a:r>
-          </a:p>
-          <a:p>
-            <a:r>
-              <a:rPr lang="de-DE" sz="2400" kern="100" dirty="0">
-                <a:effectLst/>
-                <a:latin typeface="The Group TEXT" panose="00000500000000000000" pitchFamily="2" charset="0"/>
-                <a:ea typeface="Aptos" panose="020B0004020202020204" pitchFamily="34" charset="0"/>
-                <a:cs typeface="Arial" panose="020B0604020202020204" pitchFamily="34" charset="0"/>
-                <a:hlinkClick r:id="rId12"/>
-              </a:rPr>
-              <a:t>https://mermaid.live</a:t>
-            </a:r>
-            <a:r>
-              <a:rPr lang="en-US" sz="2400" kern="100" dirty="0">
-                <a:effectLst/>
-                <a:latin typeface="The Group TEXT" panose="00000500000000000000" pitchFamily="2" charset="0"/>
-                <a:ea typeface="Aptos" panose="020B0004020202020204" pitchFamily="34" charset="0"/>
-                <a:cs typeface="Arial" panose="020B0604020202020204" pitchFamily="34" charset="0"/>
-              </a:rPr>
-              <a:t> </a:t>
-            </a:r>
-          </a:p>
-          <a:p>
-            <a:endParaRPr lang="de-DE" dirty="0">
-              <a:latin typeface="The Group TEXT" panose="00000500000000000000" pitchFamily="2" charset="0"/>
-            </a:endParaRPr>
-          </a:p>
-        </p:txBody>
-      </p:sp>
-    </p:spTree>
-    <p:extLst>
-      <p:ext uri="{BB962C8B-B14F-4D97-AF65-F5344CB8AC3E}">
-        <p14:creationId xmlns:p14="http://schemas.microsoft.com/office/powerpoint/2010/main" val="2689339208"/>
-      </p:ext>
-    </p:extLst>
-  </p:cSld>
-  <p:clrMapOvr>
-    <a:masterClrMapping/>
-  </p:clrMapOvr>
-</p:sld>
-</file>
-
-<file path=ppt/slides/slide14.xml><?xml version="1.0" encoding="utf-8"?>
-<p:sld xmlns:a="http://schemas.openxmlformats.org/drawingml/2006/main" xmlns:r="http://schemas.openxmlformats.org/officeDocument/2006/relationships" xmlns:p="http://schemas.openxmlformats.org/presentationml/2006/main">
-  <p:cSld>
-    <p:spTree>
-      <p:nvGrpSpPr>
-        <p:cNvPr id="1" name=""/>
-        <p:cNvGrpSpPr/>
-        <p:nvPr/>
-      </p:nvGrpSpPr>
-      <p:grpSpPr>
-        <a:xfrm>
-          <a:off x="0" y="0"/>
-          <a:ext cx="0" cy="0"/>
-          <a:chOff x="0" y="0"/>
-          <a:chExt cx="0" cy="0"/>
-        </a:xfrm>
-      </p:grpSpPr>
-      <p:sp>
-        <p:nvSpPr>
-          <p:cNvPr id="2" name="Titel 1">
-            <a:extLst>
-              <a:ext uri="{FF2B5EF4-FFF2-40B4-BE49-F238E27FC236}">
                 <a16:creationId xmlns:a16="http://schemas.microsoft.com/office/drawing/2014/main" id="{FF265D5E-B936-B7B0-454A-E9EFFA21B906}"/>
               </a:ext>
             </a:extLst>
@@ -6941,7 +6222,7 @@
 </p:sld>
 </file>
 
-<file path=ppt/slides/slide15.xml><?xml version="1.0" encoding="utf-8"?>
+<file path=ppt/slides/slide13.xml><?xml version="1.0" encoding="utf-8"?>
 <p:sld xmlns:a="http://schemas.openxmlformats.org/drawingml/2006/main" xmlns:r="http://schemas.openxmlformats.org/officeDocument/2006/relationships" xmlns:p="http://schemas.openxmlformats.org/presentationml/2006/main">
   <p:cSld>
     <p:spTree>
@@ -7544,542 +6825,6 @@
 </file>
 
 <file path=ppt/slides/slide4.xml><?xml version="1.0" encoding="utf-8"?>
-<p:sld xmlns:a="http://schemas.openxmlformats.org/drawingml/2006/main" xmlns:r="http://schemas.openxmlformats.org/officeDocument/2006/relationships" xmlns:p="http://schemas.openxmlformats.org/presentationml/2006/main">
-  <p:cSld>
-    <p:spTree>
-      <p:nvGrpSpPr>
-        <p:cNvPr id="1" name=""/>
-        <p:cNvGrpSpPr/>
-        <p:nvPr/>
-      </p:nvGrpSpPr>
-      <p:grpSpPr>
-        <a:xfrm>
-          <a:off x="0" y="0"/>
-          <a:ext cx="0" cy="0"/>
-          <a:chOff x="0" y="0"/>
-          <a:chExt cx="0" cy="0"/>
-        </a:xfrm>
-      </p:grpSpPr>
-      <p:sp>
-        <p:nvSpPr>
-          <p:cNvPr id="2" name="Titel 1">
-            <a:extLst>
-              <a:ext uri="{FF2B5EF4-FFF2-40B4-BE49-F238E27FC236}">
-                <a16:creationId xmlns:a16="http://schemas.microsoft.com/office/drawing/2014/main" id="{4F6E13B4-63BB-236B-7D5D-024C9A2F53A9}"/>
-              </a:ext>
-            </a:extLst>
-          </p:cNvPr>
-          <p:cNvSpPr>
-            <a:spLocks noGrp="1"/>
-          </p:cNvSpPr>
-          <p:nvPr>
-            <p:ph type="title"/>
-          </p:nvPr>
-        </p:nvSpPr>
-        <p:spPr/>
-        <p:txBody>
-          <a:bodyPr/>
-          <a:lstStyle/>
-          <a:p>
-            <a:r>
-              <a:rPr lang="de-DE" b="1" dirty="0">
-                <a:latin typeface="The Group HEAD Light" panose="00000400000000000000" pitchFamily="2" charset="0"/>
-                <a:cs typeface="Arial" panose="020B0604020202020204" pitchFamily="34" charset="0"/>
-              </a:rPr>
-              <a:t>Webseitenübersicht</a:t>
-            </a:r>
-          </a:p>
-        </p:txBody>
-      </p:sp>
-      <p:sp>
-        <p:nvSpPr>
-          <p:cNvPr id="3" name="Inhaltsplatzhalter 2">
-            <a:extLst>
-              <a:ext uri="{FF2B5EF4-FFF2-40B4-BE49-F238E27FC236}">
-                <a16:creationId xmlns:a16="http://schemas.microsoft.com/office/drawing/2014/main" id="{4AA0CD3A-796D-3F32-A89D-F8A97B79055D}"/>
-              </a:ext>
-            </a:extLst>
-          </p:cNvPr>
-          <p:cNvSpPr>
-            <a:spLocks noGrp="1"/>
-          </p:cNvSpPr>
-          <p:nvPr>
-            <p:ph idx="1"/>
-          </p:nvPr>
-        </p:nvSpPr>
-        <p:spPr/>
-        <p:txBody>
-          <a:bodyPr>
-            <a:noAutofit/>
-          </a:bodyPr>
-          <a:lstStyle/>
-          <a:p>
-            <a:pPr marL="0" marR="0" lvl="0" indent="0" algn="l" defTabSz="914400" rtl="0" eaLnBrk="0" fontAlgn="base" latinLnBrk="0" hangingPunct="0">
-              <a:lnSpc>
-                <a:spcPct val="150000"/>
-              </a:lnSpc>
-              <a:spcBef>
-                <a:spcPct val="0"/>
-              </a:spcBef>
-              <a:spcAft>
-                <a:spcPct val="0"/>
-              </a:spcAft>
-              <a:buClrTx/>
-              <a:buSzTx/>
-              <a:buFontTx/>
-              <a:buChar char="•"/>
-              <a:tabLst/>
-            </a:pPr>
-            <a:r>
-              <a:rPr kumimoji="0" lang="de-DE" altLang="de-DE" sz="2000" b="0" i="0" u="none" strike="noStrike" cap="none" normalizeH="0" baseline="0" dirty="0">
-                <a:ln>
-                  <a:noFill/>
-                </a:ln>
-                <a:solidFill>
-                  <a:schemeClr val="tx1"/>
-                </a:solidFill>
-                <a:effectLst/>
-                <a:latin typeface="The Group TEXT" panose="00000500000000000000" pitchFamily="2" charset="0"/>
-                <a:cs typeface="Arial" panose="020B0604020202020204" pitchFamily="34" charset="0"/>
-              </a:rPr>
-              <a:t>Start</a:t>
-            </a:r>
-          </a:p>
-          <a:p>
-            <a:pPr marL="0" marR="0" lvl="0" indent="0" algn="l" defTabSz="914400" rtl="0" eaLnBrk="0" fontAlgn="base" latinLnBrk="0" hangingPunct="0">
-              <a:lnSpc>
-                <a:spcPct val="150000"/>
-              </a:lnSpc>
-              <a:spcBef>
-                <a:spcPct val="0"/>
-              </a:spcBef>
-              <a:spcAft>
-                <a:spcPct val="0"/>
-              </a:spcAft>
-              <a:buClrTx/>
-              <a:buSzTx/>
-              <a:buFontTx/>
-              <a:buChar char="•"/>
-              <a:tabLst/>
-            </a:pPr>
-            <a:r>
-              <a:rPr kumimoji="0" lang="de-DE" altLang="de-DE" sz="2000" b="0" i="0" u="none" strike="noStrike" cap="none" normalizeH="0" baseline="0" dirty="0">
-                <a:ln>
-                  <a:noFill/>
-                </a:ln>
-                <a:solidFill>
-                  <a:schemeClr val="tx1"/>
-                </a:solidFill>
-                <a:effectLst/>
-                <a:latin typeface="The Group TEXT" panose="00000500000000000000" pitchFamily="2" charset="0"/>
-                <a:cs typeface="Arial" panose="020B0604020202020204" pitchFamily="34" charset="0"/>
-              </a:rPr>
-              <a:t>Benutzerdaten eingeben (Username und Passwort)</a:t>
-            </a:r>
-            <a:br>
-              <a:rPr kumimoji="0" lang="de-DE" altLang="de-DE" sz="2000" b="0" i="0" u="none" strike="noStrike" cap="none" normalizeH="0" baseline="0" dirty="0">
-                <a:ln>
-                  <a:noFill/>
-                </a:ln>
-                <a:solidFill>
-                  <a:schemeClr val="tx1"/>
-                </a:solidFill>
-                <a:effectLst/>
-                <a:latin typeface="The Group TEXT" panose="00000500000000000000" pitchFamily="2" charset="0"/>
-                <a:cs typeface="Arial" panose="020B0604020202020204" pitchFamily="34" charset="0"/>
-              </a:rPr>
-            </a:br>
-            <a:r>
-              <a:rPr kumimoji="0" lang="de-DE" altLang="de-DE" sz="2000" b="0" i="0" u="none" strike="noStrike" cap="none" normalizeH="0" baseline="0" dirty="0">
-                <a:ln>
-                  <a:noFill/>
-                </a:ln>
-                <a:solidFill>
-                  <a:schemeClr val="tx1"/>
-                </a:solidFill>
-                <a:effectLst/>
-                <a:latin typeface="The Group TEXT" panose="00000500000000000000" pitchFamily="2" charset="0"/>
-                <a:cs typeface="Arial" panose="020B0604020202020204" pitchFamily="34" charset="0"/>
-              </a:rPr>
-              <a:t>↳ Prüfen der Benutzerdaten:</a:t>
-            </a:r>
-          </a:p>
-          <a:p>
-            <a:pPr marL="457200" lvl="1" indent="0" eaLnBrk="0" fontAlgn="base" hangingPunct="0">
-              <a:lnSpc>
-                <a:spcPct val="150000"/>
-              </a:lnSpc>
-              <a:spcBef>
-                <a:spcPct val="0"/>
-              </a:spcBef>
-              <a:spcAft>
-                <a:spcPct val="0"/>
-              </a:spcAft>
-              <a:buFontTx/>
-              <a:buChar char="•"/>
-            </a:pPr>
-            <a:r>
-              <a:rPr kumimoji="0" lang="de-DE" altLang="de-DE" sz="2000" b="0" i="0" u="none" strike="noStrike" cap="none" normalizeH="0" baseline="0" dirty="0">
-                <a:ln>
-                  <a:noFill/>
-                </a:ln>
-                <a:solidFill>
-                  <a:schemeClr val="tx1"/>
-                </a:solidFill>
-                <a:effectLst/>
-                <a:latin typeface="The Group TEXT" panose="00000500000000000000" pitchFamily="2" charset="0"/>
-                <a:cs typeface="Arial" panose="020B0604020202020204" pitchFamily="34" charset="0"/>
-              </a:rPr>
-              <a:t>Richtig:  → Zum Profil gehen</a:t>
-            </a:r>
-          </a:p>
-          <a:p>
-            <a:pPr marL="457200" lvl="1" indent="0" eaLnBrk="0" fontAlgn="base" hangingPunct="0">
-              <a:lnSpc>
-                <a:spcPct val="150000"/>
-              </a:lnSpc>
-              <a:spcBef>
-                <a:spcPct val="0"/>
-              </a:spcBef>
-              <a:spcAft>
-                <a:spcPct val="0"/>
-              </a:spcAft>
-              <a:buFontTx/>
-              <a:buChar char="•"/>
-            </a:pPr>
-            <a:r>
-              <a:rPr kumimoji="0" lang="de-DE" altLang="de-DE" sz="2000" b="0" i="0" u="none" strike="noStrike" cap="none" normalizeH="0" baseline="0" dirty="0">
-                <a:ln>
-                  <a:noFill/>
-                </a:ln>
-                <a:solidFill>
-                  <a:schemeClr val="tx1"/>
-                </a:solidFill>
-                <a:effectLst/>
-                <a:latin typeface="The Group TEXT" panose="00000500000000000000" pitchFamily="2" charset="0"/>
-                <a:cs typeface="Arial" panose="020B0604020202020204" pitchFamily="34" charset="0"/>
-              </a:rPr>
-              <a:t>Falsch:  → (1) Benutzerdaten erneut eingeben</a:t>
-            </a:r>
-            <a:endParaRPr lang="de-DE" altLang="de-DE" sz="2000" b="0" dirty="0">
-              <a:latin typeface="The Group TEXT" panose="00000500000000000000" pitchFamily="2" charset="0"/>
-              <a:cs typeface="Arial" panose="020B0604020202020204" pitchFamily="34" charset="0"/>
-            </a:endParaRPr>
-          </a:p>
-          <a:p>
-            <a:pPr marL="457200" lvl="1" indent="0" eaLnBrk="0" fontAlgn="base" hangingPunct="0">
-              <a:lnSpc>
-                <a:spcPct val="150000"/>
-              </a:lnSpc>
-              <a:spcBef>
-                <a:spcPct val="0"/>
-              </a:spcBef>
-              <a:spcAft>
-                <a:spcPct val="0"/>
-              </a:spcAft>
-              <a:buNone/>
-            </a:pPr>
-            <a:r>
-              <a:rPr kumimoji="0" lang="de-DE" altLang="de-DE" sz="2000" b="0" i="0" u="none" strike="noStrike" cap="none" normalizeH="0" baseline="0" dirty="0">
-                <a:ln>
-                  <a:noFill/>
-                </a:ln>
-                <a:solidFill>
-                  <a:schemeClr val="tx1"/>
-                </a:solidFill>
-                <a:effectLst/>
-                <a:latin typeface="The Group TEXT" panose="00000500000000000000" pitchFamily="2" charset="0"/>
-                <a:cs typeface="Arial" panose="020B0604020202020204" pitchFamily="34" charset="0"/>
-              </a:rPr>
-              <a:t>	        → (2) Neu registrieren</a:t>
-            </a:r>
-          </a:p>
-          <a:p>
-            <a:pPr marL="0" marR="0" lvl="0" indent="0" algn="l" defTabSz="914400" rtl="0" eaLnBrk="0" fontAlgn="base" latinLnBrk="0" hangingPunct="0">
-              <a:lnSpc>
-                <a:spcPct val="150000"/>
-              </a:lnSpc>
-              <a:spcBef>
-                <a:spcPct val="0"/>
-              </a:spcBef>
-              <a:spcAft>
-                <a:spcPct val="0"/>
-              </a:spcAft>
-              <a:buClrTx/>
-              <a:buSzTx/>
-              <a:buFontTx/>
-              <a:buChar char="•"/>
-              <a:tabLst/>
-            </a:pPr>
-            <a:r>
-              <a:rPr kumimoji="0" lang="de-DE" altLang="de-DE" sz="2000" b="0" i="0" u="none" strike="noStrike" cap="none" normalizeH="0" baseline="0" dirty="0">
-                <a:ln>
-                  <a:noFill/>
-                </a:ln>
-                <a:solidFill>
-                  <a:schemeClr val="tx1"/>
-                </a:solidFill>
-                <a:effectLst/>
-                <a:latin typeface="The Group TEXT" panose="00000500000000000000" pitchFamily="2" charset="0"/>
-                <a:cs typeface="Arial" panose="020B0604020202020204" pitchFamily="34" charset="0"/>
-              </a:rPr>
-              <a:t>Im Profil:</a:t>
-            </a:r>
-          </a:p>
-          <a:p>
-            <a:pPr marL="0" marR="0" lvl="0" indent="0" algn="l" defTabSz="914400" rtl="0" eaLnBrk="0" fontAlgn="base" latinLnBrk="0" hangingPunct="0">
-              <a:lnSpc>
-                <a:spcPct val="150000"/>
-              </a:lnSpc>
-              <a:spcBef>
-                <a:spcPct val="0"/>
-              </a:spcBef>
-              <a:spcAft>
-                <a:spcPct val="0"/>
-              </a:spcAft>
-              <a:buClrTx/>
-              <a:buSzTx/>
-              <a:buFontTx/>
-              <a:buChar char="•"/>
-              <a:tabLst/>
-            </a:pPr>
-            <a:r>
-              <a:rPr kumimoji="0" lang="de-DE" altLang="de-DE" sz="2000" b="0" i="0" u="none" strike="noStrike" cap="none" normalizeH="0" baseline="0" dirty="0">
-                <a:ln>
-                  <a:noFill/>
-                </a:ln>
-                <a:solidFill>
-                  <a:schemeClr val="tx1"/>
-                </a:solidFill>
-                <a:effectLst/>
-                <a:latin typeface="The Group TEXT" panose="00000500000000000000" pitchFamily="2" charset="0"/>
-                <a:cs typeface="Arial" panose="020B0604020202020204" pitchFamily="34" charset="0"/>
-              </a:rPr>
-              <a:t>Daten herunterladen</a:t>
-            </a:r>
-          </a:p>
-          <a:p>
-            <a:pPr marL="0" marR="0" lvl="0" indent="0" algn="l" defTabSz="914400" rtl="0" eaLnBrk="0" fontAlgn="base" latinLnBrk="0" hangingPunct="0">
-              <a:lnSpc>
-                <a:spcPct val="150000"/>
-              </a:lnSpc>
-              <a:spcBef>
-                <a:spcPct val="0"/>
-              </a:spcBef>
-              <a:spcAft>
-                <a:spcPct val="0"/>
-              </a:spcAft>
-              <a:buClrTx/>
-              <a:buSzTx/>
-              <a:buFontTx/>
-              <a:buChar char="•"/>
-              <a:tabLst/>
-            </a:pPr>
-            <a:r>
-              <a:rPr kumimoji="0" lang="de-DE" altLang="de-DE" sz="2000" b="0" i="0" u="none" strike="noStrike" cap="none" normalizeH="0" baseline="0" dirty="0">
-                <a:ln>
-                  <a:noFill/>
-                </a:ln>
-                <a:solidFill>
-                  <a:schemeClr val="tx1"/>
-                </a:solidFill>
-                <a:effectLst/>
-                <a:latin typeface="The Group TEXT" panose="00000500000000000000" pitchFamily="2" charset="0"/>
-                <a:cs typeface="Arial" panose="020B0604020202020204" pitchFamily="34" charset="0"/>
-              </a:rPr>
-              <a:t>Daten hochladen</a:t>
-            </a:r>
-          </a:p>
-          <a:p>
-            <a:pPr marL="0" marR="0" lvl="0" indent="0" algn="l" defTabSz="914400" rtl="0" eaLnBrk="0" fontAlgn="base" latinLnBrk="0" hangingPunct="0">
-              <a:lnSpc>
-                <a:spcPct val="150000"/>
-              </a:lnSpc>
-              <a:spcBef>
-                <a:spcPct val="0"/>
-              </a:spcBef>
-              <a:spcAft>
-                <a:spcPct val="0"/>
-              </a:spcAft>
-              <a:buClrTx/>
-              <a:buSzTx/>
-              <a:buFontTx/>
-              <a:buChar char="•"/>
-              <a:tabLst/>
-            </a:pPr>
-            <a:r>
-              <a:rPr kumimoji="0" lang="de-DE" altLang="de-DE" sz="2000" b="0" i="0" u="none" strike="noStrike" cap="none" normalizeH="0" baseline="0" dirty="0">
-                <a:ln>
-                  <a:noFill/>
-                </a:ln>
-                <a:solidFill>
-                  <a:schemeClr val="tx1"/>
-                </a:solidFill>
-                <a:effectLst/>
-                <a:latin typeface="The Group TEXT" panose="00000500000000000000" pitchFamily="2" charset="0"/>
-                <a:cs typeface="Arial" panose="020B0604020202020204" pitchFamily="34" charset="0"/>
-              </a:rPr>
-              <a:t>Daten löschen</a:t>
-            </a:r>
-          </a:p>
-        </p:txBody>
-      </p:sp>
-    </p:spTree>
-    <p:extLst>
-      <p:ext uri="{BB962C8B-B14F-4D97-AF65-F5344CB8AC3E}">
-        <p14:creationId xmlns:p14="http://schemas.microsoft.com/office/powerpoint/2010/main" val="1368631229"/>
-      </p:ext>
-    </p:extLst>
-  </p:cSld>
-  <p:clrMapOvr>
-    <a:masterClrMapping/>
-  </p:clrMapOvr>
-</p:sld>
-</file>
-
-<file path=ppt/slides/slide5.xml><?xml version="1.0" encoding="utf-8"?>
-<p:sld xmlns:a="http://schemas.openxmlformats.org/drawingml/2006/main" xmlns:r="http://schemas.openxmlformats.org/officeDocument/2006/relationships" xmlns:p="http://schemas.openxmlformats.org/presentationml/2006/main">
-  <p:cSld>
-    <p:spTree>
-      <p:nvGrpSpPr>
-        <p:cNvPr id="1" name=""/>
-        <p:cNvGrpSpPr/>
-        <p:nvPr/>
-      </p:nvGrpSpPr>
-      <p:grpSpPr>
-        <a:xfrm>
-          <a:off x="0" y="0"/>
-          <a:ext cx="0" cy="0"/>
-          <a:chOff x="0" y="0"/>
-          <a:chExt cx="0" cy="0"/>
-        </a:xfrm>
-      </p:grpSpPr>
-      <p:sp>
-        <p:nvSpPr>
-          <p:cNvPr id="2" name="Titel 1">
-            <a:extLst>
-              <a:ext uri="{FF2B5EF4-FFF2-40B4-BE49-F238E27FC236}">
-                <a16:creationId xmlns:a16="http://schemas.microsoft.com/office/drawing/2014/main" id="{2D33D538-33D8-6C39-33D2-03ED5C2BAEFE}"/>
-              </a:ext>
-            </a:extLst>
-          </p:cNvPr>
-          <p:cNvSpPr>
-            <a:spLocks noGrp="1"/>
-          </p:cNvSpPr>
-          <p:nvPr>
-            <p:ph type="ctrTitle"/>
-          </p:nvPr>
-        </p:nvSpPr>
-        <p:spPr/>
-        <p:txBody>
-          <a:bodyPr/>
-          <a:lstStyle/>
-          <a:p>
-            <a:endParaRPr lang="de-DE" dirty="0"/>
-          </a:p>
-        </p:txBody>
-      </p:sp>
-      <p:sp>
-        <p:nvSpPr>
-          <p:cNvPr id="3" name="Untertitel 2">
-            <a:extLst>
-              <a:ext uri="{FF2B5EF4-FFF2-40B4-BE49-F238E27FC236}">
-                <a16:creationId xmlns:a16="http://schemas.microsoft.com/office/drawing/2014/main" id="{42F570F0-0141-7486-A052-ACF5F8676133}"/>
-              </a:ext>
-            </a:extLst>
-          </p:cNvPr>
-          <p:cNvSpPr>
-            <a:spLocks noGrp="1"/>
-          </p:cNvSpPr>
-          <p:nvPr>
-            <p:ph type="subTitle" idx="1"/>
-          </p:nvPr>
-        </p:nvSpPr>
-        <p:spPr/>
-        <p:txBody>
-          <a:bodyPr/>
-          <a:lstStyle/>
-          <a:p>
-            <a:endParaRPr lang="de-DE" dirty="0"/>
-          </a:p>
-        </p:txBody>
-      </p:sp>
-      <p:pic>
-        <p:nvPicPr>
-          <p:cNvPr id="4" name="Bildplatzhalter 20">
-            <a:extLst>
-              <a:ext uri="{FF2B5EF4-FFF2-40B4-BE49-F238E27FC236}">
-                <a16:creationId xmlns:a16="http://schemas.microsoft.com/office/drawing/2014/main" id="{2C2A53FF-32AE-D849-6322-CC8FFB21F193}"/>
-              </a:ext>
-            </a:extLst>
-          </p:cNvPr>
-          <p:cNvPicPr>
-            <a:picLocks noGrp="1" noChangeAspect="1"/>
-          </p:cNvPicPr>
-          <p:nvPr>
-            <p:ph type="pic" sz="quarter" idx="13"/>
-          </p:nvPr>
-        </p:nvPicPr>
-        <p:blipFill>
-          <a:blip r:embed="rId3"/>
-          <a:srcRect t="5992" b="5992"/>
-          <a:stretch>
-            <a:fillRect/>
-          </a:stretch>
-        </p:blipFill>
-        <p:spPr>
-          <a:xfrm>
-            <a:off x="0" y="-15640"/>
-            <a:ext cx="12192000" cy="6873640"/>
-          </a:xfrm>
-        </p:spPr>
-      </p:pic>
-      <p:pic>
-        <p:nvPicPr>
-          <p:cNvPr id="5" name="Bildplatzhalter 20">
-            <a:extLst>
-              <a:ext uri="{FF2B5EF4-FFF2-40B4-BE49-F238E27FC236}">
-                <a16:creationId xmlns:a16="http://schemas.microsoft.com/office/drawing/2014/main" id="{8AF58D24-1CBE-6A16-98E2-85C52B9C928B}"/>
-              </a:ext>
-            </a:extLst>
-          </p:cNvPr>
-          <p:cNvPicPr>
-            <a:picLocks noChangeAspect="1"/>
-          </p:cNvPicPr>
-          <p:nvPr/>
-        </p:nvPicPr>
-        <p:blipFill>
-          <a:blip r:embed="rId3"/>
-          <a:srcRect t="5992" b="5992"/>
-          <a:stretch>
-            <a:fillRect/>
-          </a:stretch>
-        </p:blipFill>
-        <p:spPr bwMode="auto">
-          <a:xfrm>
-            <a:off x="0" y="0"/>
-            <a:ext cx="12192000" cy="6873640"/>
-          </a:xfrm>
-          <a:prstGeom prst="rect">
-            <a:avLst/>
-          </a:prstGeom>
-          <a:noFill/>
-        </p:spPr>
-      </p:pic>
-    </p:spTree>
-    <p:extLst>
-      <p:ext uri="{BB962C8B-B14F-4D97-AF65-F5344CB8AC3E}">
-        <p14:creationId xmlns:p14="http://schemas.microsoft.com/office/powerpoint/2010/main" val="241887860"/>
-      </p:ext>
-    </p:extLst>
-  </p:cSld>
-  <p:clrMapOvr>
-    <a:masterClrMapping/>
-  </p:clrMapOvr>
-</p:sld>
-</file>
-
-<file path=ppt/slides/slide6.xml><?xml version="1.0" encoding="utf-8"?>
 <p:sld xmlns:a="http://schemas.openxmlformats.org/drawingml/2006/main" xmlns:r="http://schemas.openxmlformats.org/officeDocument/2006/relationships" xmlns:p="http://schemas.openxmlformats.org/presentationml/2006/main">
   <p:cSld>
     <p:spTree>
@@ -8954,7 +7699,7 @@
 </p:sld>
 </file>
 
-<file path=ppt/slides/slide7.xml><?xml version="1.0" encoding="utf-8"?>
+<file path=ppt/slides/slide5.xml><?xml version="1.0" encoding="utf-8"?>
 <p:sld xmlns:a="http://schemas.openxmlformats.org/drawingml/2006/main" xmlns:r="http://schemas.openxmlformats.org/officeDocument/2006/relationships" xmlns:p="http://schemas.openxmlformats.org/presentationml/2006/main">
   <p:cSld>
     <p:spTree>
@@ -8976,7 +7721,7 @@
           <p:cNvPr id="2" name="Titel 1">
             <a:extLst>
               <a:ext uri="{FF2B5EF4-FFF2-40B4-BE49-F238E27FC236}">
-                <a16:creationId xmlns:a16="http://schemas.microsoft.com/office/drawing/2014/main" id="{9CF119CE-2F8F-F1EF-FF73-B38461C4E8CE}"/>
+                <a16:creationId xmlns:a16="http://schemas.microsoft.com/office/drawing/2014/main" id="{4F6E13B4-63BB-236B-7D5D-024C9A2F53A9}"/>
               </a:ext>
             </a:extLst>
           </p:cNvPr>
@@ -8995,8 +7740,9 @@
             <a:r>
               <a:rPr lang="de-DE" b="1" dirty="0">
                 <a:latin typeface="The Group HEAD Light" panose="00000400000000000000" pitchFamily="2" charset="0"/>
-              </a:rPr>
-              <a:t>Systemarchitektur</a:t>
+                <a:cs typeface="Arial" panose="020B0604020202020204" pitchFamily="34" charset="0"/>
+              </a:rPr>
+              <a:t>Webseitenübersicht</a:t>
             </a:r>
           </a:p>
         </p:txBody>
@@ -9006,7 +7752,7 @@
           <p:cNvPr id="3" name="Inhaltsplatzhalter 2">
             <a:extLst>
               <a:ext uri="{FF2B5EF4-FFF2-40B4-BE49-F238E27FC236}">
-                <a16:creationId xmlns:a16="http://schemas.microsoft.com/office/drawing/2014/main" id="{47BE342E-BBA0-2F4F-35FB-3A6BB70F93AC}"/>
+                <a16:creationId xmlns:a16="http://schemas.microsoft.com/office/drawing/2014/main" id="{4AA0CD3A-796D-3F32-A89D-F8A97B79055D}"/>
               </a:ext>
             </a:extLst>
           </p:cNvPr>
@@ -9020,277 +7766,324 @@
         <p:spPr/>
         <p:txBody>
           <a:bodyPr>
-            <a:normAutofit fontScale="62500" lnSpcReduction="20000"/>
+            <a:noAutofit/>
           </a:bodyPr>
           <a:lstStyle/>
           <a:p>
-            <a:pPr marL="285750" indent="-285750">
-              <a:buFont typeface="Arial" panose="020B0604020202020204" pitchFamily="34" charset="0"/>
+            <a:pPr marL="0" marR="0" lvl="0" indent="0" algn="l" defTabSz="914400" rtl="0" eaLnBrk="0" fontAlgn="base" latinLnBrk="0" hangingPunct="0">
+              <a:lnSpc>
+                <a:spcPct val="150000"/>
+              </a:lnSpc>
+              <a:spcBef>
+                <a:spcPct val="0"/>
+              </a:spcBef>
+              <a:spcAft>
+                <a:spcPct val="0"/>
+              </a:spcAft>
+              <a:buClrTx/>
+              <a:buSzTx/>
+              <a:buFontTx/>
+              <a:buChar char="•"/>
+              <a:tabLst/>
+            </a:pPr>
+            <a:r>
+              <a:rPr kumimoji="0" lang="de-DE" altLang="de-DE" sz="2000" b="0" i="0" u="none" strike="noStrike" cap="none" normalizeH="0" baseline="0" dirty="0">
+                <a:ln>
+                  <a:noFill/>
+                </a:ln>
+                <a:solidFill>
+                  <a:schemeClr val="tx1"/>
+                </a:solidFill>
+                <a:effectLst/>
+                <a:latin typeface="The Group TEXT" panose="00000500000000000000" pitchFamily="2" charset="0"/>
+                <a:cs typeface="Arial" panose="020B0604020202020204" pitchFamily="34" charset="0"/>
+              </a:rPr>
+              <a:t>Start</a:t>
+            </a:r>
+          </a:p>
+          <a:p>
+            <a:pPr marL="0" marR="0" lvl="0" indent="0" algn="l" defTabSz="914400" rtl="0" eaLnBrk="0" fontAlgn="base" latinLnBrk="0" hangingPunct="0">
+              <a:lnSpc>
+                <a:spcPct val="150000"/>
+              </a:lnSpc>
+              <a:spcBef>
+                <a:spcPct val="0"/>
+              </a:spcBef>
+              <a:spcAft>
+                <a:spcPct val="0"/>
+              </a:spcAft>
+              <a:buClrTx/>
+              <a:buSzTx/>
+              <a:buFontTx/>
+              <a:buChar char="•"/>
+              <a:tabLst/>
+            </a:pPr>
+            <a:r>
+              <a:rPr kumimoji="0" lang="de-DE" altLang="de-DE" sz="2000" b="0" i="0" u="none" strike="noStrike" cap="none" normalizeH="0" baseline="0" dirty="0">
+                <a:ln>
+                  <a:noFill/>
+                </a:ln>
+                <a:solidFill>
+                  <a:schemeClr val="tx1"/>
+                </a:solidFill>
+                <a:effectLst/>
+                <a:latin typeface="The Group TEXT" panose="00000500000000000000" pitchFamily="2" charset="0"/>
+                <a:cs typeface="Arial" panose="020B0604020202020204" pitchFamily="34" charset="0"/>
+              </a:rPr>
+              <a:t>Benutzerdaten eingeben (Username und Passwort)</a:t>
+            </a:r>
+            <a:br>
+              <a:rPr kumimoji="0" lang="de-DE" altLang="de-DE" sz="2000" b="0" i="0" u="none" strike="noStrike" cap="none" normalizeH="0" baseline="0" dirty="0">
+                <a:ln>
+                  <a:noFill/>
+                </a:ln>
+                <a:solidFill>
+                  <a:schemeClr val="tx1"/>
+                </a:solidFill>
+                <a:effectLst/>
+                <a:latin typeface="The Group TEXT" panose="00000500000000000000" pitchFamily="2" charset="0"/>
+                <a:cs typeface="Arial" panose="020B0604020202020204" pitchFamily="34" charset="0"/>
+              </a:rPr>
+            </a:br>
+            <a:r>
+              <a:rPr kumimoji="0" lang="de-DE" altLang="de-DE" sz="2000" b="0" i="0" u="none" strike="noStrike" cap="none" normalizeH="0" baseline="0" dirty="0">
+                <a:ln>
+                  <a:noFill/>
+                </a:ln>
+                <a:solidFill>
+                  <a:schemeClr val="tx1"/>
+                </a:solidFill>
+                <a:effectLst/>
+                <a:latin typeface="The Group TEXT" panose="00000500000000000000" pitchFamily="2" charset="0"/>
+                <a:cs typeface="Arial" panose="020B0604020202020204" pitchFamily="34" charset="0"/>
+              </a:rPr>
+              <a:t>↳ Prüfen der Benutzerdaten:</a:t>
+            </a:r>
+          </a:p>
+          <a:p>
+            <a:pPr marL="457200" lvl="1" indent="0" eaLnBrk="0" fontAlgn="base" hangingPunct="0">
+              <a:lnSpc>
+                <a:spcPct val="150000"/>
+              </a:lnSpc>
+              <a:spcBef>
+                <a:spcPct val="0"/>
+              </a:spcBef>
+              <a:spcAft>
+                <a:spcPct val="0"/>
+              </a:spcAft>
+              <a:buFontTx/>
               <a:buChar char="•"/>
             </a:pPr>
             <a:r>
-              <a:rPr lang="de-DE" sz="2900" b="1" dirty="0">
-                <a:latin typeface="The Group TEXT" panose="00000500000000000000" pitchFamily="2" charset="0"/>
-                <a:cs typeface="Arial" panose="020B0604020202020204" pitchFamily="34" charset="0"/>
-              </a:rPr>
-              <a:t>Client Layer</a:t>
-            </a:r>
-            <a:r>
-              <a:rPr lang="de-DE" sz="2900" dirty="0">
-                <a:latin typeface="The Group TEXT" panose="00000500000000000000" pitchFamily="2" charset="0"/>
-                <a:cs typeface="Arial" panose="020B0604020202020204" pitchFamily="34" charset="0"/>
-              </a:rPr>
-              <a:t>:</a:t>
-            </a:r>
-          </a:p>
-          <a:p>
-            <a:pPr marL="465750" lvl="2" indent="-285750">
-              <a:buFont typeface="Arial" panose="020B0604020202020204" pitchFamily="34" charset="0"/>
+              <a:rPr kumimoji="0" lang="de-DE" altLang="de-DE" sz="2000" b="0" i="0" u="none" strike="noStrike" cap="none" normalizeH="0" baseline="0" dirty="0">
+                <a:ln>
+                  <a:noFill/>
+                </a:ln>
+                <a:solidFill>
+                  <a:schemeClr val="tx1"/>
+                </a:solidFill>
+                <a:effectLst/>
+                <a:latin typeface="The Group TEXT" panose="00000500000000000000" pitchFamily="2" charset="0"/>
+                <a:cs typeface="Arial" panose="020B0604020202020204" pitchFamily="34" charset="0"/>
+              </a:rPr>
+              <a:t>Richtig:  → Zum Profil gehen</a:t>
+            </a:r>
+          </a:p>
+          <a:p>
+            <a:pPr marL="457200" lvl="1" indent="0" eaLnBrk="0" fontAlgn="base" hangingPunct="0">
+              <a:lnSpc>
+                <a:spcPct val="150000"/>
+              </a:lnSpc>
+              <a:spcBef>
+                <a:spcPct val="0"/>
+              </a:spcBef>
+              <a:spcAft>
+                <a:spcPct val="0"/>
+              </a:spcAft>
+              <a:buFontTx/>
               <a:buChar char="•"/>
             </a:pPr>
             <a:r>
-              <a:rPr lang="de-DE" sz="2900" dirty="0">
-                <a:latin typeface="The Group TEXT" panose="00000500000000000000" pitchFamily="2" charset="0"/>
-                <a:cs typeface="Arial" panose="020B0604020202020204" pitchFamily="34" charset="0"/>
-              </a:rPr>
-              <a:t>Webbrowser als Zugangspunkt</a:t>
-            </a:r>
-          </a:p>
-          <a:p>
-            <a:pPr marL="285750" lvl="1" indent="-285750">
-              <a:buFont typeface="Arial" panose="020B0604020202020204" pitchFamily="34" charset="0"/>
+              <a:rPr kumimoji="0" lang="de-DE" altLang="de-DE" sz="2000" b="0" i="0" u="none" strike="noStrike" cap="none" normalizeH="0" baseline="0" dirty="0">
+                <a:ln>
+                  <a:noFill/>
+                </a:ln>
+                <a:solidFill>
+                  <a:schemeClr val="tx1"/>
+                </a:solidFill>
+                <a:effectLst/>
+                <a:latin typeface="The Group TEXT" panose="00000500000000000000" pitchFamily="2" charset="0"/>
+                <a:cs typeface="Arial" panose="020B0604020202020204" pitchFamily="34" charset="0"/>
+              </a:rPr>
+              <a:t>Falsch:  → (1) Benutzerdaten erneut eingeben</a:t>
+            </a:r>
+            <a:endParaRPr lang="de-DE" altLang="de-DE" sz="2000" b="0" dirty="0">
+              <a:latin typeface="The Group TEXT" panose="00000500000000000000" pitchFamily="2" charset="0"/>
+              <a:cs typeface="Arial" panose="020B0604020202020204" pitchFamily="34" charset="0"/>
+            </a:endParaRPr>
+          </a:p>
+          <a:p>
+            <a:pPr marL="457200" lvl="1" indent="0" eaLnBrk="0" fontAlgn="base" hangingPunct="0">
+              <a:lnSpc>
+                <a:spcPct val="150000"/>
+              </a:lnSpc>
+              <a:spcBef>
+                <a:spcPct val="0"/>
+              </a:spcBef>
+              <a:spcAft>
+                <a:spcPct val="0"/>
+              </a:spcAft>
+              <a:buNone/>
+            </a:pPr>
+            <a:r>
+              <a:rPr kumimoji="0" lang="de-DE" altLang="de-DE" sz="2000" b="0" i="0" u="none" strike="noStrike" cap="none" normalizeH="0" baseline="0" dirty="0">
+                <a:ln>
+                  <a:noFill/>
+                </a:ln>
+                <a:solidFill>
+                  <a:schemeClr val="tx1"/>
+                </a:solidFill>
+                <a:effectLst/>
+                <a:latin typeface="The Group TEXT" panose="00000500000000000000" pitchFamily="2" charset="0"/>
+                <a:cs typeface="Arial" panose="020B0604020202020204" pitchFamily="34" charset="0"/>
+              </a:rPr>
+              <a:t>	        → (2) Neu registrieren</a:t>
+            </a:r>
+          </a:p>
+          <a:p>
+            <a:pPr marL="0" marR="0" lvl="0" indent="0" algn="l" defTabSz="914400" rtl="0" eaLnBrk="0" fontAlgn="base" latinLnBrk="0" hangingPunct="0">
+              <a:lnSpc>
+                <a:spcPct val="150000"/>
+              </a:lnSpc>
+              <a:spcBef>
+                <a:spcPct val="0"/>
+              </a:spcBef>
+              <a:spcAft>
+                <a:spcPct val="0"/>
+              </a:spcAft>
+              <a:buClrTx/>
+              <a:buSzTx/>
+              <a:buFontTx/>
               <a:buChar char="•"/>
+              <a:tabLst/>
             </a:pPr>
             <a:r>
-              <a:rPr lang="de-DE" sz="2900" b="1" dirty="0">
-                <a:latin typeface="The Group TEXT" panose="00000500000000000000" pitchFamily="2" charset="0"/>
-                <a:cs typeface="Arial" panose="020B0604020202020204" pitchFamily="34" charset="0"/>
-              </a:rPr>
-              <a:t>Web Layer:</a:t>
-            </a:r>
-          </a:p>
-          <a:p>
-            <a:pPr marL="465750" lvl="2" indent="-285750">
-              <a:buFont typeface="Arial" panose="020B0604020202020204" pitchFamily="34" charset="0"/>
+              <a:rPr kumimoji="0" lang="de-DE" altLang="de-DE" sz="2000" b="0" i="0" u="none" strike="noStrike" cap="none" normalizeH="0" baseline="0" dirty="0">
+                <a:ln>
+                  <a:noFill/>
+                </a:ln>
+                <a:solidFill>
+                  <a:schemeClr val="tx1"/>
+                </a:solidFill>
+                <a:effectLst/>
+                <a:latin typeface="The Group TEXT" panose="00000500000000000000" pitchFamily="2" charset="0"/>
+                <a:cs typeface="Arial" panose="020B0604020202020204" pitchFamily="34" charset="0"/>
+              </a:rPr>
+              <a:t>Im Profil:</a:t>
+            </a:r>
+          </a:p>
+          <a:p>
+            <a:pPr marL="0" marR="0" lvl="0" indent="0" algn="l" defTabSz="914400" rtl="0" eaLnBrk="0" fontAlgn="base" latinLnBrk="0" hangingPunct="0">
+              <a:lnSpc>
+                <a:spcPct val="150000"/>
+              </a:lnSpc>
+              <a:spcBef>
+                <a:spcPct val="0"/>
+              </a:spcBef>
+              <a:spcAft>
+                <a:spcPct val="0"/>
+              </a:spcAft>
+              <a:buClrTx/>
+              <a:buSzTx/>
+              <a:buFontTx/>
               <a:buChar char="•"/>
+              <a:tabLst/>
             </a:pPr>
             <a:r>
-              <a:rPr lang="de-DE" sz="2900" dirty="0">
-                <a:latin typeface="The Group TEXT" panose="00000500000000000000" pitchFamily="2" charset="0"/>
-                <a:cs typeface="Arial" panose="020B0604020202020204" pitchFamily="34" charset="0"/>
-              </a:rPr>
-              <a:t>Apache als Webserver</a:t>
-            </a:r>
-          </a:p>
-          <a:p>
-            <a:pPr marL="465750" lvl="2" indent="-285750">
-              <a:buFont typeface="Arial" panose="020B0604020202020204" pitchFamily="34" charset="0"/>
+              <a:rPr kumimoji="0" lang="de-DE" altLang="de-DE" sz="2000" b="0" i="0" u="none" strike="noStrike" cap="none" normalizeH="0" baseline="0" dirty="0">
+                <a:ln>
+                  <a:noFill/>
+                </a:ln>
+                <a:solidFill>
+                  <a:schemeClr val="tx1"/>
+                </a:solidFill>
+                <a:effectLst/>
+                <a:latin typeface="The Group TEXT" panose="00000500000000000000" pitchFamily="2" charset="0"/>
+                <a:cs typeface="Arial" panose="020B0604020202020204" pitchFamily="34" charset="0"/>
+              </a:rPr>
+              <a:t>Daten herunterladen</a:t>
+            </a:r>
+          </a:p>
+          <a:p>
+            <a:pPr marL="0" marR="0" lvl="0" indent="0" algn="l" defTabSz="914400" rtl="0" eaLnBrk="0" fontAlgn="base" latinLnBrk="0" hangingPunct="0">
+              <a:lnSpc>
+                <a:spcPct val="150000"/>
+              </a:lnSpc>
+              <a:spcBef>
+                <a:spcPct val="0"/>
+              </a:spcBef>
+              <a:spcAft>
+                <a:spcPct val="0"/>
+              </a:spcAft>
+              <a:buClrTx/>
+              <a:buSzTx/>
+              <a:buFontTx/>
               <a:buChar char="•"/>
+              <a:tabLst/>
             </a:pPr>
             <a:r>
-              <a:rPr lang="de-DE" sz="2900" dirty="0">
-                <a:latin typeface="The Group TEXT" panose="00000500000000000000" pitchFamily="2" charset="0"/>
-                <a:cs typeface="Arial" panose="020B0604020202020204" pitchFamily="34" charset="0"/>
-              </a:rPr>
-              <a:t>PHP als Verarbeitungssprache</a:t>
-            </a:r>
-          </a:p>
-          <a:p>
-            <a:pPr marL="465750" lvl="2" indent="-285750">
-              <a:buFont typeface="Arial" panose="020B0604020202020204" pitchFamily="34" charset="0"/>
+              <a:rPr kumimoji="0" lang="de-DE" altLang="de-DE" sz="2000" b="0" i="0" u="none" strike="noStrike" cap="none" normalizeH="0" baseline="0" dirty="0">
+                <a:ln>
+                  <a:noFill/>
+                </a:ln>
+                <a:solidFill>
+                  <a:schemeClr val="tx1"/>
+                </a:solidFill>
+                <a:effectLst/>
+                <a:latin typeface="The Group TEXT" panose="00000500000000000000" pitchFamily="2" charset="0"/>
+                <a:cs typeface="Arial" panose="020B0604020202020204" pitchFamily="34" charset="0"/>
+              </a:rPr>
+              <a:t>Daten hochladen</a:t>
+            </a:r>
+          </a:p>
+          <a:p>
+            <a:pPr marL="0" marR="0" lvl="0" indent="0" algn="l" defTabSz="914400" rtl="0" eaLnBrk="0" fontAlgn="base" latinLnBrk="0" hangingPunct="0">
+              <a:lnSpc>
+                <a:spcPct val="150000"/>
+              </a:lnSpc>
+              <a:spcBef>
+                <a:spcPct val="0"/>
+              </a:spcBef>
+              <a:spcAft>
+                <a:spcPct val="0"/>
+              </a:spcAft>
+              <a:buClrTx/>
+              <a:buSzTx/>
+              <a:buFontTx/>
               <a:buChar char="•"/>
+              <a:tabLst/>
             </a:pPr>
             <a:r>
-              <a:rPr lang="de-DE" sz="2900" dirty="0">
-                <a:latin typeface="The Group TEXT" panose="00000500000000000000" pitchFamily="2" charset="0"/>
-                <a:cs typeface="Arial" panose="020B0604020202020204" pitchFamily="34" charset="0"/>
-              </a:rPr>
-              <a:t>Apache Module für erweiterte Funktionen</a:t>
-            </a:r>
-          </a:p>
-          <a:p>
-            <a:pPr marL="285750" lvl="1" indent="-285750">
-              <a:buFont typeface="Arial" panose="020B0604020202020204" pitchFamily="34" charset="0"/>
-              <a:buChar char="•"/>
-            </a:pPr>
-            <a:r>
-              <a:rPr lang="de-DE" sz="2900" b="1" dirty="0">
-                <a:latin typeface="The Group TEXT" panose="00000500000000000000" pitchFamily="2" charset="0"/>
-                <a:cs typeface="Arial" panose="020B0604020202020204" pitchFamily="34" charset="0"/>
-              </a:rPr>
-              <a:t>Data Layer:</a:t>
-            </a:r>
-          </a:p>
-          <a:p>
-            <a:pPr marL="465750" lvl="2" indent="-285750">
-              <a:buFont typeface="Arial" panose="020B0604020202020204" pitchFamily="34" charset="0"/>
-              <a:buChar char="•"/>
-            </a:pPr>
-            <a:r>
-              <a:rPr lang="de-DE" sz="2900" dirty="0">
-                <a:latin typeface="The Group TEXT" panose="00000500000000000000" pitchFamily="2" charset="0"/>
-                <a:cs typeface="Arial" panose="020B0604020202020204" pitchFamily="34" charset="0"/>
-              </a:rPr>
-              <a:t>DB über Maria DB zu Dateispeicherung</a:t>
-            </a:r>
-          </a:p>
-          <a:p>
-            <a:pPr marL="465750" lvl="2" indent="-285750">
-              <a:buFont typeface="Arial" panose="020B0604020202020204" pitchFamily="34" charset="0"/>
-              <a:buChar char="•"/>
-            </a:pPr>
-            <a:r>
-              <a:rPr lang="de-DE" sz="2900" dirty="0">
-                <a:latin typeface="The Group TEXT" panose="00000500000000000000" pitchFamily="2" charset="0"/>
-                <a:cs typeface="Arial" panose="020B0604020202020204" pitchFamily="34" charset="0"/>
-              </a:rPr>
-              <a:t>Linux Dateisystem für das Speichern der Dateien</a:t>
-            </a:r>
-          </a:p>
-          <a:p>
-            <a:pPr marL="285750" lvl="1" indent="-285750">
-              <a:buFont typeface="Arial" panose="020B0604020202020204" pitchFamily="34" charset="0"/>
-              <a:buChar char="•"/>
-            </a:pPr>
-            <a:r>
-              <a:rPr lang="de-DE" sz="2900" b="1" dirty="0">
-                <a:latin typeface="The Group TEXT" panose="00000500000000000000" pitchFamily="2" charset="0"/>
-                <a:cs typeface="Arial" panose="020B0604020202020204" pitchFamily="34" charset="0"/>
-              </a:rPr>
-              <a:t>Security Layer: </a:t>
-            </a:r>
-          </a:p>
-          <a:p>
-            <a:pPr marL="465750" lvl="2" indent="-285750">
-              <a:buFont typeface="Arial" panose="020B0604020202020204" pitchFamily="34" charset="0"/>
-              <a:buChar char="•"/>
-            </a:pPr>
-            <a:r>
-              <a:rPr lang="de-DE" sz="2900" dirty="0">
-                <a:latin typeface="The Group TEXT" panose="00000500000000000000" pitchFamily="2" charset="0"/>
-                <a:cs typeface="Arial" panose="020B0604020202020204" pitchFamily="34" charset="0"/>
-              </a:rPr>
-              <a:t>UFW-Firewall für Netzwerksicherheit</a:t>
-            </a:r>
-          </a:p>
-          <a:p>
-            <a:pPr marL="465750" lvl="2" indent="-285750">
-              <a:buFont typeface="Arial" panose="020B0604020202020204" pitchFamily="34" charset="0"/>
-              <a:buChar char="•"/>
-            </a:pPr>
-            <a:r>
-              <a:rPr lang="de-DE" sz="2900" dirty="0">
-                <a:latin typeface="The Group TEXT" panose="00000500000000000000" pitchFamily="2" charset="0"/>
-                <a:cs typeface="Arial" panose="020B0604020202020204" pitchFamily="34" charset="0"/>
-              </a:rPr>
-              <a:t>SSL/TLS für Verschlüsselung</a:t>
-            </a:r>
-          </a:p>
-          <a:p>
-            <a:pPr marL="465750" lvl="2" indent="-285750">
-              <a:buFont typeface="Arial" panose="020B0604020202020204" pitchFamily="34" charset="0"/>
-              <a:buChar char="•"/>
-            </a:pPr>
-            <a:r>
-              <a:rPr lang="de-DE" sz="2900" dirty="0">
-                <a:latin typeface="The Group TEXT" panose="00000500000000000000" pitchFamily="2" charset="0"/>
-                <a:cs typeface="Arial" panose="020B0604020202020204" pitchFamily="34" charset="0"/>
-              </a:rPr>
-              <a:t>Authentifizierungssystem</a:t>
-            </a:r>
-          </a:p>
-          <a:p>
-            <a:pPr marL="285750" lvl="1" indent="-285750">
-              <a:buFont typeface="Arial" panose="020B0604020202020204" pitchFamily="34" charset="0"/>
-              <a:buChar char="•"/>
-            </a:pPr>
-            <a:r>
-              <a:rPr lang="de-DE" sz="2900" b="1" dirty="0">
-                <a:latin typeface="The Group TEXT" panose="00000500000000000000" pitchFamily="2" charset="0"/>
-                <a:cs typeface="Arial" panose="020B0604020202020204" pitchFamily="34" charset="0"/>
-              </a:rPr>
-              <a:t>Monitoring Layer:</a:t>
-            </a:r>
-          </a:p>
-          <a:p>
-            <a:pPr marL="465750" lvl="2" indent="-285750">
-              <a:buFont typeface="Arial" panose="020B0604020202020204" pitchFamily="34" charset="0"/>
-              <a:buChar char="•"/>
-            </a:pPr>
-            <a:r>
-              <a:rPr lang="de-DE" sz="2900" dirty="0" err="1">
-                <a:latin typeface="The Group TEXT" panose="00000500000000000000" pitchFamily="2" charset="0"/>
-                <a:cs typeface="Arial" panose="020B0604020202020204" pitchFamily="34" charset="0"/>
-              </a:rPr>
-              <a:t>Logging</a:t>
-            </a:r>
-            <a:r>
-              <a:rPr lang="de-DE" sz="2900" dirty="0">
-                <a:latin typeface="The Group TEXT" panose="00000500000000000000" pitchFamily="2" charset="0"/>
-                <a:cs typeface="Arial" panose="020B0604020202020204" pitchFamily="34" charset="0"/>
-              </a:rPr>
-              <a:t>-System</a:t>
-            </a:r>
-          </a:p>
-          <a:p>
-            <a:pPr marL="465750" lvl="2" indent="-285750">
-              <a:buFont typeface="Arial" panose="020B0604020202020204" pitchFamily="34" charset="0"/>
-              <a:buChar char="•"/>
-            </a:pPr>
-            <a:r>
-              <a:rPr lang="de-DE" sz="2900" dirty="0">
-                <a:latin typeface="The Group TEXT" panose="00000500000000000000" pitchFamily="2" charset="0"/>
-                <a:cs typeface="Arial" panose="020B0604020202020204" pitchFamily="34" charset="0"/>
-              </a:rPr>
-              <a:t>Backup-System</a:t>
-            </a:r>
-          </a:p>
-          <a:p>
-            <a:endParaRPr lang="de-DE" dirty="0">
-              <a:latin typeface="The Group TEXT" panose="00000500000000000000" pitchFamily="2" charset="0"/>
-            </a:endParaRPr>
-          </a:p>
-        </p:txBody>
-      </p:sp>
-      <p:pic>
-        <p:nvPicPr>
-          <p:cNvPr id="4" name="Grafik 3">
-            <a:extLst>
-              <a:ext uri="{FF2B5EF4-FFF2-40B4-BE49-F238E27FC236}">
-                <a16:creationId xmlns:a16="http://schemas.microsoft.com/office/drawing/2014/main" id="{0CA1E3A2-B2F4-621E-E39A-61D2358235D2}"/>
-              </a:ext>
-            </a:extLst>
-          </p:cNvPr>
-          <p:cNvPicPr>
-            <a:picLocks noChangeAspect="1"/>
-          </p:cNvPicPr>
-          <p:nvPr/>
-        </p:nvPicPr>
-        <p:blipFill>
-          <a:blip r:embed="rId3">
-            <a:extLst>
-              <a:ext uri="{28A0092B-C50C-407E-A947-70E740481C1C}">
-                <a14:useLocalDpi xmlns:a14="http://schemas.microsoft.com/office/drawing/2010/main" val="0"/>
-              </a:ext>
-            </a:extLst>
-          </a:blip>
-          <a:srcRect l="14352" r="56721" b="38848"/>
-          <a:stretch/>
-        </p:blipFill>
-        <p:spPr>
-          <a:xfrm>
-            <a:off x="7855440" y="681037"/>
-            <a:ext cx="3498360" cy="5986085"/>
-          </a:xfrm>
-          <a:prstGeom prst="rect">
-            <a:avLst/>
-          </a:prstGeom>
-        </p:spPr>
-      </p:pic>
+              <a:rPr kumimoji="0" lang="de-DE" altLang="de-DE" sz="2000" b="0" i="0" u="none" strike="noStrike" cap="none" normalizeH="0" baseline="0" dirty="0">
+                <a:ln>
+                  <a:noFill/>
+                </a:ln>
+                <a:solidFill>
+                  <a:schemeClr val="tx1"/>
+                </a:solidFill>
+                <a:effectLst/>
+                <a:latin typeface="The Group TEXT" panose="00000500000000000000" pitchFamily="2" charset="0"/>
+                <a:cs typeface="Arial" panose="020B0604020202020204" pitchFamily="34" charset="0"/>
+              </a:rPr>
+              <a:t>Daten löschen</a:t>
+            </a:r>
+          </a:p>
+        </p:txBody>
+      </p:sp>
     </p:spTree>
     <p:extLst>
       <p:ext uri="{BB962C8B-B14F-4D97-AF65-F5344CB8AC3E}">
-        <p14:creationId xmlns:p14="http://schemas.microsoft.com/office/powerpoint/2010/main" val="3776739428"/>
+        <p14:creationId xmlns:p14="http://schemas.microsoft.com/office/powerpoint/2010/main" val="1368631229"/>
       </p:ext>
     </p:extLst>
   </p:cSld>
@@ -9300,7 +8093,7 @@
 </p:sld>
 </file>
 
-<file path=ppt/slides/slide8.xml><?xml version="1.0" encoding="utf-8"?>
+<file path=ppt/slides/slide6.xml><?xml version="1.0" encoding="utf-8"?>
 <p:sld xmlns:a="http://schemas.openxmlformats.org/drawingml/2006/main" xmlns:r="http://schemas.openxmlformats.org/officeDocument/2006/relationships" xmlns:p="http://schemas.openxmlformats.org/presentationml/2006/main">
   <p:cSld>
     <p:spTree>
@@ -9589,7 +8382,7 @@
 </p:sld>
 </file>
 
-<file path=ppt/slides/slide9.xml><?xml version="1.0" encoding="utf-8"?>
+<file path=ppt/slides/slide7.xml><?xml version="1.0" encoding="utf-8"?>
 <p:sld xmlns:a="http://schemas.openxmlformats.org/drawingml/2006/main" xmlns:r="http://schemas.openxmlformats.org/officeDocument/2006/relationships" xmlns:p="http://schemas.openxmlformats.org/presentationml/2006/main">
   <p:cSld>
     <p:spTree>
@@ -9830,6 +8623,556 @@
     <p:extLst>
       <p:ext uri="{BB962C8B-B14F-4D97-AF65-F5344CB8AC3E}">
         <p14:creationId xmlns:p14="http://schemas.microsoft.com/office/powerpoint/2010/main" val="31823734"/>
+      </p:ext>
+    </p:extLst>
+  </p:cSld>
+  <p:clrMapOvr>
+    <a:masterClrMapping/>
+  </p:clrMapOvr>
+</p:sld>
+</file>
+
+<file path=ppt/slides/slide8.xml><?xml version="1.0" encoding="utf-8"?>
+<p:sld xmlns:a="http://schemas.openxmlformats.org/drawingml/2006/main" xmlns:r="http://schemas.openxmlformats.org/officeDocument/2006/relationships" xmlns:p="http://schemas.openxmlformats.org/presentationml/2006/main">
+  <p:cSld>
+    <p:spTree>
+      <p:nvGrpSpPr>
+        <p:cNvPr id="1" name=""/>
+        <p:cNvGrpSpPr/>
+        <p:nvPr/>
+      </p:nvGrpSpPr>
+      <p:grpSpPr>
+        <a:xfrm>
+          <a:off x="0" y="0"/>
+          <a:ext cx="0" cy="0"/>
+          <a:chOff x="0" y="0"/>
+          <a:chExt cx="0" cy="0"/>
+        </a:xfrm>
+      </p:grpSpPr>
+      <p:sp>
+        <p:nvSpPr>
+          <p:cNvPr id="2" name="Titel 1">
+            <a:extLst>
+              <a:ext uri="{FF2B5EF4-FFF2-40B4-BE49-F238E27FC236}">
+                <a16:creationId xmlns:a16="http://schemas.microsoft.com/office/drawing/2014/main" id="{5C6E98FA-E813-2E7C-4F5B-97B04DC55D72}"/>
+              </a:ext>
+            </a:extLst>
+          </p:cNvPr>
+          <p:cNvSpPr>
+            <a:spLocks noGrp="1"/>
+          </p:cNvSpPr>
+          <p:nvPr>
+            <p:ph type="title"/>
+          </p:nvPr>
+        </p:nvSpPr>
+        <p:spPr/>
+        <p:txBody>
+          <a:bodyPr/>
+          <a:lstStyle/>
+          <a:p>
+            <a:r>
+              <a:rPr lang="de-DE" b="1" dirty="0">
+                <a:latin typeface="The Group HEAD Light" panose="00000400000000000000" pitchFamily="2" charset="0"/>
+                <a:cs typeface="Arial" panose="020B0604020202020204" pitchFamily="34" charset="0"/>
+              </a:rPr>
+              <a:t>Systemüberwachung</a:t>
+            </a:r>
+          </a:p>
+        </p:txBody>
+      </p:sp>
+      <p:sp>
+        <p:nvSpPr>
+          <p:cNvPr id="3" name="Inhaltsplatzhalter 2">
+            <a:extLst>
+              <a:ext uri="{FF2B5EF4-FFF2-40B4-BE49-F238E27FC236}">
+                <a16:creationId xmlns:a16="http://schemas.microsoft.com/office/drawing/2014/main" id="{6310FD96-A7AD-DFFA-09C7-EA1D86FC2009}"/>
+              </a:ext>
+            </a:extLst>
+          </p:cNvPr>
+          <p:cNvSpPr>
+            <a:spLocks noGrp="1"/>
+          </p:cNvSpPr>
+          <p:nvPr>
+            <p:ph idx="1"/>
+          </p:nvPr>
+        </p:nvSpPr>
+        <p:spPr/>
+        <p:txBody>
+          <a:bodyPr/>
+          <a:lstStyle/>
+          <a:p>
+            <a:r>
+              <a:rPr lang="de-DE" sz="2000" dirty="0">
+                <a:latin typeface="The Group TEXT" panose="00000500000000000000" pitchFamily="2" charset="0"/>
+                <a:cs typeface="Arial" panose="020B0604020202020204" pitchFamily="34" charset="0"/>
+              </a:rPr>
+              <a:t>Systemüberwachung</a:t>
+            </a:r>
+          </a:p>
+          <a:p>
+            <a:pPr marL="285750" indent="-285750">
+              <a:buFont typeface="Arial" panose="020B0604020202020204" pitchFamily="34" charset="0"/>
+              <a:buChar char="•"/>
+            </a:pPr>
+            <a:r>
+              <a:rPr lang="de-DE" sz="2000" b="0" dirty="0">
+                <a:latin typeface="The Group TEXT" panose="00000500000000000000" pitchFamily="2" charset="0"/>
+                <a:cs typeface="Arial" panose="020B0604020202020204" pitchFamily="34" charset="0"/>
+              </a:rPr>
+              <a:t>Automatische Checks alle 5 Minuten</a:t>
+            </a:r>
+          </a:p>
+          <a:p>
+            <a:pPr marL="285750" indent="-285750">
+              <a:buFont typeface="Arial" panose="020B0604020202020204" pitchFamily="34" charset="0"/>
+              <a:buChar char="•"/>
+            </a:pPr>
+            <a:r>
+              <a:rPr lang="de-DE" sz="2000" b="0" dirty="0">
+                <a:latin typeface="The Group TEXT" panose="00000500000000000000" pitchFamily="2" charset="0"/>
+                <a:cs typeface="Arial" panose="020B0604020202020204" pitchFamily="34" charset="0"/>
+              </a:rPr>
+              <a:t>Überwachung kritischer Dienste</a:t>
+            </a:r>
+          </a:p>
+          <a:p>
+            <a:pPr marL="285750" indent="-285750">
+              <a:buFont typeface="Arial" panose="020B0604020202020204" pitchFamily="34" charset="0"/>
+              <a:buChar char="•"/>
+            </a:pPr>
+            <a:r>
+              <a:rPr lang="de-DE" sz="2000" b="0" dirty="0">
+                <a:latin typeface="The Group TEXT" panose="00000500000000000000" pitchFamily="2" charset="0"/>
+                <a:cs typeface="Arial" panose="020B0604020202020204" pitchFamily="34" charset="0"/>
+              </a:rPr>
+              <a:t>Protokollierung aller Ereignisse</a:t>
+            </a:r>
+          </a:p>
+          <a:p>
+            <a:pPr marL="285750" lvl="1" indent="-285750">
+              <a:buFont typeface="Arial" panose="020B0604020202020204" pitchFamily="34" charset="0"/>
+              <a:buChar char="•"/>
+            </a:pPr>
+            <a:r>
+              <a:rPr lang="de-DE" sz="2000" dirty="0">
+                <a:latin typeface="The Group TEXT" panose="00000500000000000000" pitchFamily="2" charset="0"/>
+                <a:cs typeface="Arial" panose="020B0604020202020204" pitchFamily="34" charset="0"/>
+              </a:rPr>
+              <a:t>Ausgabe des Firewall Status</a:t>
+            </a:r>
+          </a:p>
+          <a:p>
+            <a:pPr marL="285750" lvl="1" indent="-285750">
+              <a:buFont typeface="Arial" panose="020B0604020202020204" pitchFamily="34" charset="0"/>
+              <a:buChar char="•"/>
+            </a:pPr>
+            <a:r>
+              <a:rPr lang="de-DE" sz="2000" dirty="0">
+                <a:latin typeface="The Group TEXT" panose="00000500000000000000" pitchFamily="2" charset="0"/>
+                <a:cs typeface="Arial" panose="020B0604020202020204" pitchFamily="34" charset="0"/>
+              </a:rPr>
+              <a:t>Ausgabe aller aktive Netzwerk- </a:t>
+            </a:r>
+            <a:br>
+              <a:rPr lang="de-DE" sz="2000" dirty="0">
+                <a:latin typeface="The Group TEXT" panose="00000500000000000000" pitchFamily="2" charset="0"/>
+                <a:cs typeface="Arial" panose="020B0604020202020204" pitchFamily="34" charset="0"/>
+              </a:rPr>
+            </a:br>
+            <a:r>
+              <a:rPr lang="de-DE" sz="2000" dirty="0">
+                <a:latin typeface="The Group TEXT" panose="00000500000000000000" pitchFamily="2" charset="0"/>
+                <a:cs typeface="Arial" panose="020B0604020202020204" pitchFamily="34" charset="0"/>
+              </a:rPr>
+              <a:t>verbindungen</a:t>
+            </a:r>
+          </a:p>
+          <a:p>
+            <a:pPr marL="285750" lvl="1" indent="-285750">
+              <a:buFont typeface="Arial" panose="020B0604020202020204" pitchFamily="34" charset="0"/>
+              <a:buChar char="•"/>
+            </a:pPr>
+            <a:r>
+              <a:rPr lang="de-DE" sz="2000" dirty="0">
+                <a:latin typeface="The Group TEXT" panose="00000500000000000000" pitchFamily="2" charset="0"/>
+                <a:cs typeface="Arial" panose="020B0604020202020204" pitchFamily="34" charset="0"/>
+              </a:rPr>
+              <a:t>Ausgabe des verbliebenen</a:t>
+            </a:r>
+            <a:br>
+              <a:rPr lang="de-DE" sz="2000" dirty="0">
+                <a:latin typeface="The Group TEXT" panose="00000500000000000000" pitchFamily="2" charset="0"/>
+                <a:cs typeface="Arial" panose="020B0604020202020204" pitchFamily="34" charset="0"/>
+              </a:rPr>
+            </a:br>
+            <a:r>
+              <a:rPr lang="de-DE" sz="2000" dirty="0">
+                <a:latin typeface="The Group TEXT" panose="00000500000000000000" pitchFamily="2" charset="0"/>
+                <a:cs typeface="Arial" panose="020B0604020202020204" pitchFamily="34" charset="0"/>
+              </a:rPr>
+              <a:t>Speichers</a:t>
+            </a:r>
+          </a:p>
+          <a:p>
+            <a:endParaRPr lang="de-DE" dirty="0">
+              <a:latin typeface="The Group TEXT" panose="00000500000000000000" pitchFamily="2" charset="0"/>
+            </a:endParaRPr>
+          </a:p>
+        </p:txBody>
+      </p:sp>
+      <p:pic>
+        <p:nvPicPr>
+          <p:cNvPr id="11" name="Grafik 10">
+            <a:extLst>
+              <a:ext uri="{FF2B5EF4-FFF2-40B4-BE49-F238E27FC236}">
+                <a16:creationId xmlns:a16="http://schemas.microsoft.com/office/drawing/2014/main" id="{3E5A304C-EA8D-5F2F-7D38-6ACAFB181E4D}"/>
+              </a:ext>
+            </a:extLst>
+          </p:cNvPr>
+          <p:cNvPicPr>
+            <a:picLocks noChangeAspect="1"/>
+          </p:cNvPicPr>
+          <p:nvPr/>
+        </p:nvPicPr>
+        <p:blipFill>
+          <a:blip r:embed="rId3"/>
+          <a:stretch>
+            <a:fillRect/>
+          </a:stretch>
+        </p:blipFill>
+        <p:spPr>
+          <a:xfrm>
+            <a:off x="4873556" y="3177738"/>
+            <a:ext cx="7192379" cy="3134162"/>
+          </a:xfrm>
+          <a:prstGeom prst="rect">
+            <a:avLst/>
+          </a:prstGeom>
+        </p:spPr>
+      </p:pic>
+    </p:spTree>
+    <p:extLst>
+      <p:ext uri="{BB962C8B-B14F-4D97-AF65-F5344CB8AC3E}">
+        <p14:creationId xmlns:p14="http://schemas.microsoft.com/office/powerpoint/2010/main" val="131494481"/>
+      </p:ext>
+    </p:extLst>
+  </p:cSld>
+  <p:clrMapOvr>
+    <a:masterClrMapping/>
+  </p:clrMapOvr>
+</p:sld>
+</file>
+
+<file path=ppt/slides/slide9.xml><?xml version="1.0" encoding="utf-8"?>
+<p:sld xmlns:a="http://schemas.openxmlformats.org/drawingml/2006/main" xmlns:r="http://schemas.openxmlformats.org/officeDocument/2006/relationships" xmlns:p="http://schemas.openxmlformats.org/presentationml/2006/main">
+  <p:cSld>
+    <p:spTree>
+      <p:nvGrpSpPr>
+        <p:cNvPr id="1" name=""/>
+        <p:cNvGrpSpPr/>
+        <p:nvPr/>
+      </p:nvGrpSpPr>
+      <p:grpSpPr>
+        <a:xfrm>
+          <a:off x="0" y="0"/>
+          <a:ext cx="0" cy="0"/>
+          <a:chOff x="0" y="0"/>
+          <a:chExt cx="0" cy="0"/>
+        </a:xfrm>
+      </p:grpSpPr>
+      <p:sp>
+        <p:nvSpPr>
+          <p:cNvPr id="2" name="Titel 1">
+            <a:extLst>
+              <a:ext uri="{FF2B5EF4-FFF2-40B4-BE49-F238E27FC236}">
+                <a16:creationId xmlns:a16="http://schemas.microsoft.com/office/drawing/2014/main" id="{C09C196D-A32E-CA82-4CD5-129DAA7F80B2}"/>
+              </a:ext>
+            </a:extLst>
+          </p:cNvPr>
+          <p:cNvSpPr>
+            <a:spLocks noGrp="1"/>
+          </p:cNvSpPr>
+          <p:nvPr>
+            <p:ph type="title"/>
+          </p:nvPr>
+        </p:nvSpPr>
+        <p:spPr/>
+        <p:txBody>
+          <a:bodyPr/>
+          <a:lstStyle/>
+          <a:p>
+            <a:r>
+              <a:rPr lang="de-DE" b="1" dirty="0">
+                <a:latin typeface="The Group HEAD Light" panose="00000400000000000000" pitchFamily="2" charset="0"/>
+                <a:cs typeface="Arial" panose="020B0604020202020204" pitchFamily="34" charset="0"/>
+              </a:rPr>
+              <a:t>Backup</a:t>
+            </a:r>
+          </a:p>
+        </p:txBody>
+      </p:sp>
+      <p:sp>
+        <p:nvSpPr>
+          <p:cNvPr id="3" name="Inhaltsplatzhalter 2">
+            <a:extLst>
+              <a:ext uri="{FF2B5EF4-FFF2-40B4-BE49-F238E27FC236}">
+                <a16:creationId xmlns:a16="http://schemas.microsoft.com/office/drawing/2014/main" id="{FBA1502A-DB1A-EA8F-03BF-449137162C5F}"/>
+              </a:ext>
+            </a:extLst>
+          </p:cNvPr>
+          <p:cNvSpPr>
+            <a:spLocks noGrp="1"/>
+          </p:cNvSpPr>
+          <p:nvPr>
+            <p:ph idx="1"/>
+          </p:nvPr>
+        </p:nvSpPr>
+        <p:spPr>
+          <a:xfrm>
+            <a:off x="838200" y="1557921"/>
+            <a:ext cx="10515600" cy="4351338"/>
+          </a:xfrm>
+        </p:spPr>
+        <p:txBody>
+          <a:bodyPr>
+            <a:noAutofit/>
+          </a:bodyPr>
+          <a:lstStyle/>
+          <a:p>
+            <a:pPr marL="0" indent="0">
+              <a:buNone/>
+            </a:pPr>
+            <a:r>
+              <a:rPr lang="de-DE" sz="2000" b="1" dirty="0">
+                <a:latin typeface="The Group TEXT" panose="00000500000000000000" pitchFamily="2" charset="0"/>
+                <a:cs typeface="Arial" panose="020B0604020202020204" pitchFamily="34" charset="0"/>
+              </a:rPr>
+              <a:t>Backup-System</a:t>
+            </a:r>
+          </a:p>
+          <a:p>
+            <a:pPr marL="285750" indent="-285750">
+              <a:buFont typeface="Arial" panose="020B0604020202020204" pitchFamily="34" charset="0"/>
+              <a:buChar char="•"/>
+            </a:pPr>
+            <a:r>
+              <a:rPr lang="de-DE" sz="2000" dirty="0">
+                <a:latin typeface="The Group TEXT" panose="00000500000000000000" pitchFamily="2" charset="0"/>
+                <a:cs typeface="Arial" panose="020B0604020202020204" pitchFamily="34" charset="0"/>
+              </a:rPr>
+              <a:t>Tägliche inkrementelle Backups</a:t>
+            </a:r>
+          </a:p>
+          <a:p>
+            <a:pPr marL="285750" indent="-285750">
+              <a:buFont typeface="Arial" panose="020B0604020202020204" pitchFamily="34" charset="0"/>
+              <a:buChar char="•"/>
+            </a:pPr>
+            <a:r>
+              <a:rPr lang="de-DE" sz="2000" dirty="0">
+                <a:latin typeface="The Group TEXT" panose="00000500000000000000" pitchFamily="2" charset="0"/>
+                <a:cs typeface="Arial" panose="020B0604020202020204" pitchFamily="34" charset="0"/>
+              </a:rPr>
+              <a:t>7-Tage-Rotation</a:t>
+            </a:r>
+          </a:p>
+          <a:p>
+            <a:pPr marL="285750" indent="-285750">
+              <a:buFont typeface="Arial" panose="020B0604020202020204" pitchFamily="34" charset="0"/>
+              <a:buChar char="•"/>
+            </a:pPr>
+            <a:r>
+              <a:rPr lang="de-DE" sz="2000" dirty="0">
+                <a:latin typeface="The Group TEXT" panose="00000500000000000000" pitchFamily="2" charset="0"/>
+                <a:cs typeface="Arial" panose="020B0604020202020204" pitchFamily="34" charset="0"/>
+              </a:rPr>
+              <a:t>Automatisierte Wiederherstellung</a:t>
+            </a:r>
+          </a:p>
+          <a:p>
+            <a:pPr marL="285750" indent="-285750">
+              <a:buFont typeface="Arial" panose="020B0604020202020204" pitchFamily="34" charset="0"/>
+              <a:buChar char="•"/>
+            </a:pPr>
+            <a:r>
+              <a:rPr lang="de-DE" sz="2000" dirty="0">
+                <a:latin typeface="The Group TEXT" panose="00000500000000000000" pitchFamily="2" charset="0"/>
+                <a:cs typeface="Arial" panose="020B0604020202020204" pitchFamily="34" charset="0"/>
+              </a:rPr>
+              <a:t>Cron-job</a:t>
+            </a:r>
+          </a:p>
+          <a:p>
+            <a:pPr marL="285750" indent="-285750">
+              <a:buFont typeface="Arial" panose="020B0604020202020204" pitchFamily="34" charset="0"/>
+              <a:buChar char="•"/>
+            </a:pPr>
+            <a:r>
+              <a:rPr lang="de-DE" sz="2000" dirty="0">
+                <a:latin typeface="The Group TEXT" panose="00000500000000000000" pitchFamily="2" charset="0"/>
+                <a:cs typeface="Arial" panose="020B0604020202020204" pitchFamily="34" charset="0"/>
+              </a:rPr>
+              <a:t>Backup wird in einem komprimierten Archiv</a:t>
+            </a:r>
+            <a:br>
+              <a:rPr lang="de-DE" sz="2000" dirty="0">
+                <a:latin typeface="The Group TEXT" panose="00000500000000000000" pitchFamily="2" charset="0"/>
+                <a:cs typeface="Arial" panose="020B0604020202020204" pitchFamily="34" charset="0"/>
+              </a:rPr>
+            </a:br>
+            <a:r>
+              <a:rPr lang="de-DE" sz="2000" dirty="0">
+                <a:latin typeface="The Group TEXT" panose="00000500000000000000" pitchFamily="2" charset="0"/>
+                <a:cs typeface="Arial" panose="020B0604020202020204" pitchFamily="34" charset="0"/>
+              </a:rPr>
+              <a:t>gespeichert</a:t>
+            </a:r>
+          </a:p>
+          <a:p>
+            <a:pPr marL="0" indent="0" algn="l">
+              <a:buNone/>
+            </a:pPr>
+            <a:r>
+              <a:rPr lang="de-DE" sz="2000" b="1" dirty="0">
+                <a:latin typeface="The Group TEXT" panose="00000500000000000000" pitchFamily="2" charset="0"/>
+                <a:cs typeface="Arial" panose="020B0604020202020204" pitchFamily="34" charset="0"/>
+              </a:rPr>
+              <a:t>Restore-System</a:t>
+            </a:r>
+          </a:p>
+          <a:p>
+            <a:pPr marL="285750" indent="-285750" algn="l">
+              <a:buFont typeface="Arial" panose="020B0604020202020204" pitchFamily="34" charset="0"/>
+              <a:buChar char="•"/>
+            </a:pPr>
+            <a:r>
+              <a:rPr lang="de-DE" sz="2000" dirty="0">
+                <a:latin typeface="The Group TEXT" panose="00000500000000000000" pitchFamily="2" charset="0"/>
+                <a:cs typeface="Arial" panose="020B0604020202020204" pitchFamily="34" charset="0"/>
+              </a:rPr>
+              <a:t>Wiederherstellung bei Datenverlust</a:t>
+            </a:r>
+          </a:p>
+          <a:p>
+            <a:pPr marL="285750" indent="-285750" algn="l">
+              <a:buFont typeface="Arial" panose="020B0604020202020204" pitchFamily="34" charset="0"/>
+              <a:buChar char="•"/>
+            </a:pPr>
+            <a:r>
+              <a:rPr lang="de-DE" sz="2000" dirty="0">
+                <a:latin typeface="The Group TEXT" panose="00000500000000000000" pitchFamily="2" charset="0"/>
+                <a:cs typeface="Arial" panose="020B0604020202020204" pitchFamily="34" charset="0"/>
+              </a:rPr>
+              <a:t>Restore-</a:t>
+            </a:r>
+            <a:r>
+              <a:rPr lang="de-DE" sz="2000" dirty="0" err="1">
+                <a:latin typeface="The Group TEXT" panose="00000500000000000000" pitchFamily="2" charset="0"/>
+                <a:cs typeface="Arial" panose="020B0604020202020204" pitchFamily="34" charset="0"/>
+              </a:rPr>
+              <a:t>Lamp</a:t>
+            </a:r>
+            <a:r>
+              <a:rPr lang="de-DE" sz="2000" dirty="0">
+                <a:latin typeface="The Group TEXT" panose="00000500000000000000" pitchFamily="2" charset="0"/>
+                <a:cs typeface="Arial" panose="020B0604020202020204" pitchFamily="34" charset="0"/>
+              </a:rPr>
+              <a:t> backup-YYYYMMDD.tar.gz</a:t>
+            </a:r>
+          </a:p>
+          <a:p>
+            <a:pPr marL="285750" indent="-285750" algn="l">
+              <a:buFont typeface="Arial" panose="020B0604020202020204" pitchFamily="34" charset="0"/>
+              <a:buChar char="•"/>
+            </a:pPr>
+            <a:r>
+              <a:rPr lang="de-DE" sz="2000" dirty="0">
+                <a:latin typeface="The Group TEXT" panose="00000500000000000000" pitchFamily="2" charset="0"/>
+                <a:cs typeface="Arial" panose="020B0604020202020204" pitchFamily="34" charset="0"/>
+              </a:rPr>
+              <a:t>Während der Wiederherstellung</a:t>
+            </a:r>
+          </a:p>
+          <a:p>
+            <a:pPr marL="742950" lvl="1" indent="-285750">
+              <a:buFont typeface="Arial" panose="020B0604020202020204" pitchFamily="34" charset="0"/>
+              <a:buChar char="•"/>
+            </a:pPr>
+            <a:r>
+              <a:rPr lang="de-DE" sz="2000" dirty="0">
+                <a:latin typeface="The Group TEXT" panose="00000500000000000000" pitchFamily="2" charset="0"/>
+                <a:cs typeface="Arial" panose="020B0604020202020204" pitchFamily="34" charset="0"/>
+              </a:rPr>
+              <a:t>Apache und MySQL werden gestoppt</a:t>
+            </a:r>
+          </a:p>
+          <a:p>
+            <a:pPr marL="742950" lvl="1" indent="-285750">
+              <a:buFont typeface="Arial" panose="020B0604020202020204" pitchFamily="34" charset="0"/>
+              <a:buChar char="•"/>
+            </a:pPr>
+            <a:r>
+              <a:rPr lang="de-DE" sz="2000" dirty="0">
+                <a:latin typeface="The Group TEXT" panose="00000500000000000000" pitchFamily="2" charset="0"/>
+                <a:cs typeface="Arial" panose="020B0604020202020204" pitchFamily="34" charset="0"/>
+              </a:rPr>
+              <a:t>Backupdateien werden über die Alten kopiert</a:t>
+            </a:r>
+          </a:p>
+          <a:p>
+            <a:pPr marL="742950" lvl="1" indent="-285750">
+              <a:buFont typeface="Arial" panose="020B0604020202020204" pitchFamily="34" charset="0"/>
+              <a:buChar char="•"/>
+            </a:pPr>
+            <a:r>
+              <a:rPr lang="de-DE" sz="2000" dirty="0">
+                <a:latin typeface="The Group TEXT" panose="00000500000000000000" pitchFamily="2" charset="0"/>
+                <a:cs typeface="Arial" panose="020B0604020202020204" pitchFamily="34" charset="0"/>
+              </a:rPr>
+              <a:t>Neustart aller Dienste</a:t>
+            </a:r>
+          </a:p>
+          <a:p>
+            <a:endParaRPr lang="de-DE" sz="2000" dirty="0">
+              <a:latin typeface="The Group TEXT" panose="00000500000000000000" pitchFamily="2" charset="0"/>
+            </a:endParaRPr>
+          </a:p>
+        </p:txBody>
+      </p:sp>
+      <p:pic>
+        <p:nvPicPr>
+          <p:cNvPr id="4" name="Inhaltsplatzhalter 7">
+            <a:extLst>
+              <a:ext uri="{FF2B5EF4-FFF2-40B4-BE49-F238E27FC236}">
+                <a16:creationId xmlns:a16="http://schemas.microsoft.com/office/drawing/2014/main" id="{8D83AED4-7D72-BA94-8F5E-0A53E79FD077}"/>
+              </a:ext>
+            </a:extLst>
+          </p:cNvPr>
+          <p:cNvPicPr>
+            <a:picLocks noChangeAspect="1"/>
+          </p:cNvPicPr>
+          <p:nvPr/>
+        </p:nvPicPr>
+        <p:blipFill>
+          <a:blip r:embed="rId3"/>
+          <a:stretch>
+            <a:fillRect/>
+          </a:stretch>
+        </p:blipFill>
+        <p:spPr>
+          <a:xfrm>
+            <a:off x="7116013" y="1290217"/>
+            <a:ext cx="4690369" cy="4886746"/>
+          </a:xfrm>
+          <a:prstGeom prst="rect">
+            <a:avLst/>
+          </a:prstGeom>
+        </p:spPr>
+      </p:pic>
+    </p:spTree>
+    <p:extLst>
+      <p:ext uri="{BB962C8B-B14F-4D97-AF65-F5344CB8AC3E}">
+        <p14:creationId xmlns:p14="http://schemas.microsoft.com/office/powerpoint/2010/main" val="3275196562"/>
       </p:ext>
     </p:extLst>
   </p:cSld>

--- a/Dokumentation/Lernfeld 12 Projekt.pptx
+++ b/Dokumentation/Lernfeld 12 Projekt.pptx
@@ -262,7 +262,7 @@
   <pc:docChgLst>
     <pc:chgData name="Wieching, Levin (SE-7/3AFS2K)" userId="98420e42-2ee7-4e41-8b7c-b6844ebc3566" providerId="ADAL" clId="{523122F4-A900-4A7F-BE11-2AB51AB7F5F4}"/>
     <pc:docChg chg="undo custSel delSld modSld sldOrd">
-      <pc:chgData name="Wieching, Levin (SE-7/3AFS2K)" userId="98420e42-2ee7-4e41-8b7c-b6844ebc3566" providerId="ADAL" clId="{523122F4-A900-4A7F-BE11-2AB51AB7F5F4}" dt="2025-02-11T13:51:11.297" v="57" actId="2696"/>
+      <pc:chgData name="Wieching, Levin (SE-7/3AFS2K)" userId="98420e42-2ee7-4e41-8b7c-b6844ebc3566" providerId="ADAL" clId="{523122F4-A900-4A7F-BE11-2AB51AB7F5F4}" dt="2025-02-11T13:54:23.529" v="58" actId="1076"/>
       <pc:docMkLst>
         <pc:docMk/>
       </pc:docMkLst>
@@ -444,7 +444,7 @@
         </pc:spChg>
       </pc:sldChg>
       <pc:sldChg chg="modSp mod">
-        <pc:chgData name="Wieching, Levin (SE-7/3AFS2K)" userId="98420e42-2ee7-4e41-8b7c-b6844ebc3566" providerId="ADAL" clId="{523122F4-A900-4A7F-BE11-2AB51AB7F5F4}" dt="2025-02-10T08:27:59.502" v="28" actId="2711"/>
+        <pc:chgData name="Wieching, Levin (SE-7/3AFS2K)" userId="98420e42-2ee7-4e41-8b7c-b6844ebc3566" providerId="ADAL" clId="{523122F4-A900-4A7F-BE11-2AB51AB7F5F4}" dt="2025-02-11T13:54:23.529" v="58" actId="1076"/>
         <pc:sldMkLst>
           <pc:docMk/>
           <pc:sldMk cId="3883195815" sldId="264"/>
@@ -465,6 +465,14 @@
             <ac:spMk id="3" creationId="{390312BE-D065-1E4F-B8A2-5580F1906A6A}"/>
           </ac:spMkLst>
         </pc:spChg>
+        <pc:picChg chg="mod">
+          <ac:chgData name="Wieching, Levin (SE-7/3AFS2K)" userId="98420e42-2ee7-4e41-8b7c-b6844ebc3566" providerId="ADAL" clId="{523122F4-A900-4A7F-BE11-2AB51AB7F5F4}" dt="2025-02-11T13:54:23.529" v="58" actId="1076"/>
+          <ac:picMkLst>
+            <pc:docMk/>
+            <pc:sldMk cId="3883195815" sldId="264"/>
+            <ac:picMk id="4" creationId="{BB7D54CB-7E95-B64F-0C63-5C7EF3B7DF00}"/>
+          </ac:picMkLst>
+        </pc:picChg>
       </pc:sldChg>
       <pc:sldChg chg="modSp mod">
         <pc:chgData name="Wieching, Levin (SE-7/3AFS2K)" userId="98420e42-2ee7-4e41-8b7c-b6844ebc3566" providerId="ADAL" clId="{523122F4-A900-4A7F-BE11-2AB51AB7F5F4}" dt="2025-02-11T09:07:16.076" v="53" actId="20577"/>
@@ -8361,7 +8369,7 @@
         </p:blipFill>
         <p:spPr>
           <a:xfrm>
-            <a:off x="5853466" y="1310786"/>
+            <a:off x="8794374" y="1027906"/>
             <a:ext cx="2211977" cy="5057775"/>
           </a:xfrm>
           <a:prstGeom prst="rect">

--- a/Dokumentation/Lernfeld 12 Projekt.pptx
+++ b/Dokumentation/Lernfeld 12 Projekt.pptx
@@ -130,7 +130,7 @@
 <file path=ppt/revisionInfo.xml><?xml version="1.0" encoding="utf-8"?>
 <p1510:revInfo xmlns:a="http://schemas.openxmlformats.org/drawingml/2006/main" xmlns:r="http://schemas.openxmlformats.org/officeDocument/2006/relationships" xmlns:p1510="http://schemas.microsoft.com/office/powerpoint/2015/10/main">
   <p1510:revLst>
-    <p1510:client id="{523122F4-A900-4A7F-BE11-2AB51AB7F5F4}" v="3" dt="2025-02-11T09:07:08.829"/>
+    <p1510:client id="{523122F4-A900-4A7F-BE11-2AB51AB7F5F4}" v="34" dt="2025-02-11T14:00:28.119"/>
   </p1510:revLst>
 </p1510:revInfo>
 </file>
@@ -262,12 +262,12 @@
   <pc:docChgLst>
     <pc:chgData name="Wieching, Levin (SE-7/3AFS2K)" userId="98420e42-2ee7-4e41-8b7c-b6844ebc3566" providerId="ADAL" clId="{523122F4-A900-4A7F-BE11-2AB51AB7F5F4}"/>
     <pc:docChg chg="undo custSel delSld modSld sldOrd">
-      <pc:chgData name="Wieching, Levin (SE-7/3AFS2K)" userId="98420e42-2ee7-4e41-8b7c-b6844ebc3566" providerId="ADAL" clId="{523122F4-A900-4A7F-BE11-2AB51AB7F5F4}" dt="2025-02-11T13:54:23.529" v="58" actId="1076"/>
+      <pc:chgData name="Wieching, Levin (SE-7/3AFS2K)" userId="98420e42-2ee7-4e41-8b7c-b6844ebc3566" providerId="ADAL" clId="{523122F4-A900-4A7F-BE11-2AB51AB7F5F4}" dt="2025-02-11T14:00:28.119" v="89"/>
       <pc:docMkLst>
         <pc:docMk/>
       </pc:docMkLst>
-      <pc:sldChg chg="modSp mod">
-        <pc:chgData name="Wieching, Levin (SE-7/3AFS2K)" userId="98420e42-2ee7-4e41-8b7c-b6844ebc3566" providerId="ADAL" clId="{523122F4-A900-4A7F-BE11-2AB51AB7F5F4}" dt="2025-02-10T08:25:51.680" v="9" actId="113"/>
+      <pc:sldChg chg="modSp mod modTransition">
+        <pc:chgData name="Wieching, Levin (SE-7/3AFS2K)" userId="98420e42-2ee7-4e41-8b7c-b6844ebc3566" providerId="ADAL" clId="{523122F4-A900-4A7F-BE11-2AB51AB7F5F4}" dt="2025-02-11T13:59:41.853" v="77"/>
         <pc:sldMkLst>
           <pc:docMk/>
           <pc:sldMk cId="4145744943" sldId="256"/>
@@ -289,8 +289,8 @@
           </ac:spMkLst>
         </pc:spChg>
       </pc:sldChg>
-      <pc:sldChg chg="modSp mod">
-        <pc:chgData name="Wieching, Levin (SE-7/3AFS2K)" userId="98420e42-2ee7-4e41-8b7c-b6844ebc3566" providerId="ADAL" clId="{523122F4-A900-4A7F-BE11-2AB51AB7F5F4}" dt="2025-02-10T08:25:47.531" v="8" actId="113"/>
+      <pc:sldChg chg="modSp mod modTransition">
+        <pc:chgData name="Wieching, Levin (SE-7/3AFS2K)" userId="98420e42-2ee7-4e41-8b7c-b6844ebc3566" providerId="ADAL" clId="{523122F4-A900-4A7F-BE11-2AB51AB7F5F4}" dt="2025-02-11T13:59:43.363" v="78"/>
         <pc:sldMkLst>
           <pc:docMk/>
           <pc:sldMk cId="795310583" sldId="257"/>
@@ -312,8 +312,8 @@
           </ac:spMkLst>
         </pc:spChg>
       </pc:sldChg>
-      <pc:sldChg chg="modSp mod">
-        <pc:chgData name="Wieching, Levin (SE-7/3AFS2K)" userId="98420e42-2ee7-4e41-8b7c-b6844ebc3566" providerId="ADAL" clId="{523122F4-A900-4A7F-BE11-2AB51AB7F5F4}" dt="2025-02-11T09:05:25.507" v="50" actId="20577"/>
+      <pc:sldChg chg="modSp mod modTransition">
+        <pc:chgData name="Wieching, Levin (SE-7/3AFS2K)" userId="98420e42-2ee7-4e41-8b7c-b6844ebc3566" providerId="ADAL" clId="{523122F4-A900-4A7F-BE11-2AB51AB7F5F4}" dt="2025-02-11T13:59:44.801" v="79"/>
         <pc:sldMkLst>
           <pc:docMk/>
           <pc:sldMk cId="2903512010" sldId="258"/>
@@ -367,8 +367,8 @@
           </ac:picMkLst>
         </pc:picChg>
       </pc:sldChg>
-      <pc:sldChg chg="modSp mod">
-        <pc:chgData name="Wieching, Levin (SE-7/3AFS2K)" userId="98420e42-2ee7-4e41-8b7c-b6844ebc3566" providerId="ADAL" clId="{523122F4-A900-4A7F-BE11-2AB51AB7F5F4}" dt="2025-02-10T08:26:30.900" v="15" actId="2711"/>
+      <pc:sldChg chg="modSp mod modTransition">
+        <pc:chgData name="Wieching, Levin (SE-7/3AFS2K)" userId="98420e42-2ee7-4e41-8b7c-b6844ebc3566" providerId="ADAL" clId="{523122F4-A900-4A7F-BE11-2AB51AB7F5F4}" dt="2025-02-11T14:00:05.218" v="81"/>
         <pc:sldMkLst>
           <pc:docMk/>
           <pc:sldMk cId="1368631229" sldId="260"/>
@@ -397,8 +397,8 @@
           <pc:sldMk cId="241887860" sldId="261"/>
         </pc:sldMkLst>
       </pc:sldChg>
-      <pc:sldChg chg="modSp mod ord">
-        <pc:chgData name="Wieching, Levin (SE-7/3AFS2K)" userId="98420e42-2ee7-4e41-8b7c-b6844ebc3566" providerId="ADAL" clId="{523122F4-A900-4A7F-BE11-2AB51AB7F5F4}" dt="2025-02-11T13:51:07.076" v="56"/>
+      <pc:sldChg chg="modSp mod ord modTransition">
+        <pc:chgData name="Wieching, Levin (SE-7/3AFS2K)" userId="98420e42-2ee7-4e41-8b7c-b6844ebc3566" providerId="ADAL" clId="{523122F4-A900-4A7F-BE11-2AB51AB7F5F4}" dt="2025-02-11T14:00:03.901" v="80"/>
         <pc:sldMkLst>
           <pc:docMk/>
           <pc:sldMk cId="2490254022" sldId="262"/>
@@ -443,8 +443,8 @@
           </ac:spMkLst>
         </pc:spChg>
       </pc:sldChg>
-      <pc:sldChg chg="modSp mod">
-        <pc:chgData name="Wieching, Levin (SE-7/3AFS2K)" userId="98420e42-2ee7-4e41-8b7c-b6844ebc3566" providerId="ADAL" clId="{523122F4-A900-4A7F-BE11-2AB51AB7F5F4}" dt="2025-02-11T13:54:23.529" v="58" actId="1076"/>
+      <pc:sldChg chg="modSp mod modTransition">
+        <pc:chgData name="Wieching, Levin (SE-7/3AFS2K)" userId="98420e42-2ee7-4e41-8b7c-b6844ebc3566" providerId="ADAL" clId="{523122F4-A900-4A7F-BE11-2AB51AB7F5F4}" dt="2025-02-11T14:00:06.885" v="82"/>
         <pc:sldMkLst>
           <pc:docMk/>
           <pc:sldMk cId="3883195815" sldId="264"/>
@@ -474,8 +474,8 @@
           </ac:picMkLst>
         </pc:picChg>
       </pc:sldChg>
-      <pc:sldChg chg="modSp mod">
-        <pc:chgData name="Wieching, Levin (SE-7/3AFS2K)" userId="98420e42-2ee7-4e41-8b7c-b6844ebc3566" providerId="ADAL" clId="{523122F4-A900-4A7F-BE11-2AB51AB7F5F4}" dt="2025-02-11T09:07:16.076" v="53" actId="20577"/>
+      <pc:sldChg chg="modSp mod modTransition">
+        <pc:chgData name="Wieching, Levin (SE-7/3AFS2K)" userId="98420e42-2ee7-4e41-8b7c-b6844ebc3566" providerId="ADAL" clId="{523122F4-A900-4A7F-BE11-2AB51AB7F5F4}" dt="2025-02-11T14:00:08.746" v="83"/>
         <pc:sldMkLst>
           <pc:docMk/>
           <pc:sldMk cId="31823734" sldId="265"/>
@@ -497,8 +497,8 @@
           </ac:spMkLst>
         </pc:spChg>
       </pc:sldChg>
-      <pc:sldChg chg="modSp mod">
-        <pc:chgData name="Wieching, Levin (SE-7/3AFS2K)" userId="98420e42-2ee7-4e41-8b7c-b6844ebc3566" providerId="ADAL" clId="{523122F4-A900-4A7F-BE11-2AB51AB7F5F4}" dt="2025-02-10T08:28:32.575" v="34" actId="2711"/>
+      <pc:sldChg chg="modSp mod modTransition">
+        <pc:chgData name="Wieching, Levin (SE-7/3AFS2K)" userId="98420e42-2ee7-4e41-8b7c-b6844ebc3566" providerId="ADAL" clId="{523122F4-A900-4A7F-BE11-2AB51AB7F5F4}" dt="2025-02-11T14:00:10.544" v="84"/>
         <pc:sldMkLst>
           <pc:docMk/>
           <pc:sldMk cId="131494481" sldId="266"/>
@@ -520,8 +520,8 @@
           </ac:spMkLst>
         </pc:spChg>
       </pc:sldChg>
-      <pc:sldChg chg="modSp mod">
-        <pc:chgData name="Wieching, Levin (SE-7/3AFS2K)" userId="98420e42-2ee7-4e41-8b7c-b6844ebc3566" providerId="ADAL" clId="{523122F4-A900-4A7F-BE11-2AB51AB7F5F4}" dt="2025-02-11T09:04:52.164" v="48" actId="20577"/>
+      <pc:sldChg chg="modSp mod modTransition">
+        <pc:chgData name="Wieching, Levin (SE-7/3AFS2K)" userId="98420e42-2ee7-4e41-8b7c-b6844ebc3566" providerId="ADAL" clId="{523122F4-A900-4A7F-BE11-2AB51AB7F5F4}" dt="2025-02-11T14:00:15.870" v="85"/>
         <pc:sldMkLst>
           <pc:docMk/>
           <pc:sldMk cId="3275196562" sldId="267"/>
@@ -543,8 +543,8 @@
           </ac:spMkLst>
         </pc:spChg>
       </pc:sldChg>
-      <pc:sldChg chg="modSp mod">
-        <pc:chgData name="Wieching, Levin (SE-7/3AFS2K)" userId="98420e42-2ee7-4e41-8b7c-b6844ebc3566" providerId="ADAL" clId="{523122F4-A900-4A7F-BE11-2AB51AB7F5F4}" dt="2025-02-10T08:29:32.948" v="41" actId="2711"/>
+      <pc:sldChg chg="modSp mod modTransition">
+        <pc:chgData name="Wieching, Levin (SE-7/3AFS2K)" userId="98420e42-2ee7-4e41-8b7c-b6844ebc3566" providerId="ADAL" clId="{523122F4-A900-4A7F-BE11-2AB51AB7F5F4}" dt="2025-02-11T14:00:20.903" v="86"/>
         <pc:sldMkLst>
           <pc:docMk/>
           <pc:sldMk cId="1343056098" sldId="268"/>
@@ -566,8 +566,8 @@
           </ac:spMkLst>
         </pc:spChg>
       </pc:sldChg>
-      <pc:sldChg chg="modSp mod">
-        <pc:chgData name="Wieching, Levin (SE-7/3AFS2K)" userId="98420e42-2ee7-4e41-8b7c-b6844ebc3566" providerId="ADAL" clId="{523122F4-A900-4A7F-BE11-2AB51AB7F5F4}" dt="2025-02-10T08:29:43.149" v="43" actId="27636"/>
+      <pc:sldChg chg="modSp mod modTransition">
+        <pc:chgData name="Wieching, Levin (SE-7/3AFS2K)" userId="98420e42-2ee7-4e41-8b7c-b6844ebc3566" providerId="ADAL" clId="{523122F4-A900-4A7F-BE11-2AB51AB7F5F4}" dt="2025-02-11T14:00:23.500" v="87"/>
         <pc:sldMkLst>
           <pc:docMk/>
           <pc:sldMk cId="2689339208" sldId="269"/>
@@ -581,8 +581,8 @@
           </ac:spMkLst>
         </pc:spChg>
       </pc:sldChg>
-      <pc:sldChg chg="modSp mod">
-        <pc:chgData name="Wieching, Levin (SE-7/3AFS2K)" userId="98420e42-2ee7-4e41-8b7c-b6844ebc3566" providerId="ADAL" clId="{523122F4-A900-4A7F-BE11-2AB51AB7F5F4}" dt="2025-02-10T08:30:03.785" v="44" actId="2711"/>
+      <pc:sldChg chg="modSp mod modTransition">
+        <pc:chgData name="Wieching, Levin (SE-7/3AFS2K)" userId="98420e42-2ee7-4e41-8b7c-b6844ebc3566" providerId="ADAL" clId="{523122F4-A900-4A7F-BE11-2AB51AB7F5F4}" dt="2025-02-11T14:00:25.287" v="88"/>
         <pc:sldMkLst>
           <pc:docMk/>
           <pc:sldMk cId="840203299" sldId="270"/>
@@ -596,8 +596,8 @@
           </ac:spMkLst>
         </pc:spChg>
       </pc:sldChg>
-      <pc:sldChg chg="modSp mod">
-        <pc:chgData name="Wieching, Levin (SE-7/3AFS2K)" userId="98420e42-2ee7-4e41-8b7c-b6844ebc3566" providerId="ADAL" clId="{523122F4-A900-4A7F-BE11-2AB51AB7F5F4}" dt="2025-02-10T08:30:16.732" v="46" actId="113"/>
+      <pc:sldChg chg="modSp mod modTransition">
+        <pc:chgData name="Wieching, Levin (SE-7/3AFS2K)" userId="98420e42-2ee7-4e41-8b7c-b6844ebc3566" providerId="ADAL" clId="{523122F4-A900-4A7F-BE11-2AB51AB7F5F4}" dt="2025-02-11T14:00:28.119" v="89"/>
         <pc:sldMkLst>
           <pc:docMk/>
           <pc:sldMk cId="3984829396" sldId="272"/>
@@ -5509,6 +5509,18 @@
   <p:clrMapOvr>
     <a:masterClrMapping/>
   </p:clrMapOvr>
+  <mc:AlternateContent xmlns:mc="http://schemas.openxmlformats.org/markup-compatibility/2006">
+    <mc:Choice xmlns:p159="http://schemas.microsoft.com/office/powerpoint/2015/09/main" Requires="p159">
+      <p:transition xmlns:p14="http://schemas.microsoft.com/office/powerpoint/2010/main" spd="slow" p14:dur="2000">
+        <p159:morph option="byObject"/>
+      </p:transition>
+    </mc:Choice>
+    <mc:Fallback>
+      <p:transition spd="slow">
+        <p:fade/>
+      </p:transition>
+    </mc:Fallback>
+  </mc:AlternateContent>
 </p:sld>
 </file>
 
@@ -5739,6 +5751,18 @@
   <p:clrMapOvr>
     <a:masterClrMapping/>
   </p:clrMapOvr>
+  <mc:AlternateContent xmlns:mc="http://schemas.openxmlformats.org/markup-compatibility/2006">
+    <mc:Choice xmlns:p159="http://schemas.microsoft.com/office/powerpoint/2015/09/main" Requires="p159">
+      <p:transition xmlns:p14="http://schemas.microsoft.com/office/powerpoint/2010/main" spd="slow" p14:dur="2000">
+        <p159:morph option="byObject"/>
+      </p:transition>
+    </mc:Choice>
+    <mc:Fallback>
+      <p:transition spd="slow">
+        <p:fade/>
+      </p:transition>
+    </mc:Fallback>
+  </mc:AlternateContent>
 </p:sld>
 </file>
 
@@ -6060,6 +6084,18 @@
   <p:clrMapOvr>
     <a:masterClrMapping/>
   </p:clrMapOvr>
+  <mc:AlternateContent xmlns:mc="http://schemas.openxmlformats.org/markup-compatibility/2006">
+    <mc:Choice xmlns:p159="http://schemas.microsoft.com/office/powerpoint/2015/09/main" Requires="p159">
+      <p:transition xmlns:p14="http://schemas.microsoft.com/office/powerpoint/2010/main" spd="slow" p14:dur="2000">
+        <p159:morph option="byObject"/>
+      </p:transition>
+    </mc:Choice>
+    <mc:Fallback>
+      <p:transition spd="slow">
+        <p:fade/>
+      </p:transition>
+    </mc:Fallback>
+  </mc:AlternateContent>
 </p:sld>
 </file>
 
@@ -6227,6 +6263,18 @@
   <p:clrMapOvr>
     <a:masterClrMapping/>
   </p:clrMapOvr>
+  <mc:AlternateContent xmlns:mc="http://schemas.openxmlformats.org/markup-compatibility/2006">
+    <mc:Choice xmlns:p159="http://schemas.microsoft.com/office/powerpoint/2015/09/main" Requires="p159">
+      <p:transition xmlns:p14="http://schemas.microsoft.com/office/powerpoint/2010/main" spd="slow" p14:dur="2000">
+        <p159:morph option="byObject"/>
+      </p:transition>
+    </mc:Choice>
+    <mc:Fallback>
+      <p:transition spd="slow">
+        <p:fade/>
+      </p:transition>
+    </mc:Fallback>
+  </mc:AlternateContent>
 </p:sld>
 </file>
 
@@ -6313,6 +6361,18 @@
   <p:clrMapOvr>
     <a:masterClrMapping/>
   </p:clrMapOvr>
+  <mc:AlternateContent xmlns:mc="http://schemas.openxmlformats.org/markup-compatibility/2006">
+    <mc:Choice xmlns:p15="http://schemas.microsoft.com/office/powerpoint/2012/main" Requires="p15">
+      <p:transition xmlns:p14="http://schemas.microsoft.com/office/powerpoint/2010/main" spd="slow" p14:dur="2000">
+        <p15:prstTrans prst="fallOver"/>
+      </p:transition>
+    </mc:Choice>
+    <mc:Fallback>
+      <p:transition spd="slow">
+        <p:fade/>
+      </p:transition>
+    </mc:Fallback>
+  </mc:AlternateContent>
 </p:sld>
 </file>
 
@@ -6531,6 +6591,18 @@
   <p:clrMapOvr>
     <a:masterClrMapping/>
   </p:clrMapOvr>
+  <mc:AlternateContent xmlns:mc="http://schemas.openxmlformats.org/markup-compatibility/2006">
+    <mc:Choice xmlns:p159="http://schemas.microsoft.com/office/powerpoint/2015/09/main" Requires="p159">
+      <p:transition xmlns:p14="http://schemas.microsoft.com/office/powerpoint/2010/main" spd="slow" p14:dur="2000">
+        <p159:morph option="byObject"/>
+      </p:transition>
+    </mc:Choice>
+    <mc:Fallback>
+      <p:transition spd="slow">
+        <p:fade/>
+      </p:transition>
+    </mc:Fallback>
+  </mc:AlternateContent>
 </p:sld>
 </file>
 
@@ -6829,6 +6901,18 @@
   <p:clrMapOvr>
     <a:masterClrMapping/>
   </p:clrMapOvr>
+  <mc:AlternateContent xmlns:mc="http://schemas.openxmlformats.org/markup-compatibility/2006">
+    <mc:Choice xmlns:p159="http://schemas.microsoft.com/office/powerpoint/2015/09/main" Requires="p159">
+      <p:transition xmlns:p14="http://schemas.microsoft.com/office/powerpoint/2010/main" spd="slow" p14:dur="2000">
+        <p159:morph option="byObject"/>
+      </p:transition>
+    </mc:Choice>
+    <mc:Fallback>
+      <p:transition spd="slow">
+        <p:fade/>
+      </p:transition>
+    </mc:Fallback>
+  </mc:AlternateContent>
 </p:sld>
 </file>
 
@@ -7704,6 +7788,18 @@
   <p:clrMapOvr>
     <a:masterClrMapping/>
   </p:clrMapOvr>
+  <mc:AlternateContent xmlns:mc="http://schemas.openxmlformats.org/markup-compatibility/2006">
+    <mc:Choice xmlns:p159="http://schemas.microsoft.com/office/powerpoint/2015/09/main" Requires="p159">
+      <p:transition xmlns:p14="http://schemas.microsoft.com/office/powerpoint/2010/main" spd="slow" p14:dur="2000">
+        <p159:morph option="byObject"/>
+      </p:transition>
+    </mc:Choice>
+    <mc:Fallback>
+      <p:transition spd="slow">
+        <p:fade/>
+      </p:transition>
+    </mc:Fallback>
+  </mc:AlternateContent>
 </p:sld>
 </file>
 
@@ -8098,6 +8194,18 @@
   <p:clrMapOvr>
     <a:masterClrMapping/>
   </p:clrMapOvr>
+  <mc:AlternateContent xmlns:mc="http://schemas.openxmlformats.org/markup-compatibility/2006">
+    <mc:Choice xmlns:p159="http://schemas.microsoft.com/office/powerpoint/2015/09/main" Requires="p159">
+      <p:transition xmlns:p14="http://schemas.microsoft.com/office/powerpoint/2010/main" spd="slow" p14:dur="2000">
+        <p159:morph option="byObject"/>
+      </p:transition>
+    </mc:Choice>
+    <mc:Fallback>
+      <p:transition spd="slow">
+        <p:fade/>
+      </p:transition>
+    </mc:Fallback>
+  </mc:AlternateContent>
 </p:sld>
 </file>
 
@@ -8387,6 +8495,18 @@
   <p:clrMapOvr>
     <a:masterClrMapping/>
   </p:clrMapOvr>
+  <mc:AlternateContent xmlns:mc="http://schemas.openxmlformats.org/markup-compatibility/2006">
+    <mc:Choice xmlns:p159="http://schemas.microsoft.com/office/powerpoint/2015/09/main" Requires="p159">
+      <p:transition xmlns:p14="http://schemas.microsoft.com/office/powerpoint/2010/main" spd="slow" p14:dur="2000">
+        <p159:morph option="byObject"/>
+      </p:transition>
+    </mc:Choice>
+    <mc:Fallback>
+      <p:transition spd="slow">
+        <p:fade/>
+      </p:transition>
+    </mc:Fallback>
+  </mc:AlternateContent>
 </p:sld>
 </file>
 
@@ -8637,6 +8757,18 @@
   <p:clrMapOvr>
     <a:masterClrMapping/>
   </p:clrMapOvr>
+  <mc:AlternateContent xmlns:mc="http://schemas.openxmlformats.org/markup-compatibility/2006">
+    <mc:Choice xmlns:p159="http://schemas.microsoft.com/office/powerpoint/2015/09/main" Requires="p159">
+      <p:transition xmlns:p14="http://schemas.microsoft.com/office/powerpoint/2010/main" spd="slow" p14:dur="2000">
+        <p159:morph option="byObject"/>
+      </p:transition>
+    </mc:Choice>
+    <mc:Fallback>
+      <p:transition spd="slow">
+        <p:fade/>
+      </p:transition>
+    </mc:Fallback>
+  </mc:AlternateContent>
 </p:sld>
 </file>
 
@@ -8868,6 +9000,18 @@
   <p:clrMapOvr>
     <a:masterClrMapping/>
   </p:clrMapOvr>
+  <mc:AlternateContent xmlns:mc="http://schemas.openxmlformats.org/markup-compatibility/2006">
+    <mc:Choice xmlns:p159="http://schemas.microsoft.com/office/powerpoint/2015/09/main" Requires="p159">
+      <p:transition xmlns:p14="http://schemas.microsoft.com/office/powerpoint/2010/main" spd="slow" p14:dur="2000">
+        <p159:morph option="byObject"/>
+      </p:transition>
+    </mc:Choice>
+    <mc:Fallback>
+      <p:transition spd="slow">
+        <p:fade/>
+      </p:transition>
+    </mc:Fallback>
+  </mc:AlternateContent>
 </p:sld>
 </file>
 
@@ -9187,6 +9331,18 @@
   <p:clrMapOvr>
     <a:masterClrMapping/>
   </p:clrMapOvr>
+  <mc:AlternateContent xmlns:mc="http://schemas.openxmlformats.org/markup-compatibility/2006">
+    <mc:Choice xmlns:p159="http://schemas.microsoft.com/office/powerpoint/2015/09/main" Requires="p159">
+      <p:transition xmlns:p14="http://schemas.microsoft.com/office/powerpoint/2010/main" spd="slow" p14:dur="2000">
+        <p159:morph option="byObject"/>
+      </p:transition>
+    </mc:Choice>
+    <mc:Fallback>
+      <p:transition spd="slow">
+        <p:fade/>
+      </p:transition>
+    </mc:Fallback>
+  </mc:AlternateContent>
 </p:sld>
 </file>
 
